--- a/slides/02_Spark_Intro.pptx
+++ b/slides/02_Spark_Intro.pptx
@@ -5,10 +5,10 @@
     <p:sldMasterId id="2147483672" r:id="rId1"/>
   </p:sldMasterIdLst>
   <p:notesMasterIdLst>
-    <p:notesMasterId r:id="rId37"/>
+    <p:notesMasterId r:id="rId54"/>
   </p:notesMasterIdLst>
   <p:handoutMasterIdLst>
-    <p:handoutMasterId r:id="rId38"/>
+    <p:handoutMasterId r:id="rId55"/>
   </p:handoutMasterIdLst>
   <p:sldIdLst>
     <p:sldId id="258" r:id="rId2"/>
@@ -23,29 +23,46 @@
     <p:sldId id="305" r:id="rId11"/>
     <p:sldId id="265" r:id="rId12"/>
     <p:sldId id="266" r:id="rId13"/>
-    <p:sldId id="306" r:id="rId14"/>
-    <p:sldId id="308" r:id="rId15"/>
-    <p:sldId id="307" r:id="rId16"/>
-    <p:sldId id="276" r:id="rId17"/>
-    <p:sldId id="287" r:id="rId18"/>
-    <p:sldId id="289" r:id="rId19"/>
-    <p:sldId id="277" r:id="rId20"/>
-    <p:sldId id="290" r:id="rId21"/>
-    <p:sldId id="288" r:id="rId22"/>
-    <p:sldId id="269" r:id="rId23"/>
-    <p:sldId id="291" r:id="rId24"/>
-    <p:sldId id="278" r:id="rId25"/>
-    <p:sldId id="282" r:id="rId26"/>
-    <p:sldId id="285" r:id="rId27"/>
-    <p:sldId id="286" r:id="rId28"/>
-    <p:sldId id="284" r:id="rId29"/>
-    <p:sldId id="292" r:id="rId30"/>
-    <p:sldId id="293" r:id="rId31"/>
-    <p:sldId id="294" r:id="rId32"/>
-    <p:sldId id="296" r:id="rId33"/>
-    <p:sldId id="297" r:id="rId34"/>
-    <p:sldId id="274" r:id="rId35"/>
-    <p:sldId id="275" r:id="rId36"/>
+    <p:sldId id="282" r:id="rId14"/>
+    <p:sldId id="306" r:id="rId15"/>
+    <p:sldId id="308" r:id="rId16"/>
+    <p:sldId id="310" r:id="rId17"/>
+    <p:sldId id="309" r:id="rId18"/>
+    <p:sldId id="276" r:id="rId19"/>
+    <p:sldId id="287" r:id="rId20"/>
+    <p:sldId id="289" r:id="rId21"/>
+    <p:sldId id="277" r:id="rId22"/>
+    <p:sldId id="290" r:id="rId23"/>
+    <p:sldId id="288" r:id="rId24"/>
+    <p:sldId id="269" r:id="rId25"/>
+    <p:sldId id="291" r:id="rId26"/>
+    <p:sldId id="278" r:id="rId27"/>
+    <p:sldId id="307" r:id="rId28"/>
+    <p:sldId id="311" r:id="rId29"/>
+    <p:sldId id="314" r:id="rId30"/>
+    <p:sldId id="312" r:id="rId31"/>
+    <p:sldId id="313" r:id="rId32"/>
+    <p:sldId id="315" r:id="rId33"/>
+    <p:sldId id="317" r:id="rId34"/>
+    <p:sldId id="320" r:id="rId35"/>
+    <p:sldId id="318" r:id="rId36"/>
+    <p:sldId id="321" r:id="rId37"/>
+    <p:sldId id="323" r:id="rId38"/>
+    <p:sldId id="322" r:id="rId39"/>
+    <p:sldId id="324" r:id="rId40"/>
+    <p:sldId id="293" r:id="rId41"/>
+    <p:sldId id="325" r:id="rId42"/>
+    <p:sldId id="294" r:id="rId43"/>
+    <p:sldId id="296" r:id="rId44"/>
+    <p:sldId id="297" r:id="rId45"/>
+    <p:sldId id="326" r:id="rId46"/>
+    <p:sldId id="327" r:id="rId47"/>
+    <p:sldId id="330" r:id="rId48"/>
+    <p:sldId id="329" r:id="rId49"/>
+    <p:sldId id="331" r:id="rId50"/>
+    <p:sldId id="332" r:id="rId51"/>
+    <p:sldId id="328" r:id="rId52"/>
+    <p:sldId id="275" r:id="rId53"/>
   </p:sldIdLst>
   <p:sldSz cx="9144000" cy="6858000" type="screen4x3"/>
   <p:notesSz cx="6858000" cy="9144000"/>
@@ -229,7 +246,7 @@
           <a:p>
             <a:fld id="{F417C17C-C22B-5A4D-86C6-03CADFB916E7}" type="datetimeFigureOut">
               <a:rPr lang="en-US" smtClean="0"/>
-              <a:t>1/25/15</a:t>
+              <a:t>1/29/15</a:t>
             </a:fld>
             <a:endParaRPr lang="en-US"/>
           </a:p>
@@ -395,7 +412,7 @@
           <a:p>
             <a:fld id="{F94EDEDA-1CEA-BB4E-9B95-2149BD5068F1}" type="datetimeFigureOut">
               <a:rPr lang="en-US" smtClean="0"/>
-              <a:t>1/25/15</a:t>
+              <a:t>1/29/15</a:t>
             </a:fld>
             <a:endParaRPr lang="en-US"/>
           </a:p>
@@ -664,6 +681,126 @@
 </p:notesMaster>
 </file>
 
+<file path=ppt/notesSlides/notesSlide1.xml><?xml version="1.0" encoding="utf-8"?>
+<p:notes xmlns:a="http://schemas.openxmlformats.org/drawingml/2006/main" xmlns:r="http://schemas.openxmlformats.org/officeDocument/2006/relationships" xmlns:p="http://schemas.openxmlformats.org/presentationml/2006/main">
+  <p:cSld>
+    <p:spTree>
+      <p:nvGrpSpPr>
+        <p:cNvPr id="1" name=""/>
+        <p:cNvGrpSpPr/>
+        <p:nvPr/>
+      </p:nvGrpSpPr>
+      <p:grpSpPr>
+        <a:xfrm>
+          <a:off x="0" y="0"/>
+          <a:ext cx="0" cy="0"/>
+          <a:chOff x="0" y="0"/>
+          <a:chExt cx="0" cy="0"/>
+        </a:xfrm>
+      </p:grpSpPr>
+      <p:sp>
+        <p:nvSpPr>
+          <p:cNvPr id="2" name="Slide Image Placeholder 1"/>
+          <p:cNvSpPr>
+            <a:spLocks noGrp="1" noRot="1" noChangeAspect="1"/>
+          </p:cNvSpPr>
+          <p:nvPr>
+            <p:ph type="sldImg"/>
+          </p:nvPr>
+        </p:nvSpPr>
+        <p:spPr/>
+      </p:sp>
+      <p:sp>
+        <p:nvSpPr>
+          <p:cNvPr id="3" name="Notes Placeholder 2"/>
+          <p:cNvSpPr>
+            <a:spLocks noGrp="1"/>
+          </p:cNvSpPr>
+          <p:nvPr>
+            <p:ph type="body" idx="1"/>
+          </p:nvPr>
+        </p:nvSpPr>
+        <p:spPr/>
+        <p:txBody>
+          <a:bodyPr/>
+          <a:lstStyle/>
+          <a:p>
+            <a:pPr marL="228600" indent="-228600">
+              <a:buAutoNum type="arabicParenR"/>
+            </a:pPr>
+            <a:r>
+              <a:rPr lang="en-US" dirty="0" smtClean="0"/>
+              <a:t>All mapper</a:t>
+            </a:r>
+            <a:r>
+              <a:rPr lang="en-US" baseline="0" dirty="0" smtClean="0"/>
+              <a:t> do is sort them into right age groups</a:t>
+            </a:r>
+          </a:p>
+          <a:p>
+            <a:pPr marL="228600" indent="-228600">
+              <a:buAutoNum type="arabicParenR"/>
+            </a:pPr>
+            <a:r>
+              <a:rPr lang="en-US" baseline="0" dirty="0" smtClean="0"/>
+              <a:t>Reducer can process each group independently </a:t>
+            </a:r>
+            <a:r>
+              <a:rPr lang="en-US" baseline="0" dirty="0" smtClean="0">
+                <a:sym typeface="Wingdings"/>
+              </a:rPr>
+              <a:t> parallelism</a:t>
+            </a:r>
+            <a:endParaRPr lang="en-US" baseline="0" dirty="0" smtClean="0"/>
+          </a:p>
+          <a:p>
+            <a:pPr marL="228600" indent="-228600">
+              <a:buAutoNum type="arabicParenR"/>
+            </a:pPr>
+            <a:r>
+              <a:rPr lang="en-US" baseline="0" dirty="0" smtClean="0"/>
+              <a:t>Map phase can be paralleled too</a:t>
+            </a:r>
+            <a:endParaRPr lang="en-US" dirty="0"/>
+          </a:p>
+        </p:txBody>
+      </p:sp>
+      <p:sp>
+        <p:nvSpPr>
+          <p:cNvPr id="4" name="Slide Number Placeholder 3"/>
+          <p:cNvSpPr>
+            <a:spLocks noGrp="1"/>
+          </p:cNvSpPr>
+          <p:nvPr>
+            <p:ph type="sldNum" sz="quarter" idx="10"/>
+          </p:nvPr>
+        </p:nvSpPr>
+        <p:spPr/>
+        <p:txBody>
+          <a:bodyPr/>
+          <a:lstStyle/>
+          <a:p>
+            <a:fld id="{FA6F1241-889B-AD4D-909B-32DF63E6C49F}" type="slidenum">
+              <a:rPr lang="en-US" smtClean="0"/>
+              <a:t>35</a:t>
+            </a:fld>
+            <a:endParaRPr lang="en-US"/>
+          </a:p>
+        </p:txBody>
+      </p:sp>
+    </p:spTree>
+    <p:extLst>
+      <p:ext uri="{BB962C8B-B14F-4D97-AF65-F5344CB8AC3E}">
+        <p14:creationId xmlns:p14="http://schemas.microsoft.com/office/powerpoint/2010/main" val="327702415"/>
+      </p:ext>
+    </p:extLst>
+  </p:cSld>
+  <p:clrMapOvr>
+    <a:masterClrMapping/>
+  </p:clrMapOvr>
+</p:notes>
+</file>
+
 <file path=ppt/slideLayouts/slideLayout1.xml><?xml version="1.0" encoding="utf-8"?>
 <p:sldLayout xmlns:a="http://schemas.openxmlformats.org/drawingml/2006/main" xmlns:r="http://schemas.openxmlformats.org/officeDocument/2006/relationships" xmlns:p="http://schemas.openxmlformats.org/presentationml/2006/main" showMasterSp="0" type="title" preserve="1">
   <p:cSld name="Title Slide">
@@ -865,7 +1002,7 @@
           <a:p>
             <a:fld id="{9F1B846B-8A2D-1B40-9656-03CBE7C30F89}" type="datetime1">
               <a:rPr lang="en-US" smtClean="0"/>
-              <a:t>1/25/15</a:t>
+              <a:t>1/29/15</a:t>
             </a:fld>
             <a:endParaRPr lang="en-US"/>
           </a:p>
@@ -1323,7 +1460,7 @@
           <a:p>
             <a:fld id="{3AC6D651-2F6B-4F44-9AC2-2874A650DFFF}" type="datetime1">
               <a:rPr lang="en-US" smtClean="0"/>
-              <a:t>1/25/15</a:t>
+              <a:t>1/29/15</a:t>
             </a:fld>
             <a:endParaRPr lang="en-US"/>
           </a:p>
@@ -1870,7 +2007,7 @@
           <a:p>
             <a:fld id="{2F9368DD-AF8D-A84E-B015-C56E16CCA0B8}" type="datetime1">
               <a:rPr lang="en-US" smtClean="0"/>
-              <a:t>1/25/15</a:t>
+              <a:t>1/29/15</a:t>
             </a:fld>
             <a:endParaRPr lang="en-US"/>
           </a:p>
@@ -2010,7 +2147,7 @@
           <a:p>
             <a:fld id="{51EECA03-0EFE-AE49-AEC4-FF5FAA3318FF}" type="datetime1">
               <a:rPr lang="en-US" smtClean="0"/>
-              <a:t>1/25/15</a:t>
+              <a:t>1/29/15</a:t>
             </a:fld>
             <a:endParaRPr lang="en-US"/>
           </a:p>
@@ -2352,7 +2489,7 @@
           <a:p>
             <a:fld id="{AC99F442-9D35-CD43-AF7C-482407A7E448}" type="datetime1">
               <a:rPr lang="en-US" smtClean="0"/>
-              <a:t>1/25/15</a:t>
+              <a:t>1/29/15</a:t>
             </a:fld>
             <a:endParaRPr lang="en-US"/>
           </a:p>
@@ -2682,7 +2819,7 @@
           <a:p>
             <a:fld id="{6FF29FFD-6E86-7D41-8B06-D97C95FD9989}" type="datetime1">
               <a:rPr lang="en-US" smtClean="0"/>
-              <a:t>1/25/15</a:t>
+              <a:t>1/29/15</a:t>
             </a:fld>
             <a:endParaRPr lang="en-US"/>
           </a:p>
@@ -2984,7 +3121,7 @@
           <a:p>
             <a:fld id="{A7DDD598-7C70-AD4A-A0DD-92D30AAA5510}" type="datetime1">
               <a:rPr lang="en-US" smtClean="0"/>
-              <a:t>1/25/15</a:t>
+              <a:t>1/29/15</a:t>
             </a:fld>
             <a:endParaRPr lang="en-US"/>
           </a:p>
@@ -3375,7 +3512,7 @@
           <a:p>
             <a:fld id="{69AB95C5-5C4D-2440-955D-3D443FE41120}" type="datetime1">
               <a:rPr lang="en-US" smtClean="0"/>
-              <a:t>1/25/15</a:t>
+              <a:t>1/29/15</a:t>
             </a:fld>
             <a:endParaRPr lang="en-US"/>
           </a:p>
@@ -3799,7 +3936,7 @@
           <a:p>
             <a:fld id="{7A3B19C7-97AD-7A44-9B9C-A4CD352EDF8C}" type="datetime1">
               <a:rPr lang="en-US" smtClean="0"/>
-              <a:t>1/25/15</a:t>
+              <a:t>1/29/15</a:t>
             </a:fld>
             <a:endParaRPr lang="en-US"/>
           </a:p>
@@ -4351,7 +4488,7 @@
           <a:p>
             <a:fld id="{400A512E-66E8-C943-9CDD-ABCDE7307FC5}" type="datetime1">
               <a:rPr lang="en-US" smtClean="0"/>
-              <a:t>1/25/15</a:t>
+              <a:t>1/29/15</a:t>
             </a:fld>
             <a:endParaRPr lang="en-US"/>
           </a:p>
@@ -4713,7 +4850,7 @@
           <a:p>
             <a:fld id="{275737D3-87B9-8A41-9F3E-456EAA10E2F7}" type="datetime1">
               <a:rPr lang="en-US" smtClean="0"/>
-              <a:t>1/25/15</a:t>
+              <a:t>1/29/15</a:t>
             </a:fld>
             <a:endParaRPr lang="en-US"/>
           </a:p>
@@ -4932,7 +5069,7 @@
           <a:p>
             <a:fld id="{3B13B7C4-28A5-CB48-9F90-61EEE4FDDD8B}" type="datetime1">
               <a:rPr lang="en-US" smtClean="0"/>
-              <a:t>1/25/15</a:t>
+              <a:t>1/29/15</a:t>
             </a:fld>
             <a:endParaRPr lang="en-US"/>
           </a:p>
@@ -5243,7 +5380,7 @@
           <a:p>
             <a:fld id="{FB820ADC-A989-0B43-894B-CC8B88A6A058}" type="datetime1">
               <a:rPr lang="en-US" smtClean="0"/>
-              <a:t>1/25/15</a:t>
+              <a:t>1/29/15</a:t>
             </a:fld>
             <a:endParaRPr lang="en-US"/>
           </a:p>
@@ -5503,7 +5640,7 @@
           <a:p>
             <a:fld id="{6EFD7B0D-1D9A-AA44-8AA0-36F432394321}" type="datetime1">
               <a:rPr lang="en-US" smtClean="0"/>
-              <a:t>1/25/15</a:t>
+              <a:t>1/29/15</a:t>
             </a:fld>
             <a:endParaRPr lang="en-US"/>
           </a:p>
@@ -5896,7 +6033,7 @@
           <a:p>
             <a:fld id="{8391D6BE-CC5A-F441-BF5C-132B93EAE0B9}" type="datetime1">
               <a:rPr lang="en-US" smtClean="0"/>
-              <a:t>1/25/15</a:t>
+              <a:t>1/29/15</a:t>
             </a:fld>
             <a:endParaRPr lang="en-US"/>
           </a:p>
@@ -6489,7 +6626,7 @@
           <a:p>
             <a:fld id="{7F9E5D33-2821-C642-A5E0-67CD027085C0}" type="datetime1">
               <a:rPr lang="en-US" smtClean="0"/>
-              <a:t>1/25/15</a:t>
+              <a:t>1/29/15</a:t>
             </a:fld>
             <a:endParaRPr lang="en-US"/>
           </a:p>
@@ -7008,7 +7145,7 @@
           <a:p>
             <a:fld id="{B4EE926D-75E4-7C4A-80EF-E6F745BAF0A6}" type="datetime1">
               <a:rPr lang="en-US" smtClean="0"/>
-              <a:t>1/25/15</a:t>
+              <a:t>1/29/15</a:t>
             </a:fld>
             <a:endParaRPr lang="en-US"/>
           </a:p>
@@ -7385,7 +7522,7 @@
           <a:p>
             <a:fld id="{1799AEC9-6A91-FD48-8C26-85D761A9AB9A}" type="datetime1">
               <a:rPr lang="en-US" smtClean="0"/>
-              <a:t>1/25/15</a:t>
+              <a:t>1/29/15</a:t>
             </a:fld>
             <a:endParaRPr lang="en-US"/>
           </a:p>
@@ -7788,7 +7925,7 @@
           <a:p>
             <a:fld id="{72AB3F87-F2CF-AA47-8A3C-25D7BBB8800D}" type="datetime1">
               <a:rPr lang="en-US" smtClean="0"/>
-              <a:t>1/25/15</a:t>
+              <a:t>1/29/15</a:t>
             </a:fld>
             <a:endParaRPr lang="en-US"/>
           </a:p>
@@ -8212,7 +8349,7 @@
           <a:p>
             <a:fld id="{017A4C3A-78B7-E146-B561-C5924296E830}" type="datetime1">
               <a:rPr lang="en-US" smtClean="0"/>
-              <a:t>1/25/15</a:t>
+              <a:t>1/29/15</a:t>
             </a:fld>
             <a:endParaRPr lang="en-US"/>
           </a:p>
@@ -8599,7 +8736,7 @@
           <a:p>
             <a:fld id="{9F7D4429-93BD-BC4F-94A7-C9B3C2CD0DC0}" type="datetime1">
               <a:rPr lang="en-US" smtClean="0"/>
-              <a:t>1/25/15</a:t>
+              <a:t>1/29/15</a:t>
             </a:fld>
             <a:endParaRPr lang="en-US"/>
           </a:p>
@@ -9799,129 +9936,54 @@
           <a:p>
             <a:r>
               <a:rPr lang="en-US" dirty="0" smtClean="0"/>
-              <a:t>Lab : First Look at Spark</a:t>
+              <a:t>Lab Time !</a:t>
             </a:r>
             <a:endParaRPr lang="en-US" dirty="0"/>
           </a:p>
         </p:txBody>
       </p:sp>
-      <p:sp>
-        <p:nvSpPr>
-          <p:cNvPr id="3" name="Content Placeholder 2"/>
-          <p:cNvSpPr>
-            <a:spLocks noGrp="1"/>
-          </p:cNvSpPr>
+      <p:pic>
+        <p:nvPicPr>
+          <p:cNvPr id="5" name="Content Placeholder 4" descr="trident_missile_misfire_lg.jpg"/>
+          <p:cNvPicPr>
+            <a:picLocks noGrp="1" noChangeAspect="1"/>
+          </p:cNvPicPr>
           <p:nvPr>
             <p:ph idx="1"/>
           </p:nvPr>
-        </p:nvSpPr>
+        </p:nvPicPr>
+        <p:blipFill>
+          <a:blip r:embed="rId2">
+            <a:extLst>
+              <a:ext uri="{28A0092B-C50C-407E-A947-70E740481C1C}">
+                <a14:useLocalDpi xmlns:a14="http://schemas.microsoft.com/office/drawing/2010/main" val="0"/>
+              </a:ext>
+            </a:extLst>
+          </a:blip>
+          <a:srcRect l="-43429" r="-43429"/>
+          <a:stretch>
+            <a:fillRect/>
+          </a:stretch>
+        </p:blipFill>
         <p:spPr/>
-        <p:txBody>
-          <a:bodyPr>
-            <a:normAutofit/>
-          </a:bodyPr>
-          <a:lstStyle/>
-          <a:p>
-            <a:r>
-              <a:rPr lang="en-US" dirty="0" smtClean="0"/>
-              <a:t>Login to your Spark nodes</a:t>
-            </a:r>
-            <a:br>
-              <a:rPr lang="en-US" dirty="0" smtClean="0"/>
-            </a:br>
-            <a:r>
-              <a:rPr lang="en-US" dirty="0" smtClean="0"/>
-              <a:t>Instructor will provide details</a:t>
-            </a:r>
-          </a:p>
-          <a:p>
-            <a:r>
-              <a:rPr lang="en-US" dirty="0" smtClean="0"/>
-              <a:t>1) TODO : </a:t>
-            </a:r>
-            <a:r>
-              <a:rPr lang="en-US" dirty="0" err="1" smtClean="0"/>
-              <a:t>untar</a:t>
-            </a:r>
-            <a:r>
-              <a:rPr lang="en-US" dirty="0" smtClean="0"/>
-              <a:t> spark distribution  </a:t>
-            </a:r>
-          </a:p>
-          <a:p>
-            <a:pPr marL="0" indent="0">
-              <a:buNone/>
-            </a:pPr>
-            <a:r>
-              <a:rPr lang="en-US" dirty="0" smtClean="0"/>
-              <a:t>Tar </a:t>
-            </a:r>
-            <a:r>
-              <a:rPr lang="en-US" dirty="0" err="1" smtClean="0"/>
-              <a:t>xvf</a:t>
-            </a:r>
-            <a:r>
-              <a:rPr lang="en-US" dirty="0" smtClean="0"/>
-              <a:t>   spark….</a:t>
-            </a:r>
-          </a:p>
-          <a:p>
-            <a:pPr marL="0" indent="0">
-              <a:buNone/>
-            </a:pPr>
-            <a:r>
-              <a:rPr lang="en-US" dirty="0" err="1" smtClean="0"/>
-              <a:t>Mv</a:t>
-            </a:r>
-            <a:r>
-              <a:rPr lang="en-US" dirty="0" smtClean="0"/>
-              <a:t> spark….    Spark   # ease of use</a:t>
-            </a:r>
-          </a:p>
-          <a:p>
-            <a:pPr marL="0" indent="0">
-              <a:buNone/>
-            </a:pPr>
-            <a:r>
-              <a:rPr lang="en-US" dirty="0" smtClean="0"/>
-              <a:t>From now on,   ~/spark  will be the SPARK_INSTALL_DIR</a:t>
-            </a:r>
-          </a:p>
-        </p:txBody>
-      </p:sp>
-      <p:sp>
-        <p:nvSpPr>
-          <p:cNvPr id="4" name="Footer Placeholder 3"/>
-          <p:cNvSpPr>
-            <a:spLocks noGrp="1"/>
-          </p:cNvSpPr>
-          <p:nvPr>
-            <p:ph type="ftr" sz="quarter" idx="11"/>
-          </p:nvPr>
-        </p:nvSpPr>
-        <p:spPr/>
-        <p:txBody>
-          <a:bodyPr/>
-          <a:lstStyle/>
-          <a:p>
-            <a:r>
-              <a:rPr lang="en-US" smtClean="0"/>
-              <a:t>© Elephant Scale, 2014</a:t>
-            </a:r>
-            <a:endParaRPr lang="en-US" dirty="0"/>
-          </a:p>
-        </p:txBody>
-      </p:sp>
+      </p:pic>
     </p:spTree>
     <p:extLst>
       <p:ext uri="{BB962C8B-B14F-4D97-AF65-F5344CB8AC3E}">
-        <p14:creationId xmlns:p14="http://schemas.microsoft.com/office/powerpoint/2010/main" val="2272452390"/>
+        <p14:creationId xmlns:p14="http://schemas.microsoft.com/office/powerpoint/2010/main" val="1073401263"/>
       </p:ext>
     </p:extLst>
   </p:cSld>
   <p:clrMapOvr>
     <a:masterClrMapping/>
   </p:clrMapOvr>
+  <p:timing>
+    <p:tnLst>
+      <p:par>
+        <p:cTn xmlns:p14="http://schemas.microsoft.com/office/powerpoint/2010/main" id="1" dur="indefinite" restart="never" nodeType="tmRoot"/>
+      </p:par>
+    </p:tnLst>
+  </p:timing>
 </p:sld>
 </file>
 
@@ -9959,7 +10021,19 @@
           <a:p>
             <a:r>
               <a:rPr lang="en-US" dirty="0" smtClean="0"/>
-              <a:t>Lab : First Look At Spark</a:t>
+              <a:t>Lab : First Look at </a:t>
+            </a:r>
+            <a:r>
+              <a:rPr lang="en-US" dirty="0" smtClean="0"/>
+              <a:t>Spark (15 </a:t>
+            </a:r>
+            <a:r>
+              <a:rPr lang="en-US" dirty="0" err="1" smtClean="0"/>
+              <a:t>mins</a:t>
+            </a:r>
+            <a:r>
+              <a:rPr lang="en-US" dirty="0" smtClean="0"/>
+              <a:t>)</a:t>
             </a:r>
             <a:endParaRPr lang="en-US" dirty="0"/>
           </a:p>
@@ -9978,18 +10052,31 @@
         <p:spPr/>
         <p:txBody>
           <a:bodyPr>
-            <a:normAutofit fontScale="85000" lnSpcReduction="20000"/>
+            <a:normAutofit lnSpcReduction="10000"/>
           </a:bodyPr>
           <a:lstStyle/>
           <a:p>
             <a:r>
-              <a:rPr lang="en-US" dirty="0"/>
-              <a:t>Explore spark directory </a:t>
-            </a:r>
-            <a:r>
-              <a:rPr lang="en-US" dirty="0" smtClean="0"/>
-              <a:t>structure</a:t>
-            </a:r>
+              <a:rPr lang="en-US" dirty="0" smtClean="0"/>
+              <a:t>Login to your Spark nodes</a:t>
+            </a:r>
+            <a:br>
+              <a:rPr lang="en-US" dirty="0" smtClean="0"/>
+            </a:br>
+            <a:r>
+              <a:rPr lang="en-US" dirty="0" smtClean="0"/>
+              <a:t>Instructor will provide details</a:t>
+            </a:r>
+          </a:p>
+          <a:p>
+            <a:r>
+              <a:rPr lang="en-US" dirty="0" smtClean="0"/>
+              <a:t>Update the labs:</a:t>
+            </a:r>
+            <a:br>
+              <a:rPr lang="en-US" dirty="0" smtClean="0"/>
+            </a:br>
+            <a:endParaRPr lang="en-US" dirty="0"/>
           </a:p>
           <a:p>
             <a:pPr marL="0" indent="0">
@@ -9997,7 +10084,55 @@
             </a:pPr>
             <a:r>
               <a:rPr lang="en-US" dirty="0" smtClean="0"/>
-              <a:t>cd ~/spark   # where spark is installed</a:t>
+              <a:t>$  </a:t>
+            </a:r>
+            <a:r>
+              <a:rPr lang="en-US" dirty="0" smtClean="0">
+                <a:latin typeface="Andale Mono"/>
+                <a:cs typeface="Andale Mono"/>
+              </a:rPr>
+              <a:t>cd  </a:t>
+            </a:r>
+            <a:r>
+              <a:rPr lang="en-US" dirty="0" smtClean="0">
+                <a:latin typeface="Andale Mono"/>
+                <a:cs typeface="Andale Mono"/>
+              </a:rPr>
+              <a:t>~/spark-labs</a:t>
+            </a:r>
+            <a:br>
+              <a:rPr lang="en-US" dirty="0" smtClean="0">
+                <a:latin typeface="Andale Mono"/>
+                <a:cs typeface="Andale Mono"/>
+              </a:rPr>
+            </a:br>
+            <a:r>
+              <a:rPr lang="en-US" dirty="0" smtClean="0">
+                <a:latin typeface="Andale Mono"/>
+                <a:cs typeface="Andale Mono"/>
+              </a:rPr>
+              <a:t>$  </a:t>
+            </a:r>
+            <a:r>
+              <a:rPr lang="en-US" dirty="0" err="1" smtClean="0">
+                <a:latin typeface="Andale Mono"/>
+                <a:cs typeface="Andale Mono"/>
+              </a:rPr>
+              <a:t>git</a:t>
+            </a:r>
+            <a:r>
+              <a:rPr lang="en-US" dirty="0" smtClean="0">
+                <a:latin typeface="Andale Mono"/>
+                <a:cs typeface="Andale Mono"/>
+              </a:rPr>
+              <a:t> </a:t>
+            </a:r>
+            <a:r>
+              <a:rPr lang="en-US" dirty="0" smtClean="0">
+                <a:latin typeface="Andale Mono"/>
+                <a:cs typeface="Andale Mono"/>
+              </a:rPr>
+              <a:t>pull</a:t>
             </a:r>
           </a:p>
           <a:p>
@@ -10005,109 +10140,139 @@
               <a:buNone/>
             </a:pPr>
             <a:r>
-              <a:rPr lang="en-US" dirty="0" smtClean="0"/>
-              <a:t>Inspect these directories</a:t>
+              <a:rPr lang="en-US" dirty="0" smtClean="0">
+                <a:latin typeface="Andale Mono"/>
+                <a:cs typeface="Andale Mono"/>
+              </a:rPr>
+              <a:t>$   </a:t>
+            </a:r>
+            <a:r>
+              <a:rPr lang="en-US" dirty="0">
+                <a:latin typeface="Andale Mono"/>
+                <a:cs typeface="Andale Mono"/>
+              </a:rPr>
+              <a:t>cd 1.1-</a:t>
+            </a:r>
+            <a:r>
+              <a:rPr lang="en-US" dirty="0" smtClean="0">
+                <a:latin typeface="Andale Mono"/>
+                <a:cs typeface="Andale Mono"/>
+              </a:rPr>
+              <a:t>intro</a:t>
             </a:r>
             <a:br>
-              <a:rPr lang="en-US" dirty="0" smtClean="0"/>
+              <a:rPr lang="en-US" dirty="0" smtClean="0">
+                <a:latin typeface="Andale Mono"/>
+                <a:cs typeface="Andale Mono"/>
+              </a:rPr>
             </a:br>
+            <a:r>
+              <a:rPr lang="en-US" dirty="0" smtClean="0">
+                <a:latin typeface="Andale Mono"/>
+                <a:cs typeface="Andale Mono"/>
+              </a:rPr>
+              <a:t>follow </a:t>
+            </a:r>
+            <a:r>
+              <a:rPr lang="en-US" dirty="0" err="1" smtClean="0">
+                <a:latin typeface="Andale Mono"/>
+                <a:cs typeface="Andale Mono"/>
+              </a:rPr>
+              <a:t>README.txt</a:t>
+            </a:r>
+            <a:r>
+              <a:rPr lang="en-US" dirty="0" smtClean="0">
+                <a:latin typeface="Andale Mono"/>
+                <a:cs typeface="Andale Mono"/>
+              </a:rPr>
+              <a:t> file</a:t>
+            </a:r>
+            <a:br>
+              <a:rPr lang="en-US" dirty="0" smtClean="0">
+                <a:latin typeface="Andale Mono"/>
+                <a:cs typeface="Andale Mono"/>
+              </a:rPr>
+            </a:br>
+            <a:r>
+              <a:rPr lang="en-US" dirty="0" smtClean="0"/>
+              <a:t>use  </a:t>
+            </a:r>
+            <a:r>
+              <a:rPr lang="en-US" dirty="0"/>
+              <a:t>less or  </a:t>
+            </a:r>
+            <a:r>
+              <a:rPr lang="en-US" dirty="0" err="1"/>
+              <a:t>nano</a:t>
+            </a:r>
+            <a:r>
+              <a:rPr lang="en-US" dirty="0"/>
+              <a:t> to read the file</a:t>
+            </a:r>
+            <a:br>
+              <a:rPr lang="en-US" dirty="0"/>
+            </a:br>
+            <a:r>
+              <a:rPr lang="en-US" dirty="0"/>
+              <a:t>(</a:t>
+            </a:r>
+            <a:r>
+              <a:rPr lang="en-US" dirty="0">
+                <a:latin typeface="Andale Mono"/>
+                <a:cs typeface="Andale Mono"/>
+              </a:rPr>
+              <a:t>less </a:t>
+            </a:r>
+            <a:r>
+              <a:rPr lang="en-US" dirty="0" err="1">
+                <a:latin typeface="Andale Mono"/>
+                <a:cs typeface="Andale Mono"/>
+              </a:rPr>
+              <a:t>README.txt</a:t>
+            </a:r>
+            <a:r>
+              <a:rPr lang="en-US" dirty="0"/>
+              <a:t>    or   </a:t>
+            </a:r>
+            <a:r>
+              <a:rPr lang="en-US" dirty="0">
+                <a:latin typeface="Andale Mono"/>
+                <a:cs typeface="Andale Mono"/>
+              </a:rPr>
+              <a:t> </a:t>
+            </a:r>
+            <a:r>
+              <a:rPr lang="en-US" dirty="0" err="1">
+                <a:latin typeface="Andale Mono"/>
+                <a:cs typeface="Andale Mono"/>
+              </a:rPr>
+              <a:t>nano</a:t>
+            </a:r>
+            <a:r>
+              <a:rPr lang="en-US" dirty="0">
+                <a:latin typeface="Andale Mono"/>
+                <a:cs typeface="Andale Mono"/>
+              </a:rPr>
+              <a:t> </a:t>
+            </a:r>
+            <a:r>
+              <a:rPr lang="en-US" dirty="0" err="1">
+                <a:latin typeface="Andale Mono"/>
+                <a:cs typeface="Andale Mono"/>
+              </a:rPr>
+              <a:t>README.txt</a:t>
+            </a:r>
+            <a:r>
+              <a:rPr lang="en-US" dirty="0"/>
+              <a:t>)</a:t>
+            </a:r>
+            <a:br>
+              <a:rPr lang="en-US" dirty="0"/>
+            </a:br>
+            <a:endParaRPr lang="en-US" dirty="0"/>
+          </a:p>
+          <a:p>
             <a:endParaRPr lang="en-US" dirty="0" smtClean="0"/>
-          </a:p>
-          <a:p>
-            <a:pPr marL="0" indent="0">
-              <a:buNone/>
-            </a:pPr>
-            <a:r>
-              <a:rPr lang="en-US" dirty="0" err="1" smtClean="0"/>
-              <a:t>ls</a:t>
-            </a:r>
-            <a:r>
-              <a:rPr lang="en-US" dirty="0" smtClean="0"/>
-              <a:t>   </a:t>
-            </a:r>
-            <a:r>
-              <a:rPr lang="en-US" dirty="0" err="1" smtClean="0"/>
-              <a:t>conf</a:t>
-            </a:r>
-            <a:r>
-              <a:rPr lang="en-US" dirty="0" smtClean="0"/>
-              <a:t>/</a:t>
-            </a:r>
-          </a:p>
-          <a:p>
-            <a:pPr marL="0" indent="0">
-              <a:buNone/>
-            </a:pPr>
-            <a:endParaRPr lang="en-US" dirty="0"/>
-          </a:p>
-          <a:p>
-            <a:pPr lvl="1"/>
-            <a:r>
-              <a:rPr lang="en-US" b="1" dirty="0"/>
-              <a:t>bin/</a:t>
-            </a:r>
-            <a:r>
-              <a:rPr lang="en-US" dirty="0"/>
-              <a:t> :  shells (spark-shell) and submission programs (spark-submit)</a:t>
-            </a:r>
-          </a:p>
-          <a:p>
-            <a:pPr lvl="1"/>
-            <a:r>
-              <a:rPr lang="en-US" b="1" dirty="0" err="1"/>
-              <a:t>sbin</a:t>
-            </a:r>
-            <a:r>
-              <a:rPr lang="en-US" dirty="0"/>
-              <a:t>/ :  start / stop cluster,   management</a:t>
-            </a:r>
-          </a:p>
-          <a:p>
-            <a:pPr lvl="1"/>
-            <a:r>
-              <a:rPr lang="en-US" b="1" dirty="0" err="1"/>
-              <a:t>conf</a:t>
-            </a:r>
-            <a:r>
-              <a:rPr lang="en-US" dirty="0"/>
-              <a:t>/ : configuration files</a:t>
-            </a:r>
-          </a:p>
-          <a:p>
-            <a:pPr lvl="1"/>
-            <a:r>
-              <a:rPr lang="en-US" b="1" dirty="0"/>
-              <a:t>examples</a:t>
-            </a:r>
-            <a:r>
-              <a:rPr lang="en-US" dirty="0"/>
-              <a:t>/ : samples</a:t>
-            </a:r>
-          </a:p>
-          <a:p>
-            <a:pPr lvl="1"/>
-            <a:r>
-              <a:rPr lang="en-US" b="1" dirty="0"/>
-              <a:t>lib</a:t>
-            </a:r>
-            <a:r>
-              <a:rPr lang="en-US" dirty="0"/>
-              <a:t>/ : jar files</a:t>
-            </a:r>
-          </a:p>
-          <a:p>
-            <a:pPr lvl="1"/>
-            <a:r>
-              <a:rPr lang="en-US" b="1" dirty="0"/>
-              <a:t>logs</a:t>
-            </a:r>
-            <a:r>
-              <a:rPr lang="en-US" dirty="0"/>
-              <a:t>/ : logs</a:t>
-            </a:r>
-          </a:p>
-          <a:p>
-            <a:endParaRPr lang="en-US" dirty="0"/>
           </a:p>
         </p:txBody>
       </p:sp>
@@ -10137,7 +10302,7 @@
     </p:spTree>
     <p:extLst>
       <p:ext uri="{BB962C8B-B14F-4D97-AF65-F5344CB8AC3E}">
-        <p14:creationId xmlns:p14="http://schemas.microsoft.com/office/powerpoint/2010/main" val="2019264895"/>
+        <p14:creationId xmlns:p14="http://schemas.microsoft.com/office/powerpoint/2010/main" val="2272452390"/>
       </p:ext>
     </p:extLst>
   </p:cSld>
@@ -10181,7 +10346,7 @@
           <a:p>
             <a:r>
               <a:rPr lang="en-US" dirty="0" smtClean="0"/>
-              <a:t>Lab : First look at Spark</a:t>
+              <a:t>Spark Shell</a:t>
             </a:r>
             <a:endParaRPr lang="en-US" dirty="0"/>
           </a:p>
@@ -10204,52 +10369,72 @@
           <a:p>
             <a:r>
               <a:rPr lang="en-US" dirty="0" smtClean="0"/>
-              <a:t>Start spark on a single node</a:t>
-            </a:r>
-            <a:endParaRPr lang="en-US" dirty="0"/>
-          </a:p>
-          <a:p>
-            <a:pPr marL="0" indent="0">
-              <a:buNone/>
-            </a:pPr>
-            <a:r>
-              <a:rPr lang="en-US" dirty="0" smtClean="0"/>
-              <a:t>cd  ~/spark</a:t>
-            </a:r>
-          </a:p>
-          <a:p>
-            <a:pPr marL="0" indent="0">
-              <a:buNone/>
-            </a:pPr>
-            <a:r>
-              <a:rPr lang="en-US" dirty="0" smtClean="0"/>
-              <a:t>./</a:t>
+              <a:t>Handy tool for ad-hoc queries</a:t>
+            </a:r>
+          </a:p>
+          <a:p>
+            <a:r>
+              <a:rPr lang="en-US" dirty="0" smtClean="0"/>
+              <a:t>Two flavors</a:t>
+            </a:r>
+          </a:p>
+          <a:p>
+            <a:pPr lvl="1"/>
+            <a:r>
+              <a:rPr lang="en-US" dirty="0" smtClean="0"/>
+              <a:t>Python :  bin/</a:t>
             </a:r>
             <a:r>
               <a:rPr lang="en-US" dirty="0" err="1" smtClean="0"/>
-              <a:t>sbin</a:t>
-            </a:r>
-            <a:r>
-              <a:rPr lang="en-US" dirty="0" smtClean="0"/>
-              <a:t>/start-</a:t>
-            </a:r>
+              <a:t>pyspark</a:t>
+            </a:r>
+            <a:endParaRPr lang="en-US" dirty="0" smtClean="0"/>
+          </a:p>
+          <a:p>
+            <a:pPr lvl="1"/>
             <a:r>
               <a:rPr lang="en-US" dirty="0" err="1" smtClean="0"/>
-              <a:t>all.sh</a:t>
-            </a:r>
-            <a:endParaRPr lang="en-US" dirty="0" smtClean="0"/>
-          </a:p>
-          <a:p>
-            <a:pPr marL="0" indent="0">
-              <a:buNone/>
-            </a:pPr>
-            <a:r>
-              <a:rPr lang="en-US" dirty="0" smtClean="0"/>
-              <a:t>Use JPS to inspect </a:t>
-            </a:r>
-            <a:r>
-              <a:rPr lang="en-US" smtClean="0"/>
-              <a:t>the process</a:t>
+              <a:t>Scala</a:t>
+            </a:r>
+            <a:r>
+              <a:rPr lang="en-US" dirty="0" smtClean="0"/>
+              <a:t> : bin/spark-shell</a:t>
+            </a:r>
+          </a:p>
+          <a:p>
+            <a:r>
+              <a:rPr lang="en-US" dirty="0" smtClean="0"/>
+              <a:t>Shell can run in two modes</a:t>
+            </a:r>
+          </a:p>
+          <a:p>
+            <a:pPr lvl="1"/>
+            <a:r>
+              <a:rPr lang="en-US" dirty="0" err="1" smtClean="0"/>
+              <a:t>Psuedo</a:t>
+            </a:r>
+            <a:r>
+              <a:rPr lang="en-US" dirty="0" smtClean="0"/>
+              <a:t> mode : will run an </a:t>
+            </a:r>
+            <a:r>
+              <a:rPr lang="en-US" dirty="0" smtClean="0">
+                <a:solidFill>
+                  <a:srgbClr val="B465BB"/>
+                </a:solidFill>
+              </a:rPr>
+              <a:t>embedded</a:t>
+            </a:r>
+            <a:r>
+              <a:rPr lang="en-US" dirty="0" smtClean="0"/>
+              <a:t> spark server within the same process</a:t>
+            </a:r>
+          </a:p>
+          <a:p>
+            <a:pPr lvl="1"/>
+            <a:r>
+              <a:rPr lang="en-US" dirty="0" smtClean="0"/>
+              <a:t>Remote cluster : can connect to a remote spark cluster</a:t>
             </a:r>
             <a:endParaRPr lang="en-US" dirty="0"/>
           </a:p>
@@ -10281,7 +10466,7 @@
     </p:spTree>
     <p:extLst>
       <p:ext uri="{BB962C8B-B14F-4D97-AF65-F5344CB8AC3E}">
-        <p14:creationId xmlns:p14="http://schemas.microsoft.com/office/powerpoint/2010/main" val="1347960063"/>
+        <p14:creationId xmlns:p14="http://schemas.microsoft.com/office/powerpoint/2010/main" val="589174941"/>
       </p:ext>
     </p:extLst>
   </p:cSld>
@@ -10325,7 +10510,7 @@
           <a:p>
             <a:r>
               <a:rPr lang="en-US" dirty="0" smtClean="0"/>
-              <a:t>Spark Data Model : RDD</a:t>
+              <a:t>Spark Shell Execution Modes</a:t>
             </a:r>
             <a:endParaRPr lang="en-US" dirty="0"/>
           </a:p>
@@ -10343,105 +10528,504 @@
         </p:nvSpPr>
         <p:spPr/>
         <p:txBody>
-          <a:bodyPr>
-            <a:normAutofit/>
-          </a:bodyPr>
-          <a:lstStyle/>
-          <a:p>
-            <a:r>
-              <a:rPr lang="en-US" dirty="0" smtClean="0"/>
-              <a:t>Resilient Distributed Dataset (RDD)</a:t>
-            </a:r>
-          </a:p>
-          <a:p>
-            <a:r>
-              <a:rPr lang="en-US" dirty="0" smtClean="0"/>
-              <a:t>Can live in </a:t>
-            </a:r>
-          </a:p>
-          <a:p>
-            <a:pPr lvl="1"/>
-            <a:r>
-              <a:rPr lang="en-US" dirty="0" smtClean="0"/>
-              <a:t>Memory (best case scenario)</a:t>
-            </a:r>
-          </a:p>
-          <a:p>
-            <a:pPr lvl="1"/>
-            <a:r>
-              <a:rPr lang="en-US" dirty="0" smtClean="0"/>
-              <a:t>Or on disk (FS,  HDFS,  S3 …</a:t>
-            </a:r>
-            <a:r>
-              <a:rPr lang="en-US" dirty="0" err="1" smtClean="0"/>
-              <a:t>etc</a:t>
-            </a:r>
-            <a:r>
-              <a:rPr lang="en-US" dirty="0" smtClean="0"/>
-              <a:t>)</a:t>
-            </a:r>
-          </a:p>
-          <a:p>
-            <a:r>
-              <a:rPr lang="en-US" dirty="0" smtClean="0"/>
-              <a:t>Each RDD is split into multiple </a:t>
-            </a:r>
+          <a:bodyPr/>
+          <a:lstStyle/>
+          <a:p>
+            <a:endParaRPr lang="en-US" dirty="0"/>
+          </a:p>
+        </p:txBody>
+      </p:sp>
+      <p:sp>
+        <p:nvSpPr>
+          <p:cNvPr id="4" name="Footer Placeholder 3"/>
+          <p:cNvSpPr>
+            <a:spLocks noGrp="1"/>
+          </p:cNvSpPr>
+          <p:nvPr>
+            <p:ph type="ftr" sz="quarter" idx="11"/>
+          </p:nvPr>
+        </p:nvSpPr>
+        <p:spPr/>
+        <p:txBody>
+          <a:bodyPr/>
+          <a:lstStyle/>
+          <a:p>
+            <a:r>
+              <a:rPr lang="en-US" smtClean="0"/>
+              <a:t>© Elephant Scale, 2014</a:t>
+            </a:r>
+            <a:endParaRPr lang="en-US" dirty="0"/>
+          </a:p>
+        </p:txBody>
+      </p:sp>
+      <p:sp>
+        <p:nvSpPr>
+          <p:cNvPr id="6" name="Rectangle 5"/>
+          <p:cNvSpPr/>
+          <p:nvPr/>
+        </p:nvSpPr>
+        <p:spPr>
+          <a:xfrm>
+            <a:off x="2758274" y="2296155"/>
+            <a:ext cx="1193114" cy="1488011"/>
+          </a:xfrm>
+          <a:prstGeom prst="rect">
+            <a:avLst/>
+          </a:prstGeom>
+          <a:solidFill>
+            <a:schemeClr val="accent5">
+              <a:lumMod val="60000"/>
+              <a:lumOff val="40000"/>
+            </a:schemeClr>
+          </a:solidFill>
+        </p:spPr>
+        <p:style>
+          <a:lnRef idx="1">
+            <a:schemeClr val="accent1"/>
+          </a:lnRef>
+          <a:fillRef idx="3">
+            <a:schemeClr val="accent1"/>
+          </a:fillRef>
+          <a:effectRef idx="2">
+            <a:schemeClr val="accent1"/>
+          </a:effectRef>
+          <a:fontRef idx="minor">
+            <a:schemeClr val="lt1"/>
+          </a:fontRef>
+        </p:style>
+        <p:txBody>
+          <a:bodyPr rtlCol="0" anchor="ctr"/>
+          <a:lstStyle/>
+          <a:p>
+            <a:pPr algn="ctr"/>
             <a:r>
               <a:rPr lang="en-US" dirty="0" smtClean="0">
                 <a:solidFill>
-                  <a:schemeClr val="tx2">
-                    <a:lumMod val="50000"/>
-                    <a:lumOff val="50000"/>
-                  </a:schemeClr>
+                  <a:schemeClr val="tx1"/>
                 </a:solidFill>
               </a:rPr>
-              <a:t>partitions </a:t>
-            </a:r>
-          </a:p>
-          <a:p>
-            <a:r>
-              <a:rPr lang="en-US" dirty="0" smtClean="0"/>
-              <a:t>Partitions may live on different nodes</a:t>
-            </a:r>
-          </a:p>
-          <a:p>
-            <a:r>
-              <a:rPr lang="en-US" dirty="0" smtClean="0"/>
-              <a:t>Partitions can be computed in parallel on different nodes</a:t>
-            </a:r>
-          </a:p>
-          <a:p>
+              <a:t>Spark local server</a:t>
+            </a:r>
+            <a:endParaRPr lang="en-US" dirty="0">
+              <a:solidFill>
+                <a:schemeClr val="tx1"/>
+              </a:solidFill>
+            </a:endParaRPr>
+          </a:p>
+        </p:txBody>
+      </p:sp>
+      <p:sp>
+        <p:nvSpPr>
+          <p:cNvPr id="5" name="Horizontal Scroll 4"/>
+          <p:cNvSpPr/>
+          <p:nvPr/>
+        </p:nvSpPr>
+        <p:spPr>
+          <a:xfrm>
+            <a:off x="1270089" y="2514226"/>
+            <a:ext cx="1654965" cy="987731"/>
+          </a:xfrm>
+          <a:prstGeom prst="horizontalScroll">
+            <a:avLst/>
+          </a:prstGeom>
+        </p:spPr>
+        <p:style>
+          <a:lnRef idx="1">
+            <a:schemeClr val="accent1"/>
+          </a:lnRef>
+          <a:fillRef idx="3">
+            <a:schemeClr val="accent1"/>
+          </a:fillRef>
+          <a:effectRef idx="2">
+            <a:schemeClr val="accent1"/>
+          </a:effectRef>
+          <a:fontRef idx="minor">
+            <a:schemeClr val="lt1"/>
+          </a:fontRef>
+        </p:style>
+        <p:txBody>
+          <a:bodyPr rtlCol="0" anchor="ctr"/>
+          <a:lstStyle/>
+          <a:p>
+            <a:pPr algn="ctr"/>
+            <a:r>
+              <a:rPr lang="en-US" dirty="0" smtClean="0"/>
+              <a:t>shell</a:t>
+            </a:r>
             <a:endParaRPr lang="en-US" dirty="0"/>
           </a:p>
         </p:txBody>
       </p:sp>
       <p:sp>
         <p:nvSpPr>
-          <p:cNvPr id="4" name="Footer Placeholder 3"/>
-          <p:cNvSpPr>
-            <a:spLocks noGrp="1"/>
-          </p:cNvSpPr>
-          <p:nvPr>
-            <p:ph type="ftr" sz="quarter" idx="11"/>
-          </p:nvPr>
-        </p:nvSpPr>
-        <p:spPr/>
-        <p:txBody>
-          <a:bodyPr/>
-          <a:lstStyle/>
-          <a:p>
-            <a:r>
-              <a:rPr lang="en-US" smtClean="0"/>
-              <a:t>© Elephant Scale, 2014</a:t>
+          <p:cNvPr id="7" name="Rectangle 6"/>
+          <p:cNvSpPr/>
+          <p:nvPr/>
+        </p:nvSpPr>
+        <p:spPr>
+          <a:xfrm>
+            <a:off x="3776644" y="4420082"/>
+            <a:ext cx="1193114" cy="1488011"/>
+          </a:xfrm>
+          <a:prstGeom prst="rect">
+            <a:avLst/>
+          </a:prstGeom>
+          <a:solidFill>
+            <a:schemeClr val="accent5">
+              <a:lumMod val="60000"/>
+              <a:lumOff val="40000"/>
+            </a:schemeClr>
+          </a:solidFill>
+        </p:spPr>
+        <p:style>
+          <a:lnRef idx="1">
+            <a:schemeClr val="accent1"/>
+          </a:lnRef>
+          <a:fillRef idx="3">
+            <a:schemeClr val="accent1"/>
+          </a:fillRef>
+          <a:effectRef idx="2">
+            <a:schemeClr val="accent1"/>
+          </a:effectRef>
+          <a:fontRef idx="minor">
+            <a:schemeClr val="lt1"/>
+          </a:fontRef>
+        </p:style>
+        <p:txBody>
+          <a:bodyPr rtlCol="0" anchor="ctr"/>
+          <a:lstStyle/>
+          <a:p>
+            <a:pPr algn="ctr"/>
+            <a:r>
+              <a:rPr lang="en-US" dirty="0" smtClean="0">
+                <a:solidFill>
+                  <a:schemeClr val="tx1"/>
+                </a:solidFill>
+              </a:rPr>
+              <a:t>Spark master</a:t>
+            </a:r>
+            <a:endParaRPr lang="en-US" dirty="0">
+              <a:solidFill>
+                <a:schemeClr val="tx1"/>
+              </a:solidFill>
+            </a:endParaRPr>
+          </a:p>
+        </p:txBody>
+      </p:sp>
+      <p:sp>
+        <p:nvSpPr>
+          <p:cNvPr id="8" name="Rectangle 7"/>
+          <p:cNvSpPr/>
+          <p:nvPr/>
+        </p:nvSpPr>
+        <p:spPr>
+          <a:xfrm>
+            <a:off x="5259964" y="4194652"/>
+            <a:ext cx="959089" cy="1077525"/>
+          </a:xfrm>
+          <a:prstGeom prst="rect">
+            <a:avLst/>
+          </a:prstGeom>
+          <a:solidFill>
+            <a:schemeClr val="accent5">
+              <a:lumMod val="60000"/>
+              <a:lumOff val="40000"/>
+            </a:schemeClr>
+          </a:solidFill>
+        </p:spPr>
+        <p:style>
+          <a:lnRef idx="1">
+            <a:schemeClr val="accent1"/>
+          </a:lnRef>
+          <a:fillRef idx="3">
+            <a:schemeClr val="accent1"/>
+          </a:fillRef>
+          <a:effectRef idx="2">
+            <a:schemeClr val="accent1"/>
+          </a:effectRef>
+          <a:fontRef idx="minor">
+            <a:schemeClr val="lt1"/>
+          </a:fontRef>
+        </p:style>
+        <p:txBody>
+          <a:bodyPr rtlCol="0" anchor="ctr"/>
+          <a:lstStyle/>
+          <a:p>
+            <a:pPr algn="ctr"/>
+            <a:r>
+              <a:rPr lang="en-US" dirty="0" smtClean="0">
+                <a:solidFill>
+                  <a:schemeClr val="tx1"/>
+                </a:solidFill>
+              </a:rPr>
+              <a:t>Spark node</a:t>
+            </a:r>
+            <a:endParaRPr lang="en-US" dirty="0">
+              <a:solidFill>
+                <a:schemeClr val="tx1"/>
+              </a:solidFill>
+            </a:endParaRPr>
+          </a:p>
+        </p:txBody>
+      </p:sp>
+      <p:sp>
+        <p:nvSpPr>
+          <p:cNvPr id="9" name="Rectangle 8"/>
+          <p:cNvSpPr/>
+          <p:nvPr/>
+        </p:nvSpPr>
+        <p:spPr>
+          <a:xfrm>
+            <a:off x="6554161" y="4194652"/>
+            <a:ext cx="959089" cy="1077525"/>
+          </a:xfrm>
+          <a:prstGeom prst="rect">
+            <a:avLst/>
+          </a:prstGeom>
+          <a:solidFill>
+            <a:schemeClr val="accent5">
+              <a:lumMod val="60000"/>
+              <a:lumOff val="40000"/>
+            </a:schemeClr>
+          </a:solidFill>
+        </p:spPr>
+        <p:style>
+          <a:lnRef idx="1">
+            <a:schemeClr val="accent1"/>
+          </a:lnRef>
+          <a:fillRef idx="3">
+            <a:schemeClr val="accent1"/>
+          </a:fillRef>
+          <a:effectRef idx="2">
+            <a:schemeClr val="accent1"/>
+          </a:effectRef>
+          <a:fontRef idx="minor">
+            <a:schemeClr val="lt1"/>
+          </a:fontRef>
+        </p:style>
+        <p:txBody>
+          <a:bodyPr rtlCol="0" anchor="ctr"/>
+          <a:lstStyle/>
+          <a:p>
+            <a:pPr algn="ctr"/>
+            <a:r>
+              <a:rPr lang="en-US" dirty="0" smtClean="0">
+                <a:solidFill>
+                  <a:schemeClr val="tx1"/>
+                </a:solidFill>
+              </a:rPr>
+              <a:t>Spark node</a:t>
+            </a:r>
+            <a:endParaRPr lang="en-US" dirty="0">
+              <a:solidFill>
+                <a:schemeClr val="tx1"/>
+              </a:solidFill>
+            </a:endParaRPr>
+          </a:p>
+        </p:txBody>
+      </p:sp>
+      <p:sp>
+        <p:nvSpPr>
+          <p:cNvPr id="10" name="Rectangle 9"/>
+          <p:cNvSpPr/>
+          <p:nvPr/>
+        </p:nvSpPr>
+        <p:spPr>
+          <a:xfrm>
+            <a:off x="5259964" y="5424577"/>
+            <a:ext cx="959089" cy="1077525"/>
+          </a:xfrm>
+          <a:prstGeom prst="rect">
+            <a:avLst/>
+          </a:prstGeom>
+          <a:solidFill>
+            <a:schemeClr val="accent5">
+              <a:lumMod val="60000"/>
+              <a:lumOff val="40000"/>
+            </a:schemeClr>
+          </a:solidFill>
+        </p:spPr>
+        <p:style>
+          <a:lnRef idx="1">
+            <a:schemeClr val="accent1"/>
+          </a:lnRef>
+          <a:fillRef idx="3">
+            <a:schemeClr val="accent1"/>
+          </a:fillRef>
+          <a:effectRef idx="2">
+            <a:schemeClr val="accent1"/>
+          </a:effectRef>
+          <a:fontRef idx="minor">
+            <a:schemeClr val="lt1"/>
+          </a:fontRef>
+        </p:style>
+        <p:txBody>
+          <a:bodyPr rtlCol="0" anchor="ctr"/>
+          <a:lstStyle/>
+          <a:p>
+            <a:pPr algn="ctr"/>
+            <a:r>
+              <a:rPr lang="en-US" dirty="0" smtClean="0">
+                <a:solidFill>
+                  <a:schemeClr val="tx1"/>
+                </a:solidFill>
+              </a:rPr>
+              <a:t>Spark node</a:t>
+            </a:r>
+            <a:endParaRPr lang="en-US" dirty="0">
+              <a:solidFill>
+                <a:schemeClr val="tx1"/>
+              </a:solidFill>
+            </a:endParaRPr>
+          </a:p>
+        </p:txBody>
+      </p:sp>
+      <p:sp>
+        <p:nvSpPr>
+          <p:cNvPr id="11" name="Rectangle 10"/>
+          <p:cNvSpPr/>
+          <p:nvPr/>
+        </p:nvSpPr>
+        <p:spPr>
+          <a:xfrm>
+            <a:off x="6554161" y="5424577"/>
+            <a:ext cx="959089" cy="1077525"/>
+          </a:xfrm>
+          <a:prstGeom prst="rect">
+            <a:avLst/>
+          </a:prstGeom>
+          <a:solidFill>
+            <a:schemeClr val="accent5">
+              <a:lumMod val="60000"/>
+              <a:lumOff val="40000"/>
+            </a:schemeClr>
+          </a:solidFill>
+        </p:spPr>
+        <p:style>
+          <a:lnRef idx="1">
+            <a:schemeClr val="accent1"/>
+          </a:lnRef>
+          <a:fillRef idx="3">
+            <a:schemeClr val="accent1"/>
+          </a:fillRef>
+          <a:effectRef idx="2">
+            <a:schemeClr val="accent1"/>
+          </a:effectRef>
+          <a:fontRef idx="minor">
+            <a:schemeClr val="lt1"/>
+          </a:fontRef>
+        </p:style>
+        <p:txBody>
+          <a:bodyPr rtlCol="0" anchor="ctr"/>
+          <a:lstStyle/>
+          <a:p>
+            <a:pPr algn="ctr"/>
+            <a:r>
+              <a:rPr lang="en-US" dirty="0" smtClean="0">
+                <a:solidFill>
+                  <a:schemeClr val="tx1"/>
+                </a:solidFill>
+              </a:rPr>
+              <a:t>Spark node</a:t>
+            </a:r>
+            <a:endParaRPr lang="en-US" dirty="0">
+              <a:solidFill>
+                <a:schemeClr val="tx1"/>
+              </a:solidFill>
+            </a:endParaRPr>
+          </a:p>
+        </p:txBody>
+      </p:sp>
+      <p:sp>
+        <p:nvSpPr>
+          <p:cNvPr id="12" name="Horizontal Scroll 11"/>
+          <p:cNvSpPr/>
+          <p:nvPr/>
+        </p:nvSpPr>
+        <p:spPr>
+          <a:xfrm>
+            <a:off x="595006" y="4638152"/>
+            <a:ext cx="1654965" cy="987731"/>
+          </a:xfrm>
+          <a:prstGeom prst="horizontalScroll">
+            <a:avLst/>
+          </a:prstGeom>
+        </p:spPr>
+        <p:style>
+          <a:lnRef idx="1">
+            <a:schemeClr val="accent1"/>
+          </a:lnRef>
+          <a:fillRef idx="3">
+            <a:schemeClr val="accent1"/>
+          </a:fillRef>
+          <a:effectRef idx="2">
+            <a:schemeClr val="accent1"/>
+          </a:effectRef>
+          <a:fontRef idx="minor">
+            <a:schemeClr val="lt1"/>
+          </a:fontRef>
+        </p:style>
+        <p:txBody>
+          <a:bodyPr rtlCol="0" anchor="ctr"/>
+          <a:lstStyle/>
+          <a:p>
+            <a:pPr algn="ctr"/>
+            <a:r>
+              <a:rPr lang="en-US" dirty="0" smtClean="0"/>
+              <a:t>shell</a:t>
             </a:r>
             <a:endParaRPr lang="en-US" dirty="0"/>
+          </a:p>
+        </p:txBody>
+      </p:sp>
+      <p:sp>
+        <p:nvSpPr>
+          <p:cNvPr id="13" name="Right Arrow 12"/>
+          <p:cNvSpPr/>
+          <p:nvPr/>
+        </p:nvSpPr>
+        <p:spPr>
+          <a:xfrm>
+            <a:off x="2293992" y="4811913"/>
+            <a:ext cx="1262124" cy="460264"/>
+          </a:xfrm>
+          <a:prstGeom prst="rightArrow">
+            <a:avLst/>
+          </a:prstGeom>
+          <a:solidFill>
+            <a:schemeClr val="bg2">
+              <a:lumMod val="60000"/>
+              <a:lumOff val="40000"/>
+            </a:schemeClr>
+          </a:solidFill>
+        </p:spPr>
+        <p:style>
+          <a:lnRef idx="1">
+            <a:schemeClr val="accent1"/>
+          </a:lnRef>
+          <a:fillRef idx="3">
+            <a:schemeClr val="accent1"/>
+          </a:fillRef>
+          <a:effectRef idx="2">
+            <a:schemeClr val="accent1"/>
+          </a:effectRef>
+          <a:fontRef idx="minor">
+            <a:schemeClr val="lt1"/>
+          </a:fontRef>
+        </p:style>
+        <p:txBody>
+          <a:bodyPr rtlCol="0" anchor="ctr"/>
+          <a:lstStyle/>
+          <a:p>
+            <a:pPr algn="ctr"/>
+            <a:endParaRPr lang="en-US"/>
           </a:p>
         </p:txBody>
       </p:sp>
     </p:spTree>
     <p:extLst>
       <p:ext uri="{BB962C8B-B14F-4D97-AF65-F5344CB8AC3E}">
-        <p14:creationId xmlns:p14="http://schemas.microsoft.com/office/powerpoint/2010/main" val="449954269"/>
+        <p14:creationId xmlns:p14="http://schemas.microsoft.com/office/powerpoint/2010/main" val="896372634"/>
       </p:ext>
     </p:extLst>
   </p:cSld>
@@ -10485,7 +11069,19 @@
           <a:p>
             <a:r>
               <a:rPr lang="en-US" dirty="0" smtClean="0"/>
-              <a:t>RDD : Loading</a:t>
+              <a:t>Lab : </a:t>
+            </a:r>
+            <a:r>
+              <a:rPr lang="en-US" dirty="0" smtClean="0"/>
+              <a:t> Spark Shell (15 </a:t>
+            </a:r>
+            <a:r>
+              <a:rPr lang="en-US" dirty="0" err="1" smtClean="0"/>
+              <a:t>mins</a:t>
+            </a:r>
+            <a:r>
+              <a:rPr lang="en-US" dirty="0" smtClean="0"/>
+              <a:t>)</a:t>
             </a:r>
             <a:endParaRPr lang="en-US" dirty="0"/>
           </a:p>
@@ -10508,51 +11104,34 @@
           <a:p>
             <a:r>
               <a:rPr lang="en-US" dirty="0" smtClean="0"/>
-              <a:t>Use Spark context to load RDDs from disk / external storage</a:t>
-            </a:r>
-          </a:p>
-          <a:p>
-            <a:pPr marL="0" indent="0">
-              <a:buNone/>
-            </a:pPr>
+              <a:t>Java / </a:t>
+            </a:r>
             <a:r>
               <a:rPr lang="en-US" dirty="0" err="1" smtClean="0"/>
-              <a:t>sc.textFile</a:t>
-            </a:r>
-            <a:r>
-              <a:rPr lang="en-US" dirty="0" smtClean="0"/>
-              <a:t>(“/data/input1.txt”)  // single file</a:t>
-            </a:r>
-          </a:p>
-          <a:p>
-            <a:pPr marL="0" indent="0">
-              <a:buNone/>
-            </a:pPr>
+              <a:t>Scala</a:t>
+            </a:r>
+            <a:r>
+              <a:rPr lang="en-US" dirty="0" smtClean="0"/>
+              <a:t> users :   1.2-shell/</a:t>
+            </a:r>
             <a:r>
               <a:rPr lang="en-US" dirty="0" err="1" smtClean="0"/>
-              <a:t>Sc.textFile</a:t>
-            </a:r>
-            <a:r>
-              <a:rPr lang="en-US" dirty="0" smtClean="0"/>
-              <a:t>(“/data/”)  // load all files under </a:t>
+              <a:t>scala.txt</a:t>
+            </a:r>
+            <a:endParaRPr lang="en-US" dirty="0" smtClean="0"/>
+          </a:p>
+          <a:p>
+            <a:r>
+              <a:rPr lang="en-US" dirty="0" smtClean="0"/>
+              <a:t>Python users :  1.2-shell / </a:t>
             </a:r>
             <a:r>
               <a:rPr lang="en-US" dirty="0" err="1" smtClean="0"/>
-              <a:t>dir</a:t>
-            </a:r>
-            <a:endParaRPr lang="en-US" dirty="0" smtClean="0"/>
-          </a:p>
-          <a:p>
-            <a:pPr marL="0" indent="0">
-              <a:buNone/>
-            </a:pPr>
-            <a:r>
-              <a:rPr lang="en-US" dirty="0" err="1" smtClean="0"/>
-              <a:t>Sc.textFile</a:t>
-            </a:r>
-            <a:r>
-              <a:rPr lang="en-US" dirty="0" smtClean="0"/>
-              <a:t>(“/data/*.log”)   // wild card matching</a:t>
+              <a:t>python.txt</a:t>
+            </a:r>
+            <a:r>
+              <a:rPr lang="en-US" dirty="0" smtClean="0"/>
+              <a:t>  (TODO)</a:t>
             </a:r>
             <a:endParaRPr lang="en-US" dirty="0"/>
           </a:p>
@@ -10584,7 +11163,7 @@
     </p:spTree>
     <p:extLst>
       <p:ext uri="{BB962C8B-B14F-4D97-AF65-F5344CB8AC3E}">
-        <p14:creationId xmlns:p14="http://schemas.microsoft.com/office/powerpoint/2010/main" val="34047946"/>
+        <p14:creationId xmlns:p14="http://schemas.microsoft.com/office/powerpoint/2010/main" val="2690895771"/>
       </p:ext>
     </p:extLst>
   </p:cSld>
@@ -10628,7 +11207,7 @@
           <a:p>
             <a:r>
               <a:rPr lang="en-US" dirty="0" smtClean="0"/>
-              <a:t>RDD Operations</a:t>
+              <a:t>Spark Data Model : RDD</a:t>
             </a:r>
             <a:endParaRPr lang="en-US" dirty="0"/>
           </a:p>
@@ -10653,65 +11232,64 @@
           <a:p>
             <a:r>
               <a:rPr lang="en-US" dirty="0" smtClean="0"/>
-              <a:t>Two kinds of operations on RDDs</a:t>
+              <a:t>Resilient Distributed Dataset (RDD)</a:t>
+            </a:r>
+          </a:p>
+          <a:p>
+            <a:r>
+              <a:rPr lang="en-US" dirty="0" smtClean="0"/>
+              <a:t>Can live in </a:t>
             </a:r>
           </a:p>
           <a:p>
             <a:pPr lvl="1"/>
             <a:r>
               <a:rPr lang="en-US" dirty="0" smtClean="0"/>
-              <a:t>1) Transformations</a:t>
-            </a:r>
-          </a:p>
-          <a:p>
-            <a:pPr lvl="2"/>
-            <a:r>
-              <a:rPr lang="en-US" dirty="0" smtClean="0"/>
-              <a:t>Create a new RDD from existing ones (e.g. Map)</a:t>
+              <a:t>Memory (best case scenario)</a:t>
             </a:r>
           </a:p>
           <a:p>
             <a:pPr lvl="1"/>
             <a:r>
               <a:rPr lang="en-US" dirty="0" smtClean="0"/>
-              <a:t>2) Actions</a:t>
-            </a:r>
-          </a:p>
-          <a:p>
-            <a:pPr lvl="2"/>
-            <a:r>
-              <a:rPr lang="en-US" dirty="0" smtClean="0"/>
-              <a:t>E.g. Returns the results to clients  (e.g.  Reduce)</a:t>
-            </a:r>
-          </a:p>
-          <a:p>
-            <a:r>
-              <a:rPr lang="en-US" dirty="0" smtClean="0"/>
-              <a:t>Transformations are </a:t>
-            </a:r>
-            <a:r>
-              <a:rPr lang="en-US" b="1" dirty="0" smtClean="0">
-                <a:solidFill>
-                  <a:srgbClr val="B465BB"/>
-                </a:solidFill>
-              </a:rPr>
-              <a:t>lazy</a:t>
-            </a:r>
-            <a:r>
-              <a:rPr lang="en-US" dirty="0" smtClean="0"/>
-              <a:t>.. Actions </a:t>
+              <a:t>Or on disk (FS,  HDFS,  S3 …</a:t>
+            </a:r>
+            <a:r>
+              <a:rPr lang="en-US" dirty="0" err="1" smtClean="0"/>
+              <a:t>etc</a:t>
+            </a:r>
+            <a:r>
+              <a:rPr lang="en-US" dirty="0" smtClean="0"/>
+              <a:t>)</a:t>
+            </a:r>
+          </a:p>
+          <a:p>
+            <a:r>
+              <a:rPr lang="en-US" dirty="0" smtClean="0"/>
+              <a:t>Each RDD is split into multiple </a:t>
             </a:r>
             <a:r>
               <a:rPr lang="en-US" dirty="0" smtClean="0">
                 <a:solidFill>
-                  <a:srgbClr val="B465BB"/>
+                  <a:schemeClr val="tx2">
+                    <a:lumMod val="50000"/>
+                    <a:lumOff val="50000"/>
+                  </a:schemeClr>
                 </a:solidFill>
               </a:rPr>
-              <a:t>force</a:t>
-            </a:r>
-            <a:r>
-              <a:rPr lang="en-US" dirty="0" smtClean="0"/>
-              <a:t> transformations</a:t>
+              <a:t>partitions </a:t>
+            </a:r>
+          </a:p>
+          <a:p>
+            <a:r>
+              <a:rPr lang="en-US" dirty="0" smtClean="0"/>
+              <a:t>Partitions may live on different nodes</a:t>
+            </a:r>
+          </a:p>
+          <a:p>
+            <a:r>
+              <a:rPr lang="en-US" dirty="0" smtClean="0"/>
+              <a:t>Partitions can be computed in parallel on different nodes</a:t>
             </a:r>
           </a:p>
           <a:p>
@@ -10745,7 +11323,7 @@
     </p:spTree>
     <p:extLst>
       <p:ext uri="{BB962C8B-B14F-4D97-AF65-F5344CB8AC3E}">
-        <p14:creationId xmlns:p14="http://schemas.microsoft.com/office/powerpoint/2010/main" val="3343385149"/>
+        <p14:creationId xmlns:p14="http://schemas.microsoft.com/office/powerpoint/2010/main" val="449954269"/>
       </p:ext>
     </p:extLst>
   </p:cSld>
@@ -10789,7 +11367,7 @@
           <a:p>
             <a:r>
               <a:rPr lang="en-US" dirty="0" smtClean="0"/>
-              <a:t>Transformations / Actions</a:t>
+              <a:t>RDD : Loading</a:t>
             </a:r>
             <a:endParaRPr lang="en-US" dirty="0"/>
           </a:p>
@@ -10810,6 +11388,54 @@
           <a:bodyPr/>
           <a:lstStyle/>
           <a:p>
+            <a:r>
+              <a:rPr lang="en-US" dirty="0" smtClean="0"/>
+              <a:t>Use Spark context to load RDDs from disk / external storage</a:t>
+            </a:r>
+          </a:p>
+          <a:p>
+            <a:pPr marL="0" indent="0">
+              <a:buNone/>
+            </a:pPr>
+            <a:r>
+              <a:rPr lang="en-US" dirty="0" err="1" smtClean="0"/>
+              <a:t>sc.textFile</a:t>
+            </a:r>
+            <a:r>
+              <a:rPr lang="en-US" dirty="0" smtClean="0"/>
+              <a:t>(“/data/input1.txt”)  // single file</a:t>
+            </a:r>
+          </a:p>
+          <a:p>
+            <a:pPr marL="0" indent="0">
+              <a:buNone/>
+            </a:pPr>
+            <a:r>
+              <a:rPr lang="en-US" dirty="0" err="1" smtClean="0"/>
+              <a:t>Sc.textFile</a:t>
+            </a:r>
+            <a:r>
+              <a:rPr lang="en-US" dirty="0" smtClean="0"/>
+              <a:t>(“/data/”)  // load all files under </a:t>
+            </a:r>
+            <a:r>
+              <a:rPr lang="en-US" dirty="0" err="1" smtClean="0"/>
+              <a:t>dir</a:t>
+            </a:r>
+            <a:endParaRPr lang="en-US" dirty="0" smtClean="0"/>
+          </a:p>
+          <a:p>
+            <a:pPr marL="0" indent="0">
+              <a:buNone/>
+            </a:pPr>
+            <a:r>
+              <a:rPr lang="en-US" dirty="0" err="1" smtClean="0"/>
+              <a:t>Sc.textFile</a:t>
+            </a:r>
+            <a:r>
+              <a:rPr lang="en-US" dirty="0" smtClean="0"/>
+              <a:t>(“/data/*.log”)   // wild card matching</a:t>
+            </a:r>
             <a:endParaRPr lang="en-US" dirty="0"/>
           </a:p>
         </p:txBody>
@@ -10832,392 +11458,6 @@
             <a:r>
               <a:rPr lang="en-US" smtClean="0"/>
               <a:t>© Elephant Scale, 2014</a:t>
-            </a:r>
-            <a:endParaRPr lang="en-US" dirty="0"/>
-          </a:p>
-        </p:txBody>
-      </p:sp>
-      <p:sp>
-        <p:nvSpPr>
-          <p:cNvPr id="5" name="Rectangle 4"/>
-          <p:cNvSpPr/>
-          <p:nvPr/>
-        </p:nvSpPr>
-        <p:spPr>
-          <a:xfrm>
-            <a:off x="943004" y="2640715"/>
-            <a:ext cx="1219620" cy="817364"/>
-          </a:xfrm>
-          <a:prstGeom prst="rect">
-            <a:avLst/>
-          </a:prstGeom>
-        </p:spPr>
-        <p:style>
-          <a:lnRef idx="1">
-            <a:schemeClr val="accent1"/>
-          </a:lnRef>
-          <a:fillRef idx="3">
-            <a:schemeClr val="accent1"/>
-          </a:fillRef>
-          <a:effectRef idx="2">
-            <a:schemeClr val="accent1"/>
-          </a:effectRef>
-          <a:fontRef idx="minor">
-            <a:schemeClr val="lt1"/>
-          </a:fontRef>
-        </p:style>
-        <p:txBody>
-          <a:bodyPr rtlCol="0" anchor="ctr"/>
-          <a:lstStyle/>
-          <a:p>
-            <a:pPr algn="ctr"/>
-            <a:r>
-              <a:rPr lang="en-US" dirty="0" smtClean="0"/>
-              <a:t>RDD 1</a:t>
-            </a:r>
-            <a:endParaRPr lang="en-US" dirty="0"/>
-          </a:p>
-        </p:txBody>
-      </p:sp>
-      <p:sp>
-        <p:nvSpPr>
-          <p:cNvPr id="6" name="Rectangle 5"/>
-          <p:cNvSpPr/>
-          <p:nvPr/>
-        </p:nvSpPr>
-        <p:spPr>
-          <a:xfrm>
-            <a:off x="3358615" y="2640715"/>
-            <a:ext cx="1219620" cy="817364"/>
-          </a:xfrm>
-          <a:prstGeom prst="rect">
-            <a:avLst/>
-          </a:prstGeom>
-        </p:spPr>
-        <p:style>
-          <a:lnRef idx="1">
-            <a:schemeClr val="accent4"/>
-          </a:lnRef>
-          <a:fillRef idx="3">
-            <a:schemeClr val="accent4"/>
-          </a:fillRef>
-          <a:effectRef idx="2">
-            <a:schemeClr val="accent4"/>
-          </a:effectRef>
-          <a:fontRef idx="minor">
-            <a:schemeClr val="lt1"/>
-          </a:fontRef>
-        </p:style>
-        <p:txBody>
-          <a:bodyPr rtlCol="0" anchor="ctr"/>
-          <a:lstStyle/>
-          <a:p>
-            <a:pPr algn="ctr"/>
-            <a:r>
-              <a:rPr lang="en-US" dirty="0" smtClean="0"/>
-              <a:t>RDD 2</a:t>
-            </a:r>
-            <a:endParaRPr lang="en-US" dirty="0"/>
-          </a:p>
-        </p:txBody>
-      </p:sp>
-      <p:sp>
-        <p:nvSpPr>
-          <p:cNvPr id="8" name="Isosceles Triangle 7"/>
-          <p:cNvSpPr/>
-          <p:nvPr/>
-        </p:nvSpPr>
-        <p:spPr>
-          <a:xfrm>
-            <a:off x="5658027" y="4879036"/>
-            <a:ext cx="1697408" cy="930537"/>
-          </a:xfrm>
-          <a:prstGeom prst="triangle">
-            <a:avLst/>
-          </a:prstGeom>
-        </p:spPr>
-        <p:style>
-          <a:lnRef idx="1">
-            <a:schemeClr val="accent3"/>
-          </a:lnRef>
-          <a:fillRef idx="3">
-            <a:schemeClr val="accent3"/>
-          </a:fillRef>
-          <a:effectRef idx="2">
-            <a:schemeClr val="accent3"/>
-          </a:effectRef>
-          <a:fontRef idx="minor">
-            <a:schemeClr val="lt1"/>
-          </a:fontRef>
-        </p:style>
-        <p:txBody>
-          <a:bodyPr rtlCol="0" anchor="ctr"/>
-          <a:lstStyle/>
-          <a:p>
-            <a:pPr algn="ctr"/>
-            <a:r>
-              <a:rPr lang="en-US" dirty="0" smtClean="0"/>
-              <a:t>Client</a:t>
-            </a:r>
-            <a:endParaRPr lang="en-US" dirty="0"/>
-          </a:p>
-        </p:txBody>
-      </p:sp>
-      <p:sp>
-        <p:nvSpPr>
-          <p:cNvPr id="9" name="Rectangle 8"/>
-          <p:cNvSpPr/>
-          <p:nvPr/>
-        </p:nvSpPr>
-        <p:spPr>
-          <a:xfrm>
-            <a:off x="5837093" y="2640715"/>
-            <a:ext cx="1219620" cy="817364"/>
-          </a:xfrm>
-          <a:prstGeom prst="rect">
-            <a:avLst/>
-          </a:prstGeom>
-        </p:spPr>
-        <p:style>
-          <a:lnRef idx="1">
-            <a:schemeClr val="accent5"/>
-          </a:lnRef>
-          <a:fillRef idx="3">
-            <a:schemeClr val="accent5"/>
-          </a:fillRef>
-          <a:effectRef idx="2">
-            <a:schemeClr val="accent5"/>
-          </a:effectRef>
-          <a:fontRef idx="minor">
-            <a:schemeClr val="lt1"/>
-          </a:fontRef>
-        </p:style>
-        <p:txBody>
-          <a:bodyPr rtlCol="0" anchor="ctr"/>
-          <a:lstStyle/>
-          <a:p>
-            <a:pPr algn="ctr"/>
-            <a:r>
-              <a:rPr lang="en-US" dirty="0" smtClean="0"/>
-              <a:t>RDD 3</a:t>
-            </a:r>
-            <a:endParaRPr lang="en-US" dirty="0"/>
-          </a:p>
-        </p:txBody>
-      </p:sp>
-      <p:sp>
-        <p:nvSpPr>
-          <p:cNvPr id="10" name="Right Arrow 9"/>
-          <p:cNvSpPr/>
-          <p:nvPr/>
-        </p:nvSpPr>
-        <p:spPr>
-          <a:xfrm>
-            <a:off x="2464385" y="2854487"/>
-            <a:ext cx="691537" cy="389820"/>
-          </a:xfrm>
-          <a:prstGeom prst="rightArrow">
-            <a:avLst/>
-          </a:prstGeom>
-        </p:spPr>
-        <p:style>
-          <a:lnRef idx="1">
-            <a:schemeClr val="accent2"/>
-          </a:lnRef>
-          <a:fillRef idx="3">
-            <a:schemeClr val="accent2"/>
-          </a:fillRef>
-          <a:effectRef idx="2">
-            <a:schemeClr val="accent2"/>
-          </a:effectRef>
-          <a:fontRef idx="minor">
-            <a:schemeClr val="lt1"/>
-          </a:fontRef>
-        </p:style>
-        <p:txBody>
-          <a:bodyPr rtlCol="0" anchor="ctr"/>
-          <a:lstStyle/>
-          <a:p>
-            <a:pPr algn="ctr"/>
-            <a:endParaRPr lang="en-US" dirty="0"/>
-          </a:p>
-        </p:txBody>
-      </p:sp>
-      <p:sp>
-        <p:nvSpPr>
-          <p:cNvPr id="11" name="Right Arrow 10"/>
-          <p:cNvSpPr/>
-          <p:nvPr/>
-        </p:nvSpPr>
-        <p:spPr>
-          <a:xfrm>
-            <a:off x="4867422" y="2854487"/>
-            <a:ext cx="691537" cy="389820"/>
-          </a:xfrm>
-          <a:prstGeom prst="rightArrow">
-            <a:avLst/>
-          </a:prstGeom>
-        </p:spPr>
-        <p:style>
-          <a:lnRef idx="1">
-            <a:schemeClr val="accent2"/>
-          </a:lnRef>
-          <a:fillRef idx="3">
-            <a:schemeClr val="accent2"/>
-          </a:fillRef>
-          <a:effectRef idx="2">
-            <a:schemeClr val="accent2"/>
-          </a:effectRef>
-          <a:fontRef idx="minor">
-            <a:schemeClr val="lt1"/>
-          </a:fontRef>
-        </p:style>
-        <p:txBody>
-          <a:bodyPr rtlCol="0" anchor="ctr"/>
-          <a:lstStyle/>
-          <a:p>
-            <a:pPr algn="ctr"/>
-            <a:endParaRPr lang="en-US"/>
-          </a:p>
-        </p:txBody>
-      </p:sp>
-      <p:sp>
-        <p:nvSpPr>
-          <p:cNvPr id="12" name="Down Arrow 11"/>
-          <p:cNvSpPr/>
-          <p:nvPr/>
-        </p:nvSpPr>
-        <p:spPr>
-          <a:xfrm>
-            <a:off x="6324600" y="3709576"/>
-            <a:ext cx="439885" cy="917963"/>
-          </a:xfrm>
-          <a:prstGeom prst="downArrow">
-            <a:avLst/>
-          </a:prstGeom>
-        </p:spPr>
-        <p:style>
-          <a:lnRef idx="0">
-            <a:schemeClr val="accent5"/>
-          </a:lnRef>
-          <a:fillRef idx="3">
-            <a:schemeClr val="accent5"/>
-          </a:fillRef>
-          <a:effectRef idx="3">
-            <a:schemeClr val="accent5"/>
-          </a:effectRef>
-          <a:fontRef idx="minor">
-            <a:schemeClr val="lt1"/>
-          </a:fontRef>
-        </p:style>
-        <p:txBody>
-          <a:bodyPr rtlCol="0" anchor="ctr"/>
-          <a:lstStyle/>
-          <a:p>
-            <a:pPr algn="ctr"/>
-            <a:endParaRPr lang="en-US"/>
-          </a:p>
-        </p:txBody>
-      </p:sp>
-      <p:sp>
-        <p:nvSpPr>
-          <p:cNvPr id="13" name="Oval Callout 12"/>
-          <p:cNvSpPr/>
-          <p:nvPr/>
-        </p:nvSpPr>
-        <p:spPr>
-          <a:xfrm>
-            <a:off x="2062036" y="3709575"/>
-            <a:ext cx="2805385" cy="917963"/>
-          </a:xfrm>
-          <a:prstGeom prst="wedgeEllipseCallout">
-            <a:avLst>
-              <a:gd name="adj1" fmla="val -24379"/>
-              <a:gd name="adj2" fmla="val -109958"/>
-            </a:avLst>
-          </a:prstGeom>
-        </p:spPr>
-        <p:style>
-          <a:lnRef idx="0">
-            <a:schemeClr val="accent3"/>
-          </a:lnRef>
-          <a:fillRef idx="3">
-            <a:schemeClr val="accent3"/>
-          </a:fillRef>
-          <a:effectRef idx="3">
-            <a:schemeClr val="accent3"/>
-          </a:effectRef>
-          <a:fontRef idx="minor">
-            <a:schemeClr val="lt1"/>
-          </a:fontRef>
-        </p:style>
-        <p:txBody>
-          <a:bodyPr rtlCol="0" anchor="ctr"/>
-          <a:lstStyle/>
-          <a:p>
-            <a:pPr algn="ctr"/>
-            <a:r>
-              <a:rPr lang="en-US" dirty="0" smtClean="0"/>
-              <a:t>Transformation 1</a:t>
-            </a:r>
-          </a:p>
-          <a:p>
-            <a:pPr algn="ctr"/>
-            <a:r>
-              <a:rPr lang="en-US" dirty="0" smtClean="0"/>
-              <a:t>(map)</a:t>
-            </a:r>
-            <a:endParaRPr lang="en-US" dirty="0"/>
-          </a:p>
-        </p:txBody>
-      </p:sp>
-      <p:sp>
-        <p:nvSpPr>
-          <p:cNvPr id="14" name="Oval Callout 13"/>
-          <p:cNvSpPr/>
-          <p:nvPr/>
-        </p:nvSpPr>
-        <p:spPr>
-          <a:xfrm>
-            <a:off x="2753574" y="5208200"/>
-            <a:ext cx="2805385" cy="917963"/>
-          </a:xfrm>
-          <a:prstGeom prst="wedgeEllipseCallout">
-            <a:avLst>
-              <a:gd name="adj1" fmla="val 74671"/>
-              <a:gd name="adj2" fmla="val -175711"/>
-            </a:avLst>
-          </a:prstGeom>
-        </p:spPr>
-        <p:style>
-          <a:lnRef idx="0">
-            <a:schemeClr val="accent5"/>
-          </a:lnRef>
-          <a:fillRef idx="3">
-            <a:schemeClr val="accent5"/>
-          </a:fillRef>
-          <a:effectRef idx="3">
-            <a:schemeClr val="accent5"/>
-          </a:effectRef>
-          <a:fontRef idx="minor">
-            <a:schemeClr val="lt1"/>
-          </a:fontRef>
-        </p:style>
-        <p:txBody>
-          <a:bodyPr rtlCol="0" anchor="ctr"/>
-          <a:lstStyle/>
-          <a:p>
-            <a:pPr algn="ctr"/>
-            <a:r>
-              <a:rPr lang="en-US" dirty="0" smtClean="0"/>
-              <a:t>Action1</a:t>
-            </a:r>
-          </a:p>
-          <a:p>
-            <a:pPr algn="ctr"/>
-            <a:r>
-              <a:rPr lang="en-US" dirty="0" smtClean="0"/>
-              <a:t>(collect)</a:t>
             </a:r>
             <a:endParaRPr lang="en-US" dirty="0"/>
           </a:p>
@@ -11226,7 +11466,7 @@
     </p:spTree>
     <p:extLst>
       <p:ext uri="{BB962C8B-B14F-4D97-AF65-F5344CB8AC3E}">
-        <p14:creationId xmlns:p14="http://schemas.microsoft.com/office/powerpoint/2010/main" val="1217219188"/>
+        <p14:creationId xmlns:p14="http://schemas.microsoft.com/office/powerpoint/2010/main" val="34047946"/>
       </p:ext>
     </p:extLst>
   </p:cSld>
@@ -12143,6 +12383,648 @@
 </file>
 
 <file path=ppt/slides/slide20.xml><?xml version="1.0" encoding="utf-8"?>
+<p:sld xmlns:a="http://schemas.openxmlformats.org/drawingml/2006/main" xmlns:r="http://schemas.openxmlformats.org/officeDocument/2006/relationships" xmlns:p="http://schemas.openxmlformats.org/presentationml/2006/main">
+  <p:cSld>
+    <p:spTree>
+      <p:nvGrpSpPr>
+        <p:cNvPr id="1" name=""/>
+        <p:cNvGrpSpPr/>
+        <p:nvPr/>
+      </p:nvGrpSpPr>
+      <p:grpSpPr>
+        <a:xfrm>
+          <a:off x="0" y="0"/>
+          <a:ext cx="0" cy="0"/>
+          <a:chOff x="0" y="0"/>
+          <a:chExt cx="0" cy="0"/>
+        </a:xfrm>
+      </p:grpSpPr>
+      <p:sp>
+        <p:nvSpPr>
+          <p:cNvPr id="2" name="Title 1"/>
+          <p:cNvSpPr>
+            <a:spLocks noGrp="1"/>
+          </p:cNvSpPr>
+          <p:nvPr>
+            <p:ph type="title"/>
+          </p:nvPr>
+        </p:nvSpPr>
+        <p:spPr/>
+        <p:txBody>
+          <a:bodyPr/>
+          <a:lstStyle/>
+          <a:p>
+            <a:r>
+              <a:rPr lang="en-US" dirty="0" smtClean="0"/>
+              <a:t>RDD Operations</a:t>
+            </a:r>
+            <a:endParaRPr lang="en-US" dirty="0"/>
+          </a:p>
+        </p:txBody>
+      </p:sp>
+      <p:sp>
+        <p:nvSpPr>
+          <p:cNvPr id="3" name="Content Placeholder 2"/>
+          <p:cNvSpPr>
+            <a:spLocks noGrp="1"/>
+          </p:cNvSpPr>
+          <p:nvPr>
+            <p:ph idx="1"/>
+          </p:nvPr>
+        </p:nvSpPr>
+        <p:spPr/>
+        <p:txBody>
+          <a:bodyPr>
+            <a:normAutofit/>
+          </a:bodyPr>
+          <a:lstStyle/>
+          <a:p>
+            <a:r>
+              <a:rPr lang="en-US" dirty="0" smtClean="0"/>
+              <a:t>Two kinds of operations on RDDs</a:t>
+            </a:r>
+          </a:p>
+          <a:p>
+            <a:pPr lvl="1"/>
+            <a:r>
+              <a:rPr lang="en-US" dirty="0" smtClean="0"/>
+              <a:t>1) Transformations</a:t>
+            </a:r>
+          </a:p>
+          <a:p>
+            <a:pPr lvl="2"/>
+            <a:r>
+              <a:rPr lang="en-US" dirty="0" smtClean="0"/>
+              <a:t>Create a new RDD from existing ones (e.g. Map)</a:t>
+            </a:r>
+          </a:p>
+          <a:p>
+            <a:pPr lvl="1"/>
+            <a:r>
+              <a:rPr lang="en-US" dirty="0" smtClean="0"/>
+              <a:t>2) Actions</a:t>
+            </a:r>
+          </a:p>
+          <a:p>
+            <a:pPr lvl="2"/>
+            <a:r>
+              <a:rPr lang="en-US" dirty="0" smtClean="0"/>
+              <a:t>E.g. Returns the results to clients  (e.g.  Reduce)</a:t>
+            </a:r>
+          </a:p>
+          <a:p>
+            <a:r>
+              <a:rPr lang="en-US" dirty="0" smtClean="0"/>
+              <a:t>Transformations are </a:t>
+            </a:r>
+            <a:r>
+              <a:rPr lang="en-US" b="1" dirty="0" smtClean="0">
+                <a:solidFill>
+                  <a:srgbClr val="B465BB"/>
+                </a:solidFill>
+              </a:rPr>
+              <a:t>lazy</a:t>
+            </a:r>
+            <a:r>
+              <a:rPr lang="en-US" dirty="0" smtClean="0"/>
+              <a:t>.. Actions </a:t>
+            </a:r>
+            <a:r>
+              <a:rPr lang="en-US" dirty="0" smtClean="0">
+                <a:solidFill>
+                  <a:srgbClr val="B465BB"/>
+                </a:solidFill>
+              </a:rPr>
+              <a:t>force</a:t>
+            </a:r>
+            <a:r>
+              <a:rPr lang="en-US" dirty="0" smtClean="0"/>
+              <a:t> transformations</a:t>
+            </a:r>
+          </a:p>
+          <a:p>
+            <a:endParaRPr lang="en-US" dirty="0"/>
+          </a:p>
+        </p:txBody>
+      </p:sp>
+      <p:sp>
+        <p:nvSpPr>
+          <p:cNvPr id="4" name="Footer Placeholder 3"/>
+          <p:cNvSpPr>
+            <a:spLocks noGrp="1"/>
+          </p:cNvSpPr>
+          <p:nvPr>
+            <p:ph type="ftr" sz="quarter" idx="11"/>
+          </p:nvPr>
+        </p:nvSpPr>
+        <p:spPr/>
+        <p:txBody>
+          <a:bodyPr/>
+          <a:lstStyle/>
+          <a:p>
+            <a:r>
+              <a:rPr lang="en-US" smtClean="0"/>
+              <a:t>© Elephant Scale, 2014</a:t>
+            </a:r>
+            <a:endParaRPr lang="en-US" dirty="0"/>
+          </a:p>
+        </p:txBody>
+      </p:sp>
+    </p:spTree>
+    <p:extLst>
+      <p:ext uri="{BB962C8B-B14F-4D97-AF65-F5344CB8AC3E}">
+        <p14:creationId xmlns:p14="http://schemas.microsoft.com/office/powerpoint/2010/main" val="3343385149"/>
+      </p:ext>
+    </p:extLst>
+  </p:cSld>
+  <p:clrMapOvr>
+    <a:masterClrMapping/>
+  </p:clrMapOvr>
+</p:sld>
+</file>
+
+<file path=ppt/slides/slide21.xml><?xml version="1.0" encoding="utf-8"?>
+<p:sld xmlns:a="http://schemas.openxmlformats.org/drawingml/2006/main" xmlns:r="http://schemas.openxmlformats.org/officeDocument/2006/relationships" xmlns:p="http://schemas.openxmlformats.org/presentationml/2006/main">
+  <p:cSld>
+    <p:spTree>
+      <p:nvGrpSpPr>
+        <p:cNvPr id="1" name=""/>
+        <p:cNvGrpSpPr/>
+        <p:nvPr/>
+      </p:nvGrpSpPr>
+      <p:grpSpPr>
+        <a:xfrm>
+          <a:off x="0" y="0"/>
+          <a:ext cx="0" cy="0"/>
+          <a:chOff x="0" y="0"/>
+          <a:chExt cx="0" cy="0"/>
+        </a:xfrm>
+      </p:grpSpPr>
+      <p:sp>
+        <p:nvSpPr>
+          <p:cNvPr id="2" name="Title 1"/>
+          <p:cNvSpPr>
+            <a:spLocks noGrp="1"/>
+          </p:cNvSpPr>
+          <p:nvPr>
+            <p:ph type="title"/>
+          </p:nvPr>
+        </p:nvSpPr>
+        <p:spPr/>
+        <p:txBody>
+          <a:bodyPr/>
+          <a:lstStyle/>
+          <a:p>
+            <a:r>
+              <a:rPr lang="en-US" dirty="0" smtClean="0"/>
+              <a:t>Transformations / Actions</a:t>
+            </a:r>
+            <a:endParaRPr lang="en-US" dirty="0"/>
+          </a:p>
+        </p:txBody>
+      </p:sp>
+      <p:sp>
+        <p:nvSpPr>
+          <p:cNvPr id="3" name="Content Placeholder 2"/>
+          <p:cNvSpPr>
+            <a:spLocks noGrp="1"/>
+          </p:cNvSpPr>
+          <p:nvPr>
+            <p:ph idx="1"/>
+          </p:nvPr>
+        </p:nvSpPr>
+        <p:spPr/>
+        <p:txBody>
+          <a:bodyPr/>
+          <a:lstStyle/>
+          <a:p>
+            <a:endParaRPr lang="en-US" dirty="0"/>
+          </a:p>
+        </p:txBody>
+      </p:sp>
+      <p:sp>
+        <p:nvSpPr>
+          <p:cNvPr id="4" name="Footer Placeholder 3"/>
+          <p:cNvSpPr>
+            <a:spLocks noGrp="1"/>
+          </p:cNvSpPr>
+          <p:nvPr>
+            <p:ph type="ftr" sz="quarter" idx="11"/>
+          </p:nvPr>
+        </p:nvSpPr>
+        <p:spPr/>
+        <p:txBody>
+          <a:bodyPr/>
+          <a:lstStyle/>
+          <a:p>
+            <a:r>
+              <a:rPr lang="en-US" smtClean="0"/>
+              <a:t>© Elephant Scale, 2014</a:t>
+            </a:r>
+            <a:endParaRPr lang="en-US" dirty="0"/>
+          </a:p>
+        </p:txBody>
+      </p:sp>
+      <p:sp>
+        <p:nvSpPr>
+          <p:cNvPr id="5" name="Rectangle 4"/>
+          <p:cNvSpPr/>
+          <p:nvPr/>
+        </p:nvSpPr>
+        <p:spPr>
+          <a:xfrm>
+            <a:off x="943004" y="2640715"/>
+            <a:ext cx="1219620" cy="817364"/>
+          </a:xfrm>
+          <a:prstGeom prst="rect">
+            <a:avLst/>
+          </a:prstGeom>
+        </p:spPr>
+        <p:style>
+          <a:lnRef idx="1">
+            <a:schemeClr val="accent1"/>
+          </a:lnRef>
+          <a:fillRef idx="3">
+            <a:schemeClr val="accent1"/>
+          </a:fillRef>
+          <a:effectRef idx="2">
+            <a:schemeClr val="accent1"/>
+          </a:effectRef>
+          <a:fontRef idx="minor">
+            <a:schemeClr val="lt1"/>
+          </a:fontRef>
+        </p:style>
+        <p:txBody>
+          <a:bodyPr rtlCol="0" anchor="ctr"/>
+          <a:lstStyle/>
+          <a:p>
+            <a:pPr algn="ctr"/>
+            <a:r>
+              <a:rPr lang="en-US" dirty="0" smtClean="0"/>
+              <a:t>RDD 1</a:t>
+            </a:r>
+            <a:endParaRPr lang="en-US" dirty="0"/>
+          </a:p>
+        </p:txBody>
+      </p:sp>
+      <p:sp>
+        <p:nvSpPr>
+          <p:cNvPr id="6" name="Rectangle 5"/>
+          <p:cNvSpPr/>
+          <p:nvPr/>
+        </p:nvSpPr>
+        <p:spPr>
+          <a:xfrm>
+            <a:off x="3358615" y="2640715"/>
+            <a:ext cx="1219620" cy="817364"/>
+          </a:xfrm>
+          <a:prstGeom prst="rect">
+            <a:avLst/>
+          </a:prstGeom>
+        </p:spPr>
+        <p:style>
+          <a:lnRef idx="1">
+            <a:schemeClr val="accent4"/>
+          </a:lnRef>
+          <a:fillRef idx="3">
+            <a:schemeClr val="accent4"/>
+          </a:fillRef>
+          <a:effectRef idx="2">
+            <a:schemeClr val="accent4"/>
+          </a:effectRef>
+          <a:fontRef idx="minor">
+            <a:schemeClr val="lt1"/>
+          </a:fontRef>
+        </p:style>
+        <p:txBody>
+          <a:bodyPr rtlCol="0" anchor="ctr"/>
+          <a:lstStyle/>
+          <a:p>
+            <a:pPr algn="ctr"/>
+            <a:r>
+              <a:rPr lang="en-US" dirty="0" smtClean="0"/>
+              <a:t>RDD 2</a:t>
+            </a:r>
+            <a:endParaRPr lang="en-US" dirty="0"/>
+          </a:p>
+        </p:txBody>
+      </p:sp>
+      <p:sp>
+        <p:nvSpPr>
+          <p:cNvPr id="8" name="Isosceles Triangle 7"/>
+          <p:cNvSpPr/>
+          <p:nvPr/>
+        </p:nvSpPr>
+        <p:spPr>
+          <a:xfrm>
+            <a:off x="5658027" y="4879036"/>
+            <a:ext cx="1697408" cy="930537"/>
+          </a:xfrm>
+          <a:prstGeom prst="triangle">
+            <a:avLst/>
+          </a:prstGeom>
+        </p:spPr>
+        <p:style>
+          <a:lnRef idx="1">
+            <a:schemeClr val="accent3"/>
+          </a:lnRef>
+          <a:fillRef idx="3">
+            <a:schemeClr val="accent3"/>
+          </a:fillRef>
+          <a:effectRef idx="2">
+            <a:schemeClr val="accent3"/>
+          </a:effectRef>
+          <a:fontRef idx="minor">
+            <a:schemeClr val="lt1"/>
+          </a:fontRef>
+        </p:style>
+        <p:txBody>
+          <a:bodyPr rtlCol="0" anchor="ctr"/>
+          <a:lstStyle/>
+          <a:p>
+            <a:pPr algn="ctr"/>
+            <a:r>
+              <a:rPr lang="en-US" dirty="0" smtClean="0"/>
+              <a:t>Client</a:t>
+            </a:r>
+            <a:endParaRPr lang="en-US" dirty="0"/>
+          </a:p>
+        </p:txBody>
+      </p:sp>
+      <p:sp>
+        <p:nvSpPr>
+          <p:cNvPr id="9" name="Rectangle 8"/>
+          <p:cNvSpPr/>
+          <p:nvPr/>
+        </p:nvSpPr>
+        <p:spPr>
+          <a:xfrm>
+            <a:off x="5837093" y="2640715"/>
+            <a:ext cx="1219620" cy="817364"/>
+          </a:xfrm>
+          <a:prstGeom prst="rect">
+            <a:avLst/>
+          </a:prstGeom>
+        </p:spPr>
+        <p:style>
+          <a:lnRef idx="1">
+            <a:schemeClr val="accent5"/>
+          </a:lnRef>
+          <a:fillRef idx="3">
+            <a:schemeClr val="accent5"/>
+          </a:fillRef>
+          <a:effectRef idx="2">
+            <a:schemeClr val="accent5"/>
+          </a:effectRef>
+          <a:fontRef idx="minor">
+            <a:schemeClr val="lt1"/>
+          </a:fontRef>
+        </p:style>
+        <p:txBody>
+          <a:bodyPr rtlCol="0" anchor="ctr"/>
+          <a:lstStyle/>
+          <a:p>
+            <a:pPr algn="ctr"/>
+            <a:r>
+              <a:rPr lang="en-US" dirty="0" smtClean="0"/>
+              <a:t>RDD 3</a:t>
+            </a:r>
+            <a:endParaRPr lang="en-US" dirty="0"/>
+          </a:p>
+        </p:txBody>
+      </p:sp>
+      <p:sp>
+        <p:nvSpPr>
+          <p:cNvPr id="10" name="Right Arrow 9"/>
+          <p:cNvSpPr/>
+          <p:nvPr/>
+        </p:nvSpPr>
+        <p:spPr>
+          <a:xfrm>
+            <a:off x="2464385" y="2854487"/>
+            <a:ext cx="691537" cy="389820"/>
+          </a:xfrm>
+          <a:prstGeom prst="rightArrow">
+            <a:avLst/>
+          </a:prstGeom>
+        </p:spPr>
+        <p:style>
+          <a:lnRef idx="1">
+            <a:schemeClr val="accent2"/>
+          </a:lnRef>
+          <a:fillRef idx="3">
+            <a:schemeClr val="accent2"/>
+          </a:fillRef>
+          <a:effectRef idx="2">
+            <a:schemeClr val="accent2"/>
+          </a:effectRef>
+          <a:fontRef idx="minor">
+            <a:schemeClr val="lt1"/>
+          </a:fontRef>
+        </p:style>
+        <p:txBody>
+          <a:bodyPr rtlCol="0" anchor="ctr"/>
+          <a:lstStyle/>
+          <a:p>
+            <a:pPr algn="ctr"/>
+            <a:endParaRPr lang="en-US" dirty="0"/>
+          </a:p>
+        </p:txBody>
+      </p:sp>
+      <p:sp>
+        <p:nvSpPr>
+          <p:cNvPr id="11" name="Right Arrow 10"/>
+          <p:cNvSpPr/>
+          <p:nvPr/>
+        </p:nvSpPr>
+        <p:spPr>
+          <a:xfrm>
+            <a:off x="4867422" y="2854487"/>
+            <a:ext cx="691537" cy="389820"/>
+          </a:xfrm>
+          <a:prstGeom prst="rightArrow">
+            <a:avLst/>
+          </a:prstGeom>
+        </p:spPr>
+        <p:style>
+          <a:lnRef idx="1">
+            <a:schemeClr val="accent2"/>
+          </a:lnRef>
+          <a:fillRef idx="3">
+            <a:schemeClr val="accent2"/>
+          </a:fillRef>
+          <a:effectRef idx="2">
+            <a:schemeClr val="accent2"/>
+          </a:effectRef>
+          <a:fontRef idx="minor">
+            <a:schemeClr val="lt1"/>
+          </a:fontRef>
+        </p:style>
+        <p:txBody>
+          <a:bodyPr rtlCol="0" anchor="ctr"/>
+          <a:lstStyle/>
+          <a:p>
+            <a:pPr algn="ctr"/>
+            <a:endParaRPr lang="en-US"/>
+          </a:p>
+        </p:txBody>
+      </p:sp>
+      <p:sp>
+        <p:nvSpPr>
+          <p:cNvPr id="12" name="Down Arrow 11"/>
+          <p:cNvSpPr/>
+          <p:nvPr/>
+        </p:nvSpPr>
+        <p:spPr>
+          <a:xfrm>
+            <a:off x="6324600" y="3709576"/>
+            <a:ext cx="439885" cy="917963"/>
+          </a:xfrm>
+          <a:prstGeom prst="downArrow">
+            <a:avLst/>
+          </a:prstGeom>
+        </p:spPr>
+        <p:style>
+          <a:lnRef idx="0">
+            <a:schemeClr val="accent5"/>
+          </a:lnRef>
+          <a:fillRef idx="3">
+            <a:schemeClr val="accent5"/>
+          </a:fillRef>
+          <a:effectRef idx="3">
+            <a:schemeClr val="accent5"/>
+          </a:effectRef>
+          <a:fontRef idx="minor">
+            <a:schemeClr val="lt1"/>
+          </a:fontRef>
+        </p:style>
+        <p:txBody>
+          <a:bodyPr rtlCol="0" anchor="ctr"/>
+          <a:lstStyle/>
+          <a:p>
+            <a:pPr algn="ctr"/>
+            <a:endParaRPr lang="en-US"/>
+          </a:p>
+        </p:txBody>
+      </p:sp>
+      <p:sp>
+        <p:nvSpPr>
+          <p:cNvPr id="13" name="Oval Callout 12"/>
+          <p:cNvSpPr/>
+          <p:nvPr/>
+        </p:nvSpPr>
+        <p:spPr>
+          <a:xfrm>
+            <a:off x="2062036" y="3709575"/>
+            <a:ext cx="2805385" cy="917963"/>
+          </a:xfrm>
+          <a:prstGeom prst="wedgeEllipseCallout">
+            <a:avLst>
+              <a:gd name="adj1" fmla="val -24379"/>
+              <a:gd name="adj2" fmla="val -109958"/>
+            </a:avLst>
+          </a:prstGeom>
+        </p:spPr>
+        <p:style>
+          <a:lnRef idx="0">
+            <a:schemeClr val="accent3"/>
+          </a:lnRef>
+          <a:fillRef idx="3">
+            <a:schemeClr val="accent3"/>
+          </a:fillRef>
+          <a:effectRef idx="3">
+            <a:schemeClr val="accent3"/>
+          </a:effectRef>
+          <a:fontRef idx="minor">
+            <a:schemeClr val="lt1"/>
+          </a:fontRef>
+        </p:style>
+        <p:txBody>
+          <a:bodyPr rtlCol="0" anchor="ctr"/>
+          <a:lstStyle/>
+          <a:p>
+            <a:pPr algn="ctr"/>
+            <a:r>
+              <a:rPr lang="en-US" dirty="0" smtClean="0"/>
+              <a:t>Transformation 1</a:t>
+            </a:r>
+          </a:p>
+          <a:p>
+            <a:pPr algn="ctr"/>
+            <a:r>
+              <a:rPr lang="en-US" dirty="0" smtClean="0"/>
+              <a:t>(map)</a:t>
+            </a:r>
+            <a:endParaRPr lang="en-US" dirty="0"/>
+          </a:p>
+        </p:txBody>
+      </p:sp>
+      <p:sp>
+        <p:nvSpPr>
+          <p:cNvPr id="14" name="Oval Callout 13"/>
+          <p:cNvSpPr/>
+          <p:nvPr/>
+        </p:nvSpPr>
+        <p:spPr>
+          <a:xfrm>
+            <a:off x="2753574" y="5208200"/>
+            <a:ext cx="2805385" cy="917963"/>
+          </a:xfrm>
+          <a:prstGeom prst="wedgeEllipseCallout">
+            <a:avLst>
+              <a:gd name="adj1" fmla="val 74671"/>
+              <a:gd name="adj2" fmla="val -175711"/>
+            </a:avLst>
+          </a:prstGeom>
+        </p:spPr>
+        <p:style>
+          <a:lnRef idx="0">
+            <a:schemeClr val="accent5"/>
+          </a:lnRef>
+          <a:fillRef idx="3">
+            <a:schemeClr val="accent5"/>
+          </a:fillRef>
+          <a:effectRef idx="3">
+            <a:schemeClr val="accent5"/>
+          </a:effectRef>
+          <a:fontRef idx="minor">
+            <a:schemeClr val="lt1"/>
+          </a:fontRef>
+        </p:style>
+        <p:txBody>
+          <a:bodyPr rtlCol="0" anchor="ctr"/>
+          <a:lstStyle/>
+          <a:p>
+            <a:pPr algn="ctr"/>
+            <a:r>
+              <a:rPr lang="en-US" dirty="0" smtClean="0"/>
+              <a:t>Action1</a:t>
+            </a:r>
+          </a:p>
+          <a:p>
+            <a:pPr algn="ctr"/>
+            <a:r>
+              <a:rPr lang="en-US" dirty="0" smtClean="0"/>
+              <a:t>(collect)</a:t>
+            </a:r>
+            <a:endParaRPr lang="en-US" dirty="0"/>
+          </a:p>
+        </p:txBody>
+      </p:sp>
+    </p:spTree>
+    <p:extLst>
+      <p:ext uri="{BB962C8B-B14F-4D97-AF65-F5344CB8AC3E}">
+        <p14:creationId xmlns:p14="http://schemas.microsoft.com/office/powerpoint/2010/main" val="1217219188"/>
+      </p:ext>
+    </p:extLst>
+  </p:cSld>
+  <p:clrMapOvr>
+    <a:masterClrMapping/>
+  </p:clrMapOvr>
+</p:sld>
+</file>
+
+<file path=ppt/slides/slide22.xml><?xml version="1.0" encoding="utf-8"?>
 <p:sld xmlns:a="http://schemas.openxmlformats.org/drawingml/2006/main" xmlns:r="http://schemas.openxmlformats.org/officeDocument/2006/relationships" xmlns:p="http://schemas.openxmlformats.org/presentationml/2006/main">
   <p:cSld>
     <p:spTree>
@@ -12458,7 +13340,7 @@
 </p:sld>
 </file>
 
-<file path=ppt/slides/slide21.xml><?xml version="1.0" encoding="utf-8"?>
+<file path=ppt/slides/slide23.xml><?xml version="1.0" encoding="utf-8"?>
 <p:sld xmlns:a="http://schemas.openxmlformats.org/drawingml/2006/main" xmlns:r="http://schemas.openxmlformats.org/officeDocument/2006/relationships" xmlns:p="http://schemas.openxmlformats.org/presentationml/2006/main">
   <p:cSld>
     <p:spTree>
@@ -12894,7 +13776,7 @@
 </p:sld>
 </file>
 
-<file path=ppt/slides/slide22.xml><?xml version="1.0" encoding="utf-8"?>
+<file path=ppt/slides/slide24.xml><?xml version="1.0" encoding="utf-8"?>
 <p:sld xmlns:a="http://schemas.openxmlformats.org/drawingml/2006/main" xmlns:r="http://schemas.openxmlformats.org/officeDocument/2006/relationships" xmlns:p="http://schemas.openxmlformats.org/presentationml/2006/main">
   <p:cSld>
     <p:spTree>
@@ -13604,7 +14486,7 @@
 </p:sld>
 </file>
 
-<file path=ppt/slides/slide23.xml><?xml version="1.0" encoding="utf-8"?>
+<file path=ppt/slides/slide25.xml><?xml version="1.0" encoding="utf-8"?>
 <p:sld xmlns:a="http://schemas.openxmlformats.org/drawingml/2006/main" xmlns:r="http://schemas.openxmlformats.org/officeDocument/2006/relationships" xmlns:p="http://schemas.openxmlformats.org/presentationml/2006/main">
   <p:cSld>
     <p:spTree>
@@ -13759,7 +14641,7 @@
 </p:sld>
 </file>
 
-<file path=ppt/slides/slide24.xml><?xml version="1.0" encoding="utf-8"?>
+<file path=ppt/slides/slide26.xml><?xml version="1.0" encoding="utf-8"?>
 <p:sld xmlns:a="http://schemas.openxmlformats.org/drawingml/2006/main" xmlns:r="http://schemas.openxmlformats.org/officeDocument/2006/relationships" xmlns:p="http://schemas.openxmlformats.org/presentationml/2006/main">
   <p:cSld>
     <p:spTree>
@@ -13864,7 +14746,7 @@
                 <a:latin typeface="Andale Mono"/>
                 <a:cs typeface="Andale Mono"/>
               </a:rPr>
-              <a:t>() // on disk or memory</a:t>
+              <a:t>(options) // on disk or memory</a:t>
             </a:r>
           </a:p>
           <a:p>
@@ -13961,378 +14843,6 @@
 </p:sld>
 </file>
 
-<file path=ppt/slides/slide25.xml><?xml version="1.0" encoding="utf-8"?>
-<p:sld xmlns:a="http://schemas.openxmlformats.org/drawingml/2006/main" xmlns:r="http://schemas.openxmlformats.org/officeDocument/2006/relationships" xmlns:p="http://schemas.openxmlformats.org/presentationml/2006/main">
-  <p:cSld>
-    <p:spTree>
-      <p:nvGrpSpPr>
-        <p:cNvPr id="1" name=""/>
-        <p:cNvGrpSpPr/>
-        <p:nvPr/>
-      </p:nvGrpSpPr>
-      <p:grpSpPr>
-        <a:xfrm>
-          <a:off x="0" y="0"/>
-          <a:ext cx="0" cy="0"/>
-          <a:chOff x="0" y="0"/>
-          <a:chExt cx="0" cy="0"/>
-        </a:xfrm>
-      </p:grpSpPr>
-      <p:sp>
-        <p:nvSpPr>
-          <p:cNvPr id="2" name="Title 1"/>
-          <p:cNvSpPr>
-            <a:spLocks noGrp="1"/>
-          </p:cNvSpPr>
-          <p:nvPr>
-            <p:ph type="title"/>
-          </p:nvPr>
-        </p:nvSpPr>
-        <p:spPr/>
-        <p:txBody>
-          <a:bodyPr/>
-          <a:lstStyle/>
-          <a:p>
-            <a:r>
-              <a:rPr lang="en-US" dirty="0" smtClean="0"/>
-              <a:t>Lab Time !</a:t>
-            </a:r>
-            <a:endParaRPr lang="en-US" dirty="0"/>
-          </a:p>
-        </p:txBody>
-      </p:sp>
-      <p:pic>
-        <p:nvPicPr>
-          <p:cNvPr id="5" name="Content Placeholder 4" descr="trident_missile_misfire_lg.jpg"/>
-          <p:cNvPicPr>
-            <a:picLocks noGrp="1" noChangeAspect="1"/>
-          </p:cNvPicPr>
-          <p:nvPr>
-            <p:ph idx="1"/>
-          </p:nvPr>
-        </p:nvPicPr>
-        <p:blipFill>
-          <a:blip r:embed="rId2">
-            <a:extLst>
-              <a:ext uri="{28A0092B-C50C-407E-A947-70E740481C1C}">
-                <a14:useLocalDpi xmlns:a14="http://schemas.microsoft.com/office/drawing/2010/main" val="0"/>
-              </a:ext>
-            </a:extLst>
-          </a:blip>
-          <a:srcRect l="-43429" r="-43429"/>
-          <a:stretch>
-            <a:fillRect/>
-          </a:stretch>
-        </p:blipFill>
-        <p:spPr/>
-      </p:pic>
-    </p:spTree>
-    <p:extLst>
-      <p:ext uri="{BB962C8B-B14F-4D97-AF65-F5344CB8AC3E}">
-        <p14:creationId xmlns:p14="http://schemas.microsoft.com/office/powerpoint/2010/main" val="1073401263"/>
-      </p:ext>
-    </p:extLst>
-  </p:cSld>
-  <p:clrMapOvr>
-    <a:masterClrMapping/>
-  </p:clrMapOvr>
-  <p:timing>
-    <p:tnLst>
-      <p:par>
-        <p:cTn xmlns:p14="http://schemas.microsoft.com/office/powerpoint/2010/main" id="1" dur="indefinite" restart="never" nodeType="tmRoot"/>
-      </p:par>
-    </p:tnLst>
-  </p:timing>
-</p:sld>
-</file>
-
-<file path=ppt/slides/slide26.xml><?xml version="1.0" encoding="utf-8"?>
-<p:sld xmlns:a="http://schemas.openxmlformats.org/drawingml/2006/main" xmlns:r="http://schemas.openxmlformats.org/officeDocument/2006/relationships" xmlns:p="http://schemas.openxmlformats.org/presentationml/2006/main">
-  <p:cSld>
-    <p:spTree>
-      <p:nvGrpSpPr>
-        <p:cNvPr id="1" name=""/>
-        <p:cNvGrpSpPr/>
-        <p:nvPr/>
-      </p:nvGrpSpPr>
-      <p:grpSpPr>
-        <a:xfrm>
-          <a:off x="0" y="0"/>
-          <a:ext cx="0" cy="0"/>
-          <a:chOff x="0" y="0"/>
-          <a:chExt cx="0" cy="0"/>
-        </a:xfrm>
-      </p:grpSpPr>
-      <p:sp>
-        <p:nvSpPr>
-          <p:cNvPr id="2" name="Title 1"/>
-          <p:cNvSpPr>
-            <a:spLocks noGrp="1"/>
-          </p:cNvSpPr>
-          <p:nvPr>
-            <p:ph type="title"/>
-          </p:nvPr>
-        </p:nvSpPr>
-        <p:spPr/>
-        <p:txBody>
-          <a:bodyPr/>
-          <a:lstStyle/>
-          <a:p>
-            <a:r>
-              <a:rPr lang="en-US" dirty="0" smtClean="0"/>
-              <a:t>Lab : Running Spark (</a:t>
-            </a:r>
-            <a:r>
-              <a:rPr lang="en-US" dirty="0" err="1" smtClean="0"/>
-              <a:t>est</a:t>
-            </a:r>
-            <a:r>
-              <a:rPr lang="en-US" dirty="0" smtClean="0"/>
-              <a:t> : 15-30 </a:t>
-            </a:r>
-            <a:r>
-              <a:rPr lang="en-US" dirty="0" err="1" smtClean="0"/>
-              <a:t>mins</a:t>
-            </a:r>
-            <a:r>
-              <a:rPr lang="en-US" dirty="0"/>
-              <a:t>)</a:t>
-            </a:r>
-          </a:p>
-        </p:txBody>
-      </p:sp>
-      <p:sp>
-        <p:nvSpPr>
-          <p:cNvPr id="3" name="Content Placeholder 2"/>
-          <p:cNvSpPr>
-            <a:spLocks noGrp="1"/>
-          </p:cNvSpPr>
-          <p:nvPr>
-            <p:ph idx="1"/>
-          </p:nvPr>
-        </p:nvSpPr>
-        <p:spPr/>
-        <p:txBody>
-          <a:bodyPr>
-            <a:normAutofit lnSpcReduction="10000"/>
-          </a:bodyPr>
-          <a:lstStyle/>
-          <a:p>
-            <a:r>
-              <a:rPr lang="en-US" dirty="0" smtClean="0"/>
-              <a:t>Login to Spark node</a:t>
-            </a:r>
-          </a:p>
-          <a:p>
-            <a:pPr lvl="1"/>
-            <a:r>
-              <a:rPr lang="en-US" dirty="0" smtClean="0"/>
-              <a:t>Instructor will provide details</a:t>
-            </a:r>
-          </a:p>
-          <a:p>
-            <a:r>
-              <a:rPr lang="en-US" dirty="0" smtClean="0"/>
-              <a:t>Update spark-labs</a:t>
-            </a:r>
-            <a:br>
-              <a:rPr lang="en-US" dirty="0" smtClean="0"/>
-            </a:br>
-            <a:r>
-              <a:rPr lang="en-US" dirty="0" smtClean="0">
-                <a:latin typeface="Andale Mono"/>
-                <a:cs typeface="Andale Mono"/>
-              </a:rPr>
-              <a:t>$    cd  ~/spark-labs</a:t>
-            </a:r>
-            <a:br>
-              <a:rPr lang="en-US" dirty="0" smtClean="0">
-                <a:latin typeface="Andale Mono"/>
-                <a:cs typeface="Andale Mono"/>
-              </a:rPr>
-            </a:br>
-            <a:r>
-              <a:rPr lang="en-US" dirty="0" smtClean="0">
-                <a:latin typeface="Andale Mono"/>
-                <a:cs typeface="Andale Mono"/>
-              </a:rPr>
-              <a:t>$    </a:t>
-            </a:r>
-            <a:r>
-              <a:rPr lang="en-US" dirty="0" err="1" smtClean="0">
-                <a:latin typeface="Andale Mono"/>
-                <a:cs typeface="Andale Mono"/>
-              </a:rPr>
-              <a:t>git</a:t>
-            </a:r>
-            <a:r>
-              <a:rPr lang="en-US" dirty="0" smtClean="0">
-                <a:latin typeface="Andale Mono"/>
-                <a:cs typeface="Andale Mono"/>
-              </a:rPr>
-              <a:t> pull</a:t>
-            </a:r>
-          </a:p>
-          <a:p>
-            <a:r>
-              <a:rPr lang="en-US" dirty="0" smtClean="0"/>
-              <a:t>Do the first lab :   1.1-intro</a:t>
-            </a:r>
-            <a:br>
-              <a:rPr lang="en-US" dirty="0" smtClean="0"/>
-            </a:br>
-            <a:r>
-              <a:rPr lang="en-US" dirty="0" smtClean="0">
-                <a:latin typeface="Andale Mono"/>
-                <a:cs typeface="Andale Mono"/>
-              </a:rPr>
-              <a:t>$   cd  ~/spark-labs</a:t>
-            </a:r>
-            <a:br>
-              <a:rPr lang="en-US" dirty="0" smtClean="0">
-                <a:latin typeface="Andale Mono"/>
-                <a:cs typeface="Andale Mono"/>
-              </a:rPr>
-            </a:br>
-            <a:r>
-              <a:rPr lang="en-US" dirty="0" smtClean="0">
-                <a:latin typeface="Andale Mono"/>
-                <a:cs typeface="Andale Mono"/>
-              </a:rPr>
-              <a:t>$   cd 1.1-intro</a:t>
-            </a:r>
-          </a:p>
-          <a:p>
-            <a:pPr marL="228600" lvl="1" indent="0">
-              <a:buNone/>
-            </a:pPr>
-            <a:r>
-              <a:rPr lang="en-US" dirty="0" smtClean="0"/>
-              <a:t>follow the </a:t>
-            </a:r>
-            <a:r>
-              <a:rPr lang="en-US" dirty="0" err="1" smtClean="0"/>
-              <a:t>README.txt</a:t>
-            </a:r>
-            <a:r>
-              <a:rPr lang="en-US" dirty="0" smtClean="0"/>
-              <a:t> file</a:t>
-            </a:r>
-            <a:br>
-              <a:rPr lang="en-US" dirty="0" smtClean="0"/>
-            </a:br>
-            <a:r>
-              <a:rPr lang="en-US" dirty="0" smtClean="0"/>
-              <a:t>use  less or  </a:t>
-            </a:r>
-            <a:r>
-              <a:rPr lang="en-US" dirty="0" err="1" smtClean="0"/>
-              <a:t>nano</a:t>
-            </a:r>
-            <a:r>
-              <a:rPr lang="en-US" dirty="0" smtClean="0"/>
-              <a:t> to read the file</a:t>
-            </a:r>
-            <a:br>
-              <a:rPr lang="en-US" dirty="0" smtClean="0"/>
-            </a:br>
-            <a:r>
-              <a:rPr lang="en-US" dirty="0" smtClean="0"/>
-              <a:t>(</a:t>
-            </a:r>
-            <a:r>
-              <a:rPr lang="en-US" dirty="0" smtClean="0">
-                <a:latin typeface="Andale Mono"/>
-                <a:cs typeface="Andale Mono"/>
-              </a:rPr>
-              <a:t>less </a:t>
-            </a:r>
-            <a:r>
-              <a:rPr lang="en-US" dirty="0" err="1" smtClean="0">
-                <a:latin typeface="Andale Mono"/>
-                <a:cs typeface="Andale Mono"/>
-              </a:rPr>
-              <a:t>README.txt</a:t>
-            </a:r>
-            <a:r>
-              <a:rPr lang="en-US" dirty="0" smtClean="0"/>
-              <a:t>    or   </a:t>
-            </a:r>
-            <a:r>
-              <a:rPr lang="en-US" dirty="0" smtClean="0">
-                <a:latin typeface="Andale Mono"/>
-                <a:cs typeface="Andale Mono"/>
-              </a:rPr>
-              <a:t> </a:t>
-            </a:r>
-            <a:r>
-              <a:rPr lang="en-US" dirty="0" err="1" smtClean="0">
-                <a:latin typeface="Andale Mono"/>
-                <a:cs typeface="Andale Mono"/>
-              </a:rPr>
-              <a:t>nano</a:t>
-            </a:r>
-            <a:r>
-              <a:rPr lang="en-US" dirty="0" smtClean="0">
-                <a:latin typeface="Andale Mono"/>
-                <a:cs typeface="Andale Mono"/>
-              </a:rPr>
-              <a:t> </a:t>
-            </a:r>
-            <a:r>
-              <a:rPr lang="en-US" dirty="0" err="1" smtClean="0">
-                <a:latin typeface="Andale Mono"/>
-                <a:cs typeface="Andale Mono"/>
-              </a:rPr>
-              <a:t>README.txt</a:t>
-            </a:r>
-            <a:r>
-              <a:rPr lang="en-US" dirty="0" smtClean="0"/>
-              <a:t>)</a:t>
-            </a:r>
-            <a:br>
-              <a:rPr lang="en-US" dirty="0" smtClean="0"/>
-            </a:br>
-            <a:endParaRPr lang="en-US" dirty="0"/>
-          </a:p>
-        </p:txBody>
-      </p:sp>
-      <p:sp>
-        <p:nvSpPr>
-          <p:cNvPr id="4" name="Footer Placeholder 3"/>
-          <p:cNvSpPr>
-            <a:spLocks noGrp="1"/>
-          </p:cNvSpPr>
-          <p:nvPr>
-            <p:ph type="ftr" sz="quarter" idx="11"/>
-          </p:nvPr>
-        </p:nvSpPr>
-        <p:spPr/>
-        <p:txBody>
-          <a:bodyPr/>
-          <a:lstStyle/>
-          <a:p>
-            <a:r>
-              <a:rPr lang="en-US" smtClean="0"/>
-              <a:t>© Elephant Scale, 2014</a:t>
-            </a:r>
-            <a:endParaRPr lang="en-US" dirty="0"/>
-          </a:p>
-        </p:txBody>
-      </p:sp>
-    </p:spTree>
-    <p:extLst>
-      <p:ext uri="{BB962C8B-B14F-4D97-AF65-F5344CB8AC3E}">
-        <p14:creationId xmlns:p14="http://schemas.microsoft.com/office/powerpoint/2010/main" val="2563790766"/>
-      </p:ext>
-    </p:extLst>
-  </p:cSld>
-  <p:clrMapOvr>
-    <a:masterClrMapping/>
-  </p:clrMapOvr>
-</p:sld>
-</file>
-
 <file path=ppt/slides/slide27.xml><?xml version="1.0" encoding="utf-8"?>
 <p:sld xmlns:a="http://schemas.openxmlformats.org/drawingml/2006/main" xmlns:r="http://schemas.openxmlformats.org/officeDocument/2006/relationships" xmlns:p="http://schemas.openxmlformats.org/presentationml/2006/main">
   <p:cSld>
@@ -14367,15 +14877,11 @@
           <a:p>
             <a:r>
               <a:rPr lang="en-US" dirty="0" smtClean="0"/>
-              <a:t>Lab : Spark-shell (</a:t>
-            </a:r>
-            <a:r>
-              <a:rPr lang="en-US" dirty="0" err="1" smtClean="0"/>
-              <a:t>est</a:t>
-            </a:r>
-            <a:r>
-              <a:rPr lang="en-US" dirty="0" smtClean="0"/>
-              <a:t> : 30 </a:t>
+              <a:t>Lab : </a:t>
+            </a:r>
+            <a:r>
+              <a:rPr lang="en-US" dirty="0" smtClean="0"/>
+              <a:t>RDD Basics (30 </a:t>
             </a:r>
             <a:r>
               <a:rPr lang="en-US" dirty="0" err="1" smtClean="0"/>
@@ -14406,19 +14912,28 @@
           <a:p>
             <a:r>
               <a:rPr lang="en-US" dirty="0" smtClean="0"/>
-              <a:t>Location :   ~/spark-labs/1.2-shell</a:t>
+              <a:t>1.3-rdd / rdd1-scala.txt</a:t>
             </a:r>
             <a:br>
               <a:rPr lang="en-US" dirty="0" smtClean="0"/>
             </a:br>
             <a:r>
               <a:rPr lang="en-US" dirty="0" smtClean="0"/>
-              <a:t>follow </a:t>
-            </a:r>
-            <a:r>
-              <a:rPr lang="en-US" dirty="0" err="1" smtClean="0"/>
-              <a:t>README.txt</a:t>
-            </a:r>
+              <a:t>	or</a:t>
+            </a:r>
+            <a:r>
+              <a:rPr lang="en-US" dirty="0"/>
+              <a:t/>
+            </a:r>
+            <a:br>
+              <a:rPr lang="en-US" dirty="0"/>
+            </a:br>
+            <a:r>
+              <a:rPr lang="en-US" dirty="0" smtClean="0"/>
+              <a:t>1.3-rdd / rdd1-python.txt</a:t>
+            </a:r>
+          </a:p>
+          <a:p>
             <a:endParaRPr lang="en-US" dirty="0"/>
           </a:p>
         </p:txBody>
@@ -14449,7 +14964,7 @@
     </p:spTree>
     <p:extLst>
       <p:ext uri="{BB962C8B-B14F-4D97-AF65-F5344CB8AC3E}">
-        <p14:creationId xmlns:p14="http://schemas.microsoft.com/office/powerpoint/2010/main" val="273233055"/>
+        <p14:creationId xmlns:p14="http://schemas.microsoft.com/office/powerpoint/2010/main" val="1330210324"/>
       </p:ext>
     </p:extLst>
   </p:cSld>
@@ -14493,15 +15008,7 @@
           <a:p>
             <a:r>
               <a:rPr lang="en-US" dirty="0" smtClean="0"/>
-              <a:t>Lab : RDD (</a:t>
-            </a:r>
-            <a:r>
-              <a:rPr lang="en-US" dirty="0" err="1" smtClean="0"/>
-              <a:t>est</a:t>
-            </a:r>
-            <a:r>
-              <a:rPr lang="en-US" dirty="0" smtClean="0"/>
-              <a:t> 30 </a:t>
+              <a:t>Lab : RDD Caching ( 30 </a:t>
             </a:r>
             <a:r>
               <a:rPr lang="en-US" dirty="0" err="1" smtClean="0"/>
@@ -14532,17 +15039,11 @@
           <a:p>
             <a:r>
               <a:rPr lang="en-US" dirty="0" smtClean="0"/>
-              <a:t>Location  : spark-labs/1.3-rdd</a:t>
-            </a:r>
-          </a:p>
-          <a:p>
-            <a:r>
-              <a:rPr lang="en-US" dirty="0" smtClean="0"/>
-              <a:t>Follow </a:t>
+              <a:t>1.3-rdd / </a:t>
             </a:r>
             <a:r>
               <a:rPr lang="en-US" dirty="0" err="1" smtClean="0"/>
-              <a:t>README.txt</a:t>
+              <a:t>caching.txt</a:t>
             </a:r>
             <a:endParaRPr lang="en-US" dirty="0"/>
           </a:p>
@@ -14574,7 +15075,7 @@
     </p:spTree>
     <p:extLst>
       <p:ext uri="{BB962C8B-B14F-4D97-AF65-F5344CB8AC3E}">
-        <p14:creationId xmlns:p14="http://schemas.microsoft.com/office/powerpoint/2010/main" val="2156590526"/>
+        <p14:creationId xmlns:p14="http://schemas.microsoft.com/office/powerpoint/2010/main" val="2689222281"/>
       </p:ext>
     </p:extLst>
   </p:cSld>
@@ -14618,15 +15119,7 @@
           <a:p>
             <a:r>
               <a:rPr lang="en-US" dirty="0" smtClean="0"/>
-              <a:t>Lab : RDD Caching (30 </a:t>
-            </a:r>
-            <a:r>
-              <a:rPr lang="en-US" dirty="0" err="1" smtClean="0"/>
-              <a:t>mins</a:t>
-            </a:r>
-            <a:r>
-              <a:rPr lang="en-US" dirty="0" smtClean="0"/>
-              <a:t>)</a:t>
+              <a:t>Next : Map Reduce </a:t>
             </a:r>
             <a:endParaRPr lang="en-US" dirty="0"/>
           </a:p>
@@ -14649,21 +15142,13 @@
           <a:p>
             <a:r>
               <a:rPr lang="en-US" dirty="0" smtClean="0"/>
-              <a:t>Location :  spark-labs/1.3-rdd</a:t>
-            </a:r>
-          </a:p>
-          <a:p>
-            <a:r>
-              <a:rPr lang="en-US" dirty="0" smtClean="0"/>
-              <a:t>Follow : </a:t>
-            </a:r>
-            <a:r>
-              <a:rPr lang="en-US" dirty="0" err="1" smtClean="0"/>
-              <a:t>cache.txt</a:t>
-            </a:r>
-            <a:r>
-              <a:rPr lang="en-US" dirty="0" smtClean="0"/>
-              <a:t> </a:t>
+              <a:t>Quick Map Reduce Primer</a:t>
+            </a:r>
+          </a:p>
+          <a:p>
+            <a:r>
+              <a:rPr lang="en-US" dirty="0" smtClean="0"/>
+              <a:t>MapReduce in Spark</a:t>
             </a:r>
             <a:endParaRPr lang="en-US" dirty="0"/>
           </a:p>
@@ -14695,7 +15180,7 @@
     </p:spTree>
     <p:extLst>
       <p:ext uri="{BB962C8B-B14F-4D97-AF65-F5344CB8AC3E}">
-        <p14:creationId xmlns:p14="http://schemas.microsoft.com/office/powerpoint/2010/main" val="3176880260"/>
+        <p14:creationId xmlns:p14="http://schemas.microsoft.com/office/powerpoint/2010/main" val="239490569"/>
       </p:ext>
     </p:extLst>
   </p:cSld>
@@ -14776,7 +15261,6 @@
               <a:rPr lang="en-US" dirty="0" smtClean="0"/>
               <a:t>Memory management</a:t>
             </a:r>
-            <a:endParaRPr lang="en-US" dirty="0" smtClean="0"/>
           </a:p>
           <a:p>
             <a:r>
@@ -14788,15 +15272,7 @@
             </a:br>
             <a:r>
               <a:rPr lang="en-US" dirty="0" smtClean="0"/>
-              <a:t>In </a:t>
-            </a:r>
-            <a:r>
-              <a:rPr lang="en-US" dirty="0" smtClean="0"/>
-              <a:t>case of node failures -&gt; re-computes missing </a:t>
-            </a:r>
-            <a:r>
-              <a:rPr lang="en-US" dirty="0" smtClean="0"/>
-              <a:t>pieces</a:t>
+              <a:t>In case of node failures -&gt; re-computes missing pieces</a:t>
             </a:r>
           </a:p>
           <a:p>
@@ -14878,11 +15354,7 @@
           <a:p>
             <a:r>
               <a:rPr lang="en-US" dirty="0" smtClean="0"/>
-              <a:t>Spark : map / </a:t>
-            </a:r>
-            <a:r>
-              <a:rPr lang="en-US" dirty="0" err="1" smtClean="0"/>
-              <a:t>flatMap</a:t>
+              <a:t>Introducing MapReduce</a:t>
             </a:r>
             <a:endParaRPr lang="en-US" dirty="0"/>
           </a:p>
@@ -14905,48 +15377,40 @@
           <a:p>
             <a:r>
               <a:rPr lang="en-US" dirty="0" smtClean="0"/>
-              <a:t>map() and </a:t>
-            </a:r>
-            <a:r>
-              <a:rPr lang="en-US" dirty="0" err="1" smtClean="0"/>
-              <a:t>flatMap</a:t>
-            </a:r>
-            <a:r>
-              <a:rPr lang="en-US" dirty="0" smtClean="0"/>
-              <a:t>()</a:t>
-            </a:r>
-          </a:p>
-          <a:p>
-            <a:r>
-              <a:rPr lang="en-US" dirty="0" smtClean="0"/>
-              <a:t>One input </a:t>
-            </a:r>
-            <a:r>
-              <a:rPr lang="en-US" dirty="0" smtClean="0">
-                <a:sym typeface="Wingdings"/>
-              </a:rPr>
-              <a:t> map()   one output     ( 1  1 )</a:t>
-            </a:r>
-          </a:p>
-          <a:p>
-            <a:r>
-              <a:rPr lang="en-US" dirty="0" smtClean="0">
-                <a:sym typeface="Wingdings"/>
-              </a:rPr>
-              <a:t>One input  </a:t>
-            </a:r>
-            <a:r>
-              <a:rPr lang="en-US" dirty="0" err="1" smtClean="0">
-                <a:sym typeface="Wingdings"/>
-              </a:rPr>
-              <a:t>flatap</a:t>
-            </a:r>
-            <a:r>
-              <a:rPr lang="en-US" dirty="0" smtClean="0">
-                <a:sym typeface="Wingdings"/>
-              </a:rPr>
-              <a:t>()  multiple elements  ( 1  N)</a:t>
-            </a:r>
+              <a:t>MapReduce is a programming ‘paradigm’ </a:t>
+            </a:r>
+          </a:p>
+          <a:p>
+            <a:r>
+              <a:rPr lang="en-US" dirty="0" smtClean="0"/>
+              <a:t>Popularized by Google MapReduce paper</a:t>
+            </a:r>
+          </a:p>
+          <a:p>
+            <a:r>
+              <a:rPr lang="en-US" dirty="0" smtClean="0"/>
+              <a:t>Basically provides distributed computing</a:t>
+            </a:r>
+          </a:p>
+          <a:p>
+            <a:r>
+              <a:rPr lang="en-US" dirty="0" smtClean="0"/>
+              <a:t>Hadoop uses MapReduce as it’s  processing / compute framework</a:t>
+            </a:r>
+          </a:p>
+          <a:p>
+            <a:r>
+              <a:rPr lang="en-US" dirty="0" smtClean="0"/>
+              <a:t>Map Reduce is a batch process </a:t>
+            </a:r>
+          </a:p>
+          <a:p>
+            <a:pPr lvl="1"/>
+            <a:r>
+              <a:rPr lang="en-US" dirty="0" smtClean="0"/>
+              <a:t>Not designed for real time queries</a:t>
+            </a:r>
+            <a:endParaRPr lang="en-US" dirty="0"/>
           </a:p>
         </p:txBody>
       </p:sp>
@@ -14976,7 +15440,7 @@
     </p:spTree>
     <p:extLst>
       <p:ext uri="{BB962C8B-B14F-4D97-AF65-F5344CB8AC3E}">
-        <p14:creationId xmlns:p14="http://schemas.microsoft.com/office/powerpoint/2010/main" val="2802345497"/>
+        <p14:creationId xmlns:p14="http://schemas.microsoft.com/office/powerpoint/2010/main" val="303121088"/>
       </p:ext>
     </p:extLst>
   </p:cSld>
@@ -15015,484 +15479,379 @@
         </p:nvSpPr>
         <p:spPr/>
         <p:txBody>
+          <a:bodyPr>
+            <a:normAutofit fontScale="90000"/>
+          </a:bodyPr>
+          <a:lstStyle/>
+          <a:p>
+            <a:r>
+              <a:rPr lang="en-US" dirty="0" smtClean="0"/>
+              <a:t>Parallel Computing </a:t>
+            </a:r>
+            <a:r>
+              <a:rPr lang="en-US" dirty="0" smtClean="0"/>
+              <a:t>/ HPC - </a:t>
+            </a:r>
+            <a:r>
+              <a:rPr lang="en-US" dirty="0" smtClean="0"/>
+              <a:t>Before </a:t>
+            </a:r>
+            <a:r>
+              <a:rPr lang="en-US" dirty="0" smtClean="0"/>
+              <a:t>Hadoop Days</a:t>
+            </a:r>
+            <a:endParaRPr lang="en-US" dirty="0"/>
+          </a:p>
+        </p:txBody>
+      </p:sp>
+      <p:sp>
+        <p:nvSpPr>
+          <p:cNvPr id="3" name="Content Placeholder 2"/>
+          <p:cNvSpPr>
+            <a:spLocks noGrp="1"/>
+          </p:cNvSpPr>
+          <p:nvPr>
+            <p:ph idx="1"/>
+          </p:nvPr>
+        </p:nvSpPr>
+        <p:spPr>
+          <a:xfrm>
+            <a:off x="457200" y="1748692"/>
+            <a:ext cx="8229600" cy="4377471"/>
+          </a:xfrm>
+        </p:spPr>
+        <p:txBody>
           <a:bodyPr/>
           <a:lstStyle/>
           <a:p>
             <a:r>
               <a:rPr lang="en-US" dirty="0" smtClean="0"/>
-              <a:t>Map </a:t>
-            </a:r>
-            <a:r>
-              <a:rPr lang="en-US" dirty="0" err="1" smtClean="0"/>
-              <a:t>vs</a:t>
-            </a:r>
-            <a:r>
-              <a:rPr lang="en-US" dirty="0" smtClean="0"/>
-              <a:t> </a:t>
-            </a:r>
-            <a:r>
-              <a:rPr lang="en-US" dirty="0" err="1" smtClean="0"/>
-              <a:t>Flatmap</a:t>
-            </a:r>
-            <a:r>
-              <a:rPr lang="en-US" dirty="0" smtClean="0"/>
-              <a:t> Example</a:t>
+              <a:t>Data is copied to compute cloud</a:t>
+            </a:r>
+          </a:p>
+          <a:p>
+            <a:r>
+              <a:rPr lang="en-US" dirty="0" smtClean="0"/>
+              <a:t>After the processing data is written back</a:t>
+            </a:r>
+          </a:p>
+          <a:p>
+            <a:r>
+              <a:rPr lang="en-US" dirty="0" smtClean="0"/>
+              <a:t>OK for small / medium data,   Not for ‘Big Data’</a:t>
+            </a:r>
+            <a:endParaRPr lang="en-US" dirty="0" smtClean="0"/>
+          </a:p>
+        </p:txBody>
+      </p:sp>
+      <p:sp>
+        <p:nvSpPr>
+          <p:cNvPr id="4" name="Footer Placeholder 3"/>
+          <p:cNvSpPr>
+            <a:spLocks noGrp="1"/>
+          </p:cNvSpPr>
+          <p:nvPr>
+            <p:ph type="ftr" sz="quarter" idx="11"/>
+          </p:nvPr>
+        </p:nvSpPr>
+        <p:spPr/>
+        <p:txBody>
+          <a:bodyPr/>
+          <a:lstStyle/>
+          <a:p>
+            <a:r>
+              <a:rPr lang="en-US" smtClean="0"/>
+              <a:t>(c) ElephantScale.com, 2014</a:t>
             </a:r>
             <a:endParaRPr lang="en-US" dirty="0"/>
           </a:p>
         </p:txBody>
       </p:sp>
-      <p:sp>
-        <p:nvSpPr>
-          <p:cNvPr id="3" name="Content Placeholder 2"/>
-          <p:cNvSpPr>
-            <a:spLocks noGrp="1"/>
-          </p:cNvSpPr>
-          <p:nvPr>
-            <p:ph idx="1"/>
-          </p:nvPr>
-        </p:nvSpPr>
-        <p:spPr/>
-        <p:txBody>
-          <a:bodyPr>
-            <a:normAutofit/>
-          </a:bodyPr>
-          <a:lstStyle/>
-          <a:p>
-            <a:pPr marL="0" indent="0">
-              <a:buNone/>
-            </a:pPr>
-            <a:r>
-              <a:rPr lang="en-US" dirty="0" err="1">
-                <a:latin typeface="Andale Mono"/>
-                <a:cs typeface="Andale Mono"/>
-              </a:rPr>
-              <a:t>val</a:t>
-            </a:r>
-            <a:r>
-              <a:rPr lang="en-US" dirty="0">
-                <a:latin typeface="Andale Mono"/>
-                <a:cs typeface="Andale Mono"/>
-              </a:rPr>
-              <a:t> input = Array ("hello world", "goodbye world", "bye bye”</a:t>
-            </a:r>
-            <a:r>
-              <a:rPr lang="en-US" dirty="0" smtClean="0">
-                <a:latin typeface="Andale Mono"/>
-                <a:cs typeface="Andale Mono"/>
-              </a:rPr>
-              <a:t>)</a:t>
-            </a:r>
-            <a:br>
-              <a:rPr lang="en-US" dirty="0" smtClean="0">
-                <a:latin typeface="Andale Mono"/>
-                <a:cs typeface="Andale Mono"/>
-              </a:rPr>
-            </a:br>
-            <a:r>
-              <a:rPr lang="en-US" dirty="0" err="1" smtClean="0">
-                <a:latin typeface="Andale Mono"/>
-                <a:cs typeface="Andale Mono"/>
-              </a:rPr>
-              <a:t>val</a:t>
-            </a:r>
-            <a:r>
-              <a:rPr lang="en-US" dirty="0" smtClean="0">
-                <a:latin typeface="Andale Mono"/>
-                <a:cs typeface="Andale Mono"/>
-              </a:rPr>
-              <a:t> </a:t>
-            </a:r>
-            <a:r>
-              <a:rPr lang="en-US" dirty="0">
-                <a:latin typeface="Andale Mono"/>
-                <a:cs typeface="Andale Mono"/>
-              </a:rPr>
-              <a:t>r = </a:t>
-            </a:r>
-            <a:r>
-              <a:rPr lang="en-US" dirty="0" err="1">
-                <a:latin typeface="Andale Mono"/>
-                <a:cs typeface="Andale Mono"/>
-              </a:rPr>
-              <a:t>sc.makeRDD</a:t>
-            </a:r>
-            <a:r>
-              <a:rPr lang="en-US" dirty="0">
-                <a:latin typeface="Andale Mono"/>
-                <a:cs typeface="Andale Mono"/>
-              </a:rPr>
-              <a:t>(input</a:t>
-            </a:r>
-            <a:r>
-              <a:rPr lang="en-US" dirty="0" smtClean="0">
-                <a:latin typeface="Andale Mono"/>
-                <a:cs typeface="Andale Mono"/>
-              </a:rPr>
-              <a:t>)</a:t>
-            </a:r>
-            <a:endParaRPr lang="en-US" dirty="0">
-              <a:latin typeface="Andale Mono"/>
-              <a:cs typeface="Andale Mono"/>
-            </a:endParaRPr>
-          </a:p>
-          <a:p>
-            <a:pPr marL="0" indent="0">
-              <a:buNone/>
-            </a:pPr>
-            <a:r>
-              <a:rPr lang="en-US" dirty="0" err="1">
-                <a:latin typeface="Andale Mono"/>
-                <a:cs typeface="Andale Mono"/>
-              </a:rPr>
-              <a:t>r.map</a:t>
-            </a:r>
-            <a:r>
-              <a:rPr lang="en-US" dirty="0">
-                <a:latin typeface="Andale Mono"/>
-                <a:cs typeface="Andale Mono"/>
-              </a:rPr>
-              <a:t>(line =&gt; </a:t>
-            </a:r>
-            <a:r>
-              <a:rPr lang="en-US" dirty="0" err="1">
-                <a:latin typeface="Andale Mono"/>
-                <a:cs typeface="Andale Mono"/>
-              </a:rPr>
-              <a:t>line.split</a:t>
-            </a:r>
-            <a:r>
-              <a:rPr lang="en-US" dirty="0">
-                <a:latin typeface="Andale Mono"/>
-                <a:cs typeface="Andale Mono"/>
-              </a:rPr>
-              <a:t>(" ")).collect(</a:t>
-            </a:r>
-            <a:r>
-              <a:rPr lang="en-US" dirty="0" smtClean="0">
-                <a:latin typeface="Andale Mono"/>
-                <a:cs typeface="Andale Mono"/>
-              </a:rPr>
-              <a:t>)</a:t>
-            </a:r>
-            <a:br>
-              <a:rPr lang="en-US" dirty="0" smtClean="0">
-                <a:latin typeface="Andale Mono"/>
-                <a:cs typeface="Andale Mono"/>
-              </a:rPr>
-            </a:br>
-            <a:r>
-              <a:rPr lang="en-US" dirty="0" smtClean="0">
-                <a:latin typeface="Andale Mono"/>
-                <a:cs typeface="Andale Mono"/>
-              </a:rPr>
-              <a:t>/</a:t>
-            </a:r>
-            <a:r>
-              <a:rPr lang="en-US" dirty="0">
-                <a:latin typeface="Andale Mono"/>
-                <a:cs typeface="Andale Mono"/>
-              </a:rPr>
-              <a:t>/  Array[</a:t>
-            </a:r>
-            <a:r>
-              <a:rPr lang="en-US" dirty="0">
-                <a:solidFill>
-                  <a:srgbClr val="FF0000"/>
-                </a:solidFill>
-                <a:latin typeface="Andale Mono"/>
-                <a:cs typeface="Andale Mono"/>
-              </a:rPr>
-              <a:t>Array[String]</a:t>
-            </a:r>
-            <a:r>
-              <a:rPr lang="en-US" dirty="0">
-                <a:latin typeface="Andale Mono"/>
-                <a:cs typeface="Andale Mono"/>
-              </a:rPr>
-              <a:t>] = </a:t>
-            </a:r>
-            <a:r>
-              <a:rPr lang="en-US" dirty="0" smtClean="0">
-                <a:latin typeface="Andale Mono"/>
-                <a:cs typeface="Andale Mono"/>
-              </a:rPr>
-              <a:t/>
-            </a:r>
-            <a:br>
-              <a:rPr lang="en-US" dirty="0" smtClean="0">
-                <a:latin typeface="Andale Mono"/>
-                <a:cs typeface="Andale Mono"/>
-              </a:rPr>
-            </a:br>
-            <a:r>
-              <a:rPr lang="en-US" dirty="0" smtClean="0">
-                <a:latin typeface="Andale Mono"/>
-                <a:cs typeface="Andale Mono"/>
-              </a:rPr>
-              <a:t>//        Array</a:t>
-            </a:r>
-            <a:r>
-              <a:rPr lang="en-US" dirty="0">
-                <a:latin typeface="Andale Mono"/>
-                <a:cs typeface="Andale Mono"/>
-              </a:rPr>
-              <a:t>(</a:t>
-            </a:r>
-            <a:r>
-              <a:rPr lang="en-US" dirty="0">
-                <a:solidFill>
-                  <a:srgbClr val="FF0000"/>
-                </a:solidFill>
-                <a:latin typeface="Andale Mono"/>
-                <a:cs typeface="Andale Mono"/>
-              </a:rPr>
-              <a:t>Array(hello, world)</a:t>
-            </a:r>
-            <a:r>
-              <a:rPr lang="en-US" dirty="0" smtClean="0">
-                <a:latin typeface="Andale Mono"/>
-                <a:cs typeface="Andale Mono"/>
-              </a:rPr>
-              <a:t>,</a:t>
-            </a:r>
-            <a:br>
-              <a:rPr lang="en-US" dirty="0" smtClean="0">
-                <a:latin typeface="Andale Mono"/>
-                <a:cs typeface="Andale Mono"/>
-              </a:rPr>
-            </a:br>
-            <a:r>
-              <a:rPr lang="en-US" dirty="0" smtClean="0">
-                <a:latin typeface="Andale Mono"/>
-                <a:cs typeface="Andale Mono"/>
-              </a:rPr>
-              <a:t>//        </a:t>
-            </a:r>
-            <a:r>
-              <a:rPr lang="en-US" dirty="0">
-                <a:solidFill>
-                  <a:srgbClr val="3366FF"/>
-                </a:solidFill>
-                <a:latin typeface="Andale Mono"/>
-                <a:cs typeface="Andale Mono"/>
-              </a:rPr>
-              <a:t>Array(goodbye, world)</a:t>
-            </a:r>
-            <a:r>
-              <a:rPr lang="en-US" dirty="0">
-                <a:latin typeface="Andale Mono"/>
-                <a:cs typeface="Andale Mono"/>
-              </a:rPr>
-              <a:t>, </a:t>
-            </a:r>
-            <a:r>
-              <a:rPr lang="en-US" dirty="0" smtClean="0">
-                <a:latin typeface="Andale Mono"/>
-                <a:cs typeface="Andale Mono"/>
-              </a:rPr>
-              <a:t/>
-            </a:r>
-            <a:br>
-              <a:rPr lang="en-US" dirty="0" smtClean="0">
-                <a:latin typeface="Andale Mono"/>
-                <a:cs typeface="Andale Mono"/>
-              </a:rPr>
-            </a:br>
-            <a:r>
-              <a:rPr lang="en-US" dirty="0" smtClean="0">
-                <a:latin typeface="Andale Mono"/>
-                <a:cs typeface="Andale Mono"/>
-              </a:rPr>
-              <a:t>//        </a:t>
-            </a:r>
-            <a:r>
-              <a:rPr lang="en-US" dirty="0" smtClean="0">
-                <a:solidFill>
-                  <a:srgbClr val="008000"/>
-                </a:solidFill>
-                <a:latin typeface="Andale Mono"/>
-                <a:cs typeface="Andale Mono"/>
-              </a:rPr>
-              <a:t>Array</a:t>
-            </a:r>
-            <a:r>
-              <a:rPr lang="en-US" dirty="0">
-                <a:solidFill>
-                  <a:srgbClr val="008000"/>
-                </a:solidFill>
-                <a:latin typeface="Andale Mono"/>
-                <a:cs typeface="Andale Mono"/>
-              </a:rPr>
-              <a:t>(bye, bye)</a:t>
-            </a:r>
-            <a:r>
-              <a:rPr lang="en-US" dirty="0">
-                <a:latin typeface="Andale Mono"/>
-                <a:cs typeface="Andale Mono"/>
-              </a:rPr>
-              <a:t>)</a:t>
-            </a:r>
-          </a:p>
-          <a:p>
-            <a:pPr marL="0" indent="0">
-              <a:buNone/>
-            </a:pPr>
-            <a:r>
-              <a:rPr lang="en-US" dirty="0" err="1" smtClean="0">
-                <a:latin typeface="Andale Mono"/>
-                <a:cs typeface="Andale Mono"/>
-              </a:rPr>
-              <a:t>r.flatmap</a:t>
-            </a:r>
-            <a:r>
-              <a:rPr lang="en-US" dirty="0" smtClean="0">
-                <a:latin typeface="Andale Mono"/>
-                <a:cs typeface="Andale Mono"/>
-              </a:rPr>
-              <a:t>(line =&gt; </a:t>
-            </a:r>
-            <a:r>
-              <a:rPr lang="en-US" dirty="0" err="1" smtClean="0">
-                <a:latin typeface="Andale Mono"/>
-                <a:cs typeface="Andale Mono"/>
-              </a:rPr>
-              <a:t>line.split</a:t>
-            </a:r>
-            <a:r>
-              <a:rPr lang="en-US" dirty="0" smtClean="0">
-                <a:latin typeface="Andale Mono"/>
-                <a:cs typeface="Andale Mono"/>
-              </a:rPr>
-              <a:t>(“ “)).collect()</a:t>
-            </a:r>
-            <a:br>
-              <a:rPr lang="en-US" dirty="0" smtClean="0">
-                <a:latin typeface="Andale Mono"/>
-                <a:cs typeface="Andale Mono"/>
-              </a:rPr>
-            </a:br>
-            <a:r>
-              <a:rPr lang="en-US" dirty="0" smtClean="0">
-                <a:latin typeface="Andale Mono"/>
-                <a:cs typeface="Andale Mono"/>
-              </a:rPr>
-              <a:t>/</a:t>
-            </a:r>
-            <a:r>
-              <a:rPr lang="en-US" dirty="0">
-                <a:latin typeface="Andale Mono"/>
-                <a:cs typeface="Andale Mono"/>
-              </a:rPr>
-              <a:t>/ </a:t>
-            </a:r>
-            <a:r>
-              <a:rPr lang="en-US" dirty="0" smtClean="0">
-                <a:solidFill>
-                  <a:srgbClr val="FF0000"/>
-                </a:solidFill>
-                <a:latin typeface="Andale Mono"/>
-                <a:cs typeface="Andale Mono"/>
-              </a:rPr>
-              <a:t>Array</a:t>
-            </a:r>
-            <a:r>
-              <a:rPr lang="en-US" dirty="0">
-                <a:solidFill>
-                  <a:srgbClr val="FF0000"/>
-                </a:solidFill>
-                <a:latin typeface="Andale Mono"/>
-                <a:cs typeface="Andale Mono"/>
-              </a:rPr>
-              <a:t>[String] </a:t>
-            </a:r>
-            <a:r>
-              <a:rPr lang="en-US" dirty="0">
-                <a:latin typeface="Andale Mono"/>
-                <a:cs typeface="Andale Mono"/>
-              </a:rPr>
-              <a:t>= </a:t>
-            </a:r>
-            <a:r>
-              <a:rPr lang="en-US" dirty="0" smtClean="0">
-                <a:latin typeface="Andale Mono"/>
-                <a:cs typeface="Andale Mono"/>
-              </a:rPr>
-              <a:t/>
-            </a:r>
-            <a:br>
-              <a:rPr lang="en-US" dirty="0" smtClean="0">
-                <a:latin typeface="Andale Mono"/>
-                <a:cs typeface="Andale Mono"/>
-              </a:rPr>
-            </a:br>
-            <a:r>
-              <a:rPr lang="en-US" dirty="0" smtClean="0">
-                <a:latin typeface="Andale Mono"/>
-                <a:cs typeface="Andale Mono"/>
-              </a:rPr>
-              <a:t>// Array</a:t>
-            </a:r>
-            <a:r>
-              <a:rPr lang="en-US" dirty="0">
-                <a:latin typeface="Andale Mono"/>
-                <a:cs typeface="Andale Mono"/>
-              </a:rPr>
-              <a:t>(</a:t>
-            </a:r>
-            <a:r>
-              <a:rPr lang="en-US" dirty="0">
-                <a:solidFill>
-                  <a:srgbClr val="FF0000"/>
-                </a:solidFill>
-                <a:latin typeface="Andale Mono"/>
-                <a:cs typeface="Andale Mono"/>
-              </a:rPr>
-              <a:t>hello, world, goodbye, world, bye, bye</a:t>
-            </a:r>
-            <a:r>
-              <a:rPr lang="en-US" dirty="0">
-                <a:latin typeface="Andale Mono"/>
-                <a:cs typeface="Andale Mono"/>
-              </a:rPr>
-              <a:t>)</a:t>
-            </a:r>
-          </a:p>
-        </p:txBody>
-      </p:sp>
-      <p:sp>
-        <p:nvSpPr>
-          <p:cNvPr id="4" name="Footer Placeholder 3"/>
-          <p:cNvSpPr>
-            <a:spLocks noGrp="1"/>
-          </p:cNvSpPr>
-          <p:nvPr>
-            <p:ph type="ftr" sz="quarter" idx="11"/>
-          </p:nvPr>
-        </p:nvSpPr>
-        <p:spPr/>
-        <p:txBody>
-          <a:bodyPr/>
-          <a:lstStyle/>
-          <a:p>
-            <a:r>
-              <a:rPr lang="en-US" smtClean="0"/>
-              <a:t>© Elephant Scale, 2014</a:t>
-            </a:r>
-            <a:endParaRPr lang="en-US" dirty="0"/>
-          </a:p>
-        </p:txBody>
-      </p:sp>
+      <p:grpSp>
+        <p:nvGrpSpPr>
+          <p:cNvPr id="12" name="Group 11"/>
+          <p:cNvGrpSpPr/>
+          <p:nvPr/>
+        </p:nvGrpSpPr>
+        <p:grpSpPr>
+          <a:xfrm>
+            <a:off x="1321858" y="3327560"/>
+            <a:ext cx="6732929" cy="2835845"/>
+            <a:chOff x="1328809" y="2454465"/>
+            <a:chExt cx="6824390" cy="3056883"/>
+          </a:xfrm>
+        </p:grpSpPr>
+        <p:sp>
+          <p:nvSpPr>
+            <p:cNvPr id="6" name="Cloud 5"/>
+            <p:cNvSpPr/>
+            <p:nvPr/>
+          </p:nvSpPr>
+          <p:spPr>
+            <a:xfrm>
+              <a:off x="5145282" y="2460828"/>
+              <a:ext cx="3007917" cy="3050520"/>
+            </a:xfrm>
+            <a:prstGeom prst="cloud">
+              <a:avLst/>
+            </a:prstGeom>
+            <a:solidFill>
+              <a:schemeClr val="accent4">
+                <a:lumMod val="75000"/>
+              </a:schemeClr>
+            </a:solidFill>
+          </p:spPr>
+          <p:style>
+            <a:lnRef idx="1">
+              <a:schemeClr val="accent1"/>
+            </a:lnRef>
+            <a:fillRef idx="3">
+              <a:schemeClr val="accent1"/>
+            </a:fillRef>
+            <a:effectRef idx="2">
+              <a:schemeClr val="accent1"/>
+            </a:effectRef>
+            <a:fontRef idx="minor">
+              <a:schemeClr val="lt1"/>
+            </a:fontRef>
+          </p:style>
+          <p:txBody>
+            <a:bodyPr rtlCol="0" anchor="ctr"/>
+            <a:lstStyle/>
+            <a:p>
+              <a:pPr algn="ctr"/>
+              <a:r>
+                <a:rPr lang="en-US" dirty="0" smtClean="0"/>
+                <a:t>Storage Cloud</a:t>
+              </a:r>
+              <a:endParaRPr lang="en-US" dirty="0"/>
+            </a:p>
+          </p:txBody>
+        </p:sp>
+        <p:sp>
+          <p:nvSpPr>
+            <p:cNvPr id="7" name="Cloud 6"/>
+            <p:cNvSpPr/>
+            <p:nvPr/>
+          </p:nvSpPr>
+          <p:spPr>
+            <a:xfrm>
+              <a:off x="1328809" y="2454465"/>
+              <a:ext cx="3007917" cy="3050520"/>
+            </a:xfrm>
+            <a:prstGeom prst="cloud">
+              <a:avLst/>
+            </a:prstGeom>
+          </p:spPr>
+          <p:style>
+            <a:lnRef idx="1">
+              <a:schemeClr val="accent1"/>
+            </a:lnRef>
+            <a:fillRef idx="3">
+              <a:schemeClr val="accent1"/>
+            </a:fillRef>
+            <a:effectRef idx="2">
+              <a:schemeClr val="accent1"/>
+            </a:effectRef>
+            <a:fontRef idx="minor">
+              <a:schemeClr val="lt1"/>
+            </a:fontRef>
+          </p:style>
+          <p:txBody>
+            <a:bodyPr rtlCol="0" anchor="ctr"/>
+            <a:lstStyle/>
+            <a:p>
+              <a:pPr algn="ctr"/>
+              <a:r>
+                <a:rPr lang="en-US" dirty="0" smtClean="0"/>
+                <a:t>Compute Cloud</a:t>
+              </a:r>
+              <a:endParaRPr lang="en-US" dirty="0"/>
+            </a:p>
+          </p:txBody>
+        </p:sp>
+        <p:sp>
+          <p:nvSpPr>
+            <p:cNvPr id="8" name="Rectangle 7"/>
+            <p:cNvSpPr/>
+            <p:nvPr/>
+          </p:nvSpPr>
+          <p:spPr>
+            <a:xfrm>
+              <a:off x="2574098" y="2914437"/>
+              <a:ext cx="703057" cy="669073"/>
+            </a:xfrm>
+            <a:prstGeom prst="rect">
+              <a:avLst/>
+            </a:prstGeom>
+            <a:solidFill>
+              <a:srgbClr val="FF6600"/>
+            </a:solidFill>
+          </p:spPr>
+          <p:style>
+            <a:lnRef idx="1">
+              <a:schemeClr val="accent1"/>
+            </a:lnRef>
+            <a:fillRef idx="3">
+              <a:schemeClr val="accent1"/>
+            </a:fillRef>
+            <a:effectRef idx="2">
+              <a:schemeClr val="accent1"/>
+            </a:effectRef>
+            <a:fontRef idx="minor">
+              <a:schemeClr val="lt1"/>
+            </a:fontRef>
+          </p:style>
+          <p:txBody>
+            <a:bodyPr rtlCol="0" anchor="ctr"/>
+            <a:lstStyle/>
+            <a:p>
+              <a:pPr algn="ctr"/>
+              <a:endParaRPr lang="en-US"/>
+            </a:p>
+          </p:txBody>
+        </p:sp>
+        <p:sp>
+          <p:nvSpPr>
+            <p:cNvPr id="9" name="Rectangle 8"/>
+            <p:cNvSpPr/>
+            <p:nvPr/>
+          </p:nvSpPr>
+          <p:spPr>
+            <a:xfrm>
+              <a:off x="2574098" y="4212200"/>
+              <a:ext cx="703057" cy="669073"/>
+            </a:xfrm>
+            <a:prstGeom prst="rect">
+              <a:avLst/>
+            </a:prstGeom>
+            <a:solidFill>
+              <a:srgbClr val="FF6600"/>
+            </a:solidFill>
+          </p:spPr>
+          <p:style>
+            <a:lnRef idx="1">
+              <a:schemeClr val="accent1"/>
+            </a:lnRef>
+            <a:fillRef idx="3">
+              <a:schemeClr val="accent1"/>
+            </a:fillRef>
+            <a:effectRef idx="2">
+              <a:schemeClr val="accent1"/>
+            </a:effectRef>
+            <a:fontRef idx="minor">
+              <a:schemeClr val="lt1"/>
+            </a:fontRef>
+          </p:style>
+          <p:txBody>
+            <a:bodyPr rtlCol="0" anchor="ctr"/>
+            <a:lstStyle/>
+            <a:p>
+              <a:pPr algn="ctr"/>
+              <a:endParaRPr lang="en-US"/>
+            </a:p>
+          </p:txBody>
+        </p:sp>
+        <p:sp>
+          <p:nvSpPr>
+            <p:cNvPr id="10" name="Left-Right Arrow 9"/>
+            <p:cNvSpPr/>
+            <p:nvPr/>
+          </p:nvSpPr>
+          <p:spPr>
+            <a:xfrm>
+              <a:off x="3277155" y="3163922"/>
+              <a:ext cx="2199890" cy="419588"/>
+            </a:xfrm>
+            <a:prstGeom prst="leftRightArrow">
+              <a:avLst/>
+            </a:prstGeom>
+            <a:solidFill>
+              <a:srgbClr val="FFFF00"/>
+            </a:solidFill>
+          </p:spPr>
+          <p:style>
+            <a:lnRef idx="1">
+              <a:schemeClr val="accent1"/>
+            </a:lnRef>
+            <a:fillRef idx="3">
+              <a:schemeClr val="accent1"/>
+            </a:fillRef>
+            <a:effectRef idx="2">
+              <a:schemeClr val="accent1"/>
+            </a:effectRef>
+            <a:fontRef idx="minor">
+              <a:schemeClr val="lt1"/>
+            </a:fontRef>
+          </p:style>
+          <p:txBody>
+            <a:bodyPr rtlCol="0" anchor="ctr"/>
+            <a:lstStyle/>
+            <a:p>
+              <a:pPr algn="ctr"/>
+              <a:endParaRPr lang="en-US"/>
+            </a:p>
+          </p:txBody>
+        </p:sp>
+        <p:sp>
+          <p:nvSpPr>
+            <p:cNvPr id="11" name="Left-Right Arrow 10"/>
+            <p:cNvSpPr/>
+            <p:nvPr/>
+          </p:nvSpPr>
+          <p:spPr>
+            <a:xfrm>
+              <a:off x="3277155" y="4450344"/>
+              <a:ext cx="2095930" cy="419588"/>
+            </a:xfrm>
+            <a:prstGeom prst="leftRightArrow">
+              <a:avLst/>
+            </a:prstGeom>
+            <a:solidFill>
+              <a:srgbClr val="FFFF00"/>
+            </a:solidFill>
+          </p:spPr>
+          <p:style>
+            <a:lnRef idx="1">
+              <a:schemeClr val="accent1"/>
+            </a:lnRef>
+            <a:fillRef idx="3">
+              <a:schemeClr val="accent1"/>
+            </a:fillRef>
+            <a:effectRef idx="2">
+              <a:schemeClr val="accent1"/>
+            </a:effectRef>
+            <a:fontRef idx="minor">
+              <a:schemeClr val="lt1"/>
+            </a:fontRef>
+          </p:style>
+          <p:txBody>
+            <a:bodyPr rtlCol="0" anchor="ctr"/>
+            <a:lstStyle/>
+            <a:p>
+              <a:pPr algn="ctr"/>
+              <a:endParaRPr lang="en-US"/>
+            </a:p>
+          </p:txBody>
+        </p:sp>
+      </p:grpSp>
     </p:spTree>
     <p:extLst>
       <p:ext uri="{BB962C8B-B14F-4D97-AF65-F5344CB8AC3E}">
-        <p14:creationId xmlns:p14="http://schemas.microsoft.com/office/powerpoint/2010/main" val="1914866444"/>
+        <p14:creationId xmlns:p14="http://schemas.microsoft.com/office/powerpoint/2010/main" val="484048169"/>
       </p:ext>
     </p:extLst>
   </p:cSld>
   <p:clrMapOvr>
     <a:masterClrMapping/>
   </p:clrMapOvr>
+  <p:timing>
+    <p:tnLst>
+      <p:par>
+        <p:cTn xmlns:p14="http://schemas.microsoft.com/office/powerpoint/2010/main" id="1" dur="indefinite" restart="never" nodeType="tmRoot"/>
+      </p:par>
+    </p:tnLst>
+  </p:timing>
 </p:sld>
 </file>
 
@@ -15530,7 +15889,1446 @@
           <a:p>
             <a:r>
               <a:rPr lang="en-US" dirty="0" smtClean="0"/>
-              <a:t>Aggregate Functions</a:t>
+              <a:t>Map </a:t>
+            </a:r>
+            <a:r>
+              <a:rPr lang="en-US" dirty="0" smtClean="0"/>
+              <a:t>Reduce Thinking</a:t>
+            </a:r>
+            <a:endParaRPr lang="en-US" dirty="0"/>
+          </a:p>
+        </p:txBody>
+      </p:sp>
+      <p:sp>
+        <p:nvSpPr>
+          <p:cNvPr id="3" name="Content Placeholder 2"/>
+          <p:cNvSpPr>
+            <a:spLocks noGrp="1"/>
+          </p:cNvSpPr>
+          <p:nvPr>
+            <p:ph idx="1"/>
+          </p:nvPr>
+        </p:nvSpPr>
+        <p:spPr/>
+        <p:txBody>
+          <a:bodyPr/>
+          <a:lstStyle/>
+          <a:p>
+            <a:r>
+              <a:rPr lang="en-US" dirty="0" smtClean="0"/>
+              <a:t>Data ‘stays put’</a:t>
+            </a:r>
+          </a:p>
+          <a:p>
+            <a:r>
+              <a:rPr lang="en-US" dirty="0" smtClean="0"/>
+              <a:t>‘code is moved to data’</a:t>
+            </a:r>
+          </a:p>
+          <a:p>
+            <a:r>
+              <a:rPr lang="en-US" dirty="0" smtClean="0"/>
+              <a:t>‘Data Node’ also doubles as ‘Compute Node’</a:t>
+            </a:r>
+          </a:p>
+          <a:p>
+            <a:r>
+              <a:rPr lang="en-US" dirty="0" smtClean="0"/>
+              <a:t>Data locality </a:t>
+            </a:r>
+            <a:r>
+              <a:rPr lang="en-US" dirty="0" smtClean="0">
+                <a:sym typeface="Wingdings"/>
+              </a:rPr>
+              <a:t> massive scale</a:t>
+            </a:r>
+            <a:endParaRPr lang="en-US" dirty="0"/>
+          </a:p>
+        </p:txBody>
+      </p:sp>
+      <p:grpSp>
+        <p:nvGrpSpPr>
+          <p:cNvPr id="14" name="Group 13"/>
+          <p:cNvGrpSpPr/>
+          <p:nvPr/>
+        </p:nvGrpSpPr>
+        <p:grpSpPr>
+          <a:xfrm>
+            <a:off x="2228176" y="4023618"/>
+            <a:ext cx="5710421" cy="2399967"/>
+            <a:chOff x="1625205" y="4218258"/>
+            <a:chExt cx="5710421" cy="2639742"/>
+          </a:xfrm>
+        </p:grpSpPr>
+        <p:sp>
+          <p:nvSpPr>
+            <p:cNvPr id="4" name="Cloud 3"/>
+            <p:cNvSpPr/>
+            <p:nvPr/>
+          </p:nvSpPr>
+          <p:spPr>
+            <a:xfrm>
+              <a:off x="1625205" y="4218258"/>
+              <a:ext cx="5710421" cy="2639742"/>
+            </a:xfrm>
+            <a:prstGeom prst="cloud">
+              <a:avLst/>
+            </a:prstGeom>
+          </p:spPr>
+          <p:style>
+            <a:lnRef idx="1">
+              <a:schemeClr val="accent1"/>
+            </a:lnRef>
+            <a:fillRef idx="3">
+              <a:schemeClr val="accent1"/>
+            </a:fillRef>
+            <a:effectRef idx="2">
+              <a:schemeClr val="accent1"/>
+            </a:effectRef>
+            <a:fontRef idx="minor">
+              <a:schemeClr val="lt1"/>
+            </a:fontRef>
+          </p:style>
+          <p:txBody>
+            <a:bodyPr rtlCol="0" anchor="ctr"/>
+            <a:lstStyle/>
+            <a:p>
+              <a:pPr algn="ctr"/>
+              <a:endParaRPr lang="en-US"/>
+            </a:p>
+          </p:txBody>
+        </p:sp>
+        <p:grpSp>
+          <p:nvGrpSpPr>
+            <p:cNvPr id="9" name="Group 8"/>
+            <p:cNvGrpSpPr/>
+            <p:nvPr/>
+          </p:nvGrpSpPr>
+          <p:grpSpPr>
+            <a:xfrm>
+              <a:off x="2655390" y="4857658"/>
+              <a:ext cx="1269969" cy="1349842"/>
+              <a:chOff x="2655390" y="4857658"/>
+              <a:chExt cx="1269969" cy="1349842"/>
+            </a:xfrm>
+          </p:grpSpPr>
+          <p:sp>
+            <p:nvSpPr>
+              <p:cNvPr id="5" name="Rectangle 4"/>
+              <p:cNvSpPr/>
+              <p:nvPr/>
+            </p:nvSpPr>
+            <p:spPr>
+              <a:xfrm>
+                <a:off x="2655390" y="4857658"/>
+                <a:ext cx="1269969" cy="1349842"/>
+              </a:xfrm>
+              <a:prstGeom prst="rect">
+                <a:avLst/>
+              </a:prstGeom>
+              <a:solidFill>
+                <a:schemeClr val="accent5"/>
+              </a:solidFill>
+            </p:spPr>
+            <p:style>
+              <a:lnRef idx="1">
+                <a:schemeClr val="accent1"/>
+              </a:lnRef>
+              <a:fillRef idx="3">
+                <a:schemeClr val="accent1"/>
+              </a:fillRef>
+              <a:effectRef idx="2">
+                <a:schemeClr val="accent1"/>
+              </a:effectRef>
+              <a:fontRef idx="minor">
+                <a:schemeClr val="lt1"/>
+              </a:fontRef>
+            </p:style>
+            <p:txBody>
+              <a:bodyPr rtlCol="0" anchor="t" anchorCtr="0"/>
+              <a:lstStyle/>
+              <a:p>
+                <a:pPr algn="ctr"/>
+                <a:r>
+                  <a:rPr lang="en-US" dirty="0" smtClean="0"/>
+                  <a:t>node</a:t>
+                </a:r>
+                <a:endParaRPr lang="en-US" dirty="0"/>
+              </a:p>
+            </p:txBody>
+          </p:sp>
+          <p:sp>
+            <p:nvSpPr>
+              <p:cNvPr id="7" name="TextBox 6"/>
+              <p:cNvSpPr txBox="1"/>
+              <p:nvPr/>
+            </p:nvSpPr>
+            <p:spPr>
+              <a:xfrm>
+                <a:off x="2770841" y="5294384"/>
+                <a:ext cx="1154518" cy="369332"/>
+              </a:xfrm>
+              <a:prstGeom prst="rect">
+                <a:avLst/>
+              </a:prstGeom>
+              <a:solidFill>
+                <a:srgbClr val="3366FF"/>
+              </a:solidFill>
+            </p:spPr>
+            <p:txBody>
+              <a:bodyPr wrap="square" rtlCol="0">
+                <a:spAutoFit/>
+              </a:bodyPr>
+              <a:lstStyle/>
+              <a:p>
+                <a:r>
+                  <a:rPr lang="en-US" dirty="0" smtClean="0"/>
+                  <a:t>Storage</a:t>
+                </a:r>
+                <a:endParaRPr lang="en-US" dirty="0"/>
+              </a:p>
+            </p:txBody>
+          </p:sp>
+          <p:sp>
+            <p:nvSpPr>
+              <p:cNvPr id="8" name="TextBox 7"/>
+              <p:cNvSpPr txBox="1"/>
+              <p:nvPr/>
+            </p:nvSpPr>
+            <p:spPr>
+              <a:xfrm>
+                <a:off x="2770841" y="5771320"/>
+                <a:ext cx="1154518" cy="369332"/>
+              </a:xfrm>
+              <a:prstGeom prst="rect">
+                <a:avLst/>
+              </a:prstGeom>
+              <a:solidFill>
+                <a:srgbClr val="3366FF"/>
+              </a:solidFill>
+            </p:spPr>
+            <p:txBody>
+              <a:bodyPr wrap="square" rtlCol="0">
+                <a:spAutoFit/>
+              </a:bodyPr>
+              <a:lstStyle/>
+              <a:p>
+                <a:r>
+                  <a:rPr lang="en-US" dirty="0" smtClean="0"/>
+                  <a:t>Compute</a:t>
+                </a:r>
+                <a:endParaRPr lang="en-US" dirty="0"/>
+              </a:p>
+            </p:txBody>
+          </p:sp>
+        </p:grpSp>
+        <p:grpSp>
+          <p:nvGrpSpPr>
+            <p:cNvPr id="10" name="Group 9"/>
+            <p:cNvGrpSpPr/>
+            <p:nvPr/>
+          </p:nvGrpSpPr>
+          <p:grpSpPr>
+            <a:xfrm>
+              <a:off x="4370829" y="4857658"/>
+              <a:ext cx="1269969" cy="1349842"/>
+              <a:chOff x="2655390" y="4857658"/>
+              <a:chExt cx="1269969" cy="1349842"/>
+            </a:xfrm>
+          </p:grpSpPr>
+          <p:sp>
+            <p:nvSpPr>
+              <p:cNvPr id="11" name="Rectangle 10"/>
+              <p:cNvSpPr/>
+              <p:nvPr/>
+            </p:nvSpPr>
+            <p:spPr>
+              <a:xfrm>
+                <a:off x="2655390" y="4857658"/>
+                <a:ext cx="1269969" cy="1349842"/>
+              </a:xfrm>
+              <a:prstGeom prst="rect">
+                <a:avLst/>
+              </a:prstGeom>
+              <a:solidFill>
+                <a:schemeClr val="accent5"/>
+              </a:solidFill>
+            </p:spPr>
+            <p:style>
+              <a:lnRef idx="1">
+                <a:schemeClr val="accent1"/>
+              </a:lnRef>
+              <a:fillRef idx="3">
+                <a:schemeClr val="accent1"/>
+              </a:fillRef>
+              <a:effectRef idx="2">
+                <a:schemeClr val="accent1"/>
+              </a:effectRef>
+              <a:fontRef idx="minor">
+                <a:schemeClr val="lt1"/>
+              </a:fontRef>
+            </p:style>
+            <p:txBody>
+              <a:bodyPr rtlCol="0" anchor="t" anchorCtr="0"/>
+              <a:lstStyle/>
+              <a:p>
+                <a:pPr algn="ctr"/>
+                <a:r>
+                  <a:rPr lang="en-US" dirty="0" smtClean="0"/>
+                  <a:t>node</a:t>
+                </a:r>
+                <a:endParaRPr lang="en-US" dirty="0"/>
+              </a:p>
+            </p:txBody>
+          </p:sp>
+          <p:sp>
+            <p:nvSpPr>
+              <p:cNvPr id="12" name="TextBox 11"/>
+              <p:cNvSpPr txBox="1"/>
+              <p:nvPr/>
+            </p:nvSpPr>
+            <p:spPr>
+              <a:xfrm>
+                <a:off x="2770841" y="5294384"/>
+                <a:ext cx="1154518" cy="369332"/>
+              </a:xfrm>
+              <a:prstGeom prst="rect">
+                <a:avLst/>
+              </a:prstGeom>
+              <a:solidFill>
+                <a:srgbClr val="3366FF"/>
+              </a:solidFill>
+            </p:spPr>
+            <p:txBody>
+              <a:bodyPr wrap="square" rtlCol="0">
+                <a:spAutoFit/>
+              </a:bodyPr>
+              <a:lstStyle/>
+              <a:p>
+                <a:r>
+                  <a:rPr lang="en-US" dirty="0" smtClean="0"/>
+                  <a:t>Storage</a:t>
+                </a:r>
+                <a:endParaRPr lang="en-US" dirty="0"/>
+              </a:p>
+            </p:txBody>
+          </p:sp>
+          <p:sp>
+            <p:nvSpPr>
+              <p:cNvPr id="13" name="TextBox 12"/>
+              <p:cNvSpPr txBox="1"/>
+              <p:nvPr/>
+            </p:nvSpPr>
+            <p:spPr>
+              <a:xfrm>
+                <a:off x="2770841" y="5771320"/>
+                <a:ext cx="1154518" cy="369332"/>
+              </a:xfrm>
+              <a:prstGeom prst="rect">
+                <a:avLst/>
+              </a:prstGeom>
+              <a:solidFill>
+                <a:srgbClr val="3366FF"/>
+              </a:solidFill>
+            </p:spPr>
+            <p:txBody>
+              <a:bodyPr wrap="square" rtlCol="0">
+                <a:spAutoFit/>
+              </a:bodyPr>
+              <a:lstStyle/>
+              <a:p>
+                <a:r>
+                  <a:rPr lang="en-US" dirty="0" smtClean="0"/>
+                  <a:t>Compute</a:t>
+                </a:r>
+                <a:endParaRPr lang="en-US" dirty="0"/>
+              </a:p>
+            </p:txBody>
+          </p:sp>
+        </p:grpSp>
+      </p:grpSp>
+      <p:sp>
+        <p:nvSpPr>
+          <p:cNvPr id="6" name="Footer Placeholder 5"/>
+          <p:cNvSpPr>
+            <a:spLocks noGrp="1"/>
+          </p:cNvSpPr>
+          <p:nvPr>
+            <p:ph type="ftr" sz="quarter" idx="11"/>
+          </p:nvPr>
+        </p:nvSpPr>
+        <p:spPr/>
+        <p:txBody>
+          <a:bodyPr/>
+          <a:lstStyle/>
+          <a:p>
+            <a:r>
+              <a:rPr lang="en-US" smtClean="0"/>
+              <a:t>(c) ElephantScale.com, 2014</a:t>
+            </a:r>
+            <a:endParaRPr lang="en-US"/>
+          </a:p>
+        </p:txBody>
+      </p:sp>
+    </p:spTree>
+    <p:extLst>
+      <p:ext uri="{BB962C8B-B14F-4D97-AF65-F5344CB8AC3E}">
+        <p14:creationId xmlns:p14="http://schemas.microsoft.com/office/powerpoint/2010/main" val="3399650261"/>
+      </p:ext>
+    </p:extLst>
+  </p:cSld>
+  <p:clrMapOvr>
+    <a:masterClrMapping/>
+  </p:clrMapOvr>
+  <p:timing>
+    <p:tnLst>
+      <p:par>
+        <p:cTn xmlns:p14="http://schemas.microsoft.com/office/powerpoint/2010/main" id="1" dur="indefinite" restart="never" nodeType="tmRoot"/>
+      </p:par>
+    </p:tnLst>
+  </p:timing>
+</p:sld>
+</file>
+
+<file path=ppt/slides/slide33.xml><?xml version="1.0" encoding="utf-8"?>
+<p:sld xmlns:a="http://schemas.openxmlformats.org/drawingml/2006/main" xmlns:r="http://schemas.openxmlformats.org/officeDocument/2006/relationships" xmlns:p="http://schemas.openxmlformats.org/presentationml/2006/main">
+  <p:cSld>
+    <p:spTree>
+      <p:nvGrpSpPr>
+        <p:cNvPr id="1" name=""/>
+        <p:cNvGrpSpPr/>
+        <p:nvPr/>
+      </p:nvGrpSpPr>
+      <p:grpSpPr>
+        <a:xfrm>
+          <a:off x="0" y="0"/>
+          <a:ext cx="0" cy="0"/>
+          <a:chOff x="0" y="0"/>
+          <a:chExt cx="0" cy="0"/>
+        </a:xfrm>
+      </p:grpSpPr>
+      <p:sp>
+        <p:nvSpPr>
+          <p:cNvPr id="2" name="Title 1"/>
+          <p:cNvSpPr>
+            <a:spLocks noGrp="1"/>
+          </p:cNvSpPr>
+          <p:nvPr>
+            <p:ph type="title"/>
+          </p:nvPr>
+        </p:nvSpPr>
+        <p:spPr/>
+        <p:txBody>
+          <a:bodyPr/>
+          <a:lstStyle/>
+          <a:p>
+            <a:r>
+              <a:rPr lang="en-US" dirty="0" smtClean="0"/>
+              <a:t>Parallel Computing With Map Reduce</a:t>
+            </a:r>
+            <a:endParaRPr lang="en-US" dirty="0"/>
+          </a:p>
+        </p:txBody>
+      </p:sp>
+      <p:sp>
+        <p:nvSpPr>
+          <p:cNvPr id="3" name="Content Placeholder 2"/>
+          <p:cNvSpPr>
+            <a:spLocks noGrp="1"/>
+          </p:cNvSpPr>
+          <p:nvPr>
+            <p:ph idx="1"/>
+          </p:nvPr>
+        </p:nvSpPr>
+        <p:spPr/>
+        <p:txBody>
+          <a:bodyPr>
+            <a:normAutofit/>
+          </a:bodyPr>
+          <a:lstStyle/>
+          <a:p>
+            <a:r>
+              <a:rPr lang="en-US" dirty="0" smtClean="0"/>
+              <a:t>Writing distributed computing programs from scratch is way too complicated</a:t>
+            </a:r>
+          </a:p>
+          <a:p>
+            <a:r>
+              <a:rPr lang="en-US" dirty="0" smtClean="0"/>
+              <a:t>Challenges:</a:t>
+            </a:r>
+          </a:p>
+          <a:p>
+            <a:pPr lvl="1"/>
+            <a:r>
+              <a:rPr lang="en-US" dirty="0"/>
+              <a:t>Distributing code </a:t>
+            </a:r>
+          </a:p>
+          <a:p>
+            <a:pPr lvl="1"/>
+            <a:r>
+              <a:rPr lang="en-US" dirty="0"/>
+              <a:t>Distributing work </a:t>
+            </a:r>
+            <a:r>
+              <a:rPr lang="en-US" dirty="0" smtClean="0"/>
+              <a:t>load</a:t>
+            </a:r>
+          </a:p>
+          <a:p>
+            <a:pPr lvl="1"/>
+            <a:r>
+              <a:rPr lang="en-US" dirty="0" smtClean="0"/>
+              <a:t>Running computes in parallel</a:t>
+            </a:r>
+          </a:p>
+          <a:p>
+            <a:pPr lvl="1"/>
+            <a:r>
+              <a:rPr lang="en-US" dirty="0" smtClean="0"/>
+              <a:t>Collecting results from multiple workers</a:t>
+            </a:r>
+            <a:endParaRPr lang="en-US" dirty="0"/>
+          </a:p>
+          <a:p>
+            <a:pPr lvl="1"/>
+            <a:r>
+              <a:rPr lang="en-US" dirty="0"/>
+              <a:t>Handle </a:t>
+            </a:r>
+            <a:r>
+              <a:rPr lang="en-US" dirty="0" smtClean="0"/>
+              <a:t>failures</a:t>
+            </a:r>
+          </a:p>
+          <a:p>
+            <a:r>
+              <a:rPr lang="en-US" dirty="0" smtClean="0"/>
+              <a:t>MapReduce provides a nice / easy to use framework to write distributed code.</a:t>
+            </a:r>
+            <a:endParaRPr lang="en-US" dirty="0" smtClean="0"/>
+          </a:p>
+        </p:txBody>
+      </p:sp>
+      <p:sp>
+        <p:nvSpPr>
+          <p:cNvPr id="4" name="Footer Placeholder 3"/>
+          <p:cNvSpPr>
+            <a:spLocks noGrp="1"/>
+          </p:cNvSpPr>
+          <p:nvPr>
+            <p:ph type="ftr" sz="quarter" idx="11"/>
+          </p:nvPr>
+        </p:nvSpPr>
+        <p:spPr/>
+        <p:txBody>
+          <a:bodyPr/>
+          <a:lstStyle/>
+          <a:p>
+            <a:r>
+              <a:rPr lang="en-US" smtClean="0"/>
+              <a:t>(c) ElephantScale.com, 2014</a:t>
+            </a:r>
+            <a:endParaRPr lang="en-US"/>
+          </a:p>
+        </p:txBody>
+      </p:sp>
+    </p:spTree>
+    <p:extLst>
+      <p:ext uri="{BB962C8B-B14F-4D97-AF65-F5344CB8AC3E}">
+        <p14:creationId xmlns:p14="http://schemas.microsoft.com/office/powerpoint/2010/main" val="3623635528"/>
+      </p:ext>
+    </p:extLst>
+  </p:cSld>
+  <p:clrMapOvr>
+    <a:masterClrMapping/>
+  </p:clrMapOvr>
+  <p:timing>
+    <p:tnLst>
+      <p:par>
+        <p:cTn xmlns:p14="http://schemas.microsoft.com/office/powerpoint/2010/main" id="1" dur="indefinite" restart="never" nodeType="tmRoot"/>
+      </p:par>
+    </p:tnLst>
+  </p:timing>
+</p:sld>
+</file>
+
+<file path=ppt/slides/slide34.xml><?xml version="1.0" encoding="utf-8"?>
+<p:sld xmlns:a="http://schemas.openxmlformats.org/drawingml/2006/main" xmlns:r="http://schemas.openxmlformats.org/officeDocument/2006/relationships" xmlns:p="http://schemas.openxmlformats.org/presentationml/2006/main">
+  <p:cSld>
+    <p:spTree>
+      <p:nvGrpSpPr>
+        <p:cNvPr id="1" name=""/>
+        <p:cNvGrpSpPr/>
+        <p:nvPr/>
+      </p:nvGrpSpPr>
+      <p:grpSpPr>
+        <a:xfrm>
+          <a:off x="0" y="0"/>
+          <a:ext cx="0" cy="0"/>
+          <a:chOff x="0" y="0"/>
+          <a:chExt cx="0" cy="0"/>
+        </a:xfrm>
+      </p:grpSpPr>
+      <p:sp>
+        <p:nvSpPr>
+          <p:cNvPr id="2" name="Title 1"/>
+          <p:cNvSpPr>
+            <a:spLocks noGrp="1"/>
+          </p:cNvSpPr>
+          <p:nvPr>
+            <p:ph type="title"/>
+          </p:nvPr>
+        </p:nvSpPr>
+        <p:spPr/>
+        <p:txBody>
+          <a:bodyPr>
+            <a:normAutofit fontScale="90000"/>
+          </a:bodyPr>
+          <a:lstStyle/>
+          <a:p>
+            <a:r>
+              <a:rPr lang="en-US" dirty="0" smtClean="0"/>
+              <a:t>Thinking in </a:t>
+            </a:r>
+            <a:r>
+              <a:rPr lang="en-US" dirty="0" smtClean="0"/>
+              <a:t>Map </a:t>
+            </a:r>
+            <a:r>
+              <a:rPr lang="en-US" dirty="0" smtClean="0"/>
+              <a:t>Reduce </a:t>
+            </a:r>
+            <a:r>
+              <a:rPr lang="en-US" dirty="0" smtClean="0"/>
+              <a:t>: </a:t>
+            </a:r>
+            <a:r>
+              <a:rPr lang="en-US" dirty="0" smtClean="0"/>
+              <a:t>Vote </a:t>
+            </a:r>
+            <a:r>
+              <a:rPr lang="en-US" dirty="0" smtClean="0"/>
+              <a:t>Count</a:t>
+            </a:r>
+            <a:br>
+              <a:rPr lang="en-US" dirty="0" smtClean="0"/>
+            </a:br>
+            <a:r>
+              <a:rPr lang="en-US" dirty="0" smtClean="0"/>
+              <a:t>(see next slide for diagram)</a:t>
+            </a:r>
+            <a:endParaRPr lang="en-US" dirty="0"/>
+          </a:p>
+        </p:txBody>
+      </p:sp>
+      <p:sp>
+        <p:nvSpPr>
+          <p:cNvPr id="5" name="Content Placeholder 4"/>
+          <p:cNvSpPr>
+            <a:spLocks noGrp="1"/>
+          </p:cNvSpPr>
+          <p:nvPr>
+            <p:ph idx="1"/>
+          </p:nvPr>
+        </p:nvSpPr>
+        <p:spPr/>
+        <p:txBody>
+          <a:bodyPr>
+            <a:normAutofit/>
+          </a:bodyPr>
+          <a:lstStyle/>
+          <a:p>
+            <a:r>
+              <a:rPr lang="en-US" dirty="0" smtClean="0"/>
+              <a:t>Imagine we want to do a </a:t>
+            </a:r>
+            <a:r>
+              <a:rPr lang="en-US" dirty="0" smtClean="0"/>
+              <a:t>poll</a:t>
+            </a:r>
+            <a:br>
+              <a:rPr lang="en-US" dirty="0" smtClean="0"/>
+            </a:br>
+            <a:r>
+              <a:rPr lang="en-US" dirty="0" smtClean="0"/>
+              <a:t>Want to find how people in 20s,  30s and 40s voted</a:t>
+            </a:r>
+            <a:endParaRPr lang="en-US" dirty="0" smtClean="0"/>
+          </a:p>
+          <a:p>
+            <a:r>
+              <a:rPr lang="en-US" dirty="0" smtClean="0"/>
+              <a:t>Map Reduce method:</a:t>
+            </a:r>
+          </a:p>
+          <a:p>
+            <a:pPr lvl="1"/>
+            <a:r>
+              <a:rPr lang="en-US" dirty="0" smtClean="0"/>
+              <a:t>Step 1) Sort people into </a:t>
+            </a:r>
+            <a:r>
+              <a:rPr lang="en-US" dirty="0" err="1" smtClean="0"/>
+              <a:t>appropriateage</a:t>
+            </a:r>
+            <a:r>
+              <a:rPr lang="en-US" dirty="0" smtClean="0"/>
+              <a:t> </a:t>
+            </a:r>
+            <a:r>
+              <a:rPr lang="en-US" dirty="0" smtClean="0"/>
+              <a:t>group</a:t>
+            </a:r>
+          </a:p>
+          <a:p>
+            <a:pPr marL="228600" lvl="1" indent="0">
+              <a:buNone/>
+            </a:pPr>
+            <a:r>
+              <a:rPr lang="en-US" dirty="0" smtClean="0">
+                <a:sym typeface="Wingdings"/>
+              </a:rPr>
+              <a:t> </a:t>
+            </a:r>
+            <a:r>
+              <a:rPr lang="en-US" dirty="0" smtClean="0">
+                <a:sym typeface="Wingdings"/>
+              </a:rPr>
+              <a:t>mappers</a:t>
+            </a:r>
+          </a:p>
+          <a:p>
+            <a:pPr lvl="1"/>
+            <a:r>
+              <a:rPr lang="en-US" dirty="0" smtClean="0">
+                <a:sym typeface="Wingdings"/>
+              </a:rPr>
+              <a:t>Now process each group</a:t>
+            </a:r>
+            <a:endParaRPr lang="en-US" dirty="0" smtClean="0">
+              <a:sym typeface="Wingdings"/>
+            </a:endParaRPr>
+          </a:p>
+          <a:p>
+            <a:pPr marL="228600" lvl="1" indent="0">
+              <a:buNone/>
+            </a:pPr>
+            <a:r>
+              <a:rPr lang="en-US" dirty="0" smtClean="0">
+                <a:sym typeface="Wingdings"/>
+              </a:rPr>
+              <a:t> reducer</a:t>
+            </a:r>
+          </a:p>
+          <a:p>
+            <a:pPr lvl="1"/>
+            <a:endParaRPr lang="en-US" dirty="0"/>
+          </a:p>
+        </p:txBody>
+      </p:sp>
+      <p:sp>
+        <p:nvSpPr>
+          <p:cNvPr id="3" name="Footer Placeholder 2"/>
+          <p:cNvSpPr>
+            <a:spLocks noGrp="1"/>
+          </p:cNvSpPr>
+          <p:nvPr>
+            <p:ph type="ftr" sz="quarter" idx="11"/>
+          </p:nvPr>
+        </p:nvSpPr>
+        <p:spPr/>
+        <p:txBody>
+          <a:bodyPr/>
+          <a:lstStyle/>
+          <a:p>
+            <a:r>
+              <a:rPr lang="en-US" smtClean="0"/>
+              <a:t>(c) ElephantScale.com, 2014</a:t>
+            </a:r>
+            <a:endParaRPr lang="en-US"/>
+          </a:p>
+        </p:txBody>
+      </p:sp>
+    </p:spTree>
+    <p:extLst>
+      <p:ext uri="{BB962C8B-B14F-4D97-AF65-F5344CB8AC3E}">
+        <p14:creationId xmlns:p14="http://schemas.microsoft.com/office/powerpoint/2010/main" val="1943785581"/>
+      </p:ext>
+    </p:extLst>
+  </p:cSld>
+  <p:clrMapOvr>
+    <a:masterClrMapping/>
+  </p:clrMapOvr>
+  <p:timing>
+    <p:tnLst>
+      <p:par>
+        <p:cTn xmlns:p14="http://schemas.microsoft.com/office/powerpoint/2010/main" id="1" dur="indefinite" restart="never" nodeType="tmRoot"/>
+      </p:par>
+    </p:tnLst>
+  </p:timing>
+</p:sld>
+</file>
+
+<file path=ppt/slides/slide35.xml><?xml version="1.0" encoding="utf-8"?>
+<p:sld xmlns:a="http://schemas.openxmlformats.org/drawingml/2006/main" xmlns:r="http://schemas.openxmlformats.org/officeDocument/2006/relationships" xmlns:p="http://schemas.openxmlformats.org/presentationml/2006/main">
+  <p:cSld>
+    <p:spTree>
+      <p:nvGrpSpPr>
+        <p:cNvPr id="1" name=""/>
+        <p:cNvGrpSpPr/>
+        <p:nvPr/>
+      </p:nvGrpSpPr>
+      <p:grpSpPr>
+        <a:xfrm>
+          <a:off x="0" y="0"/>
+          <a:ext cx="0" cy="0"/>
+          <a:chOff x="0" y="0"/>
+          <a:chExt cx="0" cy="0"/>
+        </a:xfrm>
+      </p:grpSpPr>
+      <p:sp>
+        <p:nvSpPr>
+          <p:cNvPr id="2" name="Title 1"/>
+          <p:cNvSpPr>
+            <a:spLocks noGrp="1"/>
+          </p:cNvSpPr>
+          <p:nvPr>
+            <p:ph type="title"/>
+          </p:nvPr>
+        </p:nvSpPr>
+        <p:spPr/>
+        <p:txBody>
+          <a:bodyPr>
+            <a:normAutofit fontScale="90000"/>
+          </a:bodyPr>
+          <a:lstStyle/>
+          <a:p>
+            <a:r>
+              <a:rPr lang="en-US" dirty="0" smtClean="0"/>
+              <a:t>Thinking in Map Reduce : Vote </a:t>
+            </a:r>
+            <a:r>
+              <a:rPr lang="en-US" dirty="0" smtClean="0"/>
+              <a:t>Count</a:t>
+            </a:r>
+            <a:endParaRPr lang="en-US" dirty="0"/>
+          </a:p>
+        </p:txBody>
+      </p:sp>
+      <p:pic>
+        <p:nvPicPr>
+          <p:cNvPr id="7" name="Content Placeholder 6" descr="mapreduce_voting.png"/>
+          <p:cNvPicPr>
+            <a:picLocks noGrp="1" noChangeAspect="1"/>
+          </p:cNvPicPr>
+          <p:nvPr>
+            <p:ph idx="1"/>
+          </p:nvPr>
+        </p:nvPicPr>
+        <p:blipFill>
+          <a:blip r:embed="rId3">
+            <a:extLst>
+              <a:ext uri="{28A0092B-C50C-407E-A947-70E740481C1C}">
+                <a14:useLocalDpi xmlns:a14="http://schemas.microsoft.com/office/drawing/2010/main" val="0"/>
+              </a:ext>
+            </a:extLst>
+          </a:blip>
+          <a:srcRect t="-5243" b="-5243"/>
+          <a:stretch>
+            <a:fillRect/>
+          </a:stretch>
+        </p:blipFill>
+        <p:spPr/>
+      </p:pic>
+      <p:sp>
+        <p:nvSpPr>
+          <p:cNvPr id="3" name="Footer Placeholder 2"/>
+          <p:cNvSpPr>
+            <a:spLocks noGrp="1"/>
+          </p:cNvSpPr>
+          <p:nvPr>
+            <p:ph type="ftr" sz="quarter" idx="11"/>
+          </p:nvPr>
+        </p:nvSpPr>
+        <p:spPr/>
+        <p:txBody>
+          <a:bodyPr/>
+          <a:lstStyle/>
+          <a:p>
+            <a:r>
+              <a:rPr lang="en-US" smtClean="0"/>
+              <a:t>(c) ElephantScale.com, 2014</a:t>
+            </a:r>
+            <a:endParaRPr lang="en-US"/>
+          </a:p>
+        </p:txBody>
+      </p:sp>
+      <p:sp>
+        <p:nvSpPr>
+          <p:cNvPr id="4" name="Rectangular Callout 3"/>
+          <p:cNvSpPr/>
+          <p:nvPr/>
+        </p:nvSpPr>
+        <p:spPr>
+          <a:xfrm>
+            <a:off x="4339623" y="6423585"/>
+            <a:ext cx="367213" cy="365125"/>
+          </a:xfrm>
+          <a:prstGeom prst="wedgeRectCallout">
+            <a:avLst/>
+          </a:prstGeom>
+          <a:solidFill>
+            <a:srgbClr val="FEFB31"/>
+          </a:solidFill>
+        </p:spPr>
+        <p:style>
+          <a:lnRef idx="1">
+            <a:schemeClr val="accent1"/>
+          </a:lnRef>
+          <a:fillRef idx="3">
+            <a:schemeClr val="accent1"/>
+          </a:fillRef>
+          <a:effectRef idx="2">
+            <a:schemeClr val="accent1"/>
+          </a:effectRef>
+          <a:fontRef idx="minor">
+            <a:schemeClr val="lt1"/>
+          </a:fontRef>
+        </p:style>
+        <p:txBody>
+          <a:bodyPr rtlCol="0" anchor="ctr"/>
+          <a:lstStyle/>
+          <a:p>
+            <a:pPr algn="ctr"/>
+            <a:endParaRPr lang="en-US"/>
+          </a:p>
+        </p:txBody>
+      </p:sp>
+    </p:spTree>
+    <p:extLst>
+      <p:ext uri="{BB962C8B-B14F-4D97-AF65-F5344CB8AC3E}">
+        <p14:creationId xmlns:p14="http://schemas.microsoft.com/office/powerpoint/2010/main" val="340139299"/>
+      </p:ext>
+    </p:extLst>
+  </p:cSld>
+  <p:clrMapOvr>
+    <a:masterClrMapping/>
+  </p:clrMapOvr>
+  <p:timing>
+    <p:tnLst>
+      <p:par>
+        <p:cTn xmlns:p14="http://schemas.microsoft.com/office/powerpoint/2010/main" id="1" dur="indefinite" restart="never" nodeType="tmRoot"/>
+      </p:par>
+    </p:tnLst>
+  </p:timing>
+</p:sld>
+</file>
+
+<file path=ppt/slides/slide36.xml><?xml version="1.0" encoding="utf-8"?>
+<p:sld xmlns:a="http://schemas.openxmlformats.org/drawingml/2006/main" xmlns:r="http://schemas.openxmlformats.org/officeDocument/2006/relationships" xmlns:p="http://schemas.openxmlformats.org/presentationml/2006/main">
+  <p:cSld>
+    <p:spTree>
+      <p:nvGrpSpPr>
+        <p:cNvPr id="1" name=""/>
+        <p:cNvGrpSpPr/>
+        <p:nvPr/>
+      </p:nvGrpSpPr>
+      <p:grpSpPr>
+        <a:xfrm>
+          <a:off x="0" y="0"/>
+          <a:ext cx="0" cy="0"/>
+          <a:chOff x="0" y="0"/>
+          <a:chExt cx="0" cy="0"/>
+        </a:xfrm>
+      </p:grpSpPr>
+      <p:sp>
+        <p:nvSpPr>
+          <p:cNvPr id="2" name="Title 1"/>
+          <p:cNvSpPr>
+            <a:spLocks noGrp="1"/>
+          </p:cNvSpPr>
+          <p:nvPr>
+            <p:ph type="title"/>
+          </p:nvPr>
+        </p:nvSpPr>
+        <p:spPr/>
+        <p:txBody>
+          <a:bodyPr/>
+          <a:lstStyle/>
+          <a:p>
+            <a:r>
+              <a:rPr lang="en-US" dirty="0" smtClean="0"/>
+              <a:t>Map Reduce Principles</a:t>
+            </a:r>
+            <a:endParaRPr lang="en-US" dirty="0"/>
+          </a:p>
+        </p:txBody>
+      </p:sp>
+      <p:sp>
+        <p:nvSpPr>
+          <p:cNvPr id="3" name="Content Placeholder 2"/>
+          <p:cNvSpPr>
+            <a:spLocks noGrp="1"/>
+          </p:cNvSpPr>
+          <p:nvPr>
+            <p:ph idx="1"/>
+          </p:nvPr>
+        </p:nvSpPr>
+        <p:spPr/>
+        <p:txBody>
+          <a:bodyPr>
+            <a:normAutofit/>
+          </a:bodyPr>
+          <a:lstStyle/>
+          <a:p>
+            <a:r>
+              <a:rPr lang="en-US" dirty="0" smtClean="0"/>
+              <a:t>Jobs are executed in parallel</a:t>
+            </a:r>
+          </a:p>
+          <a:p>
+            <a:pPr lvl="1"/>
+            <a:r>
+              <a:rPr lang="en-US" dirty="0"/>
+              <a:t> </a:t>
+            </a:r>
+            <a:r>
+              <a:rPr lang="en-US" dirty="0" smtClean="0"/>
+              <a:t>one job </a:t>
+            </a:r>
+            <a:r>
+              <a:rPr lang="en-US" dirty="0" smtClean="0">
+                <a:sym typeface="Wingdings"/>
+              </a:rPr>
+              <a:t> multiple tasks</a:t>
+            </a:r>
+            <a:endParaRPr lang="en-US" dirty="0" smtClean="0"/>
+          </a:p>
+          <a:p>
+            <a:r>
+              <a:rPr lang="en-US" dirty="0" smtClean="0"/>
+              <a:t>Each task is independent </a:t>
+            </a:r>
+          </a:p>
+          <a:p>
+            <a:pPr lvl="1"/>
+            <a:r>
+              <a:rPr lang="en-US" dirty="0" smtClean="0"/>
+              <a:t>They can not communicate with each other</a:t>
+            </a:r>
+          </a:p>
+          <a:p>
+            <a:r>
+              <a:rPr lang="en-US" dirty="0" smtClean="0"/>
+              <a:t>Input is split into </a:t>
+            </a:r>
+            <a:r>
+              <a:rPr lang="en-US" dirty="0" smtClean="0"/>
+              <a:t>chunks / partitions</a:t>
+            </a:r>
+            <a:r>
+              <a:rPr lang="en-US" dirty="0" smtClean="0"/>
+              <a:t> </a:t>
+            </a:r>
+            <a:r>
+              <a:rPr lang="en-US" dirty="0" smtClean="0">
+                <a:sym typeface="Wingdings"/>
+              </a:rPr>
+              <a:t> parallelism</a:t>
+            </a:r>
+            <a:endParaRPr lang="en-US" dirty="0" smtClean="0"/>
+          </a:p>
+          <a:p>
+            <a:r>
+              <a:rPr lang="en-US" dirty="0"/>
+              <a:t>MR handles failures</a:t>
+            </a:r>
+          </a:p>
+          <a:p>
+            <a:r>
+              <a:rPr lang="en-US" dirty="0" smtClean="0"/>
+              <a:t>MR </a:t>
+            </a:r>
+            <a:r>
+              <a:rPr lang="en-US" dirty="0" smtClean="0"/>
+              <a:t>jobs have to be side-effects free</a:t>
+            </a:r>
+          </a:p>
+          <a:p>
+            <a:pPr lvl="1"/>
+            <a:r>
+              <a:rPr lang="en-US" dirty="0" smtClean="0"/>
+              <a:t>e.g. incrementing a counter in database is NOT side-effect free</a:t>
+            </a:r>
+          </a:p>
+        </p:txBody>
+      </p:sp>
+      <p:sp>
+        <p:nvSpPr>
+          <p:cNvPr id="4" name="Footer Placeholder 3"/>
+          <p:cNvSpPr>
+            <a:spLocks noGrp="1"/>
+          </p:cNvSpPr>
+          <p:nvPr>
+            <p:ph type="ftr" sz="quarter" idx="11"/>
+          </p:nvPr>
+        </p:nvSpPr>
+        <p:spPr/>
+        <p:txBody>
+          <a:bodyPr/>
+          <a:lstStyle/>
+          <a:p>
+            <a:r>
+              <a:rPr lang="en-US" smtClean="0"/>
+              <a:t>(c) ElephantScale.com, 2014</a:t>
+            </a:r>
+            <a:endParaRPr lang="en-US"/>
+          </a:p>
+        </p:txBody>
+      </p:sp>
+    </p:spTree>
+    <p:extLst>
+      <p:ext uri="{BB962C8B-B14F-4D97-AF65-F5344CB8AC3E}">
+        <p14:creationId xmlns:p14="http://schemas.microsoft.com/office/powerpoint/2010/main" val="3705409564"/>
+      </p:ext>
+    </p:extLst>
+  </p:cSld>
+  <p:clrMapOvr>
+    <a:masterClrMapping/>
+  </p:clrMapOvr>
+  <p:timing>
+    <p:tnLst>
+      <p:par>
+        <p:cTn xmlns:p14="http://schemas.microsoft.com/office/powerpoint/2010/main" id="1" dur="indefinite" restart="never" nodeType="tmRoot"/>
+      </p:par>
+    </p:tnLst>
+  </p:timing>
+</p:sld>
+</file>
+
+<file path=ppt/slides/slide37.xml><?xml version="1.0" encoding="utf-8"?>
+<p:sld xmlns:a="http://schemas.openxmlformats.org/drawingml/2006/main" xmlns:r="http://schemas.openxmlformats.org/officeDocument/2006/relationships" xmlns:p="http://schemas.openxmlformats.org/presentationml/2006/main">
+  <p:cSld>
+    <p:spTree>
+      <p:nvGrpSpPr>
+        <p:cNvPr id="1" name=""/>
+        <p:cNvGrpSpPr/>
+        <p:nvPr/>
+      </p:nvGrpSpPr>
+      <p:grpSpPr>
+        <a:xfrm>
+          <a:off x="0" y="0"/>
+          <a:ext cx="0" cy="0"/>
+          <a:chOff x="0" y="0"/>
+          <a:chExt cx="0" cy="0"/>
+        </a:xfrm>
+      </p:grpSpPr>
+      <p:sp>
+        <p:nvSpPr>
+          <p:cNvPr id="2" name="Title 1"/>
+          <p:cNvSpPr>
+            <a:spLocks noGrp="1"/>
+          </p:cNvSpPr>
+          <p:nvPr>
+            <p:ph type="title"/>
+          </p:nvPr>
+        </p:nvSpPr>
+        <p:spPr/>
+        <p:txBody>
+          <a:bodyPr/>
+          <a:lstStyle/>
+          <a:p>
+            <a:r>
+              <a:rPr lang="en-US" dirty="0" smtClean="0"/>
+              <a:t>Map Reduce Data Flow</a:t>
+            </a:r>
+            <a:endParaRPr lang="en-US" dirty="0"/>
+          </a:p>
+        </p:txBody>
+      </p:sp>
+      <p:sp>
+        <p:nvSpPr>
+          <p:cNvPr id="4" name="Footer Placeholder 3"/>
+          <p:cNvSpPr>
+            <a:spLocks noGrp="1"/>
+          </p:cNvSpPr>
+          <p:nvPr>
+            <p:ph type="ftr" sz="quarter" idx="11"/>
+          </p:nvPr>
+        </p:nvSpPr>
+        <p:spPr/>
+        <p:txBody>
+          <a:bodyPr/>
+          <a:lstStyle/>
+          <a:p>
+            <a:r>
+              <a:rPr lang="en-US" smtClean="0"/>
+              <a:t>© Elephant Scale, 2014</a:t>
+            </a:r>
+            <a:endParaRPr lang="en-US" dirty="0"/>
+          </a:p>
+        </p:txBody>
+      </p:sp>
+      <p:pic>
+        <p:nvPicPr>
+          <p:cNvPr id="7" name="Content Placeholder 6" descr="mapreduce.png"/>
+          <p:cNvPicPr>
+            <a:picLocks noGrp="1" noChangeAspect="1"/>
+          </p:cNvPicPr>
+          <p:nvPr>
+            <p:ph idx="1"/>
+          </p:nvPr>
+        </p:nvPicPr>
+        <p:blipFill>
+          <a:blip r:embed="rId2">
+            <a:extLst>
+              <a:ext uri="{28A0092B-C50C-407E-A947-70E740481C1C}">
+                <a14:useLocalDpi xmlns:a14="http://schemas.microsoft.com/office/drawing/2010/main" val="0"/>
+              </a:ext>
+            </a:extLst>
+          </a:blip>
+          <a:srcRect t="-5728" b="-5728"/>
+          <a:stretch>
+            <a:fillRect/>
+          </a:stretch>
+        </p:blipFill>
+        <p:spPr/>
+      </p:pic>
+    </p:spTree>
+    <p:extLst>
+      <p:ext uri="{BB962C8B-B14F-4D97-AF65-F5344CB8AC3E}">
+        <p14:creationId xmlns:p14="http://schemas.microsoft.com/office/powerpoint/2010/main" val="1390309569"/>
+      </p:ext>
+    </p:extLst>
+  </p:cSld>
+  <p:clrMapOvr>
+    <a:masterClrMapping/>
+  </p:clrMapOvr>
+  <p:timing>
+    <p:tnLst>
+      <p:par>
+        <p:cTn xmlns:p14="http://schemas.microsoft.com/office/powerpoint/2010/main" id="1" dur="indefinite" restart="never" nodeType="tmRoot"/>
+      </p:par>
+    </p:tnLst>
+  </p:timing>
+</p:sld>
+</file>
+
+<file path=ppt/slides/slide38.xml><?xml version="1.0" encoding="utf-8"?>
+<p:sld xmlns:a="http://schemas.openxmlformats.org/drawingml/2006/main" xmlns:r="http://schemas.openxmlformats.org/officeDocument/2006/relationships" xmlns:p="http://schemas.openxmlformats.org/presentationml/2006/main">
+  <p:cSld>
+    <p:spTree>
+      <p:nvGrpSpPr>
+        <p:cNvPr id="1" name=""/>
+        <p:cNvGrpSpPr/>
+        <p:nvPr/>
+      </p:nvGrpSpPr>
+      <p:grpSpPr>
+        <a:xfrm>
+          <a:off x="0" y="0"/>
+          <a:ext cx="0" cy="0"/>
+          <a:chOff x="0" y="0"/>
+          <a:chExt cx="0" cy="0"/>
+        </a:xfrm>
+      </p:grpSpPr>
+      <p:sp>
+        <p:nvSpPr>
+          <p:cNvPr id="2" name="Title 1"/>
+          <p:cNvSpPr>
+            <a:spLocks noGrp="1"/>
+          </p:cNvSpPr>
+          <p:nvPr>
+            <p:ph type="title"/>
+          </p:nvPr>
+        </p:nvSpPr>
+        <p:spPr/>
+        <p:txBody>
+          <a:bodyPr/>
+          <a:lstStyle/>
+          <a:p>
+            <a:r>
+              <a:rPr lang="en-US" dirty="0" smtClean="0"/>
+              <a:t>MapReduce In Spark</a:t>
+            </a:r>
+            <a:endParaRPr lang="en-US" dirty="0"/>
+          </a:p>
+        </p:txBody>
+      </p:sp>
+      <p:sp>
+        <p:nvSpPr>
+          <p:cNvPr id="3" name="Content Placeholder 2"/>
+          <p:cNvSpPr>
+            <a:spLocks noGrp="1"/>
+          </p:cNvSpPr>
+          <p:nvPr>
+            <p:ph idx="1"/>
+          </p:nvPr>
+        </p:nvSpPr>
+        <p:spPr/>
+        <p:txBody>
+          <a:bodyPr/>
+          <a:lstStyle/>
+          <a:p>
+            <a:r>
+              <a:rPr lang="en-US" dirty="0" smtClean="0"/>
+              <a:t>MapReduce was popularized by Hadoop framework</a:t>
+            </a:r>
+          </a:p>
+          <a:p>
+            <a:r>
+              <a:rPr lang="en-US" dirty="0" smtClean="0"/>
+              <a:t>Spark also has built in Map Reduce</a:t>
+            </a:r>
+          </a:p>
+          <a:p>
+            <a:r>
+              <a:rPr lang="en-US" dirty="0" smtClean="0"/>
+              <a:t>Spark Core handles shuffle / sort</a:t>
+            </a:r>
+          </a:p>
+          <a:p>
+            <a:r>
+              <a:rPr lang="en-US" dirty="0" smtClean="0"/>
+              <a:t>Spark’s MR implementation is more efficient than </a:t>
+            </a:r>
+            <a:r>
+              <a:rPr lang="en-US" dirty="0" err="1" smtClean="0"/>
+              <a:t>Hadoop’s</a:t>
+            </a:r>
+            <a:endParaRPr lang="en-US" dirty="0" smtClean="0"/>
+          </a:p>
+          <a:p>
+            <a:pPr lvl="1"/>
+            <a:r>
+              <a:rPr lang="en-US" dirty="0" smtClean="0"/>
+              <a:t>2x – 10x performance  on certain work loads</a:t>
+            </a:r>
+          </a:p>
+          <a:p>
+            <a:r>
+              <a:rPr lang="en-US" dirty="0" smtClean="0"/>
+              <a:t>Spark can process </a:t>
+            </a:r>
+            <a:r>
+              <a:rPr lang="en-US" dirty="0" smtClean="0">
+                <a:solidFill>
+                  <a:schemeClr val="tx2">
+                    <a:lumMod val="50000"/>
+                    <a:lumOff val="50000"/>
+                  </a:schemeClr>
+                </a:solidFill>
+              </a:rPr>
+              <a:t>in-memory </a:t>
+            </a:r>
+            <a:r>
+              <a:rPr lang="en-US" dirty="0" smtClean="0"/>
+              <a:t>data via MapReduce as well</a:t>
+            </a:r>
+          </a:p>
+          <a:p>
+            <a:pPr lvl="1"/>
+            <a:r>
+              <a:rPr lang="en-US" dirty="0" smtClean="0">
+                <a:sym typeface="Wingdings"/>
+              </a:rPr>
+              <a:t> super fast (</a:t>
+            </a:r>
+            <a:r>
+              <a:rPr lang="en-US" dirty="0" err="1" smtClean="0">
+                <a:sym typeface="Wingdings"/>
+              </a:rPr>
+              <a:t>upto</a:t>
+            </a:r>
+            <a:r>
+              <a:rPr lang="en-US" dirty="0" smtClean="0">
+                <a:sym typeface="Wingdings"/>
+              </a:rPr>
+              <a:t> 100x)!</a:t>
+            </a:r>
+            <a:endParaRPr lang="en-US" dirty="0"/>
+          </a:p>
+        </p:txBody>
+      </p:sp>
+      <p:sp>
+        <p:nvSpPr>
+          <p:cNvPr id="4" name="Footer Placeholder 3"/>
+          <p:cNvSpPr>
+            <a:spLocks noGrp="1"/>
+          </p:cNvSpPr>
+          <p:nvPr>
+            <p:ph type="ftr" sz="quarter" idx="11"/>
+          </p:nvPr>
+        </p:nvSpPr>
+        <p:spPr/>
+        <p:txBody>
+          <a:bodyPr/>
+          <a:lstStyle/>
+          <a:p>
+            <a:r>
+              <a:rPr lang="en-US" smtClean="0"/>
+              <a:t>© Elephant Scale, 2014</a:t>
+            </a:r>
+            <a:endParaRPr lang="en-US" dirty="0"/>
+          </a:p>
+        </p:txBody>
+      </p:sp>
+    </p:spTree>
+    <p:extLst>
+      <p:ext uri="{BB962C8B-B14F-4D97-AF65-F5344CB8AC3E}">
+        <p14:creationId xmlns:p14="http://schemas.microsoft.com/office/powerpoint/2010/main" val="2498490045"/>
+      </p:ext>
+    </p:extLst>
+  </p:cSld>
+  <p:clrMapOvr>
+    <a:masterClrMapping/>
+  </p:clrMapOvr>
+  <p:timing>
+    <p:tnLst>
+      <p:par>
+        <p:cTn xmlns:p14="http://schemas.microsoft.com/office/powerpoint/2010/main" id="1" dur="indefinite" restart="never" nodeType="tmRoot"/>
+      </p:par>
+    </p:tnLst>
+  </p:timing>
+</p:sld>
+</file>
+
+<file path=ppt/slides/slide39.xml><?xml version="1.0" encoding="utf-8"?>
+<p:sld xmlns:a="http://schemas.openxmlformats.org/drawingml/2006/main" xmlns:r="http://schemas.openxmlformats.org/officeDocument/2006/relationships" xmlns:p="http://schemas.openxmlformats.org/presentationml/2006/main">
+  <p:cSld>
+    <p:spTree>
+      <p:nvGrpSpPr>
+        <p:cNvPr id="1" name=""/>
+        <p:cNvGrpSpPr/>
+        <p:nvPr/>
+      </p:nvGrpSpPr>
+      <p:grpSpPr>
+        <a:xfrm>
+          <a:off x="0" y="0"/>
+          <a:ext cx="0" cy="0"/>
+          <a:chOff x="0" y="0"/>
+          <a:chExt cx="0" cy="0"/>
+        </a:xfrm>
+      </p:grpSpPr>
+      <p:sp>
+        <p:nvSpPr>
+          <p:cNvPr id="2" name="Title 1"/>
+          <p:cNvSpPr>
+            <a:spLocks noGrp="1"/>
+          </p:cNvSpPr>
+          <p:nvPr>
+            <p:ph type="title"/>
+          </p:nvPr>
+        </p:nvSpPr>
+        <p:spPr/>
+        <p:txBody>
+          <a:bodyPr/>
+          <a:lstStyle/>
+          <a:p>
+            <a:r>
+              <a:rPr lang="en-US" dirty="0" smtClean="0"/>
+              <a:t>MapReduce In Spark / Hadoop</a:t>
             </a:r>
             <a:endParaRPr lang="en-US" dirty="0"/>
           </a:p>
@@ -15546,7 +17344,1871 @@
             <p:ph idx="1"/>
             <p:extLst>
               <p:ext uri="{D42A27DB-BD31-4B8C-83A1-F6EECF244321}">
-                <p14:modId xmlns:p14="http://schemas.microsoft.com/office/powerpoint/2010/main" val="2688991047"/>
+                <p14:modId xmlns:p14="http://schemas.microsoft.com/office/powerpoint/2010/main" val="560577398"/>
+              </p:ext>
+            </p:extLst>
+          </p:nvPr>
+        </p:nvGraphicFramePr>
+        <p:xfrm>
+          <a:off x="498475" y="1981200"/>
+          <a:ext cx="7556499" cy="2570480"/>
+        </p:xfrm>
+        <a:graphic>
+          <a:graphicData uri="http://schemas.openxmlformats.org/drawingml/2006/table">
+            <a:tbl>
+              <a:tblPr firstRow="1" bandRow="1">
+                <a:tableStyleId>{5C22544A-7EE6-4342-B048-85BDC9FD1C3A}</a:tableStyleId>
+              </a:tblPr>
+              <a:tblGrid>
+                <a:gridCol w="2518833"/>
+                <a:gridCol w="2518833"/>
+                <a:gridCol w="2518833"/>
+              </a:tblGrid>
+              <a:tr h="370840">
+                <a:tc>
+                  <a:txBody>
+                    <a:bodyPr/>
+                    <a:lstStyle/>
+                    <a:p>
+                      <a:r>
+                        <a:rPr lang="en-US" dirty="0" smtClean="0"/>
+                        <a:t>MR</a:t>
+                      </a:r>
+                      <a:r>
+                        <a:rPr lang="en-US" baseline="0" dirty="0" smtClean="0"/>
+                        <a:t> Tool</a:t>
+                      </a:r>
+                      <a:endParaRPr lang="en-US" dirty="0"/>
+                    </a:p>
+                  </a:txBody>
+                  <a:tcPr/>
+                </a:tc>
+                <a:tc>
+                  <a:txBody>
+                    <a:bodyPr/>
+                    <a:lstStyle/>
+                    <a:p>
+                      <a:r>
+                        <a:rPr lang="en-US" dirty="0" smtClean="0"/>
+                        <a:t>Hadoop</a:t>
+                      </a:r>
+                      <a:endParaRPr lang="en-US" dirty="0"/>
+                    </a:p>
+                  </a:txBody>
+                  <a:tcPr/>
+                </a:tc>
+                <a:tc>
+                  <a:txBody>
+                    <a:bodyPr/>
+                    <a:lstStyle/>
+                    <a:p>
+                      <a:r>
+                        <a:rPr lang="en-US" dirty="0" smtClean="0"/>
+                        <a:t>Spark</a:t>
+                      </a:r>
+                      <a:endParaRPr lang="en-US" dirty="0"/>
+                    </a:p>
+                  </a:txBody>
+                  <a:tcPr/>
+                </a:tc>
+              </a:tr>
+              <a:tr h="370840">
+                <a:tc>
+                  <a:txBody>
+                    <a:bodyPr/>
+                    <a:lstStyle/>
+                    <a:p>
+                      <a:r>
+                        <a:rPr lang="en-US" dirty="0" smtClean="0"/>
+                        <a:t>Native</a:t>
+                      </a:r>
+                      <a:endParaRPr lang="en-US" dirty="0"/>
+                    </a:p>
+                  </a:txBody>
+                  <a:tcPr/>
+                </a:tc>
+                <a:tc>
+                  <a:txBody>
+                    <a:bodyPr/>
+                    <a:lstStyle/>
+                    <a:p>
+                      <a:r>
+                        <a:rPr lang="en-US" dirty="0" smtClean="0"/>
+                        <a:t>Java MapReduce</a:t>
+                      </a:r>
+                      <a:endParaRPr lang="en-US" dirty="0"/>
+                    </a:p>
+                  </a:txBody>
+                  <a:tcPr/>
+                </a:tc>
+                <a:tc>
+                  <a:txBody>
+                    <a:bodyPr/>
+                    <a:lstStyle/>
+                    <a:p>
+                      <a:r>
+                        <a:rPr lang="en-US" dirty="0" smtClean="0"/>
+                        <a:t>Java / </a:t>
+                      </a:r>
+                      <a:r>
+                        <a:rPr lang="en-US" dirty="0" err="1" smtClean="0"/>
+                        <a:t>Scala</a:t>
+                      </a:r>
+                      <a:r>
+                        <a:rPr lang="en-US" baseline="0" dirty="0" smtClean="0"/>
+                        <a:t> / Python</a:t>
+                      </a:r>
+                      <a:endParaRPr lang="en-US" dirty="0"/>
+                    </a:p>
+                  </a:txBody>
+                  <a:tcPr/>
+                </a:tc>
+              </a:tr>
+              <a:tr h="370840">
+                <a:tc>
+                  <a:txBody>
+                    <a:bodyPr/>
+                    <a:lstStyle/>
+                    <a:p>
+                      <a:r>
+                        <a:rPr lang="en-US" dirty="0" smtClean="0"/>
+                        <a:t>Hive</a:t>
+                      </a:r>
+                      <a:endParaRPr lang="en-US" dirty="0"/>
+                    </a:p>
+                  </a:txBody>
+                  <a:tcPr/>
+                </a:tc>
+                <a:tc>
+                  <a:txBody>
+                    <a:bodyPr/>
+                    <a:lstStyle/>
+                    <a:p>
+                      <a:r>
+                        <a:rPr lang="en-US" dirty="0" smtClean="0"/>
+                        <a:t>Define schemas and query using SQL</a:t>
+                      </a:r>
+                      <a:endParaRPr lang="en-US" dirty="0"/>
+                    </a:p>
+                  </a:txBody>
+                  <a:tcPr/>
+                </a:tc>
+                <a:tc>
+                  <a:txBody>
+                    <a:bodyPr/>
+                    <a:lstStyle/>
+                    <a:p>
+                      <a:r>
+                        <a:rPr lang="en-US" dirty="0" smtClean="0"/>
+                        <a:t>Spark SQL can query any Hive table</a:t>
+                      </a:r>
+                      <a:endParaRPr lang="en-US" dirty="0"/>
+                    </a:p>
+                  </a:txBody>
+                  <a:tcPr/>
+                </a:tc>
+              </a:tr>
+              <a:tr h="370840">
+                <a:tc>
+                  <a:txBody>
+                    <a:bodyPr/>
+                    <a:lstStyle/>
+                    <a:p>
+                      <a:r>
+                        <a:rPr lang="en-US" dirty="0" smtClean="0"/>
+                        <a:t>Pig</a:t>
+                      </a:r>
+                      <a:endParaRPr lang="en-US" dirty="0"/>
+                    </a:p>
+                  </a:txBody>
+                  <a:tcPr/>
+                </a:tc>
+                <a:tc>
+                  <a:txBody>
+                    <a:bodyPr/>
+                    <a:lstStyle/>
+                    <a:p>
+                      <a:r>
+                        <a:rPr lang="en-US" dirty="0" smtClean="0"/>
+                        <a:t>High level data</a:t>
+                      </a:r>
+                      <a:r>
+                        <a:rPr lang="en-US" baseline="0" dirty="0" smtClean="0"/>
+                        <a:t> flow language (Pig Latin).</a:t>
+                      </a:r>
+                    </a:p>
+                    <a:p>
+                      <a:endParaRPr lang="en-US" baseline="0" dirty="0" smtClean="0"/>
+                    </a:p>
+                    <a:p>
+                      <a:r>
+                        <a:rPr lang="en-US" baseline="0" dirty="0" smtClean="0"/>
+                        <a:t>Creates MR code</a:t>
+                      </a:r>
+                      <a:endParaRPr lang="en-US" dirty="0"/>
+                    </a:p>
+                  </a:txBody>
+                  <a:tcPr/>
+                </a:tc>
+                <a:tc>
+                  <a:txBody>
+                    <a:bodyPr/>
+                    <a:lstStyle/>
+                    <a:p>
+                      <a:r>
+                        <a:rPr lang="en-US" dirty="0" smtClean="0"/>
+                        <a:t>Pig can run on Spark</a:t>
+                      </a:r>
+                      <a:r>
+                        <a:rPr lang="en-US" baseline="0" dirty="0" smtClean="0"/>
+                        <a:t> via </a:t>
+                      </a:r>
+                      <a:r>
+                        <a:rPr lang="en-US" baseline="0" dirty="0" err="1" smtClean="0"/>
+                        <a:t>Spork</a:t>
+                      </a:r>
+                      <a:endParaRPr lang="en-US" dirty="0"/>
+                    </a:p>
+                  </a:txBody>
+                  <a:tcPr/>
+                </a:tc>
+              </a:tr>
+            </a:tbl>
+          </a:graphicData>
+        </a:graphic>
+      </p:graphicFrame>
+      <p:sp>
+        <p:nvSpPr>
+          <p:cNvPr id="4" name="Footer Placeholder 3"/>
+          <p:cNvSpPr>
+            <a:spLocks noGrp="1"/>
+          </p:cNvSpPr>
+          <p:nvPr>
+            <p:ph type="ftr" sz="quarter" idx="11"/>
+          </p:nvPr>
+        </p:nvSpPr>
+        <p:spPr/>
+        <p:txBody>
+          <a:bodyPr/>
+          <a:lstStyle/>
+          <a:p>
+            <a:r>
+              <a:rPr lang="en-US" smtClean="0"/>
+              <a:t>© Elephant Scale, 2014</a:t>
+            </a:r>
+            <a:endParaRPr lang="en-US" dirty="0"/>
+          </a:p>
+        </p:txBody>
+      </p:sp>
+    </p:spTree>
+    <p:extLst>
+      <p:ext uri="{BB962C8B-B14F-4D97-AF65-F5344CB8AC3E}">
+        <p14:creationId xmlns:p14="http://schemas.microsoft.com/office/powerpoint/2010/main" val="2928916754"/>
+      </p:ext>
+    </p:extLst>
+  </p:cSld>
+  <p:clrMapOvr>
+    <a:masterClrMapping/>
+  </p:clrMapOvr>
+</p:sld>
+</file>
+
+<file path=ppt/slides/slide4.xml><?xml version="1.0" encoding="utf-8"?>
+<p:sld xmlns:a="http://schemas.openxmlformats.org/drawingml/2006/main" xmlns:r="http://schemas.openxmlformats.org/officeDocument/2006/relationships" xmlns:p="http://schemas.openxmlformats.org/presentationml/2006/main">
+  <p:cSld>
+    <p:spTree>
+      <p:nvGrpSpPr>
+        <p:cNvPr id="1" name=""/>
+        <p:cNvGrpSpPr/>
+        <p:nvPr/>
+      </p:nvGrpSpPr>
+      <p:grpSpPr>
+        <a:xfrm>
+          <a:off x="0" y="0"/>
+          <a:ext cx="0" cy="0"/>
+          <a:chOff x="0" y="0"/>
+          <a:chExt cx="0" cy="0"/>
+        </a:xfrm>
+      </p:grpSpPr>
+      <p:sp>
+        <p:nvSpPr>
+          <p:cNvPr id="2" name="Title 1"/>
+          <p:cNvSpPr>
+            <a:spLocks noGrp="1"/>
+          </p:cNvSpPr>
+          <p:nvPr>
+            <p:ph type="title"/>
+          </p:nvPr>
+        </p:nvSpPr>
+        <p:spPr/>
+        <p:txBody>
+          <a:bodyPr/>
+          <a:lstStyle/>
+          <a:p>
+            <a:r>
+              <a:rPr lang="en-US" dirty="0" smtClean="0"/>
+              <a:t>Spark SQL</a:t>
+            </a:r>
+            <a:endParaRPr lang="en-US" dirty="0"/>
+          </a:p>
+        </p:txBody>
+      </p:sp>
+      <p:sp>
+        <p:nvSpPr>
+          <p:cNvPr id="3" name="Content Placeholder 2"/>
+          <p:cNvSpPr>
+            <a:spLocks noGrp="1"/>
+          </p:cNvSpPr>
+          <p:nvPr>
+            <p:ph idx="1"/>
+          </p:nvPr>
+        </p:nvSpPr>
+        <p:spPr/>
+        <p:txBody>
+          <a:bodyPr>
+            <a:normAutofit lnSpcReduction="10000"/>
+          </a:bodyPr>
+          <a:lstStyle/>
+          <a:p>
+            <a:pPr>
+              <a:defRPr/>
+            </a:pPr>
+            <a:r>
+              <a:rPr lang="en-US" dirty="0" err="1"/>
+              <a:t>Adhoc</a:t>
+            </a:r>
+            <a:r>
+              <a:rPr lang="en-US" dirty="0"/>
+              <a:t> / interactive analytics</a:t>
+            </a:r>
+          </a:p>
+          <a:p>
+            <a:pPr>
+              <a:defRPr/>
+            </a:pPr>
+            <a:r>
+              <a:rPr lang="en-US" dirty="0" smtClean="0"/>
+              <a:t>ETL workflow</a:t>
+            </a:r>
+          </a:p>
+          <a:p>
+            <a:pPr>
+              <a:defRPr/>
+            </a:pPr>
+            <a:r>
+              <a:rPr lang="en-US" dirty="0" smtClean="0"/>
+              <a:t>Reporting</a:t>
+            </a:r>
+          </a:p>
+          <a:p>
+            <a:pPr>
+              <a:defRPr/>
+            </a:pPr>
+            <a:r>
+              <a:rPr lang="en-US" dirty="0" smtClean="0"/>
+              <a:t>Supports </a:t>
+            </a:r>
+            <a:r>
+              <a:rPr lang="en-US" dirty="0" err="1" smtClean="0"/>
+              <a:t>HiveQL</a:t>
+            </a:r>
+            <a:r>
+              <a:rPr lang="en-US" dirty="0" smtClean="0"/>
+              <a:t> (Hive Query Language : A subset of SQL)</a:t>
+            </a:r>
+          </a:p>
+          <a:p>
+            <a:pPr>
+              <a:defRPr/>
+            </a:pPr>
+            <a:r>
+              <a:rPr lang="en-US" dirty="0" smtClean="0"/>
+              <a:t>Natively understands</a:t>
+            </a:r>
+          </a:p>
+          <a:p>
+            <a:pPr lvl="1">
+              <a:defRPr/>
+            </a:pPr>
+            <a:r>
+              <a:rPr lang="en-US" dirty="0" smtClean="0"/>
+              <a:t>CSV :  “mark, 40, M”</a:t>
+            </a:r>
+          </a:p>
+          <a:p>
+            <a:pPr lvl="1">
+              <a:defRPr/>
+            </a:pPr>
+            <a:r>
+              <a:rPr lang="en-US" dirty="0" smtClean="0"/>
+              <a:t>JSON : {“name”: “mark”, “age”: 40}</a:t>
+            </a:r>
+          </a:p>
+          <a:p>
+            <a:pPr lvl="1">
+              <a:defRPr/>
+            </a:pPr>
+            <a:r>
+              <a:rPr lang="en-US" dirty="0" smtClean="0"/>
+              <a:t>Parquet : on disk </a:t>
+            </a:r>
+            <a:r>
+              <a:rPr lang="en-US" dirty="0" smtClean="0">
+                <a:solidFill>
+                  <a:srgbClr val="3366FF"/>
+                </a:solidFill>
+              </a:rPr>
+              <a:t>columnar </a:t>
+            </a:r>
+            <a:r>
+              <a:rPr lang="en-US" dirty="0" smtClean="0"/>
+              <a:t>format, heavily compressed</a:t>
+            </a:r>
+          </a:p>
+          <a:p>
+            <a:pPr>
+              <a:defRPr/>
+            </a:pPr>
+            <a:r>
+              <a:rPr lang="en-US" dirty="0" smtClean="0"/>
+              <a:t>Replaces Shark (earlier SQL engine on Spark)</a:t>
+            </a:r>
+          </a:p>
+          <a:p>
+            <a:pPr marL="0" indent="0">
+              <a:buFont typeface="Wingdings" charset="0"/>
+              <a:buNone/>
+              <a:defRPr/>
+            </a:pPr>
+            <a:endParaRPr lang="en-US" dirty="0" smtClean="0"/>
+          </a:p>
+          <a:p>
+            <a:endParaRPr lang="en-US" dirty="0"/>
+          </a:p>
+        </p:txBody>
+      </p:sp>
+      <p:sp>
+        <p:nvSpPr>
+          <p:cNvPr id="4" name="Footer Placeholder 3"/>
+          <p:cNvSpPr>
+            <a:spLocks noGrp="1"/>
+          </p:cNvSpPr>
+          <p:nvPr>
+            <p:ph type="ftr" sz="quarter" idx="11"/>
+          </p:nvPr>
+        </p:nvSpPr>
+        <p:spPr/>
+        <p:txBody>
+          <a:bodyPr/>
+          <a:lstStyle/>
+          <a:p>
+            <a:r>
+              <a:rPr lang="en-US" smtClean="0"/>
+              <a:t>© Elephant Scale, 2014</a:t>
+            </a:r>
+            <a:endParaRPr lang="en-US" dirty="0"/>
+          </a:p>
+        </p:txBody>
+      </p:sp>
+    </p:spTree>
+    <p:extLst>
+      <p:ext uri="{BB962C8B-B14F-4D97-AF65-F5344CB8AC3E}">
+        <p14:creationId xmlns:p14="http://schemas.microsoft.com/office/powerpoint/2010/main" val="3774429828"/>
+      </p:ext>
+    </p:extLst>
+  </p:cSld>
+  <p:clrMapOvr>
+    <a:masterClrMapping/>
+  </p:clrMapOvr>
+</p:sld>
+</file>
+
+<file path=ppt/slides/slide40.xml><?xml version="1.0" encoding="utf-8"?>
+<p:sld xmlns:a="http://schemas.openxmlformats.org/drawingml/2006/main" xmlns:r="http://schemas.openxmlformats.org/officeDocument/2006/relationships" xmlns:p="http://schemas.openxmlformats.org/presentationml/2006/main">
+  <p:cSld>
+    <p:spTree>
+      <p:nvGrpSpPr>
+        <p:cNvPr id="1" name=""/>
+        <p:cNvGrpSpPr/>
+        <p:nvPr/>
+      </p:nvGrpSpPr>
+      <p:grpSpPr>
+        <a:xfrm>
+          <a:off x="0" y="0"/>
+          <a:ext cx="0" cy="0"/>
+          <a:chOff x="0" y="0"/>
+          <a:chExt cx="0" cy="0"/>
+        </a:xfrm>
+      </p:grpSpPr>
+      <p:sp>
+        <p:nvSpPr>
+          <p:cNvPr id="2" name="Title 1"/>
+          <p:cNvSpPr>
+            <a:spLocks noGrp="1"/>
+          </p:cNvSpPr>
+          <p:nvPr>
+            <p:ph type="title"/>
+          </p:nvPr>
+        </p:nvSpPr>
+        <p:spPr/>
+        <p:txBody>
+          <a:bodyPr/>
+          <a:lstStyle/>
+          <a:p>
+            <a:r>
+              <a:rPr lang="en-US" dirty="0" smtClean="0"/>
+              <a:t>MapReduce Functions </a:t>
+            </a:r>
+            <a:r>
+              <a:rPr lang="en-US" dirty="0" smtClean="0"/>
+              <a:t>: map / </a:t>
+            </a:r>
+            <a:r>
+              <a:rPr lang="en-US" dirty="0" err="1" smtClean="0"/>
+              <a:t>flatMap</a:t>
+            </a:r>
+            <a:endParaRPr lang="en-US" dirty="0"/>
+          </a:p>
+        </p:txBody>
+      </p:sp>
+      <p:sp>
+        <p:nvSpPr>
+          <p:cNvPr id="3" name="Content Placeholder 2"/>
+          <p:cNvSpPr>
+            <a:spLocks noGrp="1"/>
+          </p:cNvSpPr>
+          <p:nvPr>
+            <p:ph idx="1"/>
+          </p:nvPr>
+        </p:nvSpPr>
+        <p:spPr/>
+        <p:txBody>
+          <a:bodyPr/>
+          <a:lstStyle/>
+          <a:p>
+            <a:r>
+              <a:rPr lang="en-US" dirty="0" smtClean="0"/>
+              <a:t>One </a:t>
+            </a:r>
+            <a:r>
+              <a:rPr lang="en-US" dirty="0" smtClean="0"/>
+              <a:t>input </a:t>
+            </a:r>
+            <a:r>
+              <a:rPr lang="en-US" dirty="0" smtClean="0">
+                <a:sym typeface="Wingdings"/>
+              </a:rPr>
+              <a:t> map()   one output     ( 1  1 )</a:t>
+            </a:r>
+          </a:p>
+          <a:p>
+            <a:r>
+              <a:rPr lang="en-US" dirty="0" smtClean="0">
+                <a:sym typeface="Wingdings"/>
+              </a:rPr>
+              <a:t>One input  </a:t>
+            </a:r>
+            <a:r>
+              <a:rPr lang="en-US" dirty="0" err="1" smtClean="0">
+                <a:sym typeface="Wingdings"/>
+              </a:rPr>
+              <a:t>flatap</a:t>
+            </a:r>
+            <a:r>
+              <a:rPr lang="en-US" dirty="0" smtClean="0">
+                <a:sym typeface="Wingdings"/>
+              </a:rPr>
+              <a:t>()  multiple elements  ( 1  N</a:t>
+            </a:r>
+            <a:r>
+              <a:rPr lang="en-US" dirty="0" smtClean="0">
+                <a:sym typeface="Wingdings"/>
+              </a:rPr>
+              <a:t>)</a:t>
+            </a:r>
+          </a:p>
+          <a:p>
+            <a:pPr marL="0" indent="0">
+              <a:buNone/>
+            </a:pPr>
+            <a:r>
+              <a:rPr lang="en-US" dirty="0" smtClean="0">
+                <a:sym typeface="Wingdings"/>
+              </a:rPr>
+              <a:t>Input is a line : </a:t>
+            </a:r>
+            <a:br>
+              <a:rPr lang="en-US" dirty="0" smtClean="0">
+                <a:sym typeface="Wingdings"/>
+              </a:rPr>
+            </a:br>
+            <a:r>
+              <a:rPr lang="en-US" dirty="0" smtClean="0">
+                <a:sym typeface="Wingdings"/>
+              </a:rPr>
+              <a:t>	</a:t>
+            </a:r>
+            <a:r>
+              <a:rPr lang="en-US" dirty="0" smtClean="0">
+                <a:latin typeface="Andale Mono"/>
+                <a:cs typeface="Andale Mono"/>
+                <a:sym typeface="Wingdings"/>
+              </a:rPr>
+              <a:t>“twinkle twinkle little star”</a:t>
+            </a:r>
+            <a:br>
+              <a:rPr lang="en-US" dirty="0" smtClean="0">
+                <a:latin typeface="Andale Mono"/>
+                <a:cs typeface="Andale Mono"/>
+                <a:sym typeface="Wingdings"/>
+              </a:rPr>
+            </a:br>
+            <a:r>
+              <a:rPr lang="en-US" dirty="0" smtClean="0">
+                <a:latin typeface="Andale Mono"/>
+                <a:cs typeface="Andale Mono"/>
+                <a:sym typeface="Wingdings"/>
+              </a:rPr>
+              <a:t>	“How I wonder what you are”</a:t>
+            </a:r>
+          </a:p>
+          <a:p>
+            <a:pPr marL="0" indent="0">
+              <a:buNone/>
+            </a:pPr>
+            <a:r>
+              <a:rPr lang="en-US" dirty="0">
+                <a:latin typeface="Andale Mono"/>
+                <a:cs typeface="Andale Mono"/>
+                <a:sym typeface="Wingdings"/>
+              </a:rPr>
+              <a:t>m</a:t>
+            </a:r>
+            <a:r>
+              <a:rPr lang="en-US" dirty="0" smtClean="0">
+                <a:latin typeface="Andale Mono"/>
+                <a:cs typeface="Andale Mono"/>
+                <a:sym typeface="Wingdings"/>
+              </a:rPr>
+              <a:t>ap(line -&gt; </a:t>
+            </a:r>
+            <a:r>
+              <a:rPr lang="en-US" dirty="0" err="1" smtClean="0">
+                <a:latin typeface="Andale Mono"/>
+                <a:cs typeface="Andale Mono"/>
+                <a:sym typeface="Wingdings"/>
+              </a:rPr>
+              <a:t>line.length</a:t>
+            </a:r>
+            <a:r>
+              <a:rPr lang="en-US" dirty="0" smtClean="0">
+                <a:latin typeface="Andale Mono"/>
+                <a:cs typeface="Andale Mono"/>
+                <a:sym typeface="Wingdings"/>
+              </a:rPr>
+              <a:t>)  </a:t>
+            </a:r>
+            <a:r>
+              <a:rPr lang="en-US" dirty="0">
+                <a:latin typeface="Andale Mono"/>
+                <a:cs typeface="Andale Mono"/>
+                <a:sym typeface="Wingdings"/>
+              </a:rPr>
+              <a:t/>
+            </a:r>
+            <a:br>
+              <a:rPr lang="en-US" dirty="0">
+                <a:latin typeface="Andale Mono"/>
+                <a:cs typeface="Andale Mono"/>
+                <a:sym typeface="Wingdings"/>
+              </a:rPr>
+            </a:br>
+            <a:r>
+              <a:rPr lang="en-US" dirty="0">
+                <a:latin typeface="Andale Mono"/>
+                <a:cs typeface="Andale Mono"/>
+                <a:sym typeface="Wingdings"/>
+              </a:rPr>
+              <a:t>	“twinkle twinkle little star</a:t>
+            </a:r>
+            <a:r>
+              <a:rPr lang="en-US" dirty="0" smtClean="0">
+                <a:latin typeface="Andale Mono"/>
+                <a:cs typeface="Andale Mono"/>
+                <a:sym typeface="Wingdings"/>
+              </a:rPr>
+              <a:t>”   27</a:t>
+            </a:r>
+            <a:br>
+              <a:rPr lang="en-US" dirty="0" smtClean="0">
+                <a:latin typeface="Andale Mono"/>
+                <a:cs typeface="Andale Mono"/>
+                <a:sym typeface="Wingdings"/>
+              </a:rPr>
+            </a:br>
+            <a:r>
+              <a:rPr lang="en-US" dirty="0">
+                <a:latin typeface="Andale Mono"/>
+                <a:cs typeface="Andale Mono"/>
+                <a:sym typeface="Wingdings"/>
+              </a:rPr>
+              <a:t>	“How I wonder what you are</a:t>
+            </a:r>
+            <a:r>
+              <a:rPr lang="en-US" dirty="0" smtClean="0">
+                <a:latin typeface="Andale Mono"/>
+                <a:cs typeface="Andale Mono"/>
+                <a:sym typeface="Wingdings"/>
+              </a:rPr>
+              <a:t>”  25</a:t>
+            </a:r>
+            <a:endParaRPr lang="en-US" dirty="0" smtClean="0">
+              <a:latin typeface="Andale Mono"/>
+              <a:cs typeface="Andale Mono"/>
+              <a:sym typeface="Wingdings"/>
+            </a:endParaRPr>
+          </a:p>
+        </p:txBody>
+      </p:sp>
+      <p:sp>
+        <p:nvSpPr>
+          <p:cNvPr id="4" name="Footer Placeholder 3"/>
+          <p:cNvSpPr>
+            <a:spLocks noGrp="1"/>
+          </p:cNvSpPr>
+          <p:nvPr>
+            <p:ph type="ftr" sz="quarter" idx="11"/>
+          </p:nvPr>
+        </p:nvSpPr>
+        <p:spPr/>
+        <p:txBody>
+          <a:bodyPr/>
+          <a:lstStyle/>
+          <a:p>
+            <a:r>
+              <a:rPr lang="en-US" smtClean="0"/>
+              <a:t>© Elephant Scale, 2014</a:t>
+            </a:r>
+            <a:endParaRPr lang="en-US" dirty="0"/>
+          </a:p>
+        </p:txBody>
+      </p:sp>
+      <p:sp>
+        <p:nvSpPr>
+          <p:cNvPr id="5" name="Rounded Rectangular Callout 4"/>
+          <p:cNvSpPr/>
+          <p:nvPr/>
+        </p:nvSpPr>
+        <p:spPr>
+          <a:xfrm>
+            <a:off x="5965570" y="4258791"/>
+            <a:ext cx="1372723" cy="731178"/>
+          </a:xfrm>
+          <a:prstGeom prst="wedgeRoundRectCallout">
+            <a:avLst>
+              <a:gd name="adj1" fmla="val -75973"/>
+              <a:gd name="adj2" fmla="val 37939"/>
+              <a:gd name="adj3" fmla="val 16667"/>
+            </a:avLst>
+          </a:prstGeom>
+          <a:solidFill>
+            <a:schemeClr val="accent6">
+              <a:lumMod val="40000"/>
+              <a:lumOff val="60000"/>
+            </a:schemeClr>
+          </a:solidFill>
+        </p:spPr>
+        <p:style>
+          <a:lnRef idx="1">
+            <a:schemeClr val="accent1"/>
+          </a:lnRef>
+          <a:fillRef idx="3">
+            <a:schemeClr val="accent1"/>
+          </a:fillRef>
+          <a:effectRef idx="2">
+            <a:schemeClr val="accent1"/>
+          </a:effectRef>
+          <a:fontRef idx="minor">
+            <a:schemeClr val="lt1"/>
+          </a:fontRef>
+        </p:style>
+        <p:txBody>
+          <a:bodyPr rtlCol="0" anchor="ctr"/>
+          <a:lstStyle/>
+          <a:p>
+            <a:pPr algn="ctr"/>
+            <a:r>
+              <a:rPr lang="en-US" dirty="0" smtClean="0">
+                <a:solidFill>
+                  <a:schemeClr val="tx1"/>
+                </a:solidFill>
+              </a:rPr>
+              <a:t>1 – 1 mapping</a:t>
+            </a:r>
+            <a:endParaRPr lang="en-US" dirty="0">
+              <a:solidFill>
+                <a:schemeClr val="tx1"/>
+              </a:solidFill>
+            </a:endParaRPr>
+          </a:p>
+        </p:txBody>
+      </p:sp>
+    </p:spTree>
+    <p:extLst>
+      <p:ext uri="{BB962C8B-B14F-4D97-AF65-F5344CB8AC3E}">
+        <p14:creationId xmlns:p14="http://schemas.microsoft.com/office/powerpoint/2010/main" val="2802345497"/>
+      </p:ext>
+    </p:extLst>
+  </p:cSld>
+  <p:clrMapOvr>
+    <a:masterClrMapping/>
+  </p:clrMapOvr>
+</p:sld>
+</file>
+
+<file path=ppt/slides/slide41.xml><?xml version="1.0" encoding="utf-8"?>
+<p:sld xmlns:a="http://schemas.openxmlformats.org/drawingml/2006/main" xmlns:r="http://schemas.openxmlformats.org/officeDocument/2006/relationships" xmlns:p="http://schemas.openxmlformats.org/presentationml/2006/main">
+  <p:cSld>
+    <p:spTree>
+      <p:nvGrpSpPr>
+        <p:cNvPr id="1" name=""/>
+        <p:cNvGrpSpPr/>
+        <p:nvPr/>
+      </p:nvGrpSpPr>
+      <p:grpSpPr>
+        <a:xfrm>
+          <a:off x="0" y="0"/>
+          <a:ext cx="0" cy="0"/>
+          <a:chOff x="0" y="0"/>
+          <a:chExt cx="0" cy="0"/>
+        </a:xfrm>
+      </p:grpSpPr>
+      <p:sp>
+        <p:nvSpPr>
+          <p:cNvPr id="2" name="Title 1"/>
+          <p:cNvSpPr>
+            <a:spLocks noGrp="1"/>
+          </p:cNvSpPr>
+          <p:nvPr>
+            <p:ph type="title"/>
+          </p:nvPr>
+        </p:nvSpPr>
+        <p:spPr/>
+        <p:txBody>
+          <a:bodyPr/>
+          <a:lstStyle/>
+          <a:p>
+            <a:r>
+              <a:rPr lang="en-US" dirty="0" smtClean="0"/>
+              <a:t>Map  / </a:t>
+            </a:r>
+            <a:r>
+              <a:rPr lang="en-US" dirty="0" err="1" smtClean="0"/>
+              <a:t>FlatMap</a:t>
+            </a:r>
+            <a:endParaRPr lang="en-US" dirty="0"/>
+          </a:p>
+        </p:txBody>
+      </p:sp>
+      <p:sp>
+        <p:nvSpPr>
+          <p:cNvPr id="3" name="Content Placeholder 2"/>
+          <p:cNvSpPr>
+            <a:spLocks noGrp="1"/>
+          </p:cNvSpPr>
+          <p:nvPr>
+            <p:ph idx="1"/>
+          </p:nvPr>
+        </p:nvSpPr>
+        <p:spPr/>
+        <p:txBody>
+          <a:bodyPr/>
+          <a:lstStyle/>
+          <a:p>
+            <a:pPr marL="0" indent="0">
+              <a:buNone/>
+            </a:pPr>
+            <a:r>
+              <a:rPr lang="en-US" dirty="0">
+                <a:latin typeface="Andale Mono"/>
+                <a:cs typeface="Andale Mono"/>
+                <a:sym typeface="Wingdings"/>
+              </a:rPr>
+              <a:t>Input is a line : </a:t>
+            </a:r>
+            <a:br>
+              <a:rPr lang="en-US" dirty="0">
+                <a:latin typeface="Andale Mono"/>
+                <a:cs typeface="Andale Mono"/>
+                <a:sym typeface="Wingdings"/>
+              </a:rPr>
+            </a:br>
+            <a:r>
+              <a:rPr lang="en-US" dirty="0">
+                <a:latin typeface="Andale Mono"/>
+                <a:cs typeface="Andale Mono"/>
+                <a:sym typeface="Wingdings"/>
+              </a:rPr>
+              <a:t>	“twinkle twinkle little star”</a:t>
+            </a:r>
+            <a:br>
+              <a:rPr lang="en-US" dirty="0">
+                <a:latin typeface="Andale Mono"/>
+                <a:cs typeface="Andale Mono"/>
+                <a:sym typeface="Wingdings"/>
+              </a:rPr>
+            </a:br>
+            <a:r>
+              <a:rPr lang="en-US" dirty="0">
+                <a:latin typeface="Andale Mono"/>
+                <a:cs typeface="Andale Mono"/>
+                <a:sym typeface="Wingdings"/>
+              </a:rPr>
+              <a:t>	“How I wonder what you are”</a:t>
+            </a:r>
+          </a:p>
+          <a:p>
+            <a:pPr marL="0" indent="0">
+              <a:buNone/>
+            </a:pPr>
+            <a:r>
+              <a:rPr lang="en-US" dirty="0" err="1" smtClean="0">
+                <a:latin typeface="Andale Mono"/>
+                <a:cs typeface="Andale Mono"/>
+                <a:sym typeface="Wingdings"/>
+              </a:rPr>
+              <a:t>flatMap</a:t>
+            </a:r>
+            <a:r>
+              <a:rPr lang="en-US" dirty="0">
+                <a:latin typeface="Andale Mono"/>
+                <a:cs typeface="Andale Mono"/>
+                <a:sym typeface="Wingdings"/>
+              </a:rPr>
+              <a:t>(line -&gt; </a:t>
+            </a:r>
+            <a:r>
+              <a:rPr lang="en-US" dirty="0" err="1" smtClean="0">
+                <a:latin typeface="Andale Mono"/>
+                <a:cs typeface="Andale Mono"/>
+                <a:sym typeface="Wingdings"/>
+              </a:rPr>
+              <a:t>line.split</a:t>
+            </a:r>
+            <a:r>
+              <a:rPr lang="en-US" dirty="0" smtClean="0">
+                <a:latin typeface="Andale Mono"/>
+                <a:cs typeface="Andale Mono"/>
+                <a:sym typeface="Wingdings"/>
+              </a:rPr>
+              <a:t>(“,”))  </a:t>
+            </a:r>
+            <a:br>
+              <a:rPr lang="en-US" dirty="0" smtClean="0">
+                <a:latin typeface="Andale Mono"/>
+                <a:cs typeface="Andale Mono"/>
+                <a:sym typeface="Wingdings"/>
+              </a:rPr>
+            </a:br>
+            <a:r>
+              <a:rPr lang="en-US" dirty="0">
+                <a:latin typeface="Andale Mono"/>
+                <a:cs typeface="Andale Mono"/>
+                <a:sym typeface="Wingdings"/>
+              </a:rPr>
+              <a:t/>
+            </a:r>
+            <a:br>
+              <a:rPr lang="en-US" dirty="0">
+                <a:latin typeface="Andale Mono"/>
+                <a:cs typeface="Andale Mono"/>
+                <a:sym typeface="Wingdings"/>
+              </a:rPr>
+            </a:br>
+            <a:r>
+              <a:rPr lang="en-US" dirty="0" smtClean="0">
+                <a:latin typeface="Andale Mono"/>
+                <a:cs typeface="Andale Mono"/>
+                <a:sym typeface="Wingdings"/>
+              </a:rPr>
+              <a:t>“</a:t>
+            </a:r>
+            <a:r>
+              <a:rPr lang="en-US" dirty="0">
+                <a:latin typeface="Andale Mono"/>
+                <a:cs typeface="Andale Mono"/>
+                <a:sym typeface="Wingdings"/>
+              </a:rPr>
+              <a:t>twinkle twinkle little star”   </a:t>
+            </a:r>
+            <a:br>
+              <a:rPr lang="en-US" dirty="0">
+                <a:latin typeface="Andale Mono"/>
+                <a:cs typeface="Andale Mono"/>
+                <a:sym typeface="Wingdings"/>
+              </a:rPr>
+            </a:br>
+            <a:r>
+              <a:rPr lang="en-US" dirty="0" smtClean="0">
+                <a:latin typeface="Andale Mono"/>
+                <a:cs typeface="Andale Mono"/>
+                <a:sym typeface="Wingdings"/>
+              </a:rPr>
+              <a:t>	[twinkle, twinkle, little , star ]</a:t>
+            </a:r>
+          </a:p>
+          <a:p>
+            <a:pPr marL="0" indent="0">
+              <a:buNone/>
+            </a:pPr>
+            <a:r>
+              <a:rPr lang="en-US" dirty="0">
+                <a:latin typeface="Andale Mono"/>
+                <a:cs typeface="Andale Mono"/>
+                <a:sym typeface="Wingdings"/>
+              </a:rPr>
+              <a:t/>
+            </a:r>
+            <a:br>
+              <a:rPr lang="en-US" dirty="0">
+                <a:latin typeface="Andale Mono"/>
+                <a:cs typeface="Andale Mono"/>
+                <a:sym typeface="Wingdings"/>
+              </a:rPr>
+            </a:br>
+            <a:r>
+              <a:rPr lang="en-US" dirty="0" smtClean="0">
+                <a:latin typeface="Andale Mono"/>
+                <a:cs typeface="Andale Mono"/>
+                <a:sym typeface="Wingdings"/>
+              </a:rPr>
+              <a:t>“</a:t>
+            </a:r>
+            <a:r>
+              <a:rPr lang="en-US" dirty="0">
+                <a:latin typeface="Andale Mono"/>
+                <a:cs typeface="Andale Mono"/>
+                <a:sym typeface="Wingdings"/>
+              </a:rPr>
+              <a:t>How I wonder what you are”  </a:t>
+            </a:r>
+            <a:r>
+              <a:rPr lang="en-US" dirty="0" smtClean="0">
+                <a:latin typeface="Andale Mono"/>
+                <a:cs typeface="Andale Mono"/>
+                <a:sym typeface="Wingdings"/>
+              </a:rPr>
+              <a:t/>
+            </a:r>
+            <a:br>
+              <a:rPr lang="en-US" dirty="0" smtClean="0">
+                <a:latin typeface="Andale Mono"/>
+                <a:cs typeface="Andale Mono"/>
+                <a:sym typeface="Wingdings"/>
+              </a:rPr>
+            </a:br>
+            <a:r>
+              <a:rPr lang="en-US" dirty="0" smtClean="0">
+                <a:latin typeface="Andale Mono"/>
+                <a:cs typeface="Andale Mono"/>
+                <a:sym typeface="Wingdings"/>
+              </a:rPr>
+              <a:t>	[how,  I ,  wonder,   what, you , are ]</a:t>
+            </a:r>
+            <a:endParaRPr lang="en-US" dirty="0">
+              <a:latin typeface="Andale Mono"/>
+              <a:cs typeface="Andale Mono"/>
+              <a:sym typeface="Wingdings"/>
+            </a:endParaRPr>
+          </a:p>
+          <a:p>
+            <a:pPr marL="0" indent="0">
+              <a:buNone/>
+            </a:pPr>
+            <a:endParaRPr lang="en-US" dirty="0">
+              <a:latin typeface="Andale Mono"/>
+              <a:cs typeface="Andale Mono"/>
+            </a:endParaRPr>
+          </a:p>
+        </p:txBody>
+      </p:sp>
+      <p:sp>
+        <p:nvSpPr>
+          <p:cNvPr id="4" name="Footer Placeholder 3"/>
+          <p:cNvSpPr>
+            <a:spLocks noGrp="1"/>
+          </p:cNvSpPr>
+          <p:nvPr>
+            <p:ph type="ftr" sz="quarter" idx="11"/>
+          </p:nvPr>
+        </p:nvSpPr>
+        <p:spPr/>
+        <p:txBody>
+          <a:bodyPr/>
+          <a:lstStyle/>
+          <a:p>
+            <a:r>
+              <a:rPr lang="en-US" smtClean="0"/>
+              <a:t>© Elephant Scale, 2014</a:t>
+            </a:r>
+            <a:endParaRPr lang="en-US" dirty="0"/>
+          </a:p>
+        </p:txBody>
+      </p:sp>
+      <p:sp>
+        <p:nvSpPr>
+          <p:cNvPr id="5" name="Rounded Rectangular Callout 4"/>
+          <p:cNvSpPr/>
+          <p:nvPr/>
+        </p:nvSpPr>
+        <p:spPr>
+          <a:xfrm>
+            <a:off x="6530054" y="3322370"/>
+            <a:ext cx="1372723" cy="731178"/>
+          </a:xfrm>
+          <a:prstGeom prst="wedgeRoundRectCallout">
+            <a:avLst>
+              <a:gd name="adj1" fmla="val -75973"/>
+              <a:gd name="adj2" fmla="val 37939"/>
+              <a:gd name="adj3" fmla="val 16667"/>
+            </a:avLst>
+          </a:prstGeom>
+          <a:solidFill>
+            <a:schemeClr val="accent6">
+              <a:lumMod val="40000"/>
+              <a:lumOff val="60000"/>
+            </a:schemeClr>
+          </a:solidFill>
+        </p:spPr>
+        <p:style>
+          <a:lnRef idx="1">
+            <a:schemeClr val="accent1"/>
+          </a:lnRef>
+          <a:fillRef idx="3">
+            <a:schemeClr val="accent1"/>
+          </a:fillRef>
+          <a:effectRef idx="2">
+            <a:schemeClr val="accent1"/>
+          </a:effectRef>
+          <a:fontRef idx="minor">
+            <a:schemeClr val="lt1"/>
+          </a:fontRef>
+        </p:style>
+        <p:txBody>
+          <a:bodyPr rtlCol="0" anchor="ctr"/>
+          <a:lstStyle/>
+          <a:p>
+            <a:pPr algn="ctr"/>
+            <a:r>
+              <a:rPr lang="en-US" dirty="0" smtClean="0">
+                <a:solidFill>
+                  <a:schemeClr val="tx1"/>
+                </a:solidFill>
+              </a:rPr>
+              <a:t>1 – many mapping</a:t>
+            </a:r>
+            <a:endParaRPr lang="en-US" dirty="0">
+              <a:solidFill>
+                <a:schemeClr val="tx1"/>
+              </a:solidFill>
+            </a:endParaRPr>
+          </a:p>
+        </p:txBody>
+      </p:sp>
+    </p:spTree>
+    <p:extLst>
+      <p:ext uri="{BB962C8B-B14F-4D97-AF65-F5344CB8AC3E}">
+        <p14:creationId xmlns:p14="http://schemas.microsoft.com/office/powerpoint/2010/main" val="3359691162"/>
+      </p:ext>
+    </p:extLst>
+  </p:cSld>
+  <p:clrMapOvr>
+    <a:masterClrMapping/>
+  </p:clrMapOvr>
+</p:sld>
+</file>
+
+<file path=ppt/slides/slide42.xml><?xml version="1.0" encoding="utf-8"?>
+<p:sld xmlns:a="http://schemas.openxmlformats.org/drawingml/2006/main" xmlns:r="http://schemas.openxmlformats.org/officeDocument/2006/relationships" xmlns:p="http://schemas.openxmlformats.org/presentationml/2006/main">
+  <p:cSld>
+    <p:spTree>
+      <p:nvGrpSpPr>
+        <p:cNvPr id="1" name=""/>
+        <p:cNvGrpSpPr/>
+        <p:nvPr/>
+      </p:nvGrpSpPr>
+      <p:grpSpPr>
+        <a:xfrm>
+          <a:off x="0" y="0"/>
+          <a:ext cx="0" cy="0"/>
+          <a:chOff x="0" y="0"/>
+          <a:chExt cx="0" cy="0"/>
+        </a:xfrm>
+      </p:grpSpPr>
+      <p:sp>
+        <p:nvSpPr>
+          <p:cNvPr id="2" name="Title 1"/>
+          <p:cNvSpPr>
+            <a:spLocks noGrp="1"/>
+          </p:cNvSpPr>
+          <p:nvPr>
+            <p:ph type="title"/>
+          </p:nvPr>
+        </p:nvSpPr>
+        <p:spPr/>
+        <p:txBody>
+          <a:bodyPr/>
+          <a:lstStyle/>
+          <a:p>
+            <a:r>
+              <a:rPr lang="en-US" dirty="0" smtClean="0"/>
+              <a:t>Map </a:t>
+            </a:r>
+            <a:r>
+              <a:rPr lang="en-US" dirty="0" err="1" smtClean="0"/>
+              <a:t>vs</a:t>
+            </a:r>
+            <a:r>
+              <a:rPr lang="en-US" dirty="0" smtClean="0"/>
+              <a:t> </a:t>
+            </a:r>
+            <a:r>
+              <a:rPr lang="en-US" dirty="0" err="1" smtClean="0"/>
+              <a:t>Flatmap</a:t>
+            </a:r>
+            <a:r>
+              <a:rPr lang="en-US" dirty="0" smtClean="0"/>
+              <a:t> Example</a:t>
+            </a:r>
+            <a:endParaRPr lang="en-US" dirty="0"/>
+          </a:p>
+        </p:txBody>
+      </p:sp>
+      <p:sp>
+        <p:nvSpPr>
+          <p:cNvPr id="3" name="Content Placeholder 2"/>
+          <p:cNvSpPr>
+            <a:spLocks noGrp="1"/>
+          </p:cNvSpPr>
+          <p:nvPr>
+            <p:ph idx="1"/>
+          </p:nvPr>
+        </p:nvSpPr>
+        <p:spPr/>
+        <p:txBody>
+          <a:bodyPr>
+            <a:normAutofit/>
+          </a:bodyPr>
+          <a:lstStyle/>
+          <a:p>
+            <a:pPr marL="0" indent="0">
+              <a:buNone/>
+            </a:pPr>
+            <a:r>
+              <a:rPr lang="en-US" dirty="0" err="1">
+                <a:latin typeface="Andale Mono"/>
+                <a:cs typeface="Andale Mono"/>
+              </a:rPr>
+              <a:t>val</a:t>
+            </a:r>
+            <a:r>
+              <a:rPr lang="en-US" dirty="0">
+                <a:latin typeface="Andale Mono"/>
+                <a:cs typeface="Andale Mono"/>
+              </a:rPr>
+              <a:t> input = Array ("hello world", "goodbye world", "bye bye”</a:t>
+            </a:r>
+            <a:r>
+              <a:rPr lang="en-US" dirty="0" smtClean="0">
+                <a:latin typeface="Andale Mono"/>
+                <a:cs typeface="Andale Mono"/>
+              </a:rPr>
+              <a:t>)</a:t>
+            </a:r>
+            <a:br>
+              <a:rPr lang="en-US" dirty="0" smtClean="0">
+                <a:latin typeface="Andale Mono"/>
+                <a:cs typeface="Andale Mono"/>
+              </a:rPr>
+            </a:br>
+            <a:r>
+              <a:rPr lang="en-US" dirty="0" err="1" smtClean="0">
+                <a:latin typeface="Andale Mono"/>
+                <a:cs typeface="Andale Mono"/>
+              </a:rPr>
+              <a:t>val</a:t>
+            </a:r>
+            <a:r>
+              <a:rPr lang="en-US" dirty="0" smtClean="0">
+                <a:latin typeface="Andale Mono"/>
+                <a:cs typeface="Andale Mono"/>
+              </a:rPr>
+              <a:t> </a:t>
+            </a:r>
+            <a:r>
+              <a:rPr lang="en-US" dirty="0">
+                <a:latin typeface="Andale Mono"/>
+                <a:cs typeface="Andale Mono"/>
+              </a:rPr>
+              <a:t>r = </a:t>
+            </a:r>
+            <a:r>
+              <a:rPr lang="en-US" dirty="0" err="1">
+                <a:latin typeface="Andale Mono"/>
+                <a:cs typeface="Andale Mono"/>
+              </a:rPr>
+              <a:t>sc.makeRDD</a:t>
+            </a:r>
+            <a:r>
+              <a:rPr lang="en-US" dirty="0">
+                <a:latin typeface="Andale Mono"/>
+                <a:cs typeface="Andale Mono"/>
+              </a:rPr>
+              <a:t>(input</a:t>
+            </a:r>
+            <a:r>
+              <a:rPr lang="en-US" dirty="0" smtClean="0">
+                <a:latin typeface="Andale Mono"/>
+                <a:cs typeface="Andale Mono"/>
+              </a:rPr>
+              <a:t>)</a:t>
+            </a:r>
+            <a:endParaRPr lang="en-US" dirty="0">
+              <a:latin typeface="Andale Mono"/>
+              <a:cs typeface="Andale Mono"/>
+            </a:endParaRPr>
+          </a:p>
+          <a:p>
+            <a:pPr marL="0" indent="0">
+              <a:buNone/>
+            </a:pPr>
+            <a:r>
+              <a:rPr lang="en-US" dirty="0" err="1">
+                <a:latin typeface="Andale Mono"/>
+                <a:cs typeface="Andale Mono"/>
+              </a:rPr>
+              <a:t>r.map</a:t>
+            </a:r>
+            <a:r>
+              <a:rPr lang="en-US" dirty="0">
+                <a:latin typeface="Andale Mono"/>
+                <a:cs typeface="Andale Mono"/>
+              </a:rPr>
+              <a:t>(line =&gt; </a:t>
+            </a:r>
+            <a:r>
+              <a:rPr lang="en-US" dirty="0" err="1">
+                <a:latin typeface="Andale Mono"/>
+                <a:cs typeface="Andale Mono"/>
+              </a:rPr>
+              <a:t>line.split</a:t>
+            </a:r>
+            <a:r>
+              <a:rPr lang="en-US" dirty="0">
+                <a:latin typeface="Andale Mono"/>
+                <a:cs typeface="Andale Mono"/>
+              </a:rPr>
+              <a:t>(" ")).collect(</a:t>
+            </a:r>
+            <a:r>
+              <a:rPr lang="en-US" dirty="0" smtClean="0">
+                <a:latin typeface="Andale Mono"/>
+                <a:cs typeface="Andale Mono"/>
+              </a:rPr>
+              <a:t>)</a:t>
+            </a:r>
+            <a:br>
+              <a:rPr lang="en-US" dirty="0" smtClean="0">
+                <a:latin typeface="Andale Mono"/>
+                <a:cs typeface="Andale Mono"/>
+              </a:rPr>
+            </a:br>
+            <a:r>
+              <a:rPr lang="en-US" dirty="0" smtClean="0">
+                <a:latin typeface="Andale Mono"/>
+                <a:cs typeface="Andale Mono"/>
+              </a:rPr>
+              <a:t>/</a:t>
+            </a:r>
+            <a:r>
+              <a:rPr lang="en-US" dirty="0">
+                <a:latin typeface="Andale Mono"/>
+                <a:cs typeface="Andale Mono"/>
+              </a:rPr>
+              <a:t>/  Array[</a:t>
+            </a:r>
+            <a:r>
+              <a:rPr lang="en-US" dirty="0">
+                <a:solidFill>
+                  <a:srgbClr val="FF0000"/>
+                </a:solidFill>
+                <a:latin typeface="Andale Mono"/>
+                <a:cs typeface="Andale Mono"/>
+              </a:rPr>
+              <a:t>Array[String]</a:t>
+            </a:r>
+            <a:r>
+              <a:rPr lang="en-US" dirty="0">
+                <a:latin typeface="Andale Mono"/>
+                <a:cs typeface="Andale Mono"/>
+              </a:rPr>
+              <a:t>] = </a:t>
+            </a:r>
+            <a:r>
+              <a:rPr lang="en-US" dirty="0" smtClean="0">
+                <a:latin typeface="Andale Mono"/>
+                <a:cs typeface="Andale Mono"/>
+              </a:rPr>
+              <a:t/>
+            </a:r>
+            <a:br>
+              <a:rPr lang="en-US" dirty="0" smtClean="0">
+                <a:latin typeface="Andale Mono"/>
+                <a:cs typeface="Andale Mono"/>
+              </a:rPr>
+            </a:br>
+            <a:r>
+              <a:rPr lang="en-US" dirty="0" smtClean="0">
+                <a:latin typeface="Andale Mono"/>
+                <a:cs typeface="Andale Mono"/>
+              </a:rPr>
+              <a:t>//        Array</a:t>
+            </a:r>
+            <a:r>
+              <a:rPr lang="en-US" dirty="0">
+                <a:latin typeface="Andale Mono"/>
+                <a:cs typeface="Andale Mono"/>
+              </a:rPr>
+              <a:t>(</a:t>
+            </a:r>
+            <a:r>
+              <a:rPr lang="en-US" dirty="0">
+                <a:solidFill>
+                  <a:srgbClr val="FF0000"/>
+                </a:solidFill>
+                <a:latin typeface="Andale Mono"/>
+                <a:cs typeface="Andale Mono"/>
+              </a:rPr>
+              <a:t>Array(hello, world)</a:t>
+            </a:r>
+            <a:r>
+              <a:rPr lang="en-US" dirty="0" smtClean="0">
+                <a:latin typeface="Andale Mono"/>
+                <a:cs typeface="Andale Mono"/>
+              </a:rPr>
+              <a:t>,</a:t>
+            </a:r>
+            <a:br>
+              <a:rPr lang="en-US" dirty="0" smtClean="0">
+                <a:latin typeface="Andale Mono"/>
+                <a:cs typeface="Andale Mono"/>
+              </a:rPr>
+            </a:br>
+            <a:r>
+              <a:rPr lang="en-US" dirty="0" smtClean="0">
+                <a:latin typeface="Andale Mono"/>
+                <a:cs typeface="Andale Mono"/>
+              </a:rPr>
+              <a:t>//        </a:t>
+            </a:r>
+            <a:r>
+              <a:rPr lang="en-US" dirty="0">
+                <a:solidFill>
+                  <a:srgbClr val="3366FF"/>
+                </a:solidFill>
+                <a:latin typeface="Andale Mono"/>
+                <a:cs typeface="Andale Mono"/>
+              </a:rPr>
+              <a:t>Array(goodbye, world)</a:t>
+            </a:r>
+            <a:r>
+              <a:rPr lang="en-US" dirty="0">
+                <a:latin typeface="Andale Mono"/>
+                <a:cs typeface="Andale Mono"/>
+              </a:rPr>
+              <a:t>, </a:t>
+            </a:r>
+            <a:r>
+              <a:rPr lang="en-US" dirty="0" smtClean="0">
+                <a:latin typeface="Andale Mono"/>
+                <a:cs typeface="Andale Mono"/>
+              </a:rPr>
+              <a:t/>
+            </a:r>
+            <a:br>
+              <a:rPr lang="en-US" dirty="0" smtClean="0">
+                <a:latin typeface="Andale Mono"/>
+                <a:cs typeface="Andale Mono"/>
+              </a:rPr>
+            </a:br>
+            <a:r>
+              <a:rPr lang="en-US" dirty="0" smtClean="0">
+                <a:latin typeface="Andale Mono"/>
+                <a:cs typeface="Andale Mono"/>
+              </a:rPr>
+              <a:t>//        </a:t>
+            </a:r>
+            <a:r>
+              <a:rPr lang="en-US" dirty="0" smtClean="0">
+                <a:solidFill>
+                  <a:srgbClr val="008000"/>
+                </a:solidFill>
+                <a:latin typeface="Andale Mono"/>
+                <a:cs typeface="Andale Mono"/>
+              </a:rPr>
+              <a:t>Array</a:t>
+            </a:r>
+            <a:r>
+              <a:rPr lang="en-US" dirty="0">
+                <a:solidFill>
+                  <a:srgbClr val="008000"/>
+                </a:solidFill>
+                <a:latin typeface="Andale Mono"/>
+                <a:cs typeface="Andale Mono"/>
+              </a:rPr>
+              <a:t>(bye, bye)</a:t>
+            </a:r>
+            <a:r>
+              <a:rPr lang="en-US" dirty="0">
+                <a:latin typeface="Andale Mono"/>
+                <a:cs typeface="Andale Mono"/>
+              </a:rPr>
+              <a:t>)</a:t>
+            </a:r>
+          </a:p>
+          <a:p>
+            <a:pPr marL="0" indent="0">
+              <a:buNone/>
+            </a:pPr>
+            <a:r>
+              <a:rPr lang="en-US" dirty="0" err="1" smtClean="0">
+                <a:latin typeface="Andale Mono"/>
+                <a:cs typeface="Andale Mono"/>
+              </a:rPr>
+              <a:t>r.flatmap</a:t>
+            </a:r>
+            <a:r>
+              <a:rPr lang="en-US" dirty="0" smtClean="0">
+                <a:latin typeface="Andale Mono"/>
+                <a:cs typeface="Andale Mono"/>
+              </a:rPr>
+              <a:t>(line =&gt; </a:t>
+            </a:r>
+            <a:r>
+              <a:rPr lang="en-US" dirty="0" err="1" smtClean="0">
+                <a:latin typeface="Andale Mono"/>
+                <a:cs typeface="Andale Mono"/>
+              </a:rPr>
+              <a:t>line.split</a:t>
+            </a:r>
+            <a:r>
+              <a:rPr lang="en-US" dirty="0" smtClean="0">
+                <a:latin typeface="Andale Mono"/>
+                <a:cs typeface="Andale Mono"/>
+              </a:rPr>
+              <a:t>(“ “)).collect()</a:t>
+            </a:r>
+            <a:br>
+              <a:rPr lang="en-US" dirty="0" smtClean="0">
+                <a:latin typeface="Andale Mono"/>
+                <a:cs typeface="Andale Mono"/>
+              </a:rPr>
+            </a:br>
+            <a:r>
+              <a:rPr lang="en-US" dirty="0" smtClean="0">
+                <a:latin typeface="Andale Mono"/>
+                <a:cs typeface="Andale Mono"/>
+              </a:rPr>
+              <a:t>/</a:t>
+            </a:r>
+            <a:r>
+              <a:rPr lang="en-US" dirty="0">
+                <a:latin typeface="Andale Mono"/>
+                <a:cs typeface="Andale Mono"/>
+              </a:rPr>
+              <a:t>/ </a:t>
+            </a:r>
+            <a:r>
+              <a:rPr lang="en-US" dirty="0" smtClean="0">
+                <a:solidFill>
+                  <a:srgbClr val="FF0000"/>
+                </a:solidFill>
+                <a:latin typeface="Andale Mono"/>
+                <a:cs typeface="Andale Mono"/>
+              </a:rPr>
+              <a:t>Array</a:t>
+            </a:r>
+            <a:r>
+              <a:rPr lang="en-US" dirty="0">
+                <a:solidFill>
+                  <a:srgbClr val="FF0000"/>
+                </a:solidFill>
+                <a:latin typeface="Andale Mono"/>
+                <a:cs typeface="Andale Mono"/>
+              </a:rPr>
+              <a:t>[String] </a:t>
+            </a:r>
+            <a:r>
+              <a:rPr lang="en-US" dirty="0">
+                <a:latin typeface="Andale Mono"/>
+                <a:cs typeface="Andale Mono"/>
+              </a:rPr>
+              <a:t>= </a:t>
+            </a:r>
+            <a:r>
+              <a:rPr lang="en-US" dirty="0" smtClean="0">
+                <a:latin typeface="Andale Mono"/>
+                <a:cs typeface="Andale Mono"/>
+              </a:rPr>
+              <a:t/>
+            </a:r>
+            <a:br>
+              <a:rPr lang="en-US" dirty="0" smtClean="0">
+                <a:latin typeface="Andale Mono"/>
+                <a:cs typeface="Andale Mono"/>
+              </a:rPr>
+            </a:br>
+            <a:r>
+              <a:rPr lang="en-US" dirty="0" smtClean="0">
+                <a:latin typeface="Andale Mono"/>
+                <a:cs typeface="Andale Mono"/>
+              </a:rPr>
+              <a:t>// Array</a:t>
+            </a:r>
+            <a:r>
+              <a:rPr lang="en-US" dirty="0">
+                <a:latin typeface="Andale Mono"/>
+                <a:cs typeface="Andale Mono"/>
+              </a:rPr>
+              <a:t>(</a:t>
+            </a:r>
+            <a:r>
+              <a:rPr lang="en-US" dirty="0">
+                <a:solidFill>
+                  <a:srgbClr val="FF0000"/>
+                </a:solidFill>
+                <a:latin typeface="Andale Mono"/>
+                <a:cs typeface="Andale Mono"/>
+              </a:rPr>
+              <a:t>hello, world, goodbye, world, bye, bye</a:t>
+            </a:r>
+            <a:r>
+              <a:rPr lang="en-US" dirty="0">
+                <a:latin typeface="Andale Mono"/>
+                <a:cs typeface="Andale Mono"/>
+              </a:rPr>
+              <a:t>)</a:t>
+            </a:r>
+          </a:p>
+        </p:txBody>
+      </p:sp>
+      <p:sp>
+        <p:nvSpPr>
+          <p:cNvPr id="4" name="Footer Placeholder 3"/>
+          <p:cNvSpPr>
+            <a:spLocks noGrp="1"/>
+          </p:cNvSpPr>
+          <p:nvPr>
+            <p:ph type="ftr" sz="quarter" idx="11"/>
+          </p:nvPr>
+        </p:nvSpPr>
+        <p:spPr/>
+        <p:txBody>
+          <a:bodyPr/>
+          <a:lstStyle/>
+          <a:p>
+            <a:r>
+              <a:rPr lang="en-US" smtClean="0"/>
+              <a:t>© Elephant Scale, 2014</a:t>
+            </a:r>
+            <a:endParaRPr lang="en-US" dirty="0"/>
+          </a:p>
+        </p:txBody>
+      </p:sp>
+      <p:sp>
+        <p:nvSpPr>
+          <p:cNvPr id="5" name="Rounded Rectangular Callout 4"/>
+          <p:cNvSpPr/>
+          <p:nvPr/>
+        </p:nvSpPr>
+        <p:spPr>
+          <a:xfrm>
+            <a:off x="6530054" y="3399335"/>
+            <a:ext cx="1524733" cy="910765"/>
+          </a:xfrm>
+          <a:prstGeom prst="wedgeRoundRectCallout">
+            <a:avLst>
+              <a:gd name="adj1" fmla="val -75973"/>
+              <a:gd name="adj2" fmla="val 37939"/>
+              <a:gd name="adj3" fmla="val 16667"/>
+            </a:avLst>
+          </a:prstGeom>
+          <a:solidFill>
+            <a:schemeClr val="accent6">
+              <a:lumMod val="40000"/>
+              <a:lumOff val="60000"/>
+            </a:schemeClr>
+          </a:solidFill>
+        </p:spPr>
+        <p:style>
+          <a:lnRef idx="1">
+            <a:schemeClr val="accent1"/>
+          </a:lnRef>
+          <a:fillRef idx="3">
+            <a:schemeClr val="accent1"/>
+          </a:fillRef>
+          <a:effectRef idx="2">
+            <a:schemeClr val="accent1"/>
+          </a:effectRef>
+          <a:fontRef idx="minor">
+            <a:schemeClr val="lt1"/>
+          </a:fontRef>
+        </p:style>
+        <p:txBody>
+          <a:bodyPr rtlCol="0" anchor="ctr"/>
+          <a:lstStyle/>
+          <a:p>
+            <a:pPr algn="ctr"/>
+            <a:r>
+              <a:rPr lang="en-US" dirty="0" smtClean="0">
+                <a:solidFill>
+                  <a:schemeClr val="tx1"/>
+                </a:solidFill>
+              </a:rPr>
+              <a:t>Array of arrays of strings !</a:t>
+            </a:r>
+            <a:endParaRPr lang="en-US" dirty="0">
+              <a:solidFill>
+                <a:schemeClr val="tx1"/>
+              </a:solidFill>
+            </a:endParaRPr>
+          </a:p>
+        </p:txBody>
+      </p:sp>
+      <p:sp>
+        <p:nvSpPr>
+          <p:cNvPr id="6" name="Rounded Rectangular Callout 5"/>
+          <p:cNvSpPr/>
+          <p:nvPr/>
+        </p:nvSpPr>
+        <p:spPr>
+          <a:xfrm>
+            <a:off x="7338293" y="4810381"/>
+            <a:ext cx="1372723" cy="731178"/>
+          </a:xfrm>
+          <a:prstGeom prst="wedgeRoundRectCallout">
+            <a:avLst>
+              <a:gd name="adj1" fmla="val -75973"/>
+              <a:gd name="adj2" fmla="val 37939"/>
+              <a:gd name="adj3" fmla="val 16667"/>
+            </a:avLst>
+          </a:prstGeom>
+          <a:solidFill>
+            <a:schemeClr val="accent6">
+              <a:lumMod val="40000"/>
+              <a:lumOff val="60000"/>
+            </a:schemeClr>
+          </a:solidFill>
+        </p:spPr>
+        <p:style>
+          <a:lnRef idx="1">
+            <a:schemeClr val="accent1"/>
+          </a:lnRef>
+          <a:fillRef idx="3">
+            <a:schemeClr val="accent1"/>
+          </a:fillRef>
+          <a:effectRef idx="2">
+            <a:schemeClr val="accent1"/>
+          </a:effectRef>
+          <a:fontRef idx="minor">
+            <a:schemeClr val="lt1"/>
+          </a:fontRef>
+        </p:style>
+        <p:txBody>
+          <a:bodyPr rtlCol="0" anchor="ctr"/>
+          <a:lstStyle/>
+          <a:p>
+            <a:pPr algn="ctr"/>
+            <a:r>
+              <a:rPr lang="en-US" dirty="0" smtClean="0">
+                <a:solidFill>
+                  <a:schemeClr val="tx1"/>
+                </a:solidFill>
+              </a:rPr>
+              <a:t>Array of strings</a:t>
+            </a:r>
+            <a:endParaRPr lang="en-US" dirty="0">
+              <a:solidFill>
+                <a:schemeClr val="tx1"/>
+              </a:solidFill>
+            </a:endParaRPr>
+          </a:p>
+        </p:txBody>
+      </p:sp>
+    </p:spTree>
+    <p:extLst>
+      <p:ext uri="{BB962C8B-B14F-4D97-AF65-F5344CB8AC3E}">
+        <p14:creationId xmlns:p14="http://schemas.microsoft.com/office/powerpoint/2010/main" val="1914866444"/>
+      </p:ext>
+    </p:extLst>
+  </p:cSld>
+  <p:clrMapOvr>
+    <a:masterClrMapping/>
+  </p:clrMapOvr>
+</p:sld>
+</file>
+
+<file path=ppt/slides/slide43.xml><?xml version="1.0" encoding="utf-8"?>
+<p:sld xmlns:a="http://schemas.openxmlformats.org/drawingml/2006/main" xmlns:r="http://schemas.openxmlformats.org/officeDocument/2006/relationships" xmlns:p="http://schemas.openxmlformats.org/presentationml/2006/main">
+  <p:cSld>
+    <p:spTree>
+      <p:nvGrpSpPr>
+        <p:cNvPr id="1" name=""/>
+        <p:cNvGrpSpPr/>
+        <p:nvPr/>
+      </p:nvGrpSpPr>
+      <p:grpSpPr>
+        <a:xfrm>
+          <a:off x="0" y="0"/>
+          <a:ext cx="0" cy="0"/>
+          <a:chOff x="0" y="0"/>
+          <a:chExt cx="0" cy="0"/>
+        </a:xfrm>
+      </p:grpSpPr>
+      <p:sp>
+        <p:nvSpPr>
+          <p:cNvPr id="2" name="Title 1"/>
+          <p:cNvSpPr>
+            <a:spLocks noGrp="1"/>
+          </p:cNvSpPr>
+          <p:nvPr>
+            <p:ph type="title"/>
+          </p:nvPr>
+        </p:nvSpPr>
+        <p:spPr/>
+        <p:txBody>
+          <a:bodyPr/>
+          <a:lstStyle/>
+          <a:p>
+            <a:r>
+              <a:rPr lang="en-US" dirty="0" smtClean="0"/>
+              <a:t>Aggregate Functions</a:t>
+            </a:r>
+            <a:endParaRPr lang="en-US" dirty="0"/>
+          </a:p>
+        </p:txBody>
+      </p:sp>
+      <p:graphicFrame>
+        <p:nvGraphicFramePr>
+          <p:cNvPr id="5" name="Content Placeholder 4"/>
+          <p:cNvGraphicFramePr>
+            <a:graphicFrameLocks noGrp="1"/>
+          </p:cNvGraphicFramePr>
+          <p:nvPr>
+            <p:ph idx="1"/>
+            <p:extLst>
+              <p:ext uri="{D42A27DB-BD31-4B8C-83A1-F6EECF244321}">
+                <p14:modId xmlns:p14="http://schemas.microsoft.com/office/powerpoint/2010/main" val="3769302699"/>
               </p:ext>
             </p:extLst>
           </p:nvPr>
@@ -15563,8 +19225,8 @@
               </a:tblPr>
               <a:tblGrid>
                 <a:gridCol w="1739589"/>
-                <a:gridCol w="2011743"/>
-                <a:gridCol w="3805167"/>
+                <a:gridCol w="2252150"/>
+                <a:gridCol w="3564760"/>
               </a:tblGrid>
               <a:tr h="370840">
                 <a:tc>
@@ -15632,7 +19294,28 @@
                     <a:p>
                       <a:r>
                         <a:rPr lang="en-US" dirty="0" smtClean="0"/>
-                        <a:t>Input 2, input 1</a:t>
+                        <a:t>2</a:t>
+                      </a:r>
+                      <a:r>
+                        <a:rPr lang="en-US" baseline="0" dirty="0" smtClean="0"/>
+                        <a:t> inputs </a:t>
+                      </a:r>
+                      <a:r>
+                        <a:rPr lang="en-US" baseline="0" dirty="0" smtClean="0">
+                          <a:sym typeface="Wingdings"/>
+                        </a:rPr>
+                        <a:t> </a:t>
+                      </a:r>
+                      <a:br>
+                        <a:rPr lang="en-US" baseline="0" dirty="0" smtClean="0">
+                          <a:sym typeface="Wingdings"/>
+                        </a:rPr>
+                      </a:br>
+                      <a:r>
+                        <a:rPr lang="en-US" baseline="0" dirty="0" smtClean="0">
+                          <a:sym typeface="Wingdings"/>
+                        </a:rPr>
+                        <a:t>     1 output</a:t>
                       </a:r>
                       <a:endParaRPr lang="en-US" dirty="0"/>
                     </a:p>
@@ -15830,7 +19513,7 @@
 </p:sld>
 </file>
 
-<file path=ppt/slides/slide33.xml><?xml version="1.0" encoding="utf-8"?>
+<file path=ppt/slides/slide44.xml><?xml version="1.0" encoding="utf-8"?>
 <p:sld xmlns:a="http://schemas.openxmlformats.org/drawingml/2006/main" xmlns:r="http://schemas.openxmlformats.org/officeDocument/2006/relationships" xmlns:p="http://schemas.openxmlformats.org/presentationml/2006/main">
   <p:cSld>
     <p:spTree>
@@ -16028,8 +19711,31 @@
                 <a:latin typeface="Andale Mono"/>
                 <a:cs typeface="Andale Mono"/>
               </a:rPr>
-              <a:t>(_+_)</a:t>
-            </a:r>
+              <a:t>(_+_</a:t>
+            </a:r>
+            <a:r>
+              <a:rPr lang="en-US" dirty="0" smtClean="0">
+                <a:latin typeface="Andale Mono"/>
+                <a:cs typeface="Andale Mono"/>
+              </a:rPr>
+              <a:t>)</a:t>
+            </a:r>
+          </a:p>
+          <a:p>
+            <a:pPr marL="0" indent="0">
+              <a:buNone/>
+            </a:pPr>
+            <a:r>
+              <a:rPr lang="en-US" dirty="0" smtClean="0">
+                <a:latin typeface="Andale Mono"/>
+                <a:cs typeface="Andale Mono"/>
+              </a:rPr>
+              <a:t>// TODO  : paste output</a:t>
+            </a:r>
+            <a:endParaRPr lang="en-US" dirty="0" smtClean="0">
+              <a:latin typeface="Andale Mono"/>
+              <a:cs typeface="Andale Mono"/>
+            </a:endParaRPr>
           </a:p>
         </p:txBody>
       </p:sp>
@@ -16069,7 +19775,7 @@
 </p:sld>
 </file>
 
-<file path=ppt/slides/slide34.xml><?xml version="1.0" encoding="utf-8"?>
+<file path=ppt/slides/slide45.xml><?xml version="1.0" encoding="utf-8"?>
 <p:sld xmlns:a="http://schemas.openxmlformats.org/drawingml/2006/main" xmlns:r="http://schemas.openxmlformats.org/officeDocument/2006/relationships" xmlns:p="http://schemas.openxmlformats.org/presentationml/2006/main">
   <p:cSld>
     <p:spTree>
@@ -16103,7 +19809,7 @@
           <a:p>
             <a:r>
               <a:rPr lang="en-US" dirty="0" smtClean="0"/>
-              <a:t>Thanks !</a:t>
+              <a:t>Spark MapReduce Vs. Hadoop MapReduce</a:t>
             </a:r>
             <a:endParaRPr lang="en-US" dirty="0"/>
           </a:p>
@@ -16124,79 +19830,56 @@
           <a:bodyPr/>
           <a:lstStyle/>
           <a:p>
-            <a:pPr marL="0" indent="0" algn="ctr">
-              <a:buNone/>
-            </a:pPr>
-            <a:r>
-              <a:rPr lang="en-US" sz="3200" b="1" dirty="0" smtClean="0"/>
-              <a:t>Sujee Maniyam</a:t>
-            </a:r>
-            <a:endParaRPr lang="en-US" dirty="0" smtClean="0">
-              <a:hlinkClick r:id="rId2"/>
-            </a:endParaRPr>
-          </a:p>
-          <a:p>
-            <a:pPr marL="0" indent="0" algn="ctr">
-              <a:buNone/>
-            </a:pPr>
+            <a:r>
+              <a:rPr lang="en-US" dirty="0" smtClean="0"/>
+              <a:t>In Hadoop Map phase is always followed by Reduce phase</a:t>
+            </a:r>
+          </a:p>
+          <a:p>
+            <a:r>
+              <a:rPr lang="en-US" dirty="0" smtClean="0"/>
+              <a:t>So the work flow is </a:t>
+            </a:r>
+            <a:br>
+              <a:rPr lang="en-US" dirty="0" smtClean="0"/>
+            </a:br>
+            <a:r>
+              <a:rPr lang="en-US" dirty="0" smtClean="0"/>
+              <a:t>M </a:t>
+            </a:r>
             <a:r>
               <a:rPr lang="en-US" dirty="0" smtClean="0">
-                <a:hlinkClick r:id="rId2"/>
-              </a:rPr>
-              <a:t>sujee@elephantscale.com</a:t>
-            </a:r>
-            <a:endParaRPr lang="en-US" dirty="0" smtClean="0"/>
-          </a:p>
-          <a:p>
-            <a:pPr marL="0" indent="0" algn="ctr">
-              <a:buNone/>
-            </a:pPr>
+                <a:sym typeface="Wingdings"/>
+              </a:rPr>
+              <a:t> R      M  R     M  R</a:t>
+            </a:r>
+          </a:p>
+          <a:p>
             <a:r>
               <a:rPr lang="en-US" dirty="0" smtClean="0">
-                <a:hlinkClick r:id="rId2"/>
-              </a:rPr>
-              <a:t>http</a:t>
-            </a:r>
-            <a:r>
-              <a:rPr lang="en-US" dirty="0">
-                <a:hlinkClick r:id="rId2"/>
-              </a:rPr>
-              <a:t>://</a:t>
-            </a:r>
-            <a:r>
+                <a:sym typeface="Wingdings"/>
+              </a:rPr>
+              <a:t>In Spark, we can stack as many mappers / reducers we want</a:t>
+            </a:r>
+            <a:br>
               <a:rPr lang="en-US" dirty="0" smtClean="0">
-                <a:hlinkClick r:id="rId2"/>
-              </a:rPr>
-              <a:t>elephantscale.com</a:t>
-            </a:r>
-          </a:p>
-          <a:p>
-            <a:pPr marL="0" indent="0" algn="ctr">
-              <a:buNone/>
-            </a:pPr>
-            <a:r>
-              <a:rPr lang="en-US" dirty="0"/>
-              <a:t>Expert consulting &amp; training in Big Data</a:t>
-            </a:r>
-          </a:p>
-          <a:p>
-            <a:pPr marL="0" indent="0" algn="ctr">
-              <a:buNone/>
-            </a:pPr>
-            <a:endParaRPr lang="en-US" dirty="0">
-              <a:hlinkClick r:id="rId2"/>
-            </a:endParaRPr>
-          </a:p>
-          <a:p>
-            <a:pPr marL="0" indent="0" algn="ctr">
-              <a:buNone/>
-            </a:pPr>
-            <a:endParaRPr lang="en-US" dirty="0" smtClean="0"/>
-          </a:p>
-          <a:p>
-            <a:pPr marL="0" indent="0">
-              <a:buNone/>
-            </a:pPr>
+                <a:sym typeface="Wingdings"/>
+              </a:rPr>
+            </a:br>
+            <a:r>
+              <a:rPr lang="en-US" dirty="0" smtClean="0">
+                <a:sym typeface="Wingdings"/>
+              </a:rPr>
+              <a:t>M  M  M   R  R</a:t>
+            </a:r>
+          </a:p>
+          <a:p>
+            <a:r>
+              <a:rPr lang="en-US" dirty="0" smtClean="0">
+                <a:sym typeface="Wingdings"/>
+              </a:rPr>
+              <a:t>Spark MR is more versatile</a:t>
+            </a:r>
             <a:endParaRPr lang="en-US" dirty="0"/>
           </a:p>
         </p:txBody>
@@ -16224,34 +19907,10 @@
           </a:p>
         </p:txBody>
       </p:sp>
-      <p:pic>
-        <p:nvPicPr>
-          <p:cNvPr id="5" name="Picture 4"/>
-          <p:cNvPicPr>
-            <a:picLocks noChangeAspect="1"/>
-          </p:cNvPicPr>
-          <p:nvPr/>
-        </p:nvPicPr>
-        <p:blipFill>
-          <a:blip r:embed="rId3"/>
-          <a:stretch>
-            <a:fillRect/>
-          </a:stretch>
-        </p:blipFill>
-        <p:spPr>
-          <a:xfrm>
-            <a:off x="3608564" y="4262333"/>
-            <a:ext cx="1742944" cy="2161251"/>
-          </a:xfrm>
-          <a:prstGeom prst="rect">
-            <a:avLst/>
-          </a:prstGeom>
-        </p:spPr>
-      </p:pic>
     </p:spTree>
     <p:extLst>
       <p:ext uri="{BB962C8B-B14F-4D97-AF65-F5344CB8AC3E}">
-        <p14:creationId xmlns:p14="http://schemas.microsoft.com/office/powerpoint/2010/main" val="1892032736"/>
+        <p14:creationId xmlns:p14="http://schemas.microsoft.com/office/powerpoint/2010/main" val="2462296549"/>
       </p:ext>
     </p:extLst>
   </p:cSld>
@@ -16261,7 +19920,7 @@
 </p:sld>
 </file>
 
-<file path=ppt/slides/slide35.xml><?xml version="1.0" encoding="utf-8"?>
+<file path=ppt/slides/slide46.xml><?xml version="1.0" encoding="utf-8"?>
 <p:sld xmlns:a="http://schemas.openxmlformats.org/drawingml/2006/main" xmlns:r="http://schemas.openxmlformats.org/officeDocument/2006/relationships" xmlns:p="http://schemas.openxmlformats.org/presentationml/2006/main">
   <p:cSld>
     <p:spTree>
@@ -16288,68 +19947,49 @@
             <p:ph type="title"/>
           </p:nvPr>
         </p:nvSpPr>
+        <p:spPr>
+          <a:xfrm>
+            <a:off x="511303" y="484094"/>
+            <a:ext cx="7556313" cy="1116106"/>
+          </a:xfrm>
+        </p:spPr>
+        <p:txBody>
+          <a:bodyPr/>
+          <a:lstStyle/>
+          <a:p>
+            <a:r>
+              <a:rPr lang="en-US" dirty="0" smtClean="0"/>
+              <a:t>Spark MapReduce Vs. Hadoop MapReduce</a:t>
+            </a:r>
+            <a:endParaRPr lang="en-US" dirty="0"/>
+          </a:p>
+        </p:txBody>
+      </p:sp>
+      <p:pic>
+        <p:nvPicPr>
+          <p:cNvPr id="5" name="Content Placeholder 4" descr="mr_vs_spark2.png"/>
+          <p:cNvPicPr>
+            <a:picLocks noGrp="1" noChangeAspect="1"/>
+          </p:cNvPicPr>
+          <p:nvPr>
+            <p:ph idx="1"/>
+          </p:nvPr>
+        </p:nvPicPr>
+        <p:blipFill>
+          <a:blip r:embed="rId2">
+            <a:extLst>
+              <a:ext uri="{28A0092B-C50C-407E-A947-70E740481C1C}">
+                <a14:useLocalDpi xmlns:a14="http://schemas.microsoft.com/office/drawing/2010/main" val="0"/>
+              </a:ext>
+            </a:extLst>
+          </a:blip>
+          <a:srcRect l="-20408" r="-20408"/>
+          <a:stretch>
+            <a:fillRect/>
+          </a:stretch>
+        </p:blipFill>
         <p:spPr/>
-        <p:txBody>
-          <a:bodyPr/>
-          <a:lstStyle/>
-          <a:p>
-            <a:r>
-              <a:rPr lang="en-US" dirty="0" smtClean="0"/>
-              <a:t>Credits </a:t>
-            </a:r>
-            <a:endParaRPr lang="en-US" dirty="0"/>
-          </a:p>
-        </p:txBody>
-      </p:sp>
-      <p:sp>
-        <p:nvSpPr>
-          <p:cNvPr id="3" name="Content Placeholder 2"/>
-          <p:cNvSpPr>
-            <a:spLocks noGrp="1"/>
-          </p:cNvSpPr>
-          <p:nvPr>
-            <p:ph idx="1"/>
-          </p:nvPr>
-        </p:nvSpPr>
-        <p:spPr/>
-        <p:txBody>
-          <a:bodyPr/>
-          <a:lstStyle/>
-          <a:p>
-            <a:r>
-              <a:rPr lang="en-US" dirty="0">
-                <a:hlinkClick r:id="rId2"/>
-              </a:rPr>
-              <a:t>http://spark.apache.org</a:t>
-            </a:r>
-            <a:r>
-              <a:rPr lang="en-US" dirty="0" smtClean="0">
-                <a:hlinkClick r:id="rId2"/>
-              </a:rPr>
-              <a:t>/</a:t>
-            </a:r>
-            <a:endParaRPr lang="en-US" dirty="0" smtClean="0"/>
-          </a:p>
-          <a:p>
-            <a:r>
-              <a:rPr lang="en-US" dirty="0">
-                <a:hlinkClick r:id="rId3"/>
-              </a:rPr>
-              <a:t>http://</a:t>
-            </a:r>
-            <a:r>
-              <a:rPr lang="en-US" dirty="0" smtClean="0">
-                <a:hlinkClick r:id="rId3"/>
-              </a:rPr>
-              <a:t>www.strategictechplanning.com</a:t>
-            </a:r>
-            <a:endParaRPr lang="en-US" dirty="0"/>
-          </a:p>
-          <a:p>
-            <a:endParaRPr lang="en-US" dirty="0"/>
-          </a:p>
-        </p:txBody>
-      </p:sp>
+      </p:pic>
       <p:sp>
         <p:nvSpPr>
           <p:cNvPr id="4" name="Footer Placeholder 3"/>
@@ -16376,7 +20016,7 @@
     </p:spTree>
     <p:extLst>
       <p:ext uri="{BB962C8B-B14F-4D97-AF65-F5344CB8AC3E}">
-        <p14:creationId xmlns:p14="http://schemas.microsoft.com/office/powerpoint/2010/main" val="3799230133"/>
+        <p14:creationId xmlns:p14="http://schemas.microsoft.com/office/powerpoint/2010/main" val="204294383"/>
       </p:ext>
     </p:extLst>
   </p:cSld>
@@ -16386,7 +20026,7 @@
 </p:sld>
 </file>
 
-<file path=ppt/slides/slide4.xml><?xml version="1.0" encoding="utf-8"?>
+<file path=ppt/slides/slide47.xml><?xml version="1.0" encoding="utf-8"?>
 <p:sld xmlns:a="http://schemas.openxmlformats.org/drawingml/2006/main" xmlns:r="http://schemas.openxmlformats.org/officeDocument/2006/relationships" xmlns:p="http://schemas.openxmlformats.org/presentationml/2006/main">
   <p:cSld>
     <p:spTree>
@@ -16420,7 +20060,7 @@
           <a:p>
             <a:r>
               <a:rPr lang="en-US" dirty="0" smtClean="0"/>
-              <a:t>Spark SQL</a:t>
+              <a:t>Spark Map Reduce Internals </a:t>
             </a:r>
             <a:endParaRPr lang="en-US" dirty="0"/>
           </a:p>
@@ -16438,155 +20078,328 @@
         </p:nvSpPr>
         <p:spPr/>
         <p:txBody>
-          <a:bodyPr>
-            <a:normAutofit lnSpcReduction="10000"/>
-          </a:bodyPr>
-          <a:lstStyle/>
-          <a:p>
-            <a:pPr>
-              <a:defRPr/>
-            </a:pPr>
-            <a:r>
-              <a:rPr lang="en-US" dirty="0" err="1"/>
-              <a:t>Adhoc</a:t>
-            </a:r>
-            <a:r>
-              <a:rPr lang="en-US" dirty="0"/>
-              <a:t> / interactive analytics</a:t>
-            </a:r>
-          </a:p>
-          <a:p>
-            <a:pPr>
-              <a:defRPr/>
-            </a:pPr>
-            <a:r>
-              <a:rPr lang="en-US" dirty="0" smtClean="0"/>
-              <a:t>ETL workflow</a:t>
-            </a:r>
-          </a:p>
-          <a:p>
-            <a:pPr>
-              <a:defRPr/>
-            </a:pPr>
-            <a:r>
-              <a:rPr lang="en-US" dirty="0" smtClean="0"/>
-              <a:t>Reporting</a:t>
-            </a:r>
-          </a:p>
-          <a:p>
-            <a:pPr>
-              <a:defRPr/>
-            </a:pPr>
-            <a:r>
-              <a:rPr lang="en-US" dirty="0" smtClean="0"/>
-              <a:t>Supports </a:t>
-            </a:r>
-            <a:r>
-              <a:rPr lang="en-US" dirty="0" err="1" smtClean="0"/>
-              <a:t>HiveQL</a:t>
-            </a:r>
-            <a:r>
-              <a:rPr lang="en-US" dirty="0" smtClean="0"/>
-              <a:t> (Hive Query Language : A subset of SQL)</a:t>
-            </a:r>
-          </a:p>
-          <a:p>
-            <a:pPr>
-              <a:defRPr/>
-            </a:pPr>
-            <a:r>
-              <a:rPr lang="en-US" dirty="0" smtClean="0"/>
-              <a:t>Natively understands</a:t>
-            </a:r>
-          </a:p>
-          <a:p>
-            <a:pPr lvl="1">
-              <a:defRPr/>
-            </a:pPr>
-            <a:r>
-              <a:rPr lang="en-US" dirty="0" smtClean="0"/>
-              <a:t>CSV :  “mark, 40, M”</a:t>
-            </a:r>
-          </a:p>
-          <a:p>
-            <a:pPr lvl="1">
-              <a:defRPr/>
-            </a:pPr>
-            <a:r>
-              <a:rPr lang="en-US" dirty="0" smtClean="0"/>
-              <a:t>JSON : {“name”: “mark”, “age”: 40}</a:t>
-            </a:r>
-          </a:p>
-          <a:p>
-            <a:pPr lvl="1">
-              <a:defRPr/>
-            </a:pPr>
-            <a:r>
-              <a:rPr lang="en-US" dirty="0" smtClean="0"/>
-              <a:t>Parquet : on disk </a:t>
-            </a:r>
+          <a:bodyPr/>
+          <a:lstStyle/>
+          <a:p>
+            <a:endParaRPr lang="en-US"/>
+          </a:p>
+        </p:txBody>
+      </p:sp>
+      <p:sp>
+        <p:nvSpPr>
+          <p:cNvPr id="4" name="Footer Placeholder 3"/>
+          <p:cNvSpPr>
+            <a:spLocks noGrp="1"/>
+          </p:cNvSpPr>
+          <p:nvPr>
+            <p:ph type="ftr" sz="quarter" idx="11"/>
+          </p:nvPr>
+        </p:nvSpPr>
+        <p:spPr/>
+        <p:txBody>
+          <a:bodyPr/>
+          <a:lstStyle/>
+          <a:p>
+            <a:r>
+              <a:rPr lang="en-US" smtClean="0"/>
+              <a:t>© Elephant Scale, 2014</a:t>
+            </a:r>
+            <a:endParaRPr lang="en-US" dirty="0"/>
+          </a:p>
+        </p:txBody>
+      </p:sp>
+      <p:pic>
+        <p:nvPicPr>
+          <p:cNvPr id="5" name="Content Placeholder 4"/>
+          <p:cNvPicPr>
+            <a:picLocks noChangeAspect="1"/>
+          </p:cNvPicPr>
+          <p:nvPr/>
+        </p:nvPicPr>
+        <p:blipFill>
+          <a:blip r:embed="rId2"/>
+          <a:srcRect t="-8584" b="-8584"/>
+          <a:stretch>
+            <a:fillRect/>
+          </a:stretch>
+        </p:blipFill>
+        <p:spPr>
+          <a:xfrm>
+            <a:off x="650874" y="2133600"/>
+            <a:ext cx="7556313" cy="4144963"/>
+          </a:xfrm>
+          <a:prstGeom prst="rect">
+            <a:avLst/>
+          </a:prstGeom>
+        </p:spPr>
+      </p:pic>
+      <p:sp>
+        <p:nvSpPr>
+          <p:cNvPr id="6" name="Rounded Rectangular Callout 5"/>
+          <p:cNvSpPr/>
+          <p:nvPr/>
+        </p:nvSpPr>
+        <p:spPr>
+          <a:xfrm>
+            <a:off x="4349093" y="2257672"/>
+            <a:ext cx="1398381" cy="833800"/>
+          </a:xfrm>
+          <a:prstGeom prst="wedgeRoundRectCallout">
+            <a:avLst>
+              <a:gd name="adj1" fmla="val 96598"/>
+              <a:gd name="adj2" fmla="val 117885"/>
+              <a:gd name="adj3" fmla="val 16667"/>
+            </a:avLst>
+          </a:prstGeom>
+          <a:solidFill>
+            <a:srgbClr val="FEFC75"/>
+          </a:solidFill>
+        </p:spPr>
+        <p:style>
+          <a:lnRef idx="1">
+            <a:schemeClr val="accent1"/>
+          </a:lnRef>
+          <a:fillRef idx="3">
+            <a:schemeClr val="accent1"/>
+          </a:fillRef>
+          <a:effectRef idx="2">
+            <a:schemeClr val="accent1"/>
+          </a:effectRef>
+          <a:fontRef idx="minor">
+            <a:schemeClr val="lt1"/>
+          </a:fontRef>
+        </p:style>
+        <p:txBody>
+          <a:bodyPr rtlCol="0" anchor="ctr"/>
+          <a:lstStyle/>
+          <a:p>
+            <a:pPr algn="ctr"/>
             <a:r>
               <a:rPr lang="en-US" dirty="0" smtClean="0">
                 <a:solidFill>
-                  <a:srgbClr val="3366FF"/>
+                  <a:srgbClr val="000000"/>
                 </a:solidFill>
               </a:rPr>
-              <a:t>columnar </a:t>
-            </a:r>
-            <a:r>
-              <a:rPr lang="en-US" dirty="0" smtClean="0"/>
-              <a:t>format, heavily compressed</a:t>
-            </a:r>
-          </a:p>
-          <a:p>
-            <a:pPr>
-              <a:defRPr/>
-            </a:pPr>
-            <a:r>
-              <a:rPr lang="en-US" dirty="0" smtClean="0"/>
-              <a:t>Replaces Shark (earlier SQL engine on Spark)</a:t>
-            </a:r>
-          </a:p>
-          <a:p>
-            <a:pPr marL="0" indent="0">
-              <a:buFont typeface="Wingdings" charset="0"/>
-              <a:buNone/>
-              <a:defRPr/>
-            </a:pPr>
-            <a:endParaRPr lang="en-US" dirty="0" smtClean="0"/>
-          </a:p>
-          <a:p>
-            <a:endParaRPr lang="en-US" dirty="0"/>
-          </a:p>
-        </p:txBody>
-      </p:sp>
-      <p:sp>
-        <p:nvSpPr>
-          <p:cNvPr id="4" name="Footer Placeholder 3"/>
-          <p:cNvSpPr>
-            <a:spLocks noGrp="1"/>
-          </p:cNvSpPr>
-          <p:nvPr>
-            <p:ph type="ftr" sz="quarter" idx="11"/>
-          </p:nvPr>
-        </p:nvSpPr>
-        <p:spPr/>
-        <p:txBody>
-          <a:bodyPr/>
-          <a:lstStyle/>
-          <a:p>
-            <a:r>
-              <a:rPr lang="en-US" smtClean="0"/>
-              <a:t>© Elephant Scale, 2014</a:t>
-            </a:r>
-            <a:endParaRPr lang="en-US" dirty="0"/>
+              <a:t>Task is a mapper or reducer</a:t>
+            </a:r>
+            <a:endParaRPr lang="en-US" dirty="0">
+              <a:solidFill>
+                <a:srgbClr val="000000"/>
+              </a:solidFill>
+            </a:endParaRPr>
           </a:p>
         </p:txBody>
       </p:sp>
     </p:spTree>
     <p:extLst>
       <p:ext uri="{BB962C8B-B14F-4D97-AF65-F5344CB8AC3E}">
-        <p14:creationId xmlns:p14="http://schemas.microsoft.com/office/powerpoint/2010/main" val="3774429828"/>
+        <p14:creationId xmlns:p14="http://schemas.microsoft.com/office/powerpoint/2010/main" val="3464970240"/>
+      </p:ext>
+    </p:extLst>
+  </p:cSld>
+  <p:clrMapOvr>
+    <a:masterClrMapping/>
+  </p:clrMapOvr>
+</p:sld>
+</file>
+
+<file path=ppt/slides/slide48.xml><?xml version="1.0" encoding="utf-8"?>
+<p:sld xmlns:a="http://schemas.openxmlformats.org/drawingml/2006/main" xmlns:r="http://schemas.openxmlformats.org/officeDocument/2006/relationships" xmlns:p="http://schemas.openxmlformats.org/presentationml/2006/main">
+  <p:cSld>
+    <p:spTree>
+      <p:nvGrpSpPr>
+        <p:cNvPr id="1" name=""/>
+        <p:cNvGrpSpPr/>
+        <p:nvPr/>
+      </p:nvGrpSpPr>
+      <p:grpSpPr>
+        <a:xfrm>
+          <a:off x="0" y="0"/>
+          <a:ext cx="0" cy="0"/>
+          <a:chOff x="0" y="0"/>
+          <a:chExt cx="0" cy="0"/>
+        </a:xfrm>
+      </p:grpSpPr>
+      <p:sp>
+        <p:nvSpPr>
+          <p:cNvPr id="2" name="Title 1"/>
+          <p:cNvSpPr>
+            <a:spLocks noGrp="1"/>
+          </p:cNvSpPr>
+          <p:nvPr>
+            <p:ph type="title"/>
+          </p:nvPr>
+        </p:nvSpPr>
+        <p:spPr/>
+        <p:txBody>
+          <a:bodyPr/>
+          <a:lstStyle/>
+          <a:p>
+            <a:r>
+              <a:rPr lang="en-US" dirty="0" smtClean="0"/>
+              <a:t>Review Questions</a:t>
+            </a:r>
+            <a:endParaRPr lang="en-US" dirty="0"/>
+          </a:p>
+        </p:txBody>
+      </p:sp>
+      <p:sp>
+        <p:nvSpPr>
+          <p:cNvPr id="3" name="Content Placeholder 2"/>
+          <p:cNvSpPr>
+            <a:spLocks noGrp="1"/>
+          </p:cNvSpPr>
+          <p:nvPr>
+            <p:ph idx="1"/>
+          </p:nvPr>
+        </p:nvSpPr>
+        <p:spPr/>
+        <p:txBody>
+          <a:bodyPr/>
+          <a:lstStyle/>
+          <a:p>
+            <a:endParaRPr lang="en-US"/>
+          </a:p>
+        </p:txBody>
+      </p:sp>
+      <p:sp>
+        <p:nvSpPr>
+          <p:cNvPr id="4" name="Footer Placeholder 3"/>
+          <p:cNvSpPr>
+            <a:spLocks noGrp="1"/>
+          </p:cNvSpPr>
+          <p:nvPr>
+            <p:ph type="ftr" sz="quarter" idx="11"/>
+          </p:nvPr>
+        </p:nvSpPr>
+        <p:spPr/>
+        <p:txBody>
+          <a:bodyPr/>
+          <a:lstStyle/>
+          <a:p>
+            <a:r>
+              <a:rPr lang="en-US" smtClean="0"/>
+              <a:t>© Elephant Scale, 2014</a:t>
+            </a:r>
+            <a:endParaRPr lang="en-US" dirty="0"/>
+          </a:p>
+        </p:txBody>
+      </p:sp>
+    </p:spTree>
+    <p:extLst>
+      <p:ext uri="{BB962C8B-B14F-4D97-AF65-F5344CB8AC3E}">
+        <p14:creationId xmlns:p14="http://schemas.microsoft.com/office/powerpoint/2010/main" val="358190672"/>
+      </p:ext>
+    </p:extLst>
+  </p:cSld>
+  <p:clrMapOvr>
+    <a:masterClrMapping/>
+  </p:clrMapOvr>
+</p:sld>
+</file>
+
+<file path=ppt/slides/slide49.xml><?xml version="1.0" encoding="utf-8"?>
+<p:sld xmlns:a="http://schemas.openxmlformats.org/drawingml/2006/main" xmlns:r="http://schemas.openxmlformats.org/officeDocument/2006/relationships" xmlns:p="http://schemas.openxmlformats.org/presentationml/2006/main">
+  <p:cSld>
+    <p:spTree>
+      <p:nvGrpSpPr>
+        <p:cNvPr id="1" name=""/>
+        <p:cNvGrpSpPr/>
+        <p:nvPr/>
+      </p:nvGrpSpPr>
+      <p:grpSpPr>
+        <a:xfrm>
+          <a:off x="0" y="0"/>
+          <a:ext cx="0" cy="0"/>
+          <a:chOff x="0" y="0"/>
+          <a:chExt cx="0" cy="0"/>
+        </a:xfrm>
+      </p:grpSpPr>
+      <p:sp>
+        <p:nvSpPr>
+          <p:cNvPr id="2" name="Title 1"/>
+          <p:cNvSpPr>
+            <a:spLocks noGrp="1"/>
+          </p:cNvSpPr>
+          <p:nvPr>
+            <p:ph type="title"/>
+          </p:nvPr>
+        </p:nvSpPr>
+        <p:spPr/>
+        <p:txBody>
+          <a:bodyPr/>
+          <a:lstStyle/>
+          <a:p>
+            <a:r>
+              <a:rPr lang="en-US" dirty="0" smtClean="0"/>
+              <a:t>Lab : MapReduce Intro (15 </a:t>
+            </a:r>
+            <a:r>
+              <a:rPr lang="en-US" dirty="0" err="1" smtClean="0"/>
+              <a:t>mins</a:t>
+            </a:r>
+            <a:r>
+              <a:rPr lang="en-US" dirty="0" smtClean="0"/>
+              <a:t>)</a:t>
+            </a:r>
+            <a:endParaRPr lang="en-US" dirty="0"/>
+          </a:p>
+        </p:txBody>
+      </p:sp>
+      <p:sp>
+        <p:nvSpPr>
+          <p:cNvPr id="3" name="Content Placeholder 2"/>
+          <p:cNvSpPr>
+            <a:spLocks noGrp="1"/>
+          </p:cNvSpPr>
+          <p:nvPr>
+            <p:ph idx="1"/>
+          </p:nvPr>
+        </p:nvSpPr>
+        <p:spPr/>
+        <p:txBody>
+          <a:bodyPr/>
+          <a:lstStyle/>
+          <a:p>
+            <a:r>
+              <a:rPr lang="en-US" dirty="0" smtClean="0"/>
+              <a:t>1.4-mapreduce / </a:t>
+            </a:r>
+            <a:r>
+              <a:rPr lang="en-US" dirty="0" err="1" smtClean="0"/>
+              <a:t>README.txt</a:t>
+            </a:r>
+            <a:endParaRPr lang="en-US" dirty="0"/>
+          </a:p>
+        </p:txBody>
+      </p:sp>
+      <p:sp>
+        <p:nvSpPr>
+          <p:cNvPr id="4" name="Footer Placeholder 3"/>
+          <p:cNvSpPr>
+            <a:spLocks noGrp="1"/>
+          </p:cNvSpPr>
+          <p:nvPr>
+            <p:ph type="ftr" sz="quarter" idx="11"/>
+          </p:nvPr>
+        </p:nvSpPr>
+        <p:spPr/>
+        <p:txBody>
+          <a:bodyPr/>
+          <a:lstStyle/>
+          <a:p>
+            <a:r>
+              <a:rPr lang="en-US" smtClean="0"/>
+              <a:t>© Elephant Scale, 2014</a:t>
+            </a:r>
+            <a:endParaRPr lang="en-US" dirty="0"/>
+          </a:p>
+        </p:txBody>
+      </p:sp>
+    </p:spTree>
+    <p:extLst>
+      <p:ext uri="{BB962C8B-B14F-4D97-AF65-F5344CB8AC3E}">
+        <p14:creationId xmlns:p14="http://schemas.microsoft.com/office/powerpoint/2010/main" val="2914681554"/>
       </p:ext>
     </p:extLst>
   </p:cSld>
@@ -17190,6 +21003,337 @@
     <p:extLst>
       <p:ext uri="{BB962C8B-B14F-4D97-AF65-F5344CB8AC3E}">
         <p14:creationId xmlns:p14="http://schemas.microsoft.com/office/powerpoint/2010/main" val="1162198304"/>
+      </p:ext>
+    </p:extLst>
+  </p:cSld>
+  <p:clrMapOvr>
+    <a:masterClrMapping/>
+  </p:clrMapOvr>
+</p:sld>
+</file>
+
+<file path=ppt/slides/slide50.xml><?xml version="1.0" encoding="utf-8"?>
+<p:sld xmlns:a="http://schemas.openxmlformats.org/drawingml/2006/main" xmlns:r="http://schemas.openxmlformats.org/officeDocument/2006/relationships" xmlns:p="http://schemas.openxmlformats.org/presentationml/2006/main">
+  <p:cSld>
+    <p:spTree>
+      <p:nvGrpSpPr>
+        <p:cNvPr id="1" name=""/>
+        <p:cNvGrpSpPr/>
+        <p:nvPr/>
+      </p:nvGrpSpPr>
+      <p:grpSpPr>
+        <a:xfrm>
+          <a:off x="0" y="0"/>
+          <a:ext cx="0" cy="0"/>
+          <a:chOff x="0" y="0"/>
+          <a:chExt cx="0" cy="0"/>
+        </a:xfrm>
+      </p:grpSpPr>
+      <p:sp>
+        <p:nvSpPr>
+          <p:cNvPr id="2" name="Title 1"/>
+          <p:cNvSpPr>
+            <a:spLocks noGrp="1"/>
+          </p:cNvSpPr>
+          <p:nvPr>
+            <p:ph type="title"/>
+          </p:nvPr>
+        </p:nvSpPr>
+        <p:spPr/>
+        <p:txBody>
+          <a:bodyPr/>
+          <a:lstStyle/>
+          <a:p>
+            <a:r>
+              <a:rPr lang="en-US" dirty="0" smtClean="0"/>
+              <a:t>Lab : Clickstream Analysis (1.5 </a:t>
+            </a:r>
+            <a:r>
+              <a:rPr lang="en-US" dirty="0" err="1" smtClean="0"/>
+              <a:t>hrs</a:t>
+            </a:r>
+            <a:r>
+              <a:rPr lang="en-US" dirty="0" smtClean="0"/>
+              <a:t>)</a:t>
+            </a:r>
+            <a:endParaRPr lang="en-US" dirty="0"/>
+          </a:p>
+        </p:txBody>
+      </p:sp>
+      <p:sp>
+        <p:nvSpPr>
+          <p:cNvPr id="3" name="Content Placeholder 2"/>
+          <p:cNvSpPr>
+            <a:spLocks noGrp="1"/>
+          </p:cNvSpPr>
+          <p:nvPr>
+            <p:ph idx="1"/>
+          </p:nvPr>
+        </p:nvSpPr>
+        <p:spPr/>
+        <p:txBody>
+          <a:bodyPr/>
+          <a:lstStyle/>
+          <a:p>
+            <a:r>
+              <a:rPr lang="en-US" dirty="0" smtClean="0"/>
+              <a:t>1.4-mapreduce/</a:t>
+            </a:r>
+            <a:r>
+              <a:rPr lang="en-US" dirty="0" err="1" smtClean="0"/>
+              <a:t>clickstream.txt</a:t>
+            </a:r>
+            <a:endParaRPr lang="en-US" dirty="0"/>
+          </a:p>
+        </p:txBody>
+      </p:sp>
+      <p:sp>
+        <p:nvSpPr>
+          <p:cNvPr id="4" name="Footer Placeholder 3"/>
+          <p:cNvSpPr>
+            <a:spLocks noGrp="1"/>
+          </p:cNvSpPr>
+          <p:nvPr>
+            <p:ph type="ftr" sz="quarter" idx="11"/>
+          </p:nvPr>
+        </p:nvSpPr>
+        <p:spPr/>
+        <p:txBody>
+          <a:bodyPr/>
+          <a:lstStyle/>
+          <a:p>
+            <a:r>
+              <a:rPr lang="en-US" smtClean="0"/>
+              <a:t>© Elephant Scale, 2014</a:t>
+            </a:r>
+            <a:endParaRPr lang="en-US" dirty="0"/>
+          </a:p>
+        </p:txBody>
+      </p:sp>
+    </p:spTree>
+    <p:extLst>
+      <p:ext uri="{BB962C8B-B14F-4D97-AF65-F5344CB8AC3E}">
+        <p14:creationId xmlns:p14="http://schemas.microsoft.com/office/powerpoint/2010/main" val="2868729591"/>
+      </p:ext>
+    </p:extLst>
+  </p:cSld>
+  <p:clrMapOvr>
+    <a:masterClrMapping/>
+  </p:clrMapOvr>
+</p:sld>
+</file>
+
+<file path=ppt/slides/slide51.xml><?xml version="1.0" encoding="utf-8"?>
+<p:sld xmlns:a="http://schemas.openxmlformats.org/drawingml/2006/main" xmlns:r="http://schemas.openxmlformats.org/officeDocument/2006/relationships" xmlns:p="http://schemas.openxmlformats.org/presentationml/2006/main">
+  <p:cSld>
+    <p:spTree>
+      <p:nvGrpSpPr>
+        <p:cNvPr id="1" name=""/>
+        <p:cNvGrpSpPr/>
+        <p:nvPr/>
+      </p:nvGrpSpPr>
+      <p:grpSpPr>
+        <a:xfrm>
+          <a:off x="0" y="0"/>
+          <a:ext cx="0" cy="0"/>
+          <a:chOff x="0" y="0"/>
+          <a:chExt cx="0" cy="0"/>
+        </a:xfrm>
+      </p:grpSpPr>
+      <p:sp>
+        <p:nvSpPr>
+          <p:cNvPr id="2" name="Title 1"/>
+          <p:cNvSpPr>
+            <a:spLocks noGrp="1"/>
+          </p:cNvSpPr>
+          <p:nvPr>
+            <p:ph type="title"/>
+          </p:nvPr>
+        </p:nvSpPr>
+        <p:spPr/>
+        <p:txBody>
+          <a:bodyPr/>
+          <a:lstStyle/>
+          <a:p>
+            <a:r>
+              <a:rPr lang="en-US" dirty="0" smtClean="0"/>
+              <a:t>Thanks! &amp; Questions !</a:t>
+            </a:r>
+            <a:endParaRPr lang="en-US" dirty="0"/>
+          </a:p>
+        </p:txBody>
+      </p:sp>
+      <p:sp>
+        <p:nvSpPr>
+          <p:cNvPr id="3" name="Content Placeholder 2"/>
+          <p:cNvSpPr>
+            <a:spLocks noGrp="1"/>
+          </p:cNvSpPr>
+          <p:nvPr>
+            <p:ph idx="1"/>
+          </p:nvPr>
+        </p:nvSpPr>
+        <p:spPr/>
+        <p:txBody>
+          <a:bodyPr/>
+          <a:lstStyle/>
+          <a:p>
+            <a:endParaRPr lang="en-US"/>
+          </a:p>
+        </p:txBody>
+      </p:sp>
+      <p:sp>
+        <p:nvSpPr>
+          <p:cNvPr id="4" name="Footer Placeholder 3"/>
+          <p:cNvSpPr>
+            <a:spLocks noGrp="1"/>
+          </p:cNvSpPr>
+          <p:nvPr>
+            <p:ph type="ftr" sz="quarter" idx="11"/>
+          </p:nvPr>
+        </p:nvSpPr>
+        <p:spPr/>
+        <p:txBody>
+          <a:bodyPr/>
+          <a:lstStyle/>
+          <a:p>
+            <a:r>
+              <a:rPr lang="en-US" smtClean="0"/>
+              <a:t>© Elephant Scale, 2014</a:t>
+            </a:r>
+            <a:endParaRPr lang="en-US" dirty="0"/>
+          </a:p>
+        </p:txBody>
+      </p:sp>
+    </p:spTree>
+    <p:extLst>
+      <p:ext uri="{BB962C8B-B14F-4D97-AF65-F5344CB8AC3E}">
+        <p14:creationId xmlns:p14="http://schemas.microsoft.com/office/powerpoint/2010/main" val="3695882192"/>
+      </p:ext>
+    </p:extLst>
+  </p:cSld>
+  <p:clrMapOvr>
+    <a:masterClrMapping/>
+  </p:clrMapOvr>
+</p:sld>
+</file>
+
+<file path=ppt/slides/slide52.xml><?xml version="1.0" encoding="utf-8"?>
+<p:sld xmlns:a="http://schemas.openxmlformats.org/drawingml/2006/main" xmlns:r="http://schemas.openxmlformats.org/officeDocument/2006/relationships" xmlns:p="http://schemas.openxmlformats.org/presentationml/2006/main">
+  <p:cSld>
+    <p:spTree>
+      <p:nvGrpSpPr>
+        <p:cNvPr id="1" name=""/>
+        <p:cNvGrpSpPr/>
+        <p:nvPr/>
+      </p:nvGrpSpPr>
+      <p:grpSpPr>
+        <a:xfrm>
+          <a:off x="0" y="0"/>
+          <a:ext cx="0" cy="0"/>
+          <a:chOff x="0" y="0"/>
+          <a:chExt cx="0" cy="0"/>
+        </a:xfrm>
+      </p:grpSpPr>
+      <p:sp>
+        <p:nvSpPr>
+          <p:cNvPr id="2" name="Title 1"/>
+          <p:cNvSpPr>
+            <a:spLocks noGrp="1"/>
+          </p:cNvSpPr>
+          <p:nvPr>
+            <p:ph type="title"/>
+          </p:nvPr>
+        </p:nvSpPr>
+        <p:spPr/>
+        <p:txBody>
+          <a:bodyPr/>
+          <a:lstStyle/>
+          <a:p>
+            <a:r>
+              <a:rPr lang="en-US" dirty="0" smtClean="0"/>
+              <a:t>Credits </a:t>
+            </a:r>
+            <a:endParaRPr lang="en-US" dirty="0"/>
+          </a:p>
+        </p:txBody>
+      </p:sp>
+      <p:sp>
+        <p:nvSpPr>
+          <p:cNvPr id="3" name="Content Placeholder 2"/>
+          <p:cNvSpPr>
+            <a:spLocks noGrp="1"/>
+          </p:cNvSpPr>
+          <p:nvPr>
+            <p:ph idx="1"/>
+          </p:nvPr>
+        </p:nvSpPr>
+        <p:spPr/>
+        <p:txBody>
+          <a:bodyPr/>
+          <a:lstStyle/>
+          <a:p>
+            <a:r>
+              <a:rPr lang="en-US" dirty="0">
+                <a:hlinkClick r:id="rId2"/>
+              </a:rPr>
+              <a:t>http://spark.apache.org</a:t>
+            </a:r>
+            <a:r>
+              <a:rPr lang="en-US" dirty="0" smtClean="0">
+                <a:hlinkClick r:id="rId2"/>
+              </a:rPr>
+              <a:t>/</a:t>
+            </a:r>
+            <a:endParaRPr lang="en-US" dirty="0" smtClean="0"/>
+          </a:p>
+          <a:p>
+            <a:r>
+              <a:rPr lang="en-US" dirty="0">
+                <a:hlinkClick r:id="rId3"/>
+              </a:rPr>
+              <a:t>http://</a:t>
+            </a:r>
+            <a:r>
+              <a:rPr lang="en-US" dirty="0" smtClean="0">
+                <a:hlinkClick r:id="rId3"/>
+              </a:rPr>
+              <a:t>www.strategictechplanning.com</a:t>
+            </a:r>
+            <a:endParaRPr lang="en-US" dirty="0"/>
+          </a:p>
+          <a:p>
+            <a:endParaRPr lang="en-US" dirty="0"/>
+          </a:p>
+        </p:txBody>
+      </p:sp>
+      <p:sp>
+        <p:nvSpPr>
+          <p:cNvPr id="4" name="Footer Placeholder 3"/>
+          <p:cNvSpPr>
+            <a:spLocks noGrp="1"/>
+          </p:cNvSpPr>
+          <p:nvPr>
+            <p:ph type="ftr" sz="quarter" idx="11"/>
+          </p:nvPr>
+        </p:nvSpPr>
+        <p:spPr/>
+        <p:txBody>
+          <a:bodyPr/>
+          <a:lstStyle/>
+          <a:p>
+            <a:r>
+              <a:rPr lang="en-US" smtClean="0"/>
+              <a:t>© Elephant Scale, 2014</a:t>
+            </a:r>
+            <a:endParaRPr lang="en-US" dirty="0"/>
+          </a:p>
+        </p:txBody>
+      </p:sp>
+    </p:spTree>
+    <p:extLst>
+      <p:ext uri="{BB962C8B-B14F-4D97-AF65-F5344CB8AC3E}">
+        <p14:creationId xmlns:p14="http://schemas.microsoft.com/office/powerpoint/2010/main" val="3799230133"/>
       </p:ext>
     </p:extLst>
   </p:cSld>
@@ -17431,11 +21575,6 @@
               </a:rPr>
               <a:t>Streaming Sources</a:t>
             </a:r>
-            <a:endParaRPr lang="en-US" dirty="0">
-              <a:solidFill>
-                <a:srgbClr val="000000"/>
-              </a:solidFill>
-            </a:endParaRPr>
           </a:p>
         </p:txBody>
       </p:sp>
@@ -17493,11 +21632,6 @@
               </a:rPr>
               <a:t>Storage</a:t>
             </a:r>
-            <a:endParaRPr lang="en-US" dirty="0">
-              <a:solidFill>
-                <a:srgbClr val="000000"/>
-              </a:solidFill>
-            </a:endParaRPr>
           </a:p>
         </p:txBody>
       </p:sp>

--- a/slides/02_Spark_Intro.pptx
+++ b/slides/02_Spark_Intro.pptx
@@ -5,10 +5,10 @@
     <p:sldMasterId id="2147483672" r:id="rId1"/>
   </p:sldMasterIdLst>
   <p:notesMasterIdLst>
-    <p:notesMasterId r:id="rId54"/>
+    <p:notesMasterId r:id="rId57"/>
   </p:notesMasterIdLst>
   <p:handoutMasterIdLst>
-    <p:handoutMasterId r:id="rId55"/>
+    <p:handoutMasterId r:id="rId58"/>
   </p:handoutMasterIdLst>
   <p:sldIdLst>
     <p:sldId id="258" r:id="rId2"/>
@@ -29,40 +29,43 @@
     <p:sldId id="310" r:id="rId17"/>
     <p:sldId id="309" r:id="rId18"/>
     <p:sldId id="276" r:id="rId19"/>
-    <p:sldId id="287" r:id="rId20"/>
-    <p:sldId id="289" r:id="rId21"/>
-    <p:sldId id="277" r:id="rId22"/>
+    <p:sldId id="289" r:id="rId20"/>
+    <p:sldId id="277" r:id="rId21"/>
+    <p:sldId id="333" r:id="rId22"/>
     <p:sldId id="290" r:id="rId23"/>
-    <p:sldId id="288" r:id="rId24"/>
-    <p:sldId id="269" r:id="rId25"/>
-    <p:sldId id="291" r:id="rId26"/>
-    <p:sldId id="278" r:id="rId27"/>
-    <p:sldId id="307" r:id="rId28"/>
-    <p:sldId id="311" r:id="rId29"/>
-    <p:sldId id="314" r:id="rId30"/>
-    <p:sldId id="312" r:id="rId31"/>
-    <p:sldId id="313" r:id="rId32"/>
-    <p:sldId id="315" r:id="rId33"/>
-    <p:sldId id="317" r:id="rId34"/>
-    <p:sldId id="320" r:id="rId35"/>
-    <p:sldId id="318" r:id="rId36"/>
-    <p:sldId id="321" r:id="rId37"/>
-    <p:sldId id="323" r:id="rId38"/>
-    <p:sldId id="322" r:id="rId39"/>
-    <p:sldId id="324" r:id="rId40"/>
-    <p:sldId id="293" r:id="rId41"/>
-    <p:sldId id="325" r:id="rId42"/>
-    <p:sldId id="294" r:id="rId43"/>
-    <p:sldId id="296" r:id="rId44"/>
-    <p:sldId id="297" r:id="rId45"/>
-    <p:sldId id="326" r:id="rId46"/>
-    <p:sldId id="327" r:id="rId47"/>
-    <p:sldId id="330" r:id="rId48"/>
-    <p:sldId id="329" r:id="rId49"/>
-    <p:sldId id="331" r:id="rId50"/>
-    <p:sldId id="332" r:id="rId51"/>
-    <p:sldId id="328" r:id="rId52"/>
-    <p:sldId id="275" r:id="rId53"/>
+    <p:sldId id="334" r:id="rId24"/>
+    <p:sldId id="288" r:id="rId25"/>
+    <p:sldId id="335" r:id="rId26"/>
+    <p:sldId id="336" r:id="rId27"/>
+    <p:sldId id="287" r:id="rId28"/>
+    <p:sldId id="291" r:id="rId29"/>
+    <p:sldId id="278" r:id="rId30"/>
+    <p:sldId id="307" r:id="rId31"/>
+    <p:sldId id="311" r:id="rId32"/>
+    <p:sldId id="314" r:id="rId33"/>
+    <p:sldId id="312" r:id="rId34"/>
+    <p:sldId id="313" r:id="rId35"/>
+    <p:sldId id="315" r:id="rId36"/>
+    <p:sldId id="317" r:id="rId37"/>
+    <p:sldId id="320" r:id="rId38"/>
+    <p:sldId id="318" r:id="rId39"/>
+    <p:sldId id="321" r:id="rId40"/>
+    <p:sldId id="323" r:id="rId41"/>
+    <p:sldId id="322" r:id="rId42"/>
+    <p:sldId id="324" r:id="rId43"/>
+    <p:sldId id="293" r:id="rId44"/>
+    <p:sldId id="325" r:id="rId45"/>
+    <p:sldId id="294" r:id="rId46"/>
+    <p:sldId id="296" r:id="rId47"/>
+    <p:sldId id="297" r:id="rId48"/>
+    <p:sldId id="326" r:id="rId49"/>
+    <p:sldId id="327" r:id="rId50"/>
+    <p:sldId id="330" r:id="rId51"/>
+    <p:sldId id="329" r:id="rId52"/>
+    <p:sldId id="331" r:id="rId53"/>
+    <p:sldId id="332" r:id="rId54"/>
+    <p:sldId id="328" r:id="rId55"/>
+    <p:sldId id="275" r:id="rId56"/>
   </p:sldIdLst>
   <p:sldSz cx="9144000" cy="6858000" type="screen4x3"/>
   <p:notesSz cx="6858000" cy="9144000"/>
@@ -246,7 +249,7 @@
           <a:p>
             <a:fld id="{F417C17C-C22B-5A4D-86C6-03CADFB916E7}" type="datetimeFigureOut">
               <a:rPr lang="en-US" smtClean="0"/>
-              <a:t>1/29/15</a:t>
+              <a:t>2/12/15</a:t>
             </a:fld>
             <a:endParaRPr lang="en-US"/>
           </a:p>
@@ -412,7 +415,7 @@
           <a:p>
             <a:fld id="{F94EDEDA-1CEA-BB4E-9B95-2149BD5068F1}" type="datetimeFigureOut">
               <a:rPr lang="en-US" smtClean="0"/>
-              <a:t>1/29/15</a:t>
+              <a:t>2/12/15</a:t>
             </a:fld>
             <a:endParaRPr lang="en-US"/>
           </a:p>
@@ -782,7 +785,7 @@
           <a:p>
             <a:fld id="{FA6F1241-889B-AD4D-909B-32DF63E6C49F}" type="slidenum">
               <a:rPr lang="en-US" smtClean="0"/>
-              <a:t>35</a:t>
+              <a:t>38</a:t>
             </a:fld>
             <a:endParaRPr lang="en-US"/>
           </a:p>
@@ -1002,7 +1005,7 @@
           <a:p>
             <a:fld id="{9F1B846B-8A2D-1B40-9656-03CBE7C30F89}" type="datetime1">
               <a:rPr lang="en-US" smtClean="0"/>
-              <a:t>1/29/15</a:t>
+              <a:t>2/12/15</a:t>
             </a:fld>
             <a:endParaRPr lang="en-US"/>
           </a:p>
@@ -1460,7 +1463,7 @@
           <a:p>
             <a:fld id="{3AC6D651-2F6B-4F44-9AC2-2874A650DFFF}" type="datetime1">
               <a:rPr lang="en-US" smtClean="0"/>
-              <a:t>1/29/15</a:t>
+              <a:t>2/12/15</a:t>
             </a:fld>
             <a:endParaRPr lang="en-US"/>
           </a:p>
@@ -2007,7 +2010,7 @@
           <a:p>
             <a:fld id="{2F9368DD-AF8D-A84E-B015-C56E16CCA0B8}" type="datetime1">
               <a:rPr lang="en-US" smtClean="0"/>
-              <a:t>1/29/15</a:t>
+              <a:t>2/12/15</a:t>
             </a:fld>
             <a:endParaRPr lang="en-US"/>
           </a:p>
@@ -2147,7 +2150,7 @@
           <a:p>
             <a:fld id="{51EECA03-0EFE-AE49-AEC4-FF5FAA3318FF}" type="datetime1">
               <a:rPr lang="en-US" smtClean="0"/>
-              <a:t>1/29/15</a:t>
+              <a:t>2/12/15</a:t>
             </a:fld>
             <a:endParaRPr lang="en-US"/>
           </a:p>
@@ -2489,7 +2492,7 @@
           <a:p>
             <a:fld id="{AC99F442-9D35-CD43-AF7C-482407A7E448}" type="datetime1">
               <a:rPr lang="en-US" smtClean="0"/>
-              <a:t>1/29/15</a:t>
+              <a:t>2/12/15</a:t>
             </a:fld>
             <a:endParaRPr lang="en-US"/>
           </a:p>
@@ -2819,7 +2822,7 @@
           <a:p>
             <a:fld id="{6FF29FFD-6E86-7D41-8B06-D97C95FD9989}" type="datetime1">
               <a:rPr lang="en-US" smtClean="0"/>
-              <a:t>1/29/15</a:t>
+              <a:t>2/12/15</a:t>
             </a:fld>
             <a:endParaRPr lang="en-US"/>
           </a:p>
@@ -3121,7 +3124,7 @@
           <a:p>
             <a:fld id="{A7DDD598-7C70-AD4A-A0DD-92D30AAA5510}" type="datetime1">
               <a:rPr lang="en-US" smtClean="0"/>
-              <a:t>1/29/15</a:t>
+              <a:t>2/12/15</a:t>
             </a:fld>
             <a:endParaRPr lang="en-US"/>
           </a:p>
@@ -3512,7 +3515,7 @@
           <a:p>
             <a:fld id="{69AB95C5-5C4D-2440-955D-3D443FE41120}" type="datetime1">
               <a:rPr lang="en-US" smtClean="0"/>
-              <a:t>1/29/15</a:t>
+              <a:t>2/12/15</a:t>
             </a:fld>
             <a:endParaRPr lang="en-US"/>
           </a:p>
@@ -3936,7 +3939,7 @@
           <a:p>
             <a:fld id="{7A3B19C7-97AD-7A44-9B9C-A4CD352EDF8C}" type="datetime1">
               <a:rPr lang="en-US" smtClean="0"/>
-              <a:t>1/29/15</a:t>
+              <a:t>2/12/15</a:t>
             </a:fld>
             <a:endParaRPr lang="en-US"/>
           </a:p>
@@ -4488,7 +4491,7 @@
           <a:p>
             <a:fld id="{400A512E-66E8-C943-9CDD-ABCDE7307FC5}" type="datetime1">
               <a:rPr lang="en-US" smtClean="0"/>
-              <a:t>1/29/15</a:t>
+              <a:t>2/12/15</a:t>
             </a:fld>
             <a:endParaRPr lang="en-US"/>
           </a:p>
@@ -4850,7 +4853,7 @@
           <a:p>
             <a:fld id="{275737D3-87B9-8A41-9F3E-456EAA10E2F7}" type="datetime1">
               <a:rPr lang="en-US" smtClean="0"/>
-              <a:t>1/29/15</a:t>
+              <a:t>2/12/15</a:t>
             </a:fld>
             <a:endParaRPr lang="en-US"/>
           </a:p>
@@ -5069,7 +5072,7 @@
           <a:p>
             <a:fld id="{3B13B7C4-28A5-CB48-9F90-61EEE4FDDD8B}" type="datetime1">
               <a:rPr lang="en-US" smtClean="0"/>
-              <a:t>1/29/15</a:t>
+              <a:t>2/12/15</a:t>
             </a:fld>
             <a:endParaRPr lang="en-US"/>
           </a:p>
@@ -5380,7 +5383,7 @@
           <a:p>
             <a:fld id="{FB820ADC-A989-0B43-894B-CC8B88A6A058}" type="datetime1">
               <a:rPr lang="en-US" smtClean="0"/>
-              <a:t>1/29/15</a:t>
+              <a:t>2/12/15</a:t>
             </a:fld>
             <a:endParaRPr lang="en-US"/>
           </a:p>
@@ -5640,7 +5643,7 @@
           <a:p>
             <a:fld id="{6EFD7B0D-1D9A-AA44-8AA0-36F432394321}" type="datetime1">
               <a:rPr lang="en-US" smtClean="0"/>
-              <a:t>1/29/15</a:t>
+              <a:t>2/12/15</a:t>
             </a:fld>
             <a:endParaRPr lang="en-US"/>
           </a:p>
@@ -6033,7 +6036,7 @@
           <a:p>
             <a:fld id="{8391D6BE-CC5A-F441-BF5C-132B93EAE0B9}" type="datetime1">
               <a:rPr lang="en-US" smtClean="0"/>
-              <a:t>1/29/15</a:t>
+              <a:t>2/12/15</a:t>
             </a:fld>
             <a:endParaRPr lang="en-US"/>
           </a:p>
@@ -6626,7 +6629,7 @@
           <a:p>
             <a:fld id="{7F9E5D33-2821-C642-A5E0-67CD027085C0}" type="datetime1">
               <a:rPr lang="en-US" smtClean="0"/>
-              <a:t>1/29/15</a:t>
+              <a:t>2/12/15</a:t>
             </a:fld>
             <a:endParaRPr lang="en-US"/>
           </a:p>
@@ -7145,7 +7148,7 @@
           <a:p>
             <a:fld id="{B4EE926D-75E4-7C4A-80EF-E6F745BAF0A6}" type="datetime1">
               <a:rPr lang="en-US" smtClean="0"/>
-              <a:t>1/29/15</a:t>
+              <a:t>2/12/15</a:t>
             </a:fld>
             <a:endParaRPr lang="en-US"/>
           </a:p>
@@ -7522,7 +7525,7 @@
           <a:p>
             <a:fld id="{1799AEC9-6A91-FD48-8C26-85D761A9AB9A}" type="datetime1">
               <a:rPr lang="en-US" smtClean="0"/>
-              <a:t>1/29/15</a:t>
+              <a:t>2/12/15</a:t>
             </a:fld>
             <a:endParaRPr lang="en-US"/>
           </a:p>
@@ -7925,7 +7928,7 @@
           <a:p>
             <a:fld id="{72AB3F87-F2CF-AA47-8A3C-25D7BBB8800D}" type="datetime1">
               <a:rPr lang="en-US" smtClean="0"/>
-              <a:t>1/29/15</a:t>
+              <a:t>2/12/15</a:t>
             </a:fld>
             <a:endParaRPr lang="en-US"/>
           </a:p>
@@ -8349,7 +8352,7 @@
           <a:p>
             <a:fld id="{017A4C3A-78B7-E146-B561-C5924296E830}" type="datetime1">
               <a:rPr lang="en-US" smtClean="0"/>
-              <a:t>1/29/15</a:t>
+              <a:t>2/12/15</a:t>
             </a:fld>
             <a:endParaRPr lang="en-US"/>
           </a:p>
@@ -8736,7 +8739,7 @@
           <a:p>
             <a:fld id="{9F7D4429-93BD-BC4F-94A7-C9B3C2CD0DC0}" type="datetime1">
               <a:rPr lang="en-US" smtClean="0"/>
-              <a:t>1/29/15</a:t>
+              <a:t>2/12/15</a:t>
             </a:fld>
             <a:endParaRPr lang="en-US"/>
           </a:p>
@@ -10021,11 +10024,7 @@
           <a:p>
             <a:r>
               <a:rPr lang="en-US" dirty="0" smtClean="0"/>
-              <a:t>Lab : First Look at </a:t>
-            </a:r>
-            <a:r>
-              <a:rPr lang="en-US" dirty="0" smtClean="0"/>
-              <a:t>Spark (15 </a:t>
+              <a:t>Lab : First Look at Spark (15 </a:t>
             </a:r>
             <a:r>
               <a:rPr lang="en-US" dirty="0" err="1" smtClean="0"/>
@@ -10091,14 +10090,7 @@
                 <a:latin typeface="Andale Mono"/>
                 <a:cs typeface="Andale Mono"/>
               </a:rPr>
-              <a:t>cd  </a:t>
-            </a:r>
-            <a:r>
-              <a:rPr lang="en-US" dirty="0" smtClean="0">
-                <a:latin typeface="Andale Mono"/>
-                <a:cs typeface="Andale Mono"/>
-              </a:rPr>
-              <a:t>~/spark-labs</a:t>
+              <a:t>cd  ~/spark-labs</a:t>
             </a:r>
             <a:br>
               <a:rPr lang="en-US" dirty="0" smtClean="0">
@@ -10125,14 +10117,7 @@
                 <a:latin typeface="Andale Mono"/>
                 <a:cs typeface="Andale Mono"/>
               </a:rPr>
-              <a:t> </a:t>
-            </a:r>
-            <a:r>
-              <a:rPr lang="en-US" dirty="0" smtClean="0">
-                <a:latin typeface="Andale Mono"/>
-                <a:cs typeface="Andale Mono"/>
-              </a:rPr>
-              <a:t>pull</a:t>
+              <a:t> pull</a:t>
             </a:r>
           </a:p>
           <a:p>
@@ -10473,6 +10458,13 @@
   <p:clrMapOvr>
     <a:masterClrMapping/>
   </p:clrMapOvr>
+  <p:timing>
+    <p:tnLst>
+      <p:par>
+        <p:cTn xmlns:p14="http://schemas.microsoft.com/office/powerpoint/2010/main" id="1" dur="indefinite" restart="never" nodeType="tmRoot"/>
+      </p:par>
+    </p:tnLst>
+  </p:timing>
 </p:sld>
 </file>
 
@@ -11032,6 +11024,13 @@
   <p:clrMapOvr>
     <a:masterClrMapping/>
   </p:clrMapOvr>
+  <p:timing>
+    <p:tnLst>
+      <p:par>
+        <p:cTn xmlns:p14="http://schemas.microsoft.com/office/powerpoint/2010/main" id="1" dur="indefinite" restart="never" nodeType="tmRoot"/>
+      </p:par>
+    </p:tnLst>
+  </p:timing>
 </p:sld>
 </file>
 
@@ -11069,11 +11068,7 @@
           <a:p>
             <a:r>
               <a:rPr lang="en-US" dirty="0" smtClean="0"/>
-              <a:t>Lab : </a:t>
-            </a:r>
-            <a:r>
-              <a:rPr lang="en-US" dirty="0" smtClean="0"/>
-              <a:t> Spark Shell (15 </a:t>
+              <a:t>Lab :  Spark Shell (15 </a:t>
             </a:r>
             <a:r>
               <a:rPr lang="en-US" dirty="0" err="1" smtClean="0"/>
@@ -11170,6 +11165,13 @@
   <p:clrMapOvr>
     <a:masterClrMapping/>
   </p:clrMapOvr>
+  <p:timing>
+    <p:tnLst>
+      <p:par>
+        <p:cTn xmlns:p14="http://schemas.microsoft.com/office/powerpoint/2010/main" id="1" dur="indefinite" restart="never" nodeType="tmRoot"/>
+      </p:par>
+    </p:tnLst>
+  </p:timing>
 </p:sld>
 </file>
 
@@ -11207,7 +11209,11 @@
           <a:p>
             <a:r>
               <a:rPr lang="en-US" dirty="0" smtClean="0"/>
-              <a:t>Spark Data Model : RDD</a:t>
+              <a:t>Spark Data Model : </a:t>
+            </a:r>
+            <a:r>
+              <a:rPr lang="en-US" dirty="0" smtClean="0"/>
+              <a:t>RDD (Resilient Distributed Datasets)</a:t>
             </a:r>
             <a:endParaRPr lang="en-US" dirty="0"/>
           </a:p>
@@ -11226,48 +11232,10 @@
         <p:spPr/>
         <p:txBody>
           <a:bodyPr>
-            <a:normAutofit/>
+            <a:normAutofit lnSpcReduction="10000"/>
           </a:bodyPr>
           <a:lstStyle/>
           <a:p>
-            <a:r>
-              <a:rPr lang="en-US" dirty="0" smtClean="0"/>
-              <a:t>Resilient Distributed Dataset (RDD)</a:t>
-            </a:r>
-          </a:p>
-          <a:p>
-            <a:r>
-              <a:rPr lang="en-US" dirty="0" smtClean="0"/>
-              <a:t>Can live in </a:t>
-            </a:r>
-          </a:p>
-          <a:p>
-            <a:pPr lvl="1"/>
-            <a:r>
-              <a:rPr lang="en-US" dirty="0" smtClean="0"/>
-              <a:t>Memory (best case scenario)</a:t>
-            </a:r>
-          </a:p>
-          <a:p>
-            <a:pPr lvl="1"/>
-            <a:r>
-              <a:rPr lang="en-US" dirty="0" smtClean="0"/>
-              <a:t>Or on disk (FS,  HDFS,  S3 …</a:t>
-            </a:r>
-            <a:r>
-              <a:rPr lang="en-US" dirty="0" err="1" smtClean="0"/>
-              <a:t>etc</a:t>
-            </a:r>
-            <a:r>
-              <a:rPr lang="en-US" dirty="0" smtClean="0"/>
-              <a:t>)</a:t>
-            </a:r>
-          </a:p>
-          <a:p>
-            <a:r>
-              <a:rPr lang="en-US" dirty="0" smtClean="0"/>
-              <a:t>Each RDD is split into multiple </a:t>
-            </a:r>
             <a:r>
               <a:rPr lang="en-US" dirty="0" smtClean="0">
                 <a:solidFill>
@@ -11277,20 +11245,123 @@
                   </a:schemeClr>
                 </a:solidFill>
               </a:rPr>
+              <a:t>Immutable</a:t>
+            </a:r>
+            <a:r>
+              <a:rPr lang="en-US" dirty="0" smtClean="0"/>
+              <a:t> : can not be changed</a:t>
+            </a:r>
+            <a:endParaRPr lang="en-US" dirty="0" smtClean="0"/>
+          </a:p>
+          <a:p>
+            <a:r>
+              <a:rPr lang="en-US" dirty="0"/>
+              <a:t>Each RDD is split into multiple </a:t>
+            </a:r>
+            <a:r>
+              <a:rPr lang="en-US" dirty="0">
+                <a:solidFill>
+                  <a:schemeClr val="tx2">
+                    <a:lumMod val="50000"/>
+                    <a:lumOff val="50000"/>
+                  </a:schemeClr>
+                </a:solidFill>
+              </a:rPr>
               <a:t>partitions </a:t>
             </a:r>
           </a:p>
           <a:p>
-            <a:r>
-              <a:rPr lang="en-US" dirty="0" smtClean="0"/>
+            <a:pPr lvl="1"/>
+            <a:r>
+              <a:rPr lang="en-US" dirty="0"/>
               <a:t>Partitions may live on different nodes</a:t>
             </a:r>
           </a:p>
           <a:p>
-            <a:r>
-              <a:rPr lang="en-US" dirty="0" smtClean="0"/>
-              <a:t>Partitions can be computed in parallel on different nodes</a:t>
-            </a:r>
+            <a:pPr lvl="1"/>
+            <a:r>
+              <a:rPr lang="en-US" dirty="0"/>
+              <a:t>Partitions can be computed in parallel on different </a:t>
+            </a:r>
+            <a:r>
+              <a:rPr lang="en-US" dirty="0" smtClean="0"/>
+              <a:t>nodes</a:t>
+            </a:r>
+            <a:endParaRPr lang="en-US" dirty="0" smtClean="0"/>
+          </a:p>
+          <a:p>
+            <a:r>
+              <a:rPr lang="en-US" dirty="0" smtClean="0"/>
+              <a:t>Can </a:t>
+            </a:r>
+            <a:r>
+              <a:rPr lang="en-US" dirty="0" smtClean="0"/>
+              <a:t>live in </a:t>
+            </a:r>
+          </a:p>
+          <a:p>
+            <a:pPr lvl="1"/>
+            <a:r>
+              <a:rPr lang="en-US" dirty="0" smtClean="0"/>
+              <a:t>Memory (best case scenario)</a:t>
+            </a:r>
+          </a:p>
+          <a:p>
+            <a:pPr lvl="1"/>
+            <a:r>
+              <a:rPr lang="en-US" dirty="0" smtClean="0"/>
+              <a:t>Or on disk (FS,  HDFS,  S3 …</a:t>
+            </a:r>
+            <a:r>
+              <a:rPr lang="en-US" dirty="0" err="1" smtClean="0"/>
+              <a:t>etc</a:t>
+            </a:r>
+            <a:r>
+              <a:rPr lang="en-US" dirty="0" smtClean="0"/>
+              <a:t>)</a:t>
+            </a:r>
+          </a:p>
+          <a:p>
+            <a:r>
+              <a:rPr lang="en-US" dirty="0" smtClean="0"/>
+              <a:t>RDDs have ‘</a:t>
+            </a:r>
+            <a:r>
+              <a:rPr lang="en-US" dirty="0" smtClean="0">
+                <a:solidFill>
+                  <a:srgbClr val="B465BB"/>
+                </a:solidFill>
+              </a:rPr>
+              <a:t>lineage</a:t>
+            </a:r>
+            <a:r>
+              <a:rPr lang="en-US" dirty="0" smtClean="0"/>
+              <a:t>’ (rdd1 </a:t>
+            </a:r>
+            <a:r>
+              <a:rPr lang="en-US" dirty="0" smtClean="0">
+                <a:sym typeface="Wingdings"/>
+              </a:rPr>
+              <a:t> rdd2  rdd3)</a:t>
+            </a:r>
+          </a:p>
+          <a:p>
+            <a:r>
+              <a:rPr lang="en-US" dirty="0" smtClean="0">
+                <a:solidFill>
+                  <a:srgbClr val="B465BB"/>
+                </a:solidFill>
+                <a:sym typeface="Wingdings"/>
+              </a:rPr>
+              <a:t>Fault tolerant  </a:t>
+            </a:r>
+            <a:r>
+              <a:rPr lang="en-US" dirty="0" smtClean="0">
+                <a:sym typeface="Wingdings"/>
+              </a:rPr>
+              <a:t>: if a partition is lost (node crash) it is re-computed</a:t>
+            </a:r>
+            <a:endParaRPr lang="en-US" dirty="0" smtClean="0"/>
           </a:p>
           <a:p>
             <a:endParaRPr lang="en-US" dirty="0"/>
@@ -11330,6 +11401,13 @@
   <p:clrMapOvr>
     <a:masterClrMapping/>
   </p:clrMapOvr>
+  <p:timing>
+    <p:tnLst>
+      <p:par>
+        <p:cTn xmlns:p14="http://schemas.microsoft.com/office/powerpoint/2010/main" id="1" dur="indefinite" restart="never" nodeType="tmRoot"/>
+      </p:par>
+    </p:tnLst>
+  </p:timing>
 </p:sld>
 </file>
 
@@ -11367,7 +11445,7 @@
           <a:p>
             <a:r>
               <a:rPr lang="en-US" dirty="0" smtClean="0"/>
-              <a:t>RDD : Loading</a:t>
+              <a:t>RDD Operations</a:t>
             </a:r>
             <a:endParaRPr lang="en-US" dirty="0"/>
           </a:p>
@@ -11385,57 +11463,101 @@
         </p:nvSpPr>
         <p:spPr/>
         <p:txBody>
-          <a:bodyPr/>
-          <a:lstStyle/>
-          <a:p>
-            <a:r>
-              <a:rPr lang="en-US" dirty="0" smtClean="0"/>
-              <a:t>Use Spark context to load RDDs from disk / external storage</a:t>
-            </a:r>
-          </a:p>
-          <a:p>
-            <a:pPr marL="0" indent="0">
-              <a:buNone/>
-            </a:pPr>
-            <a:r>
-              <a:rPr lang="en-US" dirty="0" err="1" smtClean="0"/>
-              <a:t>sc.textFile</a:t>
-            </a:r>
-            <a:r>
-              <a:rPr lang="en-US" dirty="0" smtClean="0"/>
-              <a:t>(“/data/input1.txt”)  // single file</a:t>
-            </a:r>
-          </a:p>
-          <a:p>
-            <a:pPr marL="0" indent="0">
-              <a:buNone/>
-            </a:pPr>
-            <a:r>
-              <a:rPr lang="en-US" dirty="0" err="1" smtClean="0"/>
-              <a:t>Sc.textFile</a:t>
-            </a:r>
-            <a:r>
-              <a:rPr lang="en-US" dirty="0" smtClean="0"/>
-              <a:t>(“/data/”)  // load all files under </a:t>
-            </a:r>
-            <a:r>
-              <a:rPr lang="en-US" dirty="0" err="1" smtClean="0"/>
-              <a:t>dir</a:t>
-            </a:r>
-            <a:endParaRPr lang="en-US" dirty="0" smtClean="0"/>
-          </a:p>
-          <a:p>
-            <a:pPr marL="0" indent="0">
-              <a:buNone/>
-            </a:pPr>
-            <a:r>
-              <a:rPr lang="en-US" dirty="0" err="1" smtClean="0"/>
-              <a:t>Sc.textFile</a:t>
-            </a:r>
-            <a:r>
-              <a:rPr lang="en-US" dirty="0" smtClean="0"/>
-              <a:t>(“/data/*.log”)   // wild card matching</a:t>
-            </a:r>
+          <a:bodyPr>
+            <a:normAutofit/>
+          </a:bodyPr>
+          <a:lstStyle/>
+          <a:p>
+            <a:r>
+              <a:rPr lang="en-US" dirty="0" smtClean="0"/>
+              <a:t>Two kinds of operations on RDDs</a:t>
+            </a:r>
+          </a:p>
+          <a:p>
+            <a:pPr lvl="1"/>
+            <a:r>
+              <a:rPr lang="en-US" dirty="0" smtClean="0"/>
+              <a:t>1) Transformations</a:t>
+            </a:r>
+          </a:p>
+          <a:p>
+            <a:pPr lvl="2"/>
+            <a:r>
+              <a:rPr lang="en-US" dirty="0" smtClean="0"/>
+              <a:t>Create a new RDD from existing ones (e.g. Map)</a:t>
+            </a:r>
+          </a:p>
+          <a:p>
+            <a:pPr lvl="1"/>
+            <a:r>
+              <a:rPr lang="en-US" dirty="0" smtClean="0"/>
+              <a:t>2) Actions</a:t>
+            </a:r>
+          </a:p>
+          <a:p>
+            <a:pPr lvl="2"/>
+            <a:r>
+              <a:rPr lang="en-US" dirty="0" smtClean="0"/>
+              <a:t>E.g. Returns the results to clients  (e.g.  Reduce)</a:t>
+            </a:r>
+          </a:p>
+          <a:p>
+            <a:r>
+              <a:rPr lang="en-US" dirty="0" smtClean="0"/>
+              <a:t>Transformations are </a:t>
+            </a:r>
+            <a:r>
+              <a:rPr lang="en-US" b="1" dirty="0" smtClean="0">
+                <a:solidFill>
+                  <a:srgbClr val="B465BB"/>
+                </a:solidFill>
+              </a:rPr>
+              <a:t>lazy</a:t>
+            </a:r>
+            <a:r>
+              <a:rPr lang="en-US" dirty="0" smtClean="0"/>
+              <a:t>.. Actions </a:t>
+            </a:r>
+            <a:r>
+              <a:rPr lang="en-US" dirty="0" smtClean="0">
+                <a:solidFill>
+                  <a:srgbClr val="B465BB"/>
+                </a:solidFill>
+              </a:rPr>
+              <a:t>force</a:t>
+            </a:r>
+            <a:r>
+              <a:rPr lang="en-US" dirty="0" smtClean="0"/>
+              <a:t> transformations</a:t>
+            </a:r>
+          </a:p>
+          <a:p>
+            <a:r>
+              <a:rPr lang="en-US" dirty="0" smtClean="0"/>
+              <a:t>Transformations </a:t>
+            </a:r>
+            <a:r>
+              <a:rPr lang="en-US" dirty="0" smtClean="0">
+                <a:solidFill>
+                  <a:srgbClr val="B465BB"/>
+                </a:solidFill>
+              </a:rPr>
+              <a:t>create a new RDD </a:t>
+            </a:r>
+            <a:r>
+              <a:rPr lang="en-US" dirty="0" smtClean="0"/>
+              <a:t>(original RDD is not modified,  immutable!)</a:t>
+            </a:r>
+            <a:br>
+              <a:rPr lang="en-US" dirty="0" smtClean="0"/>
+            </a:br>
+            <a:r>
+              <a:rPr lang="en-US" dirty="0" smtClean="0"/>
+              <a:t/>
+            </a:r>
+            <a:br>
+              <a:rPr lang="en-US" dirty="0" smtClean="0"/>
+            </a:br>
             <a:endParaRPr lang="en-US" dirty="0"/>
           </a:p>
         </p:txBody>
@@ -11466,13 +11588,20 @@
     </p:spTree>
     <p:extLst>
       <p:ext uri="{BB962C8B-B14F-4D97-AF65-F5344CB8AC3E}">
-        <p14:creationId xmlns:p14="http://schemas.microsoft.com/office/powerpoint/2010/main" val="34047946"/>
+        <p14:creationId xmlns:p14="http://schemas.microsoft.com/office/powerpoint/2010/main" val="3343385149"/>
       </p:ext>
     </p:extLst>
   </p:cSld>
   <p:clrMapOvr>
     <a:masterClrMapping/>
   </p:clrMapOvr>
+  <p:timing>
+    <p:tnLst>
+      <p:par>
+        <p:cTn xmlns:p14="http://schemas.microsoft.com/office/powerpoint/2010/main" id="1" dur="indefinite" restart="never" nodeType="tmRoot"/>
+      </p:par>
+    </p:tnLst>
+  </p:timing>
 </p:sld>
 </file>
 
@@ -12416,167 +12545,6 @@
           <a:p>
             <a:r>
               <a:rPr lang="en-US" dirty="0" smtClean="0"/>
-              <a:t>RDD Operations</a:t>
-            </a:r>
-            <a:endParaRPr lang="en-US" dirty="0"/>
-          </a:p>
-        </p:txBody>
-      </p:sp>
-      <p:sp>
-        <p:nvSpPr>
-          <p:cNvPr id="3" name="Content Placeholder 2"/>
-          <p:cNvSpPr>
-            <a:spLocks noGrp="1"/>
-          </p:cNvSpPr>
-          <p:nvPr>
-            <p:ph idx="1"/>
-          </p:nvPr>
-        </p:nvSpPr>
-        <p:spPr/>
-        <p:txBody>
-          <a:bodyPr>
-            <a:normAutofit/>
-          </a:bodyPr>
-          <a:lstStyle/>
-          <a:p>
-            <a:r>
-              <a:rPr lang="en-US" dirty="0" smtClean="0"/>
-              <a:t>Two kinds of operations on RDDs</a:t>
-            </a:r>
-          </a:p>
-          <a:p>
-            <a:pPr lvl="1"/>
-            <a:r>
-              <a:rPr lang="en-US" dirty="0" smtClean="0"/>
-              <a:t>1) Transformations</a:t>
-            </a:r>
-          </a:p>
-          <a:p>
-            <a:pPr lvl="2"/>
-            <a:r>
-              <a:rPr lang="en-US" dirty="0" smtClean="0"/>
-              <a:t>Create a new RDD from existing ones (e.g. Map)</a:t>
-            </a:r>
-          </a:p>
-          <a:p>
-            <a:pPr lvl="1"/>
-            <a:r>
-              <a:rPr lang="en-US" dirty="0" smtClean="0"/>
-              <a:t>2) Actions</a:t>
-            </a:r>
-          </a:p>
-          <a:p>
-            <a:pPr lvl="2"/>
-            <a:r>
-              <a:rPr lang="en-US" dirty="0" smtClean="0"/>
-              <a:t>E.g. Returns the results to clients  (e.g.  Reduce)</a:t>
-            </a:r>
-          </a:p>
-          <a:p>
-            <a:r>
-              <a:rPr lang="en-US" dirty="0" smtClean="0"/>
-              <a:t>Transformations are </a:t>
-            </a:r>
-            <a:r>
-              <a:rPr lang="en-US" b="1" dirty="0" smtClean="0">
-                <a:solidFill>
-                  <a:srgbClr val="B465BB"/>
-                </a:solidFill>
-              </a:rPr>
-              <a:t>lazy</a:t>
-            </a:r>
-            <a:r>
-              <a:rPr lang="en-US" dirty="0" smtClean="0"/>
-              <a:t>.. Actions </a:t>
-            </a:r>
-            <a:r>
-              <a:rPr lang="en-US" dirty="0" smtClean="0">
-                <a:solidFill>
-                  <a:srgbClr val="B465BB"/>
-                </a:solidFill>
-              </a:rPr>
-              <a:t>force</a:t>
-            </a:r>
-            <a:r>
-              <a:rPr lang="en-US" dirty="0" smtClean="0"/>
-              <a:t> transformations</a:t>
-            </a:r>
-          </a:p>
-          <a:p>
-            <a:endParaRPr lang="en-US" dirty="0"/>
-          </a:p>
-        </p:txBody>
-      </p:sp>
-      <p:sp>
-        <p:nvSpPr>
-          <p:cNvPr id="4" name="Footer Placeholder 3"/>
-          <p:cNvSpPr>
-            <a:spLocks noGrp="1"/>
-          </p:cNvSpPr>
-          <p:nvPr>
-            <p:ph type="ftr" sz="quarter" idx="11"/>
-          </p:nvPr>
-        </p:nvSpPr>
-        <p:spPr/>
-        <p:txBody>
-          <a:bodyPr/>
-          <a:lstStyle/>
-          <a:p>
-            <a:r>
-              <a:rPr lang="en-US" smtClean="0"/>
-              <a:t>© Elephant Scale, 2014</a:t>
-            </a:r>
-            <a:endParaRPr lang="en-US" dirty="0"/>
-          </a:p>
-        </p:txBody>
-      </p:sp>
-    </p:spTree>
-    <p:extLst>
-      <p:ext uri="{BB962C8B-B14F-4D97-AF65-F5344CB8AC3E}">
-        <p14:creationId xmlns:p14="http://schemas.microsoft.com/office/powerpoint/2010/main" val="3343385149"/>
-      </p:ext>
-    </p:extLst>
-  </p:cSld>
-  <p:clrMapOvr>
-    <a:masterClrMapping/>
-  </p:clrMapOvr>
-</p:sld>
-</file>
-
-<file path=ppt/slides/slide21.xml><?xml version="1.0" encoding="utf-8"?>
-<p:sld xmlns:a="http://schemas.openxmlformats.org/drawingml/2006/main" xmlns:r="http://schemas.openxmlformats.org/officeDocument/2006/relationships" xmlns:p="http://schemas.openxmlformats.org/presentationml/2006/main">
-  <p:cSld>
-    <p:spTree>
-      <p:nvGrpSpPr>
-        <p:cNvPr id="1" name=""/>
-        <p:cNvGrpSpPr/>
-        <p:nvPr/>
-      </p:nvGrpSpPr>
-      <p:grpSpPr>
-        <a:xfrm>
-          <a:off x="0" y="0"/>
-          <a:ext cx="0" cy="0"/>
-          <a:chOff x="0" y="0"/>
-          <a:chExt cx="0" cy="0"/>
-        </a:xfrm>
-      </p:grpSpPr>
-      <p:sp>
-        <p:nvSpPr>
-          <p:cNvPr id="2" name="Title 1"/>
-          <p:cNvSpPr>
-            <a:spLocks noGrp="1"/>
-          </p:cNvSpPr>
-          <p:nvPr>
-            <p:ph type="title"/>
-          </p:nvPr>
-        </p:nvSpPr>
-        <p:spPr/>
-        <p:txBody>
-          <a:bodyPr/>
-          <a:lstStyle/>
-          <a:p>
-            <a:r>
-              <a:rPr lang="en-US" dirty="0" smtClean="0"/>
               <a:t>Transformations / Actions</a:t>
             </a:r>
             <a:endParaRPr lang="en-US" dirty="0"/>
@@ -13021,6 +12989,607 @@
   <p:clrMapOvr>
     <a:masterClrMapping/>
   </p:clrMapOvr>
+  <p:timing>
+    <p:tnLst>
+      <p:par>
+        <p:cTn xmlns:p14="http://schemas.microsoft.com/office/powerpoint/2010/main" id="1" dur="indefinite" restart="never" nodeType="tmRoot"/>
+      </p:par>
+    </p:tnLst>
+  </p:timing>
+</p:sld>
+</file>
+
+<file path=ppt/slides/slide21.xml><?xml version="1.0" encoding="utf-8"?>
+<p:sld xmlns:a="http://schemas.openxmlformats.org/drawingml/2006/main" xmlns:r="http://schemas.openxmlformats.org/officeDocument/2006/relationships" xmlns:p="http://schemas.openxmlformats.org/presentationml/2006/main">
+  <p:cSld>
+    <p:spTree>
+      <p:nvGrpSpPr>
+        <p:cNvPr id="1" name=""/>
+        <p:cNvGrpSpPr/>
+        <p:nvPr/>
+      </p:nvGrpSpPr>
+      <p:grpSpPr>
+        <a:xfrm>
+          <a:off x="0" y="0"/>
+          <a:ext cx="0" cy="0"/>
+          <a:chOff x="0" y="0"/>
+          <a:chExt cx="0" cy="0"/>
+        </a:xfrm>
+      </p:grpSpPr>
+      <p:sp>
+        <p:nvSpPr>
+          <p:cNvPr id="2" name="Title 1"/>
+          <p:cNvSpPr>
+            <a:spLocks noGrp="1"/>
+          </p:cNvSpPr>
+          <p:nvPr>
+            <p:ph type="title"/>
+          </p:nvPr>
+        </p:nvSpPr>
+        <p:spPr/>
+        <p:txBody>
+          <a:bodyPr/>
+          <a:lstStyle/>
+          <a:p>
+            <a:r>
+              <a:rPr lang="en-US" dirty="0" smtClean="0"/>
+              <a:t>Transformations / Actions</a:t>
+            </a:r>
+            <a:endParaRPr lang="en-US" dirty="0"/>
+          </a:p>
+        </p:txBody>
+      </p:sp>
+      <p:sp>
+        <p:nvSpPr>
+          <p:cNvPr id="3" name="Content Placeholder 2"/>
+          <p:cNvSpPr>
+            <a:spLocks noGrp="1"/>
+          </p:cNvSpPr>
+          <p:nvPr>
+            <p:ph idx="1"/>
+          </p:nvPr>
+        </p:nvSpPr>
+        <p:spPr/>
+        <p:txBody>
+          <a:bodyPr/>
+          <a:lstStyle/>
+          <a:p>
+            <a:r>
+              <a:rPr lang="en-US" dirty="0" smtClean="0"/>
+              <a:t>Transformations</a:t>
+            </a:r>
+          </a:p>
+          <a:p>
+            <a:endParaRPr lang="en-US" dirty="0"/>
+          </a:p>
+          <a:p>
+            <a:endParaRPr lang="en-US" dirty="0" smtClean="0"/>
+          </a:p>
+          <a:p>
+            <a:endParaRPr lang="en-US" dirty="0"/>
+          </a:p>
+          <a:p>
+            <a:endParaRPr lang="en-US" dirty="0" smtClean="0"/>
+          </a:p>
+          <a:p>
+            <a:r>
+              <a:rPr lang="en-US" dirty="0" smtClean="0"/>
+              <a:t>Actions</a:t>
+            </a:r>
+          </a:p>
+          <a:p>
+            <a:endParaRPr lang="en-US" dirty="0"/>
+          </a:p>
+        </p:txBody>
+      </p:sp>
+      <p:sp>
+        <p:nvSpPr>
+          <p:cNvPr id="4" name="Footer Placeholder 3"/>
+          <p:cNvSpPr>
+            <a:spLocks noGrp="1"/>
+          </p:cNvSpPr>
+          <p:nvPr>
+            <p:ph type="ftr" sz="quarter" idx="11"/>
+          </p:nvPr>
+        </p:nvSpPr>
+        <p:spPr/>
+        <p:txBody>
+          <a:bodyPr/>
+          <a:lstStyle/>
+          <a:p>
+            <a:r>
+              <a:rPr lang="en-US" smtClean="0"/>
+              <a:t>© Elephant Scale, 2014</a:t>
+            </a:r>
+            <a:endParaRPr lang="en-US" dirty="0"/>
+          </a:p>
+        </p:txBody>
+      </p:sp>
+      <p:sp>
+        <p:nvSpPr>
+          <p:cNvPr id="5" name="Rectangle 4"/>
+          <p:cNvSpPr/>
+          <p:nvPr/>
+        </p:nvSpPr>
+        <p:spPr>
+          <a:xfrm>
+            <a:off x="735263" y="2596148"/>
+            <a:ext cx="1684421" cy="481263"/>
+          </a:xfrm>
+          <a:prstGeom prst="rect">
+            <a:avLst/>
+          </a:prstGeom>
+        </p:spPr>
+        <p:style>
+          <a:lnRef idx="1">
+            <a:schemeClr val="accent1"/>
+          </a:lnRef>
+          <a:fillRef idx="3">
+            <a:schemeClr val="accent1"/>
+          </a:fillRef>
+          <a:effectRef idx="2">
+            <a:schemeClr val="accent1"/>
+          </a:effectRef>
+          <a:fontRef idx="minor">
+            <a:schemeClr val="lt1"/>
+          </a:fontRef>
+        </p:style>
+        <p:txBody>
+          <a:bodyPr rtlCol="0" anchor="ctr"/>
+          <a:lstStyle/>
+          <a:p>
+            <a:pPr algn="ctr"/>
+            <a:r>
+              <a:rPr lang="en-US" dirty="0" smtClean="0"/>
+              <a:t>[1,2,3, 3]</a:t>
+            </a:r>
+            <a:endParaRPr lang="en-US" dirty="0"/>
+          </a:p>
+        </p:txBody>
+      </p:sp>
+      <p:sp>
+        <p:nvSpPr>
+          <p:cNvPr id="6" name="Right Arrow 5"/>
+          <p:cNvSpPr/>
+          <p:nvPr/>
+        </p:nvSpPr>
+        <p:spPr>
+          <a:xfrm>
+            <a:off x="2834105" y="2596148"/>
+            <a:ext cx="1978527" cy="481263"/>
+          </a:xfrm>
+          <a:prstGeom prst="rightArrow">
+            <a:avLst/>
+          </a:prstGeom>
+          <a:solidFill>
+            <a:schemeClr val="accent2">
+              <a:lumMod val="10000"/>
+              <a:lumOff val="90000"/>
+            </a:schemeClr>
+          </a:solidFill>
+        </p:spPr>
+        <p:style>
+          <a:lnRef idx="1">
+            <a:schemeClr val="accent1"/>
+          </a:lnRef>
+          <a:fillRef idx="3">
+            <a:schemeClr val="accent1"/>
+          </a:fillRef>
+          <a:effectRef idx="2">
+            <a:schemeClr val="accent1"/>
+          </a:effectRef>
+          <a:fontRef idx="minor">
+            <a:schemeClr val="lt1"/>
+          </a:fontRef>
+        </p:style>
+        <p:txBody>
+          <a:bodyPr rtlCol="0" anchor="ctr"/>
+          <a:lstStyle/>
+          <a:p>
+            <a:pPr algn="ctr"/>
+            <a:r>
+              <a:rPr lang="en-US" dirty="0" smtClean="0">
+                <a:solidFill>
+                  <a:schemeClr val="tx1"/>
+                </a:solidFill>
+              </a:rPr>
+              <a:t>Map (square)</a:t>
+            </a:r>
+            <a:endParaRPr lang="en-US" dirty="0">
+              <a:solidFill>
+                <a:schemeClr val="tx1"/>
+              </a:solidFill>
+            </a:endParaRPr>
+          </a:p>
+        </p:txBody>
+      </p:sp>
+      <p:sp>
+        <p:nvSpPr>
+          <p:cNvPr id="7" name="Rectangle 6"/>
+          <p:cNvSpPr/>
+          <p:nvPr/>
+        </p:nvSpPr>
+        <p:spPr>
+          <a:xfrm>
+            <a:off x="5125452" y="2596148"/>
+            <a:ext cx="1684421" cy="481263"/>
+          </a:xfrm>
+          <a:prstGeom prst="rect">
+            <a:avLst/>
+          </a:prstGeom>
+        </p:spPr>
+        <p:style>
+          <a:lnRef idx="1">
+            <a:schemeClr val="accent1"/>
+          </a:lnRef>
+          <a:fillRef idx="3">
+            <a:schemeClr val="accent1"/>
+          </a:fillRef>
+          <a:effectRef idx="2">
+            <a:schemeClr val="accent1"/>
+          </a:effectRef>
+          <a:fontRef idx="minor">
+            <a:schemeClr val="lt1"/>
+          </a:fontRef>
+        </p:style>
+        <p:txBody>
+          <a:bodyPr rtlCol="0" anchor="ctr"/>
+          <a:lstStyle/>
+          <a:p>
+            <a:pPr algn="ctr"/>
+            <a:r>
+              <a:rPr lang="en-US" dirty="0" smtClean="0"/>
+              <a:t>[1,4,9, 9]</a:t>
+            </a:r>
+            <a:endParaRPr lang="en-US" dirty="0"/>
+          </a:p>
+        </p:txBody>
+      </p:sp>
+      <p:sp>
+        <p:nvSpPr>
+          <p:cNvPr id="8" name="Rounded Rectangular Callout 7"/>
+          <p:cNvSpPr/>
+          <p:nvPr/>
+        </p:nvSpPr>
+        <p:spPr>
+          <a:xfrm>
+            <a:off x="7299158" y="1981200"/>
+            <a:ext cx="1216526" cy="748632"/>
+          </a:xfrm>
+          <a:prstGeom prst="wedgeRoundRectCallout">
+            <a:avLst>
+              <a:gd name="adj1" fmla="val -86767"/>
+              <a:gd name="adj2" fmla="val 60714"/>
+              <a:gd name="adj3" fmla="val 16667"/>
+            </a:avLst>
+          </a:prstGeom>
+        </p:spPr>
+        <p:style>
+          <a:lnRef idx="2">
+            <a:schemeClr val="accent5">
+              <a:shade val="50000"/>
+            </a:schemeClr>
+          </a:lnRef>
+          <a:fillRef idx="1">
+            <a:schemeClr val="accent5"/>
+          </a:fillRef>
+          <a:effectRef idx="0">
+            <a:schemeClr val="accent5"/>
+          </a:effectRef>
+          <a:fontRef idx="minor">
+            <a:schemeClr val="lt1"/>
+          </a:fontRef>
+        </p:style>
+        <p:txBody>
+          <a:bodyPr rtlCol="0" anchor="ctr"/>
+          <a:lstStyle/>
+          <a:p>
+            <a:pPr algn="ctr"/>
+            <a:r>
+              <a:rPr lang="en-US" dirty="0" smtClean="0"/>
+              <a:t>New RDD</a:t>
+            </a:r>
+            <a:endParaRPr lang="en-US" dirty="0"/>
+          </a:p>
+        </p:txBody>
+      </p:sp>
+      <p:sp>
+        <p:nvSpPr>
+          <p:cNvPr id="9" name="Rectangle 8"/>
+          <p:cNvSpPr/>
+          <p:nvPr/>
+        </p:nvSpPr>
+        <p:spPr>
+          <a:xfrm>
+            <a:off x="735263" y="3644232"/>
+            <a:ext cx="1684421" cy="481263"/>
+          </a:xfrm>
+          <a:prstGeom prst="rect">
+            <a:avLst/>
+          </a:prstGeom>
+        </p:spPr>
+        <p:style>
+          <a:lnRef idx="1">
+            <a:schemeClr val="accent1"/>
+          </a:lnRef>
+          <a:fillRef idx="3">
+            <a:schemeClr val="accent1"/>
+          </a:fillRef>
+          <a:effectRef idx="2">
+            <a:schemeClr val="accent1"/>
+          </a:effectRef>
+          <a:fontRef idx="minor">
+            <a:schemeClr val="lt1"/>
+          </a:fontRef>
+        </p:style>
+        <p:txBody>
+          <a:bodyPr rtlCol="0" anchor="ctr"/>
+          <a:lstStyle/>
+          <a:p>
+            <a:pPr algn="ctr"/>
+            <a:r>
+              <a:rPr lang="en-US" dirty="0" smtClean="0"/>
+              <a:t>[1,2,3, 3]</a:t>
+            </a:r>
+            <a:endParaRPr lang="en-US" dirty="0"/>
+          </a:p>
+        </p:txBody>
+      </p:sp>
+      <p:sp>
+        <p:nvSpPr>
+          <p:cNvPr id="10" name="Right Arrow 9"/>
+          <p:cNvSpPr/>
+          <p:nvPr/>
+        </p:nvSpPr>
+        <p:spPr>
+          <a:xfrm>
+            <a:off x="2834105" y="3644232"/>
+            <a:ext cx="1978527" cy="481263"/>
+          </a:xfrm>
+          <a:prstGeom prst="rightArrow">
+            <a:avLst/>
+          </a:prstGeom>
+          <a:solidFill>
+            <a:schemeClr val="accent2">
+              <a:lumMod val="10000"/>
+              <a:lumOff val="90000"/>
+            </a:schemeClr>
+          </a:solidFill>
+        </p:spPr>
+        <p:style>
+          <a:lnRef idx="1">
+            <a:schemeClr val="accent1"/>
+          </a:lnRef>
+          <a:fillRef idx="3">
+            <a:schemeClr val="accent1"/>
+          </a:fillRef>
+          <a:effectRef idx="2">
+            <a:schemeClr val="accent1"/>
+          </a:effectRef>
+          <a:fontRef idx="minor">
+            <a:schemeClr val="lt1"/>
+          </a:fontRef>
+        </p:style>
+        <p:txBody>
+          <a:bodyPr rtlCol="0" anchor="ctr"/>
+          <a:lstStyle/>
+          <a:p>
+            <a:pPr algn="ctr"/>
+            <a:r>
+              <a:rPr lang="en-US" dirty="0" smtClean="0">
+                <a:solidFill>
+                  <a:schemeClr val="tx1"/>
+                </a:solidFill>
+              </a:rPr>
+              <a:t>distinct</a:t>
+            </a:r>
+            <a:endParaRPr lang="en-US" dirty="0">
+              <a:solidFill>
+                <a:schemeClr val="tx1"/>
+              </a:solidFill>
+            </a:endParaRPr>
+          </a:p>
+        </p:txBody>
+      </p:sp>
+      <p:sp>
+        <p:nvSpPr>
+          <p:cNvPr id="11" name="Rectangle 10"/>
+          <p:cNvSpPr/>
+          <p:nvPr/>
+        </p:nvSpPr>
+        <p:spPr>
+          <a:xfrm>
+            <a:off x="5125452" y="3644232"/>
+            <a:ext cx="1684421" cy="481263"/>
+          </a:xfrm>
+          <a:prstGeom prst="rect">
+            <a:avLst/>
+          </a:prstGeom>
+        </p:spPr>
+        <p:style>
+          <a:lnRef idx="1">
+            <a:schemeClr val="accent1"/>
+          </a:lnRef>
+          <a:fillRef idx="3">
+            <a:schemeClr val="accent1"/>
+          </a:fillRef>
+          <a:effectRef idx="2">
+            <a:schemeClr val="accent1"/>
+          </a:effectRef>
+          <a:fontRef idx="minor">
+            <a:schemeClr val="lt1"/>
+          </a:fontRef>
+        </p:style>
+        <p:txBody>
+          <a:bodyPr rtlCol="0" anchor="ctr"/>
+          <a:lstStyle/>
+          <a:p>
+            <a:pPr algn="ctr"/>
+            <a:r>
+              <a:rPr lang="en-US" dirty="0" smtClean="0"/>
+              <a:t>[1,2,3]</a:t>
+            </a:r>
+            <a:endParaRPr lang="en-US" dirty="0"/>
+          </a:p>
+        </p:txBody>
+      </p:sp>
+      <p:sp>
+        <p:nvSpPr>
+          <p:cNvPr id="12" name="Rectangle 11"/>
+          <p:cNvSpPr/>
+          <p:nvPr/>
+        </p:nvSpPr>
+        <p:spPr>
+          <a:xfrm>
+            <a:off x="887663" y="5395496"/>
+            <a:ext cx="1684421" cy="481263"/>
+          </a:xfrm>
+          <a:prstGeom prst="rect">
+            <a:avLst/>
+          </a:prstGeom>
+        </p:spPr>
+        <p:style>
+          <a:lnRef idx="1">
+            <a:schemeClr val="accent1"/>
+          </a:lnRef>
+          <a:fillRef idx="3">
+            <a:schemeClr val="accent1"/>
+          </a:fillRef>
+          <a:effectRef idx="2">
+            <a:schemeClr val="accent1"/>
+          </a:effectRef>
+          <a:fontRef idx="minor">
+            <a:schemeClr val="lt1"/>
+          </a:fontRef>
+        </p:style>
+        <p:txBody>
+          <a:bodyPr rtlCol="0" anchor="ctr"/>
+          <a:lstStyle/>
+          <a:p>
+            <a:pPr algn="ctr"/>
+            <a:r>
+              <a:rPr lang="en-US" dirty="0" smtClean="0"/>
+              <a:t>[1,2,3, 3]</a:t>
+            </a:r>
+            <a:endParaRPr lang="en-US" dirty="0"/>
+          </a:p>
+        </p:txBody>
+      </p:sp>
+      <p:sp>
+        <p:nvSpPr>
+          <p:cNvPr id="13" name="Right Arrow 12"/>
+          <p:cNvSpPr/>
+          <p:nvPr/>
+        </p:nvSpPr>
+        <p:spPr>
+          <a:xfrm>
+            <a:off x="2986505" y="5395496"/>
+            <a:ext cx="1978527" cy="481263"/>
+          </a:xfrm>
+          <a:prstGeom prst="rightArrow">
+            <a:avLst/>
+          </a:prstGeom>
+          <a:solidFill>
+            <a:schemeClr val="accent2">
+              <a:lumMod val="10000"/>
+              <a:lumOff val="90000"/>
+            </a:schemeClr>
+          </a:solidFill>
+        </p:spPr>
+        <p:style>
+          <a:lnRef idx="1">
+            <a:schemeClr val="accent1"/>
+          </a:lnRef>
+          <a:fillRef idx="3">
+            <a:schemeClr val="accent1"/>
+          </a:fillRef>
+          <a:effectRef idx="2">
+            <a:schemeClr val="accent1"/>
+          </a:effectRef>
+          <a:fontRef idx="minor">
+            <a:schemeClr val="lt1"/>
+          </a:fontRef>
+        </p:style>
+        <p:txBody>
+          <a:bodyPr rtlCol="0" anchor="ctr"/>
+          <a:lstStyle/>
+          <a:p>
+            <a:pPr algn="ctr"/>
+            <a:r>
+              <a:rPr lang="en-US" dirty="0" smtClean="0">
+                <a:solidFill>
+                  <a:schemeClr val="tx1"/>
+                </a:solidFill>
+              </a:rPr>
+              <a:t>take(2)</a:t>
+            </a:r>
+            <a:endParaRPr lang="en-US" dirty="0">
+              <a:solidFill>
+                <a:schemeClr val="tx1"/>
+              </a:solidFill>
+            </a:endParaRPr>
+          </a:p>
+        </p:txBody>
+      </p:sp>
+      <p:sp>
+        <p:nvSpPr>
+          <p:cNvPr id="14" name="Rectangle 13"/>
+          <p:cNvSpPr/>
+          <p:nvPr/>
+        </p:nvSpPr>
+        <p:spPr>
+          <a:xfrm>
+            <a:off x="5277852" y="5395496"/>
+            <a:ext cx="1684421" cy="481263"/>
+          </a:xfrm>
+          <a:prstGeom prst="rect">
+            <a:avLst/>
+          </a:prstGeom>
+        </p:spPr>
+        <p:style>
+          <a:lnRef idx="1">
+            <a:schemeClr val="accent1"/>
+          </a:lnRef>
+          <a:fillRef idx="3">
+            <a:schemeClr val="accent1"/>
+          </a:fillRef>
+          <a:effectRef idx="2">
+            <a:schemeClr val="accent1"/>
+          </a:effectRef>
+          <a:fontRef idx="minor">
+            <a:schemeClr val="lt1"/>
+          </a:fontRef>
+        </p:style>
+        <p:txBody>
+          <a:bodyPr rtlCol="0" anchor="ctr"/>
+          <a:lstStyle/>
+          <a:p>
+            <a:pPr algn="ctr"/>
+            <a:r>
+              <a:rPr lang="en-US" dirty="0" smtClean="0"/>
+              <a:t>[1,2]</a:t>
+            </a:r>
+            <a:endParaRPr lang="en-US" dirty="0"/>
+          </a:p>
+        </p:txBody>
+      </p:sp>
+    </p:spTree>
+    <p:extLst>
+      <p:ext uri="{BB962C8B-B14F-4D97-AF65-F5344CB8AC3E}">
+        <p14:creationId xmlns:p14="http://schemas.microsoft.com/office/powerpoint/2010/main" val="3499132796"/>
+      </p:ext>
+    </p:extLst>
+  </p:cSld>
+  <p:clrMapOvr>
+    <a:masterClrMapping/>
+  </p:clrMapOvr>
+  <p:timing>
+    <p:tnLst>
+      <p:par>
+        <p:cTn xmlns:p14="http://schemas.microsoft.com/office/powerpoint/2010/main" id="1" dur="indefinite" restart="never" nodeType="tmRoot"/>
+      </p:par>
+    </p:tnLst>
+  </p:timing>
 </p:sld>
 </file>
 
@@ -13074,14 +13643,14 @@
             <p:ph idx="1"/>
             <p:extLst>
               <p:ext uri="{D42A27DB-BD31-4B8C-83A1-F6EECF244321}">
-                <p14:modId xmlns:p14="http://schemas.microsoft.com/office/powerpoint/2010/main" val="1374264426"/>
+                <p14:modId xmlns:p14="http://schemas.microsoft.com/office/powerpoint/2010/main" val="2644959176"/>
               </p:ext>
             </p:extLst>
           </p:nvPr>
         </p:nvGraphicFramePr>
         <p:xfrm>
           <a:off x="498475" y="1981200"/>
-          <a:ext cx="7556499" cy="2296159"/>
+          <a:ext cx="7556500" cy="4302760"/>
         </p:xfrm>
         <a:graphic>
           <a:graphicData uri="http://schemas.openxmlformats.org/drawingml/2006/table">
@@ -13090,9 +13659,10 @@
                 <a:tableStyleId>{5C22544A-7EE6-4342-B048-85BDC9FD1C3A}</a:tableStyleId>
               </a:tblPr>
               <a:tblGrid>
-                <a:gridCol w="1940763"/>
-                <a:gridCol w="3096903"/>
-                <a:gridCol w="2518833"/>
+                <a:gridCol w="1480051"/>
+                <a:gridCol w="2298199"/>
+                <a:gridCol w="1889125"/>
+                <a:gridCol w="1889125"/>
               </a:tblGrid>
               <a:tr h="370840">
                 <a:tc>
@@ -13137,6 +13707,20 @@
                   </a:txBody>
                   <a:tcPr/>
                 </a:tc>
+                <a:tc>
+                  <a:txBody>
+                    <a:bodyPr/>
+                    <a:lstStyle/>
+                    <a:p>
+                      <a:r>
+                        <a:rPr lang="en-US" dirty="0" smtClean="0"/>
+                        <a:t>Result</a:t>
+                      </a:r>
+                      <a:endParaRPr lang="en-US" dirty="0"/>
+                    </a:p>
+                  </a:txBody>
+                  <a:tcPr/>
+                </a:tc>
               </a:tr>
               <a:tr h="370840">
                 <a:tc>
@@ -13145,8 +13729,517 @@
                     <a:lstStyle/>
                     <a:p>
                       <a:r>
+                        <a:rPr lang="en-US" sz="1600" dirty="0" smtClean="0"/>
+                        <a:t>Map(</a:t>
+                      </a:r>
+                      <a:r>
+                        <a:rPr lang="en-US" sz="1600" dirty="0" err="1" smtClean="0"/>
+                        <a:t>func</a:t>
+                      </a:r>
+                      <a:r>
+                        <a:rPr lang="en-US" sz="1600" dirty="0" smtClean="0"/>
+                        <a:t>)</a:t>
+                      </a:r>
+                      <a:endParaRPr lang="en-US" sz="1600" dirty="0"/>
+                    </a:p>
+                  </a:txBody>
+                  <a:tcPr/>
+                </a:tc>
+                <a:tc>
+                  <a:txBody>
+                    <a:bodyPr/>
+                    <a:lstStyle/>
+                    <a:p>
+                      <a:r>
+                        <a:rPr lang="en-US" sz="1600" dirty="0" smtClean="0"/>
+                        <a:t>apply </a:t>
+                      </a:r>
+                      <a:r>
+                        <a:rPr lang="en-US" sz="1600" dirty="0" err="1" smtClean="0"/>
+                        <a:t>func</a:t>
+                      </a:r>
+                      <a:r>
+                        <a:rPr lang="en-US" sz="1600" baseline="0" dirty="0" smtClean="0"/>
+                        <a:t> to each element in RDD</a:t>
+                      </a:r>
+                      <a:endParaRPr lang="en-US" sz="1600" dirty="0"/>
+                    </a:p>
+                  </a:txBody>
+                  <a:tcPr/>
+                </a:tc>
+                <a:tc>
+                  <a:txBody>
+                    <a:bodyPr/>
+                    <a:lstStyle/>
+                    <a:p>
+                      <a:r>
+                        <a:rPr lang="en-US" sz="1600" dirty="0" err="1" smtClean="0"/>
+                        <a:t>r.map</a:t>
+                      </a:r>
+                      <a:r>
+                        <a:rPr lang="en-US" sz="1600" dirty="0" smtClean="0"/>
+                        <a:t>(x =&gt;</a:t>
+                      </a:r>
+                      <a:r>
+                        <a:rPr lang="en-US" sz="1600" baseline="0" dirty="0" smtClean="0"/>
+                        <a:t> x*2)</a:t>
+                      </a:r>
+                      <a:endParaRPr lang="en-US" sz="1600" dirty="0"/>
+                    </a:p>
+                  </a:txBody>
+                  <a:tcPr/>
+                </a:tc>
+                <a:tc>
+                  <a:txBody>
+                    <a:bodyPr/>
+                    <a:lstStyle/>
+                    <a:p>
+                      <a:r>
+                        <a:rPr lang="en-US" sz="1600" dirty="0" smtClean="0"/>
+                        <a:t>{2,4,6,6}</a:t>
+                      </a:r>
+                      <a:endParaRPr lang="en-US" sz="1600" dirty="0"/>
+                    </a:p>
+                  </a:txBody>
+                  <a:tcPr/>
+                </a:tc>
+              </a:tr>
+              <a:tr h="370840">
+                <a:tc>
+                  <a:txBody>
+                    <a:bodyPr/>
+                    <a:lstStyle/>
+                    <a:p>
+                      <a:r>
+                        <a:rPr lang="en-US" sz="1600" dirty="0" smtClean="0"/>
+                        <a:t>Filter(</a:t>
+                      </a:r>
+                      <a:r>
+                        <a:rPr lang="en-US" sz="1600" dirty="0" err="1" smtClean="0"/>
+                        <a:t>func</a:t>
+                      </a:r>
+                      <a:r>
+                        <a:rPr lang="en-US" sz="1600" dirty="0" smtClean="0"/>
+                        <a:t>)</a:t>
+                      </a:r>
+                      <a:endParaRPr lang="en-US" sz="1600" dirty="0"/>
+                    </a:p>
+                  </a:txBody>
+                  <a:tcPr/>
+                </a:tc>
+                <a:tc>
+                  <a:txBody>
+                    <a:bodyPr/>
+                    <a:lstStyle/>
+                    <a:p>
+                      <a:r>
+                        <a:rPr lang="en-US" sz="1600" dirty="0" smtClean="0"/>
+                        <a:t>Filters through each </a:t>
+                      </a:r>
+                      <a:r>
+                        <a:rPr lang="en-US" sz="1600" dirty="0" smtClean="0"/>
+                        <a:t>element</a:t>
+                      </a:r>
+                      <a:r>
+                        <a:rPr lang="en-US" sz="1600" baseline="0" dirty="0" smtClean="0"/>
+                        <a:t> when </a:t>
+                      </a:r>
+                      <a:r>
+                        <a:rPr lang="en-US" sz="1600" baseline="0" dirty="0" err="1" smtClean="0"/>
+                        <a:t>func</a:t>
+                      </a:r>
+                      <a:r>
+                        <a:rPr lang="en-US" sz="1600" baseline="0" dirty="0" smtClean="0"/>
+                        <a:t> is true</a:t>
+                      </a:r>
+                      <a:endParaRPr lang="en-US" sz="1600" baseline="0" dirty="0" smtClean="0"/>
+                    </a:p>
+                    <a:p>
+                      <a:r>
+                        <a:rPr lang="en-US" sz="1600" baseline="0" dirty="0" smtClean="0"/>
+                        <a:t>(aka </a:t>
+                      </a:r>
+                      <a:r>
+                        <a:rPr lang="en-US" sz="1600" baseline="0" dirty="0" err="1" smtClean="0"/>
+                        <a:t>grep</a:t>
+                      </a:r>
+                      <a:r>
+                        <a:rPr lang="en-US" sz="1600" baseline="0" dirty="0" smtClean="0"/>
+                        <a:t>)</a:t>
+                      </a:r>
+                      <a:endParaRPr lang="en-US" sz="1600" dirty="0"/>
+                    </a:p>
+                  </a:txBody>
+                  <a:tcPr/>
+                </a:tc>
+                <a:tc>
+                  <a:txBody>
+                    <a:bodyPr/>
+                    <a:lstStyle/>
+                    <a:p>
+                      <a:r>
+                        <a:rPr lang="en-US" sz="1600" dirty="0" err="1" smtClean="0"/>
+                        <a:t>r.filter</a:t>
+                      </a:r>
+                      <a:r>
+                        <a:rPr lang="en-US" sz="1600" dirty="0" smtClean="0"/>
+                        <a:t>(</a:t>
+                      </a:r>
+                      <a:r>
+                        <a:rPr lang="en-US" sz="1600" baseline="0" dirty="0" smtClean="0"/>
+                        <a:t> </a:t>
+                      </a:r>
+                      <a:r>
+                        <a:rPr lang="en-US" sz="1600" baseline="0" dirty="0" smtClean="0"/>
+                        <a:t>x=&gt; x % 2 == 1)</a:t>
+                      </a:r>
+                      <a:endParaRPr lang="en-US" sz="1600" dirty="0"/>
+                    </a:p>
+                  </a:txBody>
+                  <a:tcPr/>
+                </a:tc>
+                <a:tc>
+                  <a:txBody>
+                    <a:bodyPr/>
+                    <a:lstStyle/>
+                    <a:p>
+                      <a:r>
+                        <a:rPr lang="en-US" sz="1600" dirty="0" smtClean="0"/>
+                        <a:t>{1,3,3}</a:t>
+                      </a:r>
+                      <a:endParaRPr lang="en-US" sz="1600" dirty="0"/>
+                    </a:p>
+                  </a:txBody>
+                  <a:tcPr/>
+                </a:tc>
+              </a:tr>
+              <a:tr h="370840">
+                <a:tc>
+                  <a:txBody>
+                    <a:bodyPr/>
+                    <a:lstStyle/>
+                    <a:p>
+                      <a:r>
+                        <a:rPr lang="en-US" sz="1600" dirty="0" smtClean="0"/>
+                        <a:t>Distinct</a:t>
+                      </a:r>
+                      <a:endParaRPr lang="en-US" sz="1600" dirty="0"/>
+                    </a:p>
+                  </a:txBody>
+                  <a:tcPr/>
+                </a:tc>
+                <a:tc>
+                  <a:txBody>
+                    <a:bodyPr/>
+                    <a:lstStyle/>
+                    <a:p>
+                      <a:r>
+                        <a:rPr lang="en-US" sz="1600" dirty="0" smtClean="0"/>
+                        <a:t>Removes dupes</a:t>
+                      </a:r>
+                      <a:endParaRPr lang="en-US" sz="1600" dirty="0"/>
+                    </a:p>
+                  </a:txBody>
+                  <a:tcPr/>
+                </a:tc>
+                <a:tc>
+                  <a:txBody>
+                    <a:bodyPr/>
+                    <a:lstStyle/>
+                    <a:p>
+                      <a:r>
+                        <a:rPr lang="en-US" sz="1600" dirty="0" err="1" smtClean="0"/>
+                        <a:t>r.distinct</a:t>
+                      </a:r>
+                      <a:r>
+                        <a:rPr lang="en-US" sz="1600" dirty="0" smtClean="0"/>
+                        <a:t>()</a:t>
+                      </a:r>
+                      <a:endParaRPr lang="en-US" sz="1600" dirty="0"/>
+                    </a:p>
+                  </a:txBody>
+                  <a:tcPr/>
+                </a:tc>
+                <a:tc>
+                  <a:txBody>
+                    <a:bodyPr/>
+                    <a:lstStyle/>
+                    <a:p>
+                      <a:r>
+                        <a:rPr lang="en-US" sz="1600" dirty="0" smtClean="0"/>
+                        <a:t>{1,2,3}</a:t>
+                      </a:r>
+                      <a:endParaRPr lang="en-US" sz="1600" dirty="0"/>
+                    </a:p>
+                  </a:txBody>
+                  <a:tcPr/>
+                </a:tc>
+              </a:tr>
+              <a:tr h="370840">
+                <a:tc>
+                  <a:txBody>
+                    <a:bodyPr/>
+                    <a:lstStyle/>
+                    <a:p>
+                      <a:r>
+                        <a:rPr lang="en-US" sz="1600" dirty="0" err="1" smtClean="0"/>
+                        <a:t>Flatmap</a:t>
+                      </a:r>
+                      <a:endParaRPr lang="en-US" sz="1600" dirty="0"/>
+                    </a:p>
+                  </a:txBody>
+                  <a:tcPr/>
+                </a:tc>
+                <a:tc>
+                  <a:txBody>
+                    <a:bodyPr/>
+                    <a:lstStyle/>
+                    <a:p>
+                      <a:r>
+                        <a:rPr lang="en-US" sz="1600" dirty="0" smtClean="0"/>
+                        <a:t>Like map, but</a:t>
+                      </a:r>
+                      <a:r>
+                        <a:rPr lang="en-US" sz="1600" baseline="0" dirty="0" smtClean="0"/>
+                        <a:t> can output more than one result per element</a:t>
+                      </a:r>
+                      <a:endParaRPr lang="en-US" sz="1600" dirty="0"/>
+                    </a:p>
+                  </a:txBody>
+                  <a:tcPr/>
+                </a:tc>
+                <a:tc>
+                  <a:txBody>
+                    <a:bodyPr/>
+                    <a:lstStyle/>
+                    <a:p>
+                      <a:endParaRPr lang="en-US" sz="1600" dirty="0"/>
+                    </a:p>
+                  </a:txBody>
+                  <a:tcPr/>
+                </a:tc>
+                <a:tc>
+                  <a:txBody>
+                    <a:bodyPr/>
+                    <a:lstStyle/>
+                    <a:p>
+                      <a:endParaRPr lang="en-US" sz="1600" dirty="0"/>
+                    </a:p>
+                  </a:txBody>
+                  <a:tcPr/>
+                </a:tc>
+              </a:tr>
+              <a:tr h="370840">
+                <a:tc>
+                  <a:txBody>
+                    <a:bodyPr/>
+                    <a:lstStyle/>
+                    <a:p>
+                      <a:r>
+                        <a:rPr lang="en-US" sz="1600" dirty="0" err="1" smtClean="0"/>
+                        <a:t>mapPartitions</a:t>
+                      </a:r>
+                      <a:endParaRPr lang="en-US" sz="1600" dirty="0"/>
+                    </a:p>
+                  </a:txBody>
+                  <a:tcPr/>
+                </a:tc>
+                <a:tc>
+                  <a:txBody>
+                    <a:bodyPr/>
+                    <a:lstStyle/>
+                    <a:p>
+                      <a:r>
+                        <a:rPr lang="en-US" sz="1600" dirty="0" smtClean="0"/>
+                        <a:t>Like map, but</a:t>
+                      </a:r>
+                      <a:r>
+                        <a:rPr lang="en-US" sz="1600" baseline="0" dirty="0" smtClean="0"/>
+                        <a:t> runs on the whole partition not on each element</a:t>
+                      </a:r>
+                      <a:endParaRPr lang="en-US" sz="1600" dirty="0"/>
+                    </a:p>
+                  </a:txBody>
+                  <a:tcPr/>
+                </a:tc>
+                <a:tc>
+                  <a:txBody>
+                    <a:bodyPr/>
+                    <a:lstStyle/>
+                    <a:p>
+                      <a:endParaRPr lang="en-US" sz="1600" dirty="0"/>
+                    </a:p>
+                  </a:txBody>
+                  <a:tcPr/>
+                </a:tc>
+                <a:tc>
+                  <a:txBody>
+                    <a:bodyPr/>
+                    <a:lstStyle/>
+                    <a:p>
+                      <a:endParaRPr lang="en-US" sz="1600" dirty="0"/>
+                    </a:p>
+                  </a:txBody>
+                  <a:tcPr/>
+                </a:tc>
+              </a:tr>
+            </a:tbl>
+          </a:graphicData>
+        </a:graphic>
+      </p:graphicFrame>
+      <p:sp>
+        <p:nvSpPr>
+          <p:cNvPr id="4" name="Footer Placeholder 3"/>
+          <p:cNvSpPr>
+            <a:spLocks noGrp="1"/>
+          </p:cNvSpPr>
+          <p:nvPr>
+            <p:ph type="ftr" sz="quarter" idx="11"/>
+          </p:nvPr>
+        </p:nvSpPr>
+        <p:spPr/>
+        <p:txBody>
+          <a:bodyPr/>
+          <a:lstStyle/>
+          <a:p>
+            <a:r>
+              <a:rPr lang="en-US" smtClean="0"/>
+              <a:t>© Elephant Scale, 2014</a:t>
+            </a:r>
+            <a:endParaRPr lang="en-US" dirty="0"/>
+          </a:p>
+        </p:txBody>
+      </p:sp>
+      <p:sp>
+        <p:nvSpPr>
+          <p:cNvPr id="3" name="TextBox 2"/>
+          <p:cNvSpPr txBox="1"/>
+          <p:nvPr/>
+        </p:nvSpPr>
+        <p:spPr>
+          <a:xfrm>
+            <a:off x="4598971" y="1417834"/>
+            <a:ext cx="2676259" cy="523220"/>
+          </a:xfrm>
+          <a:prstGeom prst="rect">
+            <a:avLst/>
+          </a:prstGeom>
+          <a:noFill/>
+        </p:spPr>
+        <p:txBody>
+          <a:bodyPr wrap="none" rtlCol="0">
+            <a:spAutoFit/>
+          </a:bodyPr>
+          <a:lstStyle/>
+          <a:p>
+            <a:r>
+              <a:rPr lang="en-US" sz="2800" dirty="0" smtClean="0"/>
+              <a:t>RDD = {1,2,3,3}</a:t>
+            </a:r>
+            <a:endParaRPr lang="en-US" sz="2800" dirty="0"/>
+          </a:p>
+        </p:txBody>
+      </p:sp>
+    </p:spTree>
+    <p:extLst>
+      <p:ext uri="{BB962C8B-B14F-4D97-AF65-F5344CB8AC3E}">
+        <p14:creationId xmlns:p14="http://schemas.microsoft.com/office/powerpoint/2010/main" val="2624040341"/>
+      </p:ext>
+    </p:extLst>
+  </p:cSld>
+  <p:clrMapOvr>
+    <a:masterClrMapping/>
+  </p:clrMapOvr>
+  <p:timing>
+    <p:tnLst>
+      <p:par>
+        <p:cTn xmlns:p14="http://schemas.microsoft.com/office/powerpoint/2010/main" id="1" dur="indefinite" restart="never" nodeType="tmRoot"/>
+      </p:par>
+    </p:tnLst>
+  </p:timing>
+</p:sld>
+</file>
+
+<file path=ppt/slides/slide23.xml><?xml version="1.0" encoding="utf-8"?>
+<p:sld xmlns:a="http://schemas.openxmlformats.org/drawingml/2006/main" xmlns:r="http://schemas.openxmlformats.org/officeDocument/2006/relationships" xmlns:p="http://schemas.openxmlformats.org/presentationml/2006/main">
+  <p:cSld>
+    <p:spTree>
+      <p:nvGrpSpPr>
+        <p:cNvPr id="1" name=""/>
+        <p:cNvGrpSpPr/>
+        <p:nvPr/>
+      </p:nvGrpSpPr>
+      <p:grpSpPr>
+        <a:xfrm>
+          <a:off x="0" y="0"/>
+          <a:ext cx="0" cy="0"/>
+          <a:chOff x="0" y="0"/>
+          <a:chExt cx="0" cy="0"/>
+        </a:xfrm>
+      </p:grpSpPr>
+      <p:sp>
+        <p:nvSpPr>
+          <p:cNvPr id="2" name="Title 1"/>
+          <p:cNvSpPr>
+            <a:spLocks noGrp="1"/>
+          </p:cNvSpPr>
+          <p:nvPr>
+            <p:ph type="title"/>
+          </p:nvPr>
+        </p:nvSpPr>
+        <p:spPr/>
+        <p:txBody>
+          <a:bodyPr/>
+          <a:lstStyle/>
+          <a:p>
+            <a:r>
+              <a:rPr lang="en-US" dirty="0" smtClean="0"/>
+              <a:t>RDD Transformations</a:t>
+            </a:r>
+            <a:endParaRPr lang="en-US" dirty="0"/>
+          </a:p>
+        </p:txBody>
+      </p:sp>
+      <p:graphicFrame>
+        <p:nvGraphicFramePr>
+          <p:cNvPr id="5" name="Content Placeholder 4"/>
+          <p:cNvGraphicFramePr>
+            <a:graphicFrameLocks noGrp="1"/>
+          </p:cNvGraphicFramePr>
+          <p:nvPr>
+            <p:ph idx="1"/>
+            <p:extLst>
+              <p:ext uri="{D42A27DB-BD31-4B8C-83A1-F6EECF244321}">
+                <p14:modId xmlns:p14="http://schemas.microsoft.com/office/powerpoint/2010/main" val="3184580685"/>
+              </p:ext>
+            </p:extLst>
+          </p:nvPr>
+        </p:nvGraphicFramePr>
+        <p:xfrm>
+          <a:off x="498475" y="1981200"/>
+          <a:ext cx="7556500" cy="4119879"/>
+        </p:xfrm>
+        <a:graphic>
+          <a:graphicData uri="http://schemas.openxmlformats.org/drawingml/2006/table">
+            <a:tbl>
+              <a:tblPr firstRow="1" bandRow="1">
+                <a:tableStyleId>{5C22544A-7EE6-4342-B048-85BDC9FD1C3A}</a:tableStyleId>
+              </a:tblPr>
+              <a:tblGrid>
+                <a:gridCol w="1480051"/>
+                <a:gridCol w="2298199"/>
+                <a:gridCol w="1889125"/>
+                <a:gridCol w="1889125"/>
+              </a:tblGrid>
+              <a:tr h="370840">
+                <a:tc>
+                  <a:txBody>
+                    <a:bodyPr/>
+                    <a:lstStyle/>
+                    <a:p>
+                      <a:r>
                         <a:rPr lang="en-US" dirty="0" smtClean="0"/>
-                        <a:t>filter</a:t>
+                        <a:t>Transformation</a:t>
                       </a:r>
                       <a:endParaRPr lang="en-US" dirty="0"/>
                     </a:p>
@@ -13160,25 +14253,7 @@
                     <a:p>
                       <a:r>
                         <a:rPr lang="en-US" dirty="0" smtClean="0"/>
-                        <a:t>Filters through each record</a:t>
-                      </a:r>
-                      <a:r>
-                        <a:rPr lang="en-US" baseline="0" dirty="0" smtClean="0"/>
-                        <a:t> </a:t>
-                      </a:r>
-                    </a:p>
-                    <a:p>
-                      <a:r>
-                        <a:rPr lang="en-US" baseline="0" dirty="0" smtClean="0"/>
-                        <a:t>(aka </a:t>
-                      </a:r>
-                      <a:r>
-                        <a:rPr lang="en-US" baseline="0" dirty="0" err="1" smtClean="0"/>
-                        <a:t>grep</a:t>
-                      </a:r>
-                      <a:r>
-                        <a:rPr lang="en-US" baseline="0" dirty="0" smtClean="0"/>
-                        <a:t>)</a:t>
+                        <a:t>Description</a:t>
                       </a:r>
                       <a:endParaRPr lang="en-US" dirty="0"/>
                     </a:p>
@@ -13191,24 +14266,22 @@
                     <a:lstStyle/>
                     <a:p>
                       <a:r>
-                        <a:rPr lang="en-US" dirty="0" err="1" smtClean="0"/>
-                        <a:t>f.filter</a:t>
+                        <a:rPr lang="en-US" dirty="0" smtClean="0"/>
+                        <a:t>Example</a:t>
                       </a:r>
+                      <a:endParaRPr lang="en-US" dirty="0"/>
+                    </a:p>
+                  </a:txBody>
+                  <a:tcPr/>
+                </a:tc>
+                <a:tc>
+                  <a:txBody>
+                    <a:bodyPr/>
+                    <a:lstStyle/>
+                    <a:p>
                       <a:r>
                         <a:rPr lang="en-US" dirty="0" smtClean="0"/>
-                        <a:t>(</a:t>
-                      </a:r>
-                      <a:r>
-                        <a:rPr lang="en-US" baseline="0" dirty="0" smtClean="0"/>
-                        <a:t> line =&gt; </a:t>
-                      </a:r>
-                      <a:r>
-                        <a:rPr lang="en-US" baseline="0" dirty="0" err="1" smtClean="0"/>
-                        <a:t>line.contains</a:t>
-                      </a:r>
-                      <a:r>
-                        <a:rPr lang="en-US" baseline="0" dirty="0" smtClean="0"/>
-                        <a:t>(“ERROR”))</a:t>
+                        <a:t>Result</a:t>
                       </a:r>
                       <a:endParaRPr lang="en-US" dirty="0"/>
                     </a:p>
@@ -13224,7 +14297,7 @@
                     <a:p>
                       <a:r>
                         <a:rPr lang="en-US" dirty="0" smtClean="0"/>
-                        <a:t>union</a:t>
+                        <a:t>Union</a:t>
                       </a:r>
                       <a:endParaRPr lang="en-US" dirty="0"/>
                     </a:p>
@@ -13240,6 +14313,16 @@
                         <a:rPr lang="en-US" dirty="0" smtClean="0"/>
                         <a:t>Merges two RDDs</a:t>
                       </a:r>
+                    </a:p>
+                    <a:p>
+                      <a:r>
+                        <a:rPr lang="en-US" dirty="0" smtClean="0"/>
+                        <a:t>(duplicates are</a:t>
+                      </a:r>
+                      <a:r>
+                        <a:rPr lang="en-US" baseline="0" dirty="0" smtClean="0"/>
+                        <a:t> kept)</a:t>
+                      </a:r>
                       <a:endParaRPr lang="en-US" dirty="0"/>
                     </a:p>
                   </a:txBody>
@@ -13252,7 +14335,21 @@
                     <a:p>
                       <a:r>
                         <a:rPr lang="en-US" dirty="0" smtClean="0"/>
-                        <a:t>rdd1.union(rdd2)</a:t>
+                        <a:t>r1.union(r2)</a:t>
+                      </a:r>
+                      <a:endParaRPr lang="en-US" dirty="0"/>
+                    </a:p>
+                  </a:txBody>
+                  <a:tcPr/>
+                </a:tc>
+                <a:tc>
+                  <a:txBody>
+                    <a:bodyPr/>
+                    <a:lstStyle/>
+                    <a:p>
+                      <a:r>
+                        <a:rPr lang="en-US" dirty="0" smtClean="0"/>
+                        <a:t>{1,2,3,3,2,4}</a:t>
                       </a:r>
                       <a:endParaRPr lang="en-US" dirty="0"/>
                     </a:p>
@@ -13268,17 +14365,173 @@
                     <a:p>
                       <a:r>
                         <a:rPr lang="en-US" dirty="0" smtClean="0"/>
-                        <a:t>…see</a:t>
-                      </a:r>
-                      <a:r>
-                        <a:rPr lang="en-US" baseline="0" dirty="0" smtClean="0"/>
-                        <a:t> docs …</a:t>
+                        <a:t>Intersection</a:t>
                       </a:r>
                       <a:endParaRPr lang="en-US" dirty="0"/>
                     </a:p>
                   </a:txBody>
                   <a:tcPr/>
                 </a:tc>
+                <a:tc>
+                  <a:txBody>
+                    <a:bodyPr/>
+                    <a:lstStyle/>
+                    <a:p>
+                      <a:r>
+                        <a:rPr lang="en-US" dirty="0" smtClean="0"/>
+                        <a:t>Returns common elements in</a:t>
+                      </a:r>
+                      <a:r>
+                        <a:rPr lang="en-US" baseline="0" dirty="0" smtClean="0"/>
+                        <a:t> two RDDs</a:t>
+                      </a:r>
+                      <a:endParaRPr lang="en-US" dirty="0"/>
+                    </a:p>
+                  </a:txBody>
+                  <a:tcPr/>
+                </a:tc>
+                <a:tc>
+                  <a:txBody>
+                    <a:bodyPr/>
+                    <a:lstStyle/>
+                    <a:p>
+                      <a:r>
+                        <a:rPr lang="en-US" dirty="0" smtClean="0"/>
+                        <a:t>r1.intersect(r2)</a:t>
+                      </a:r>
+                      <a:endParaRPr lang="en-US" dirty="0"/>
+                    </a:p>
+                  </a:txBody>
+                  <a:tcPr/>
+                </a:tc>
+                <a:tc>
+                  <a:txBody>
+                    <a:bodyPr/>
+                    <a:lstStyle/>
+                    <a:p>
+                      <a:r>
+                        <a:rPr lang="en-US" dirty="0" smtClean="0"/>
+                        <a:t>{2}</a:t>
+                      </a:r>
+                      <a:endParaRPr lang="en-US" dirty="0"/>
+                    </a:p>
+                  </a:txBody>
+                  <a:tcPr/>
+                </a:tc>
+              </a:tr>
+              <a:tr h="370840">
+                <a:tc>
+                  <a:txBody>
+                    <a:bodyPr/>
+                    <a:lstStyle/>
+                    <a:p>
+                      <a:r>
+                        <a:rPr lang="en-US" dirty="0" smtClean="0"/>
+                        <a:t>Subtract</a:t>
+                      </a:r>
+                      <a:endParaRPr lang="en-US" dirty="0"/>
+                    </a:p>
+                  </a:txBody>
+                  <a:tcPr/>
+                </a:tc>
+                <a:tc>
+                  <a:txBody>
+                    <a:bodyPr/>
+                    <a:lstStyle/>
+                    <a:p>
+                      <a:r>
+                        <a:rPr lang="en-US" dirty="0" smtClean="0"/>
+                        <a:t>Takes away elements from one</a:t>
+                      </a:r>
+                      <a:endParaRPr lang="en-US" dirty="0"/>
+                    </a:p>
+                  </a:txBody>
+                  <a:tcPr/>
+                </a:tc>
+                <a:tc>
+                  <a:txBody>
+                    <a:bodyPr/>
+                    <a:lstStyle/>
+                    <a:p>
+                      <a:r>
+                        <a:rPr lang="en-US" dirty="0" smtClean="0"/>
+                        <a:t>r1.subtract(r2)</a:t>
+                      </a:r>
+                      <a:endParaRPr lang="en-US" dirty="0"/>
+                    </a:p>
+                  </a:txBody>
+                  <a:tcPr/>
+                </a:tc>
+                <a:tc>
+                  <a:txBody>
+                    <a:bodyPr/>
+                    <a:lstStyle/>
+                    <a:p>
+                      <a:r>
+                        <a:rPr lang="en-US" dirty="0" smtClean="0"/>
+                        <a:t>{1,3,3}</a:t>
+                      </a:r>
+                      <a:endParaRPr lang="en-US" dirty="0"/>
+                    </a:p>
+                  </a:txBody>
+                  <a:tcPr/>
+                </a:tc>
+              </a:tr>
+              <a:tr h="370840">
+                <a:tc>
+                  <a:txBody>
+                    <a:bodyPr/>
+                    <a:lstStyle/>
+                    <a:p>
+                      <a:r>
+                        <a:rPr lang="en-US" dirty="0" smtClean="0"/>
+                        <a:t>Sample</a:t>
+                      </a:r>
+                      <a:endParaRPr lang="en-US" dirty="0"/>
+                    </a:p>
+                  </a:txBody>
+                  <a:tcPr/>
+                </a:tc>
+                <a:tc>
+                  <a:txBody>
+                    <a:bodyPr/>
+                    <a:lstStyle/>
+                    <a:p>
+                      <a:r>
+                        <a:rPr lang="en-US" dirty="0" smtClean="0"/>
+                        <a:t>Take</a:t>
+                      </a:r>
+                      <a:r>
+                        <a:rPr lang="en-US" baseline="0" dirty="0" smtClean="0"/>
+                        <a:t> a small sample from RDD</a:t>
+                      </a:r>
+                      <a:endParaRPr lang="en-US" dirty="0"/>
+                    </a:p>
+                  </a:txBody>
+                  <a:tcPr/>
+                </a:tc>
+                <a:tc>
+                  <a:txBody>
+                    <a:bodyPr/>
+                    <a:lstStyle/>
+                    <a:p>
+                      <a:endParaRPr lang="en-US" sz="1600" dirty="0"/>
+                    </a:p>
+                  </a:txBody>
+                  <a:tcPr/>
+                </a:tc>
+                <a:tc>
+                  <a:txBody>
+                    <a:bodyPr/>
+                    <a:lstStyle/>
+                    <a:p>
+                      <a:endParaRPr lang="en-US" sz="1600" dirty="0"/>
+                    </a:p>
+                  </a:txBody>
+                  <a:tcPr/>
+                </a:tc>
+              </a:tr>
+              <a:tr h="370840">
                 <a:tc>
                   <a:txBody>
                     <a:bodyPr/>
@@ -13299,6 +14552,26 @@
                   </a:txBody>
                   <a:tcPr/>
                 </a:tc>
+                <a:tc>
+                  <a:txBody>
+                    <a:bodyPr/>
+                    <a:lstStyle/>
+                    <a:p>
+                      <a:endParaRPr lang="en-US" sz="1600" dirty="0"/>
+                    </a:p>
+                  </a:txBody>
+                  <a:tcPr/>
+                </a:tc>
+                <a:tc>
+                  <a:txBody>
+                    <a:bodyPr/>
+                    <a:lstStyle/>
+                    <a:p>
+                      <a:endParaRPr lang="en-US" sz="1600" dirty="0"/>
+                    </a:p>
+                  </a:txBody>
+                  <a:tcPr/>
+                </a:tc>
               </a:tr>
             </a:tbl>
           </a:graphicData>
@@ -13327,20 +14600,87 @@
           </a:p>
         </p:txBody>
       </p:sp>
+      <p:sp>
+        <p:nvSpPr>
+          <p:cNvPr id="3" name="TextBox 2"/>
+          <p:cNvSpPr txBox="1"/>
+          <p:nvPr/>
+        </p:nvSpPr>
+        <p:spPr>
+          <a:xfrm>
+            <a:off x="1714964" y="1338590"/>
+            <a:ext cx="2870873" cy="523220"/>
+          </a:xfrm>
+          <a:prstGeom prst="rect">
+            <a:avLst/>
+          </a:prstGeom>
+          <a:noFill/>
+        </p:spPr>
+        <p:txBody>
+          <a:bodyPr wrap="none" rtlCol="0">
+            <a:spAutoFit/>
+          </a:bodyPr>
+          <a:lstStyle/>
+          <a:p>
+            <a:r>
+              <a:rPr lang="en-US" sz="2800" dirty="0" smtClean="0"/>
+              <a:t>RDD1 = {1,2,3,3}</a:t>
+            </a:r>
+            <a:endParaRPr lang="en-US" sz="2800" dirty="0"/>
+          </a:p>
+        </p:txBody>
+      </p:sp>
+      <p:sp>
+        <p:nvSpPr>
+          <p:cNvPr id="6" name="TextBox 5"/>
+          <p:cNvSpPr txBox="1"/>
+          <p:nvPr/>
+        </p:nvSpPr>
+        <p:spPr>
+          <a:xfrm>
+            <a:off x="4995574" y="1340338"/>
+            <a:ext cx="2271951" cy="523220"/>
+          </a:xfrm>
+          <a:prstGeom prst="rect">
+            <a:avLst/>
+          </a:prstGeom>
+          <a:noFill/>
+        </p:spPr>
+        <p:txBody>
+          <a:bodyPr wrap="none" rtlCol="0">
+            <a:spAutoFit/>
+          </a:bodyPr>
+          <a:lstStyle/>
+          <a:p>
+            <a:r>
+              <a:rPr lang="en-US" sz="2800" dirty="0" smtClean="0"/>
+              <a:t>RDD2 = {2,4}</a:t>
+            </a:r>
+            <a:endParaRPr lang="en-US" sz="2800" dirty="0"/>
+          </a:p>
+        </p:txBody>
+      </p:sp>
     </p:spTree>
     <p:extLst>
       <p:ext uri="{BB962C8B-B14F-4D97-AF65-F5344CB8AC3E}">
-        <p14:creationId xmlns:p14="http://schemas.microsoft.com/office/powerpoint/2010/main" val="2624040341"/>
+        <p14:creationId xmlns:p14="http://schemas.microsoft.com/office/powerpoint/2010/main" val="1496601883"/>
       </p:ext>
     </p:extLst>
   </p:cSld>
   <p:clrMapOvr>
     <a:masterClrMapping/>
   </p:clrMapOvr>
+  <p:timing>
+    <p:tnLst>
+      <p:par>
+        <p:cTn xmlns:p14="http://schemas.microsoft.com/office/powerpoint/2010/main" id="1" dur="indefinite" restart="never" nodeType="tmRoot"/>
+      </p:par>
+    </p:tnLst>
+  </p:timing>
 </p:sld>
 </file>
 
-<file path=ppt/slides/slide23.xml><?xml version="1.0" encoding="utf-8"?>
+<file path=ppt/slides/slide24.xml><?xml version="1.0" encoding="utf-8"?>
 <p:sld xmlns:a="http://schemas.openxmlformats.org/drawingml/2006/main" xmlns:r="http://schemas.openxmlformats.org/officeDocument/2006/relationships" xmlns:p="http://schemas.openxmlformats.org/presentationml/2006/main">
   <p:cSld>
     <p:spTree>
@@ -13390,14 +14730,14 @@
             <p:ph idx="1"/>
             <p:extLst>
               <p:ext uri="{D42A27DB-BD31-4B8C-83A1-F6EECF244321}">
-                <p14:modId xmlns:p14="http://schemas.microsoft.com/office/powerpoint/2010/main" val="2056289581"/>
+                <p14:modId xmlns:p14="http://schemas.microsoft.com/office/powerpoint/2010/main" val="4249212806"/>
               </p:ext>
             </p:extLst>
           </p:nvPr>
         </p:nvGraphicFramePr>
         <p:xfrm>
           <a:off x="498475" y="1981200"/>
-          <a:ext cx="7556499" cy="3957319"/>
+          <a:ext cx="7556500" cy="4775199"/>
         </p:xfrm>
         <a:graphic>
           <a:graphicData uri="http://schemas.openxmlformats.org/drawingml/2006/table">
@@ -13406,9 +14746,10 @@
                 <a:tableStyleId>{5C22544A-7EE6-4342-B048-85BDC9FD1C3A}</a:tableStyleId>
               </a:tblPr>
               <a:tblGrid>
-                <a:gridCol w="1588708"/>
-                <a:gridCol w="3448958"/>
-                <a:gridCol w="2518833"/>
+                <a:gridCol w="1191531"/>
+                <a:gridCol w="2586719"/>
+                <a:gridCol w="1889125"/>
+                <a:gridCol w="1889125"/>
               </a:tblGrid>
               <a:tr h="370840">
                 <a:tc>
@@ -13447,6 +14788,20 @@
                       <a:r>
                         <a:rPr lang="en-US" dirty="0" smtClean="0"/>
                         <a:t>Example</a:t>
+                      </a:r>
+                      <a:endParaRPr lang="en-US" dirty="0"/>
+                    </a:p>
+                  </a:txBody>
+                  <a:tcPr/>
+                </a:tc>
+                <a:tc>
+                  <a:txBody>
+                    <a:bodyPr/>
+                    <a:lstStyle/>
+                    <a:p>
+                      <a:r>
+                        <a:rPr lang="en-US" dirty="0" smtClean="0"/>
+                        <a:t>Result</a:t>
                       </a:r>
                       <a:endParaRPr lang="en-US" dirty="0"/>
                     </a:p>
@@ -13509,6 +14864,20 @@
                   </a:txBody>
                   <a:tcPr/>
                 </a:tc>
+                <a:tc>
+                  <a:txBody>
+                    <a:bodyPr/>
+                    <a:lstStyle/>
+                    <a:p>
+                      <a:r>
+                        <a:rPr lang="en-US" dirty="0" smtClean="0"/>
+                        <a:t>4</a:t>
+                      </a:r>
+                      <a:endParaRPr lang="en-US" dirty="0"/>
+                    </a:p>
+                  </a:txBody>
+                  <a:tcPr/>
+                </a:tc>
               </a:tr>
               <a:tr h="370840">
                 <a:tc>
@@ -13561,6 +14930,20 @@
                   </a:txBody>
                   <a:tcPr/>
                 </a:tc>
+                <a:tc>
+                  <a:txBody>
+                    <a:bodyPr/>
+                    <a:lstStyle/>
+                    <a:p>
+                      <a:r>
+                        <a:rPr lang="en-US" dirty="0" smtClean="0"/>
+                        <a:t>1</a:t>
+                      </a:r>
+                      <a:endParaRPr lang="en-US" dirty="0"/>
+                    </a:p>
+                  </a:txBody>
+                  <a:tcPr/>
+                </a:tc>
               </a:tr>
               <a:tr h="370840">
                 <a:tc>
@@ -13602,7 +14985,21 @@
                       </a:r>
                       <a:r>
                         <a:rPr lang="en-US" dirty="0" smtClean="0"/>
-                        <a:t>(10)</a:t>
+                        <a:t>(3)</a:t>
+                      </a:r>
+                      <a:endParaRPr lang="en-US" dirty="0"/>
+                    </a:p>
+                  </a:txBody>
+                  <a:tcPr/>
+                </a:tc>
+                <a:tc>
+                  <a:txBody>
+                    <a:bodyPr/>
+                    <a:lstStyle/>
+                    <a:p>
+                      <a:r>
+                        <a:rPr lang="en-US" dirty="0" smtClean="0"/>
+                        <a:t>{1,2,3}</a:t>
                       </a:r>
                       <a:endParaRPr lang="en-US" dirty="0"/>
                     </a:p>
@@ -13667,6 +15064,20 @@
                   </a:txBody>
                   <a:tcPr/>
                 </a:tc>
+                <a:tc>
+                  <a:txBody>
+                    <a:bodyPr/>
+                    <a:lstStyle/>
+                    <a:p>
+                      <a:r>
+                        <a:rPr lang="en-US" dirty="0" smtClean="0"/>
+                        <a:t>{1,2,3,3}</a:t>
+                      </a:r>
+                      <a:endParaRPr lang="en-US" dirty="0"/>
+                    </a:p>
+                  </a:txBody>
+                  <a:tcPr/>
+                </a:tc>
               </a:tr>
               <a:tr h="370840">
                 <a:tc>
@@ -13679,6 +15090,16 @@
                         <a:t>…. See documentation ..</a:t>
                       </a:r>
                       <a:endParaRPr lang="en-US" dirty="0"/>
+                    </a:p>
+                  </a:txBody>
+                  <a:tcPr/>
+                </a:tc>
+                <a:tc>
+                  <a:txBody>
+                    <a:bodyPr/>
+                    <a:lstStyle/>
+                    <a:p>
+                      <a:endParaRPr lang="en-US"/>
                     </a:p>
                   </a:txBody>
                   <a:tcPr/>
@@ -13735,6 +15156,16 @@
                   </a:txBody>
                   <a:tcPr/>
                 </a:tc>
+                <a:tc>
+                  <a:txBody>
+                    <a:bodyPr/>
+                    <a:lstStyle/>
+                    <a:p>
+                      <a:endParaRPr lang="en-US" dirty="0"/>
+                    </a:p>
+                  </a:txBody>
+                  <a:tcPr/>
+                </a:tc>
               </a:tr>
             </a:tbl>
           </a:graphicData>
@@ -13760,6 +15191,36 @@
               <a:t>© Elephant Scale, 2014</a:t>
             </a:r>
             <a:endParaRPr lang="en-US" dirty="0"/>
+          </a:p>
+        </p:txBody>
+      </p:sp>
+      <p:sp>
+        <p:nvSpPr>
+          <p:cNvPr id="6" name="TextBox 5"/>
+          <p:cNvSpPr txBox="1"/>
+          <p:nvPr/>
+        </p:nvSpPr>
+        <p:spPr>
+          <a:xfrm>
+            <a:off x="4598971" y="1417834"/>
+            <a:ext cx="2676259" cy="523220"/>
+          </a:xfrm>
+          <a:prstGeom prst="rect">
+            <a:avLst/>
+          </a:prstGeom>
+          <a:noFill/>
+        </p:spPr>
+        <p:txBody>
+          <a:bodyPr wrap="none" rtlCol="0">
+            <a:spAutoFit/>
+          </a:bodyPr>
+          <a:lstStyle/>
+          <a:p>
+            <a:r>
+              <a:rPr lang="en-US" sz="2800" dirty="0" smtClean="0"/>
+              <a:t>RDD = {1,2,3,3}</a:t>
+            </a:r>
+            <a:endParaRPr lang="en-US" sz="2800" dirty="0"/>
           </a:p>
         </p:txBody>
       </p:sp>
@@ -13773,716 +15234,13 @@
   <p:clrMapOvr>
     <a:masterClrMapping/>
   </p:clrMapOvr>
-</p:sld>
-</file>
-
-<file path=ppt/slides/slide24.xml><?xml version="1.0" encoding="utf-8"?>
-<p:sld xmlns:a="http://schemas.openxmlformats.org/drawingml/2006/main" xmlns:r="http://schemas.openxmlformats.org/officeDocument/2006/relationships" xmlns:p="http://schemas.openxmlformats.org/presentationml/2006/main">
-  <p:cSld>
-    <p:spTree>
-      <p:nvGrpSpPr>
-        <p:cNvPr id="1" name=""/>
-        <p:cNvGrpSpPr/>
-        <p:nvPr/>
-      </p:nvGrpSpPr>
-      <p:grpSpPr>
-        <a:xfrm>
-          <a:off x="0" y="0"/>
-          <a:ext cx="0" cy="0"/>
-          <a:chOff x="0" y="0"/>
-          <a:chExt cx="0" cy="0"/>
-        </a:xfrm>
-      </p:grpSpPr>
-      <p:sp>
-        <p:nvSpPr>
-          <p:cNvPr id="2" name="Title 1"/>
-          <p:cNvSpPr>
-            <a:spLocks noGrp="1"/>
-          </p:cNvSpPr>
-          <p:nvPr>
-            <p:ph type="title"/>
-          </p:nvPr>
-        </p:nvSpPr>
-        <p:spPr/>
-        <p:txBody>
-          <a:bodyPr/>
-          <a:lstStyle/>
-          <a:p>
-            <a:r>
-              <a:rPr lang="en-US" dirty="0" smtClean="0"/>
-              <a:t>Partitions Explained</a:t>
-            </a:r>
-            <a:endParaRPr lang="en-US" dirty="0"/>
-          </a:p>
-        </p:txBody>
-      </p:sp>
-      <p:sp>
-        <p:nvSpPr>
-          <p:cNvPr id="3" name="Content Placeholder 2"/>
-          <p:cNvSpPr>
-            <a:spLocks noGrp="1"/>
-          </p:cNvSpPr>
-          <p:nvPr>
-            <p:ph idx="1"/>
-          </p:nvPr>
-        </p:nvSpPr>
-        <p:spPr>
-          <a:xfrm>
-            <a:off x="498474" y="1351502"/>
-            <a:ext cx="7556313" cy="4774661"/>
-          </a:xfrm>
-        </p:spPr>
-        <p:txBody>
-          <a:bodyPr/>
-          <a:lstStyle/>
-          <a:p>
-            <a:endParaRPr lang="en-US" dirty="0"/>
-          </a:p>
-        </p:txBody>
-      </p:sp>
-      <p:sp>
-        <p:nvSpPr>
-          <p:cNvPr id="4" name="Footer Placeholder 3"/>
-          <p:cNvSpPr>
-            <a:spLocks noGrp="1"/>
-          </p:cNvSpPr>
-          <p:nvPr>
-            <p:ph type="ftr" sz="quarter" idx="11"/>
-          </p:nvPr>
-        </p:nvSpPr>
-        <p:spPr/>
-        <p:txBody>
-          <a:bodyPr/>
-          <a:lstStyle/>
-          <a:p>
-            <a:r>
-              <a:rPr lang="en-US" smtClean="0"/>
-              <a:t>© Elephant Scale, 2014</a:t>
-            </a:r>
-            <a:endParaRPr lang="en-US" dirty="0"/>
-          </a:p>
-        </p:txBody>
-      </p:sp>
-      <p:sp>
-        <p:nvSpPr>
-          <p:cNvPr id="5" name="Rectangle 4"/>
-          <p:cNvSpPr/>
-          <p:nvPr/>
-        </p:nvSpPr>
-        <p:spPr>
-          <a:xfrm>
-            <a:off x="1393351" y="1502964"/>
-            <a:ext cx="5861015" cy="850514"/>
-          </a:xfrm>
-          <a:prstGeom prst="rect">
-            <a:avLst/>
-          </a:prstGeom>
-        </p:spPr>
-        <p:style>
-          <a:lnRef idx="1">
-            <a:schemeClr val="accent1"/>
-          </a:lnRef>
-          <a:fillRef idx="3">
-            <a:schemeClr val="accent1"/>
-          </a:fillRef>
-          <a:effectRef idx="2">
-            <a:schemeClr val="accent1"/>
-          </a:effectRef>
-          <a:fontRef idx="minor">
-            <a:schemeClr val="lt1"/>
-          </a:fontRef>
-        </p:style>
-        <p:txBody>
-          <a:bodyPr rtlCol="0" anchor="ctr"/>
-          <a:lstStyle/>
-          <a:p>
-            <a:pPr algn="ctr"/>
-            <a:r>
-              <a:rPr lang="en-US" dirty="0" smtClean="0"/>
-              <a:t>1G file</a:t>
-            </a:r>
-            <a:endParaRPr lang="en-US" dirty="0"/>
-          </a:p>
-        </p:txBody>
-      </p:sp>
-      <p:sp>
-        <p:nvSpPr>
-          <p:cNvPr id="6" name="Rounded Rectangle 5"/>
-          <p:cNvSpPr/>
-          <p:nvPr/>
-        </p:nvSpPr>
-        <p:spPr>
-          <a:xfrm>
-            <a:off x="1393351" y="2644750"/>
-            <a:ext cx="757389" cy="652449"/>
-          </a:xfrm>
-          <a:prstGeom prst="roundRect">
-            <a:avLst/>
-          </a:prstGeom>
-        </p:spPr>
-        <p:style>
-          <a:lnRef idx="1">
-            <a:schemeClr val="accent1"/>
-          </a:lnRef>
-          <a:fillRef idx="3">
-            <a:schemeClr val="accent1"/>
-          </a:fillRef>
-          <a:effectRef idx="2">
-            <a:schemeClr val="accent1"/>
-          </a:effectRef>
-          <a:fontRef idx="minor">
-            <a:schemeClr val="lt1"/>
-          </a:fontRef>
-        </p:style>
-        <p:txBody>
-          <a:bodyPr rtlCol="0" anchor="ctr"/>
-          <a:lstStyle/>
-          <a:p>
-            <a:pPr algn="ctr"/>
-            <a:r>
-              <a:rPr lang="en-US" dirty="0" smtClean="0"/>
-              <a:t>32M</a:t>
-            </a:r>
-            <a:endParaRPr lang="en-US" dirty="0"/>
-          </a:p>
-        </p:txBody>
-      </p:sp>
-      <p:sp>
-        <p:nvSpPr>
-          <p:cNvPr id="7" name="Rounded Rectangle 6"/>
-          <p:cNvSpPr/>
-          <p:nvPr/>
-        </p:nvSpPr>
-        <p:spPr>
-          <a:xfrm>
-            <a:off x="2587693" y="2644750"/>
-            <a:ext cx="757389" cy="652449"/>
-          </a:xfrm>
-          <a:prstGeom prst="roundRect">
-            <a:avLst/>
-          </a:prstGeom>
-        </p:spPr>
-        <p:style>
-          <a:lnRef idx="1">
-            <a:schemeClr val="accent1"/>
-          </a:lnRef>
-          <a:fillRef idx="3">
-            <a:schemeClr val="accent1"/>
-          </a:fillRef>
-          <a:effectRef idx="2">
-            <a:schemeClr val="accent1"/>
-          </a:effectRef>
-          <a:fontRef idx="minor">
-            <a:schemeClr val="lt1"/>
-          </a:fontRef>
-        </p:style>
-        <p:txBody>
-          <a:bodyPr rtlCol="0" anchor="ctr"/>
-          <a:lstStyle/>
-          <a:p>
-            <a:pPr algn="ctr"/>
-            <a:r>
-              <a:rPr lang="en-US" dirty="0" smtClean="0"/>
-              <a:t>32M</a:t>
-            </a:r>
-            <a:endParaRPr lang="en-US" dirty="0"/>
-          </a:p>
-        </p:txBody>
-      </p:sp>
-      <p:sp>
-        <p:nvSpPr>
-          <p:cNvPr id="8" name="Rounded Rectangle 7"/>
-          <p:cNvSpPr/>
-          <p:nvPr/>
-        </p:nvSpPr>
-        <p:spPr>
-          <a:xfrm>
-            <a:off x="3554819" y="2644750"/>
-            <a:ext cx="757389" cy="652449"/>
-          </a:xfrm>
-          <a:prstGeom prst="roundRect">
-            <a:avLst/>
-          </a:prstGeom>
-        </p:spPr>
-        <p:style>
-          <a:lnRef idx="1">
-            <a:schemeClr val="accent1"/>
-          </a:lnRef>
-          <a:fillRef idx="3">
-            <a:schemeClr val="accent1"/>
-          </a:fillRef>
-          <a:effectRef idx="2">
-            <a:schemeClr val="accent1"/>
-          </a:effectRef>
-          <a:fontRef idx="minor">
-            <a:schemeClr val="lt1"/>
-          </a:fontRef>
-        </p:style>
-        <p:txBody>
-          <a:bodyPr rtlCol="0" anchor="ctr"/>
-          <a:lstStyle/>
-          <a:p>
-            <a:pPr algn="ctr"/>
-            <a:r>
-              <a:rPr lang="en-US" dirty="0" smtClean="0"/>
-              <a:t>32M</a:t>
-            </a:r>
-            <a:endParaRPr lang="en-US" dirty="0"/>
-          </a:p>
-        </p:txBody>
-      </p:sp>
-      <p:sp>
-        <p:nvSpPr>
-          <p:cNvPr id="9" name="Rounded Rectangle 8"/>
-          <p:cNvSpPr/>
-          <p:nvPr/>
-        </p:nvSpPr>
-        <p:spPr>
-          <a:xfrm>
-            <a:off x="4725856" y="2644750"/>
-            <a:ext cx="757389" cy="652449"/>
-          </a:xfrm>
-          <a:prstGeom prst="roundRect">
-            <a:avLst/>
-          </a:prstGeom>
-        </p:spPr>
-        <p:style>
-          <a:lnRef idx="1">
-            <a:schemeClr val="accent1"/>
-          </a:lnRef>
-          <a:fillRef idx="3">
-            <a:schemeClr val="accent1"/>
-          </a:fillRef>
-          <a:effectRef idx="2">
-            <a:schemeClr val="accent1"/>
-          </a:effectRef>
-          <a:fontRef idx="minor">
-            <a:schemeClr val="lt1"/>
-          </a:fontRef>
-        </p:style>
-        <p:txBody>
-          <a:bodyPr rtlCol="0" anchor="ctr"/>
-          <a:lstStyle/>
-          <a:p>
-            <a:pPr algn="ctr"/>
-            <a:r>
-              <a:rPr lang="en-US" dirty="0" smtClean="0"/>
-              <a:t>32M</a:t>
-            </a:r>
-            <a:endParaRPr lang="en-US" dirty="0"/>
-          </a:p>
-        </p:txBody>
-      </p:sp>
-      <p:sp>
-        <p:nvSpPr>
-          <p:cNvPr id="10" name="Down Arrow 9"/>
-          <p:cNvSpPr/>
-          <p:nvPr/>
-        </p:nvSpPr>
-        <p:spPr>
-          <a:xfrm>
-            <a:off x="1701209" y="3460312"/>
-            <a:ext cx="267999" cy="582544"/>
-          </a:xfrm>
-          <a:prstGeom prst="downArrow">
-            <a:avLst/>
-          </a:prstGeom>
-        </p:spPr>
-        <p:style>
-          <a:lnRef idx="1">
-            <a:schemeClr val="accent3"/>
-          </a:lnRef>
-          <a:fillRef idx="3">
-            <a:schemeClr val="accent3"/>
-          </a:fillRef>
-          <a:effectRef idx="2">
-            <a:schemeClr val="accent3"/>
-          </a:effectRef>
-          <a:fontRef idx="minor">
-            <a:schemeClr val="lt1"/>
-          </a:fontRef>
-        </p:style>
-        <p:txBody>
-          <a:bodyPr rtlCol="0" anchor="ctr"/>
-          <a:lstStyle/>
-          <a:p>
-            <a:pPr algn="ctr"/>
-            <a:endParaRPr lang="en-US"/>
-          </a:p>
-        </p:txBody>
-      </p:sp>
-      <p:sp>
-        <p:nvSpPr>
-          <p:cNvPr id="11" name="Down Arrow 10"/>
-          <p:cNvSpPr/>
-          <p:nvPr/>
-        </p:nvSpPr>
-        <p:spPr>
-          <a:xfrm>
-            <a:off x="2797431" y="3460312"/>
-            <a:ext cx="267999" cy="582544"/>
-          </a:xfrm>
-          <a:prstGeom prst="downArrow">
-            <a:avLst/>
-          </a:prstGeom>
-        </p:spPr>
-        <p:style>
-          <a:lnRef idx="1">
-            <a:schemeClr val="accent3"/>
-          </a:lnRef>
-          <a:fillRef idx="3">
-            <a:schemeClr val="accent3"/>
-          </a:fillRef>
-          <a:effectRef idx="2">
-            <a:schemeClr val="accent3"/>
-          </a:effectRef>
-          <a:fontRef idx="minor">
-            <a:schemeClr val="lt1"/>
-          </a:fontRef>
-        </p:style>
-        <p:txBody>
-          <a:bodyPr rtlCol="0" anchor="ctr"/>
-          <a:lstStyle/>
-          <a:p>
-            <a:pPr algn="ctr"/>
-            <a:endParaRPr lang="en-US"/>
-          </a:p>
-        </p:txBody>
-      </p:sp>
-      <p:sp>
-        <p:nvSpPr>
-          <p:cNvPr id="12" name="Down Arrow 11"/>
-          <p:cNvSpPr/>
-          <p:nvPr/>
-        </p:nvSpPr>
-        <p:spPr>
-          <a:xfrm>
-            <a:off x="3822817" y="3460312"/>
-            <a:ext cx="267999" cy="582544"/>
-          </a:xfrm>
-          <a:prstGeom prst="downArrow">
-            <a:avLst/>
-          </a:prstGeom>
-        </p:spPr>
-        <p:style>
-          <a:lnRef idx="1">
-            <a:schemeClr val="accent3"/>
-          </a:lnRef>
-          <a:fillRef idx="3">
-            <a:schemeClr val="accent3"/>
-          </a:fillRef>
-          <a:effectRef idx="2">
-            <a:schemeClr val="accent3"/>
-          </a:effectRef>
-          <a:fontRef idx="minor">
-            <a:schemeClr val="lt1"/>
-          </a:fontRef>
-        </p:style>
-        <p:txBody>
-          <a:bodyPr rtlCol="0" anchor="ctr"/>
-          <a:lstStyle/>
-          <a:p>
-            <a:pPr algn="ctr"/>
-            <a:endParaRPr lang="en-US"/>
-          </a:p>
-        </p:txBody>
-      </p:sp>
-      <p:sp>
-        <p:nvSpPr>
-          <p:cNvPr id="13" name="Down Arrow 12"/>
-          <p:cNvSpPr/>
-          <p:nvPr/>
-        </p:nvSpPr>
-        <p:spPr>
-          <a:xfrm>
-            <a:off x="5022985" y="3460312"/>
-            <a:ext cx="267999" cy="582544"/>
-          </a:xfrm>
-          <a:prstGeom prst="downArrow">
-            <a:avLst/>
-          </a:prstGeom>
-        </p:spPr>
-        <p:style>
-          <a:lnRef idx="1">
-            <a:schemeClr val="accent3"/>
-          </a:lnRef>
-          <a:fillRef idx="3">
-            <a:schemeClr val="accent3"/>
-          </a:fillRef>
-          <a:effectRef idx="2">
-            <a:schemeClr val="accent3"/>
-          </a:effectRef>
-          <a:fontRef idx="minor">
-            <a:schemeClr val="lt1"/>
-          </a:fontRef>
-        </p:style>
-        <p:txBody>
-          <a:bodyPr rtlCol="0" anchor="ctr"/>
-          <a:lstStyle/>
-          <a:p>
-            <a:pPr algn="ctr"/>
-            <a:endParaRPr lang="en-US"/>
-          </a:p>
-        </p:txBody>
-      </p:sp>
-      <p:sp>
-        <p:nvSpPr>
-          <p:cNvPr id="15" name="Diamond 14"/>
-          <p:cNvSpPr/>
-          <p:nvPr/>
-        </p:nvSpPr>
-        <p:spPr>
-          <a:xfrm>
-            <a:off x="1339995" y="4182666"/>
-            <a:ext cx="1071994" cy="708503"/>
-          </a:xfrm>
-          <a:prstGeom prst="diamond">
-            <a:avLst/>
-          </a:prstGeom>
-        </p:spPr>
-        <p:style>
-          <a:lnRef idx="1">
-            <a:schemeClr val="accent5"/>
-          </a:lnRef>
-          <a:fillRef idx="3">
-            <a:schemeClr val="accent5"/>
-          </a:fillRef>
-          <a:effectRef idx="2">
-            <a:schemeClr val="accent5"/>
-          </a:effectRef>
-          <a:fontRef idx="minor">
-            <a:schemeClr val="lt1"/>
-          </a:fontRef>
-        </p:style>
-        <p:txBody>
-          <a:bodyPr rtlCol="0" anchor="ctr"/>
-          <a:lstStyle/>
-          <a:p>
-            <a:pPr algn="ctr"/>
-            <a:r>
-              <a:rPr lang="en-US" sz="1200" dirty="0" smtClean="0"/>
-              <a:t>Task </a:t>
-            </a:r>
-            <a:endParaRPr lang="en-US" dirty="0"/>
-          </a:p>
-        </p:txBody>
-      </p:sp>
-      <p:sp>
-        <p:nvSpPr>
-          <p:cNvPr id="16" name="Diamond 15"/>
-          <p:cNvSpPr/>
-          <p:nvPr/>
-        </p:nvSpPr>
-        <p:spPr>
-          <a:xfrm>
-            <a:off x="2411989" y="4182666"/>
-            <a:ext cx="1071994" cy="708503"/>
-          </a:xfrm>
-          <a:prstGeom prst="diamond">
-            <a:avLst/>
-          </a:prstGeom>
-        </p:spPr>
-        <p:style>
-          <a:lnRef idx="1">
-            <a:schemeClr val="accent5"/>
-          </a:lnRef>
-          <a:fillRef idx="3">
-            <a:schemeClr val="accent5"/>
-          </a:fillRef>
-          <a:effectRef idx="2">
-            <a:schemeClr val="accent5"/>
-          </a:effectRef>
-          <a:fontRef idx="minor">
-            <a:schemeClr val="lt1"/>
-          </a:fontRef>
-        </p:style>
-        <p:txBody>
-          <a:bodyPr rtlCol="0" anchor="ctr"/>
-          <a:lstStyle/>
-          <a:p>
-            <a:pPr algn="ctr"/>
-            <a:r>
-              <a:rPr lang="en-US" sz="1200" dirty="0" smtClean="0"/>
-              <a:t>Task </a:t>
-            </a:r>
-            <a:endParaRPr lang="en-US" dirty="0"/>
-          </a:p>
-        </p:txBody>
-      </p:sp>
-      <p:sp>
-        <p:nvSpPr>
-          <p:cNvPr id="17" name="Diamond 16"/>
-          <p:cNvSpPr/>
-          <p:nvPr/>
-        </p:nvSpPr>
-        <p:spPr>
-          <a:xfrm>
-            <a:off x="3554819" y="4182666"/>
-            <a:ext cx="1071994" cy="708503"/>
-          </a:xfrm>
-          <a:prstGeom prst="diamond">
-            <a:avLst/>
-          </a:prstGeom>
-        </p:spPr>
-        <p:style>
-          <a:lnRef idx="1">
-            <a:schemeClr val="accent5"/>
-          </a:lnRef>
-          <a:fillRef idx="3">
-            <a:schemeClr val="accent5"/>
-          </a:fillRef>
-          <a:effectRef idx="2">
-            <a:schemeClr val="accent5"/>
-          </a:effectRef>
-          <a:fontRef idx="minor">
-            <a:schemeClr val="lt1"/>
-          </a:fontRef>
-        </p:style>
-        <p:txBody>
-          <a:bodyPr rtlCol="0" anchor="ctr"/>
-          <a:lstStyle/>
-          <a:p>
-            <a:pPr algn="ctr"/>
-            <a:r>
-              <a:rPr lang="en-US" sz="1200" dirty="0" smtClean="0"/>
-              <a:t>Task </a:t>
-            </a:r>
-            <a:endParaRPr lang="en-US" dirty="0"/>
-          </a:p>
-        </p:txBody>
-      </p:sp>
-      <p:sp>
-        <p:nvSpPr>
-          <p:cNvPr id="18" name="Diamond 17"/>
-          <p:cNvSpPr/>
-          <p:nvPr/>
-        </p:nvSpPr>
-        <p:spPr>
-          <a:xfrm>
-            <a:off x="4725856" y="4182666"/>
-            <a:ext cx="1071994" cy="708503"/>
-          </a:xfrm>
-          <a:prstGeom prst="diamond">
-            <a:avLst/>
-          </a:prstGeom>
-        </p:spPr>
-        <p:style>
-          <a:lnRef idx="1">
-            <a:schemeClr val="accent5"/>
-          </a:lnRef>
-          <a:fillRef idx="3">
-            <a:schemeClr val="accent5"/>
-          </a:fillRef>
-          <a:effectRef idx="2">
-            <a:schemeClr val="accent5"/>
-          </a:effectRef>
-          <a:fontRef idx="minor">
-            <a:schemeClr val="lt1"/>
-          </a:fontRef>
-        </p:style>
-        <p:txBody>
-          <a:bodyPr rtlCol="0" anchor="ctr"/>
-          <a:lstStyle/>
-          <a:p>
-            <a:pPr algn="ctr"/>
-            <a:r>
-              <a:rPr lang="en-US" sz="1200" dirty="0" smtClean="0"/>
-              <a:t>Task </a:t>
-            </a:r>
-            <a:endParaRPr lang="en-US" dirty="0"/>
-          </a:p>
-        </p:txBody>
-      </p:sp>
-      <p:sp>
-        <p:nvSpPr>
-          <p:cNvPr id="19" name="Quad Arrow 18"/>
-          <p:cNvSpPr/>
-          <p:nvPr/>
-        </p:nvSpPr>
-        <p:spPr>
-          <a:xfrm>
-            <a:off x="2174967" y="5044832"/>
-            <a:ext cx="2225554" cy="454384"/>
-          </a:xfrm>
-          <a:prstGeom prst="quadArrow">
-            <a:avLst/>
-          </a:prstGeom>
-        </p:spPr>
-        <p:style>
-          <a:lnRef idx="1">
-            <a:schemeClr val="accent3"/>
-          </a:lnRef>
-          <a:fillRef idx="3">
-            <a:schemeClr val="accent3"/>
-          </a:fillRef>
-          <a:effectRef idx="2">
-            <a:schemeClr val="accent3"/>
-          </a:effectRef>
-          <a:fontRef idx="minor">
-            <a:schemeClr val="lt1"/>
-          </a:fontRef>
-        </p:style>
-        <p:txBody>
-          <a:bodyPr rtlCol="0" anchor="ctr"/>
-          <a:lstStyle/>
-          <a:p>
-            <a:pPr algn="ctr"/>
-            <a:endParaRPr lang="en-US"/>
-          </a:p>
-        </p:txBody>
-      </p:sp>
-      <p:sp>
-        <p:nvSpPr>
-          <p:cNvPr id="21" name="Up Ribbon 20"/>
-          <p:cNvSpPr/>
-          <p:nvPr/>
-        </p:nvSpPr>
-        <p:spPr>
-          <a:xfrm>
-            <a:off x="2367227" y="5732234"/>
-            <a:ext cx="1944981" cy="393929"/>
-          </a:xfrm>
-          <a:prstGeom prst="ribbon2">
-            <a:avLst/>
-          </a:prstGeom>
-        </p:spPr>
-        <p:style>
-          <a:lnRef idx="1">
-            <a:schemeClr val="accent6"/>
-          </a:lnRef>
-          <a:fillRef idx="3">
-            <a:schemeClr val="accent6"/>
-          </a:fillRef>
-          <a:effectRef idx="2">
-            <a:schemeClr val="accent6"/>
-          </a:effectRef>
-          <a:fontRef idx="minor">
-            <a:schemeClr val="lt1"/>
-          </a:fontRef>
-        </p:style>
-        <p:txBody>
-          <a:bodyPr rtlCol="0" anchor="ctr"/>
-          <a:lstStyle/>
-          <a:p>
-            <a:pPr algn="ctr"/>
-            <a:r>
-              <a:rPr lang="en-US" dirty="0" smtClean="0"/>
-              <a:t>Result</a:t>
-            </a:r>
-            <a:endParaRPr lang="en-US" dirty="0"/>
-          </a:p>
-        </p:txBody>
-      </p:sp>
-    </p:spTree>
-    <p:extLst>
-      <p:ext uri="{BB962C8B-B14F-4D97-AF65-F5344CB8AC3E}">
-        <p14:creationId xmlns:p14="http://schemas.microsoft.com/office/powerpoint/2010/main" val="2516902257"/>
-      </p:ext>
-    </p:extLst>
-  </p:cSld>
-  <p:clrMapOvr>
-    <a:masterClrMapping/>
-  </p:clrMapOvr>
+  <p:timing>
+    <p:tnLst>
+      <p:par>
+        <p:cTn xmlns:p14="http://schemas.microsoft.com/office/powerpoint/2010/main" id="1" dur="indefinite" restart="never" nodeType="tmRoot"/>
+      </p:par>
+    </p:tnLst>
+  </p:timing>
 </p:sld>
 </file>
 
@@ -14520,6 +15278,705 @@
           <a:p>
             <a:r>
               <a:rPr lang="en-US" dirty="0" smtClean="0"/>
+              <a:t>RDD Partitions</a:t>
+            </a:r>
+            <a:endParaRPr lang="en-US" dirty="0"/>
+          </a:p>
+        </p:txBody>
+      </p:sp>
+      <p:pic>
+        <p:nvPicPr>
+          <p:cNvPr id="5" name="Content Placeholder 4" descr="partitions.png"/>
+          <p:cNvPicPr>
+            <a:picLocks noGrp="1" noChangeAspect="1"/>
+          </p:cNvPicPr>
+          <p:nvPr>
+            <p:ph idx="1"/>
+          </p:nvPr>
+        </p:nvPicPr>
+        <p:blipFill>
+          <a:blip r:embed="rId2">
+            <a:extLst>
+              <a:ext uri="{28A0092B-C50C-407E-A947-70E740481C1C}">
+                <a14:useLocalDpi xmlns:a14="http://schemas.microsoft.com/office/drawing/2010/main" val="0"/>
+              </a:ext>
+            </a:extLst>
+          </a:blip>
+          <a:srcRect l="-31675" r="-31675"/>
+          <a:stretch>
+            <a:fillRect/>
+          </a:stretch>
+        </p:blipFill>
+        <p:spPr>
+          <a:xfrm>
+            <a:off x="498475" y="1981200"/>
+            <a:ext cx="7556500" cy="4144963"/>
+          </a:xfrm>
+        </p:spPr>
+      </p:pic>
+      <p:sp>
+        <p:nvSpPr>
+          <p:cNvPr id="4" name="Footer Placeholder 3"/>
+          <p:cNvSpPr>
+            <a:spLocks noGrp="1"/>
+          </p:cNvSpPr>
+          <p:nvPr>
+            <p:ph type="ftr" sz="quarter" idx="11"/>
+          </p:nvPr>
+        </p:nvSpPr>
+        <p:spPr/>
+        <p:txBody>
+          <a:bodyPr/>
+          <a:lstStyle/>
+          <a:p>
+            <a:r>
+              <a:rPr lang="en-US" smtClean="0"/>
+              <a:t>© Elephant Scale, 2014</a:t>
+            </a:r>
+            <a:endParaRPr lang="en-US" dirty="0"/>
+          </a:p>
+        </p:txBody>
+      </p:sp>
+      <p:sp>
+        <p:nvSpPr>
+          <p:cNvPr id="6" name="Rounded Rectangular Callout 5"/>
+          <p:cNvSpPr/>
+          <p:nvPr/>
+        </p:nvSpPr>
+        <p:spPr>
+          <a:xfrm>
+            <a:off x="6710946" y="2540000"/>
+            <a:ext cx="1684421" cy="1537368"/>
+          </a:xfrm>
+          <a:prstGeom prst="wedgeRoundRectCallout">
+            <a:avLst>
+              <a:gd name="adj1" fmla="val -69075"/>
+              <a:gd name="adj2" fmla="val 58871"/>
+              <a:gd name="adj3" fmla="val 16667"/>
+            </a:avLst>
+          </a:prstGeom>
+          <a:solidFill>
+            <a:schemeClr val="accent6">
+              <a:lumMod val="40000"/>
+              <a:lumOff val="60000"/>
+            </a:schemeClr>
+          </a:solidFill>
+        </p:spPr>
+        <p:style>
+          <a:lnRef idx="1">
+            <a:schemeClr val="accent1"/>
+          </a:lnRef>
+          <a:fillRef idx="3">
+            <a:schemeClr val="accent1"/>
+          </a:fillRef>
+          <a:effectRef idx="2">
+            <a:schemeClr val="accent1"/>
+          </a:effectRef>
+          <a:fontRef idx="minor">
+            <a:schemeClr val="lt1"/>
+          </a:fontRef>
+        </p:style>
+        <p:txBody>
+          <a:bodyPr rtlCol="0" anchor="ctr"/>
+          <a:lstStyle/>
+          <a:p>
+            <a:pPr algn="ctr"/>
+            <a:r>
+              <a:rPr lang="en-US" dirty="0" smtClean="0">
+                <a:solidFill>
+                  <a:srgbClr val="000000"/>
+                </a:solidFill>
+              </a:rPr>
+              <a:t>Partitions are distributed</a:t>
+            </a:r>
+            <a:endParaRPr lang="en-US" dirty="0">
+              <a:solidFill>
+                <a:srgbClr val="000000"/>
+              </a:solidFill>
+            </a:endParaRPr>
+          </a:p>
+        </p:txBody>
+      </p:sp>
+    </p:spTree>
+    <p:extLst>
+      <p:ext uri="{BB962C8B-B14F-4D97-AF65-F5344CB8AC3E}">
+        <p14:creationId xmlns:p14="http://schemas.microsoft.com/office/powerpoint/2010/main" val="1170387851"/>
+      </p:ext>
+    </p:extLst>
+  </p:cSld>
+  <p:clrMapOvr>
+    <a:masterClrMapping/>
+  </p:clrMapOvr>
+  <p:timing>
+    <p:tnLst>
+      <p:par>
+        <p:cTn xmlns:p14="http://schemas.microsoft.com/office/powerpoint/2010/main" id="1" dur="indefinite" restart="never" nodeType="tmRoot"/>
+      </p:par>
+    </p:tnLst>
+  </p:timing>
+</p:sld>
+</file>
+
+<file path=ppt/slides/slide26.xml><?xml version="1.0" encoding="utf-8"?>
+<p:sld xmlns:a="http://schemas.openxmlformats.org/drawingml/2006/main" xmlns:r="http://schemas.openxmlformats.org/officeDocument/2006/relationships" xmlns:p="http://schemas.openxmlformats.org/presentationml/2006/main">
+  <p:cSld>
+    <p:spTree>
+      <p:nvGrpSpPr>
+        <p:cNvPr id="1" name=""/>
+        <p:cNvGrpSpPr/>
+        <p:nvPr/>
+      </p:nvGrpSpPr>
+      <p:grpSpPr>
+        <a:xfrm>
+          <a:off x="0" y="0"/>
+          <a:ext cx="0" cy="0"/>
+          <a:chOff x="0" y="0"/>
+          <a:chExt cx="0" cy="0"/>
+        </a:xfrm>
+      </p:grpSpPr>
+      <p:sp>
+        <p:nvSpPr>
+          <p:cNvPr id="2" name="Title 1"/>
+          <p:cNvSpPr>
+            <a:spLocks noGrp="1"/>
+          </p:cNvSpPr>
+          <p:nvPr>
+            <p:ph type="title"/>
+          </p:nvPr>
+        </p:nvSpPr>
+        <p:spPr/>
+        <p:txBody>
+          <a:bodyPr/>
+          <a:lstStyle/>
+          <a:p>
+            <a:r>
+              <a:rPr lang="en-US" dirty="0" smtClean="0"/>
+              <a:t>RDD Partitions &amp; Parallel Processing</a:t>
+            </a:r>
+            <a:endParaRPr lang="en-US" dirty="0"/>
+          </a:p>
+        </p:txBody>
+      </p:sp>
+      <p:pic>
+        <p:nvPicPr>
+          <p:cNvPr id="5" name="Content Placeholder 4" descr="partitions2.png"/>
+          <p:cNvPicPr>
+            <a:picLocks noGrp="1" noChangeAspect="1"/>
+          </p:cNvPicPr>
+          <p:nvPr>
+            <p:ph idx="1"/>
+          </p:nvPr>
+        </p:nvPicPr>
+        <p:blipFill>
+          <a:blip r:embed="rId2">
+            <a:extLst>
+              <a:ext uri="{28A0092B-C50C-407E-A947-70E740481C1C}">
+                <a14:useLocalDpi xmlns:a14="http://schemas.microsoft.com/office/drawing/2010/main" val="0"/>
+              </a:ext>
+            </a:extLst>
+          </a:blip>
+          <a:srcRect l="-12136" r="-12136"/>
+          <a:stretch>
+            <a:fillRect/>
+          </a:stretch>
+        </p:blipFill>
+        <p:spPr/>
+      </p:pic>
+      <p:sp>
+        <p:nvSpPr>
+          <p:cNvPr id="4" name="Footer Placeholder 3"/>
+          <p:cNvSpPr>
+            <a:spLocks noGrp="1"/>
+          </p:cNvSpPr>
+          <p:nvPr>
+            <p:ph type="ftr" sz="quarter" idx="11"/>
+          </p:nvPr>
+        </p:nvSpPr>
+        <p:spPr/>
+        <p:txBody>
+          <a:bodyPr/>
+          <a:lstStyle/>
+          <a:p>
+            <a:r>
+              <a:rPr lang="en-US" smtClean="0"/>
+              <a:t>© Elephant Scale, 2014</a:t>
+            </a:r>
+            <a:endParaRPr lang="en-US" dirty="0"/>
+          </a:p>
+        </p:txBody>
+      </p:sp>
+    </p:spTree>
+    <p:extLst>
+      <p:ext uri="{BB962C8B-B14F-4D97-AF65-F5344CB8AC3E}">
+        <p14:creationId xmlns:p14="http://schemas.microsoft.com/office/powerpoint/2010/main" val="758652878"/>
+      </p:ext>
+    </p:extLst>
+  </p:cSld>
+  <p:clrMapOvr>
+    <a:masterClrMapping/>
+  </p:clrMapOvr>
+  <p:timing>
+    <p:tnLst>
+      <p:par>
+        <p:cTn xmlns:p14="http://schemas.microsoft.com/office/powerpoint/2010/main" id="1" dur="indefinite" restart="never" nodeType="tmRoot"/>
+      </p:par>
+    </p:tnLst>
+  </p:timing>
+</p:sld>
+</file>
+
+<file path=ppt/slides/slide27.xml><?xml version="1.0" encoding="utf-8"?>
+<p:sld xmlns:a="http://schemas.openxmlformats.org/drawingml/2006/main" xmlns:r="http://schemas.openxmlformats.org/officeDocument/2006/relationships" xmlns:p="http://schemas.openxmlformats.org/presentationml/2006/main">
+  <p:cSld>
+    <p:spTree>
+      <p:nvGrpSpPr>
+        <p:cNvPr id="1" name=""/>
+        <p:cNvGrpSpPr/>
+        <p:nvPr/>
+      </p:nvGrpSpPr>
+      <p:grpSpPr>
+        <a:xfrm>
+          <a:off x="0" y="0"/>
+          <a:ext cx="0" cy="0"/>
+          <a:chOff x="0" y="0"/>
+          <a:chExt cx="0" cy="0"/>
+        </a:xfrm>
+      </p:grpSpPr>
+      <p:sp>
+        <p:nvSpPr>
+          <p:cNvPr id="2" name="Title 1"/>
+          <p:cNvSpPr>
+            <a:spLocks noGrp="1"/>
+          </p:cNvSpPr>
+          <p:nvPr>
+            <p:ph type="title"/>
+          </p:nvPr>
+        </p:nvSpPr>
+        <p:spPr/>
+        <p:txBody>
+          <a:bodyPr/>
+          <a:lstStyle/>
+          <a:p>
+            <a:r>
+              <a:rPr lang="en-US" dirty="0" smtClean="0"/>
+              <a:t>Creating RDDs</a:t>
+            </a:r>
+            <a:endParaRPr lang="en-US" dirty="0"/>
+          </a:p>
+        </p:txBody>
+      </p:sp>
+      <p:sp>
+        <p:nvSpPr>
+          <p:cNvPr id="3" name="Content Placeholder 2"/>
+          <p:cNvSpPr>
+            <a:spLocks noGrp="1"/>
+          </p:cNvSpPr>
+          <p:nvPr>
+            <p:ph idx="1"/>
+          </p:nvPr>
+        </p:nvSpPr>
+        <p:spPr/>
+        <p:txBody>
+          <a:bodyPr>
+            <a:normAutofit/>
+          </a:bodyPr>
+          <a:lstStyle/>
+          <a:p>
+            <a:r>
+              <a:rPr lang="en-US" dirty="0" smtClean="0"/>
+              <a:t>Method 1) </a:t>
+            </a:r>
+            <a:br>
+              <a:rPr lang="en-US" dirty="0" smtClean="0"/>
+            </a:br>
+            <a:r>
+              <a:rPr lang="en-US" dirty="0" smtClean="0"/>
+              <a:t>Create from a collection</a:t>
+            </a:r>
+            <a:br>
+              <a:rPr lang="en-US" dirty="0" smtClean="0"/>
+            </a:br>
+            <a:r>
+              <a:rPr lang="en-US" dirty="0" err="1" smtClean="0">
+                <a:solidFill>
+                  <a:schemeClr val="tx2">
+                    <a:lumMod val="50000"/>
+                    <a:lumOff val="50000"/>
+                  </a:schemeClr>
+                </a:solidFill>
+                <a:latin typeface="Andale Mono"/>
+                <a:cs typeface="Andale Mono"/>
+              </a:rPr>
+              <a:t>val</a:t>
+            </a:r>
+            <a:r>
+              <a:rPr lang="en-US" dirty="0" smtClean="0">
+                <a:solidFill>
+                  <a:schemeClr val="tx2">
+                    <a:lumMod val="50000"/>
+                    <a:lumOff val="50000"/>
+                  </a:schemeClr>
+                </a:solidFill>
+                <a:latin typeface="Andale Mono"/>
+                <a:cs typeface="Andale Mono"/>
+              </a:rPr>
+              <a:t> r = </a:t>
+            </a:r>
+            <a:r>
+              <a:rPr lang="en-US" dirty="0" err="1" smtClean="0">
+                <a:solidFill>
+                  <a:schemeClr val="tx2">
+                    <a:lumMod val="50000"/>
+                    <a:lumOff val="50000"/>
+                  </a:schemeClr>
+                </a:solidFill>
+                <a:latin typeface="Andale Mono"/>
+                <a:cs typeface="Andale Mono"/>
+              </a:rPr>
+              <a:t>sc.parallelize</a:t>
+            </a:r>
+            <a:r>
+              <a:rPr lang="en-US" dirty="0" smtClean="0">
+                <a:solidFill>
+                  <a:schemeClr val="tx2">
+                    <a:lumMod val="50000"/>
+                    <a:lumOff val="50000"/>
+                  </a:schemeClr>
+                </a:solidFill>
+                <a:latin typeface="Andale Mono"/>
+                <a:cs typeface="Andale Mono"/>
+              </a:rPr>
+              <a:t> (List(1,2,3,3))</a:t>
+            </a:r>
+            <a:br>
+              <a:rPr lang="en-US" dirty="0" smtClean="0">
+                <a:solidFill>
+                  <a:schemeClr val="tx2">
+                    <a:lumMod val="50000"/>
+                    <a:lumOff val="50000"/>
+                  </a:schemeClr>
+                </a:solidFill>
+                <a:latin typeface="Andale Mono"/>
+                <a:cs typeface="Andale Mono"/>
+              </a:rPr>
+            </a:br>
+            <a:r>
+              <a:rPr lang="en-US" dirty="0">
+                <a:latin typeface="Andale Mono"/>
+                <a:cs typeface="Andale Mono"/>
+                <a:sym typeface="Wingdings"/>
+              </a:rPr>
+              <a:t> r: </a:t>
+            </a:r>
+            <a:r>
+              <a:rPr lang="en-US" dirty="0" err="1">
+                <a:latin typeface="Andale Mono"/>
+                <a:cs typeface="Andale Mono"/>
+                <a:sym typeface="Wingdings"/>
+              </a:rPr>
+              <a:t>org.apache.spark.rdd.RDD</a:t>
+            </a:r>
+            <a:r>
+              <a:rPr lang="en-US" dirty="0">
+                <a:latin typeface="Andale Mono"/>
+                <a:cs typeface="Andale Mono"/>
+                <a:sym typeface="Wingdings"/>
+              </a:rPr>
+              <a:t>[</a:t>
+            </a:r>
+            <a:r>
+              <a:rPr lang="en-US" dirty="0" err="1">
+                <a:latin typeface="Andale Mono"/>
+                <a:cs typeface="Andale Mono"/>
+                <a:sym typeface="Wingdings"/>
+              </a:rPr>
+              <a:t>Int</a:t>
+            </a:r>
+            <a:r>
+              <a:rPr lang="en-US" dirty="0">
+                <a:latin typeface="Andale Mono"/>
+                <a:cs typeface="Andale Mono"/>
+                <a:sym typeface="Wingdings"/>
+              </a:rPr>
+              <a:t>] = </a:t>
+            </a:r>
+            <a:r>
+              <a:rPr lang="en-US" dirty="0" err="1">
+                <a:latin typeface="Andale Mono"/>
+                <a:cs typeface="Andale Mono"/>
+                <a:sym typeface="Wingdings"/>
+              </a:rPr>
+              <a:t>ParallelCollectionRDD</a:t>
+            </a:r>
+            <a:r>
+              <a:rPr lang="en-US" dirty="0">
+                <a:latin typeface="Andale Mono"/>
+                <a:cs typeface="Andale Mono"/>
+                <a:sym typeface="Wingdings"/>
+              </a:rPr>
+              <a:t>[8]</a:t>
+            </a:r>
+            <a:endParaRPr lang="en-US" dirty="0" smtClean="0">
+              <a:latin typeface="Andale Mono"/>
+              <a:cs typeface="Andale Mono"/>
+            </a:endParaRPr>
+          </a:p>
+          <a:p>
+            <a:r>
+              <a:rPr lang="en-US" dirty="0" smtClean="0"/>
+              <a:t>Method 2)</a:t>
+            </a:r>
+            <a:br>
+              <a:rPr lang="en-US" dirty="0" smtClean="0"/>
+            </a:br>
+            <a:r>
+              <a:rPr lang="en-US" dirty="0" smtClean="0"/>
+              <a:t>Use </a:t>
+            </a:r>
+            <a:r>
+              <a:rPr lang="en-US" dirty="0" smtClean="0"/>
+              <a:t>Spark context to load RDDs from disk / external </a:t>
+            </a:r>
+            <a:r>
+              <a:rPr lang="en-US" dirty="0" smtClean="0"/>
+              <a:t>storage</a:t>
+            </a:r>
+            <a:br>
+              <a:rPr lang="en-US" dirty="0" smtClean="0"/>
+            </a:br>
+            <a:r>
+              <a:rPr lang="en-US" dirty="0" smtClean="0"/>
+              <a:t/>
+            </a:r>
+            <a:br>
+              <a:rPr lang="en-US" dirty="0" smtClean="0"/>
+            </a:br>
+            <a:r>
+              <a:rPr lang="en-US" sz="1800" dirty="0" err="1" smtClean="0">
+                <a:solidFill>
+                  <a:srgbClr val="B465BB"/>
+                </a:solidFill>
+                <a:latin typeface="Andale Mono"/>
+                <a:cs typeface="Andale Mono"/>
+              </a:rPr>
+              <a:t>val</a:t>
+            </a:r>
+            <a:r>
+              <a:rPr lang="en-US" sz="1800" dirty="0" smtClean="0">
+                <a:solidFill>
+                  <a:srgbClr val="B465BB"/>
+                </a:solidFill>
+                <a:latin typeface="Andale Mono"/>
+                <a:cs typeface="Andale Mono"/>
+              </a:rPr>
+              <a:t> r1 = </a:t>
+            </a:r>
+            <a:r>
+              <a:rPr lang="en-US" sz="1600" dirty="0" err="1" smtClean="0">
+                <a:solidFill>
+                  <a:srgbClr val="B465BB"/>
+                </a:solidFill>
+                <a:latin typeface="Andale Mono"/>
+                <a:cs typeface="Andale Mono"/>
+              </a:rPr>
+              <a:t>sc.textFile</a:t>
+            </a:r>
+            <a:r>
+              <a:rPr lang="en-US" sz="1600" dirty="0" smtClean="0">
+                <a:solidFill>
+                  <a:srgbClr val="B465BB"/>
+                </a:solidFill>
+                <a:latin typeface="Andale Mono"/>
+                <a:cs typeface="Andale Mono"/>
+              </a:rPr>
+              <a:t>(“/data/input1.txt”)  // single </a:t>
+            </a:r>
+            <a:r>
+              <a:rPr lang="en-US" sz="1600" dirty="0" smtClean="0">
+                <a:solidFill>
+                  <a:srgbClr val="B465BB"/>
+                </a:solidFill>
+                <a:latin typeface="Andale Mono"/>
+                <a:cs typeface="Andale Mono"/>
+              </a:rPr>
+              <a:t>file</a:t>
+            </a:r>
+            <a:br>
+              <a:rPr lang="en-US" sz="1600" dirty="0" smtClean="0">
+                <a:solidFill>
+                  <a:srgbClr val="B465BB"/>
+                </a:solidFill>
+                <a:latin typeface="Andale Mono"/>
+                <a:cs typeface="Andale Mono"/>
+              </a:rPr>
+            </a:br>
+            <a:r>
+              <a:rPr lang="en-US" sz="1600" dirty="0" err="1" smtClean="0">
+                <a:solidFill>
+                  <a:srgbClr val="B465BB"/>
+                </a:solidFill>
+                <a:latin typeface="Andale Mono"/>
+                <a:cs typeface="Andale Mono"/>
+              </a:rPr>
+              <a:t>val</a:t>
+            </a:r>
+            <a:r>
+              <a:rPr lang="en-US" sz="1600" dirty="0" smtClean="0">
+                <a:solidFill>
+                  <a:srgbClr val="B465BB"/>
+                </a:solidFill>
+                <a:latin typeface="Andale Mono"/>
+                <a:cs typeface="Andale Mono"/>
+              </a:rPr>
+              <a:t> r2 = </a:t>
+            </a:r>
+            <a:r>
+              <a:rPr lang="en-US" sz="1600" dirty="0" err="1" smtClean="0">
+                <a:solidFill>
+                  <a:srgbClr val="B465BB"/>
+                </a:solidFill>
+                <a:latin typeface="Andale Mono"/>
+                <a:cs typeface="Andale Mono"/>
+              </a:rPr>
+              <a:t>s</a:t>
+            </a:r>
+            <a:r>
+              <a:rPr lang="en-US" sz="1600" dirty="0" err="1" smtClean="0">
+                <a:solidFill>
+                  <a:srgbClr val="B465BB"/>
+                </a:solidFill>
+                <a:latin typeface="Andale Mono"/>
+                <a:cs typeface="Andale Mono"/>
+              </a:rPr>
+              <a:t>c.textFile</a:t>
+            </a:r>
+            <a:r>
+              <a:rPr lang="en-US" sz="1600" dirty="0" smtClean="0">
+                <a:solidFill>
+                  <a:srgbClr val="B465BB"/>
+                </a:solidFill>
+                <a:latin typeface="Andale Mono"/>
+                <a:cs typeface="Andale Mono"/>
+              </a:rPr>
+              <a:t>(“/data/”)  // load </a:t>
+            </a:r>
+            <a:r>
+              <a:rPr lang="en-US" sz="1600" dirty="0" smtClean="0">
+                <a:solidFill>
+                  <a:srgbClr val="B465BB"/>
+                </a:solidFill>
+                <a:latin typeface="Andale Mono"/>
+                <a:cs typeface="Andale Mono"/>
+              </a:rPr>
+              <a:t>all files in</a:t>
+            </a:r>
+            <a:r>
+              <a:rPr lang="en-US" sz="1600" dirty="0" smtClean="0">
+                <a:solidFill>
+                  <a:srgbClr val="B465BB"/>
+                </a:solidFill>
+                <a:latin typeface="Andale Mono"/>
+                <a:cs typeface="Andale Mono"/>
+              </a:rPr>
+              <a:t> </a:t>
+            </a:r>
+            <a:r>
+              <a:rPr lang="en-US" sz="1600" dirty="0" err="1" smtClean="0">
+                <a:solidFill>
+                  <a:srgbClr val="B465BB"/>
+                </a:solidFill>
+                <a:latin typeface="Andale Mono"/>
+                <a:cs typeface="Andale Mono"/>
+              </a:rPr>
+              <a:t>dir</a:t>
+            </a:r>
+            <a:endParaRPr lang="en-US" sz="1600" dirty="0" smtClean="0">
+              <a:solidFill>
+                <a:srgbClr val="B465BB"/>
+              </a:solidFill>
+              <a:latin typeface="Andale Mono"/>
+              <a:cs typeface="Andale Mono"/>
+            </a:endParaRPr>
+          </a:p>
+        </p:txBody>
+      </p:sp>
+      <p:sp>
+        <p:nvSpPr>
+          <p:cNvPr id="4" name="Footer Placeholder 3"/>
+          <p:cNvSpPr>
+            <a:spLocks noGrp="1"/>
+          </p:cNvSpPr>
+          <p:nvPr>
+            <p:ph type="ftr" sz="quarter" idx="11"/>
+          </p:nvPr>
+        </p:nvSpPr>
+        <p:spPr/>
+        <p:txBody>
+          <a:bodyPr/>
+          <a:lstStyle/>
+          <a:p>
+            <a:r>
+              <a:rPr lang="en-US" smtClean="0"/>
+              <a:t>© Elephant Scale, 2014</a:t>
+            </a:r>
+            <a:endParaRPr lang="en-US" dirty="0"/>
+          </a:p>
+        </p:txBody>
+      </p:sp>
+    </p:spTree>
+    <p:extLst>
+      <p:ext uri="{BB962C8B-B14F-4D97-AF65-F5344CB8AC3E}">
+        <p14:creationId xmlns:p14="http://schemas.microsoft.com/office/powerpoint/2010/main" val="34047946"/>
+      </p:ext>
+    </p:extLst>
+  </p:cSld>
+  <p:clrMapOvr>
+    <a:masterClrMapping/>
+  </p:clrMapOvr>
+  <p:timing>
+    <p:tnLst>
+      <p:par>
+        <p:cTn xmlns:p14="http://schemas.microsoft.com/office/powerpoint/2010/main" id="1" dur="indefinite" restart="never" nodeType="tmRoot"/>
+      </p:par>
+    </p:tnLst>
+  </p:timing>
+</p:sld>
+</file>
+
+<file path=ppt/slides/slide28.xml><?xml version="1.0" encoding="utf-8"?>
+<p:sld xmlns:a="http://schemas.openxmlformats.org/drawingml/2006/main" xmlns:r="http://schemas.openxmlformats.org/officeDocument/2006/relationships" xmlns:p="http://schemas.openxmlformats.org/presentationml/2006/main">
+  <p:cSld>
+    <p:spTree>
+      <p:nvGrpSpPr>
+        <p:cNvPr id="1" name=""/>
+        <p:cNvGrpSpPr/>
+        <p:nvPr/>
+      </p:nvGrpSpPr>
+      <p:grpSpPr>
+        <a:xfrm>
+          <a:off x="0" y="0"/>
+          <a:ext cx="0" cy="0"/>
+          <a:chOff x="0" y="0"/>
+          <a:chExt cx="0" cy="0"/>
+        </a:xfrm>
+      </p:grpSpPr>
+      <p:sp>
+        <p:nvSpPr>
+          <p:cNvPr id="2" name="Title 1"/>
+          <p:cNvSpPr>
+            <a:spLocks noGrp="1"/>
+          </p:cNvSpPr>
+          <p:nvPr>
+            <p:ph type="title"/>
+          </p:nvPr>
+        </p:nvSpPr>
+        <p:spPr/>
+        <p:txBody>
+          <a:bodyPr/>
+          <a:lstStyle/>
+          <a:p>
+            <a:r>
+              <a:rPr lang="en-US" dirty="0" smtClean="0"/>
               <a:t>RDD : Saving</a:t>
             </a:r>
             <a:endParaRPr lang="en-US" dirty="0"/>
@@ -14542,16 +15999,31 @@
           <a:lstStyle/>
           <a:p>
             <a:r>
+              <a:rPr lang="en-US" dirty="0" err="1"/>
+              <a:t>r</a:t>
+            </a:r>
+            <a:r>
               <a:rPr lang="en-US" dirty="0" err="1" smtClean="0"/>
-              <a:t>saveAsTextFile</a:t>
-            </a:r>
-            <a:r>
-              <a:rPr lang="en-US" dirty="0" smtClean="0"/>
-              <a:t> ()   and </a:t>
+              <a:t>dd.saveAsTextFile</a:t>
+            </a:r>
+            <a:r>
+              <a:rPr lang="en-US" dirty="0" smtClean="0"/>
+              <a:t> </a:t>
+            </a:r>
+            <a:r>
+              <a:rPr lang="en-US" dirty="0" smtClean="0"/>
+              <a:t>()   and </a:t>
+            </a:r>
+            <a:endParaRPr lang="en-US" dirty="0" smtClean="0"/>
+          </a:p>
+          <a:p>
+            <a:r>
+              <a:rPr lang="en-US" dirty="0" err="1"/>
+              <a:t>r</a:t>
             </a:r>
             <a:r>
               <a:rPr lang="en-US" dirty="0" err="1" smtClean="0"/>
-              <a:t>saveAsSequenceFile</a:t>
+              <a:t>dd.saveAsSequenceFile</a:t>
             </a:r>
             <a:r>
               <a:rPr lang="en-US" dirty="0" smtClean="0"/>
@@ -14638,10 +16110,17 @@
   <p:clrMapOvr>
     <a:masterClrMapping/>
   </p:clrMapOvr>
+  <p:timing>
+    <p:tnLst>
+      <p:par>
+        <p:cTn xmlns:p14="http://schemas.microsoft.com/office/powerpoint/2010/main" id="1" dur="indefinite" restart="never" nodeType="tmRoot"/>
+      </p:par>
+    </p:tnLst>
+  </p:timing>
 </p:sld>
 </file>
 
-<file path=ppt/slides/slide26.xml><?xml version="1.0" encoding="utf-8"?>
+<file path=ppt/slides/slide29.xml><?xml version="1.0" encoding="utf-8"?>
 <p:sld xmlns:a="http://schemas.openxmlformats.org/drawingml/2006/main" xmlns:r="http://schemas.openxmlformats.org/officeDocument/2006/relationships" xmlns:p="http://schemas.openxmlformats.org/presentationml/2006/main">
   <p:cSld>
     <p:spTree>
@@ -14840,353 +16319,13 @@
   <p:clrMapOvr>
     <a:masterClrMapping/>
   </p:clrMapOvr>
-</p:sld>
-</file>
-
-<file path=ppt/slides/slide27.xml><?xml version="1.0" encoding="utf-8"?>
-<p:sld xmlns:a="http://schemas.openxmlformats.org/drawingml/2006/main" xmlns:r="http://schemas.openxmlformats.org/officeDocument/2006/relationships" xmlns:p="http://schemas.openxmlformats.org/presentationml/2006/main">
-  <p:cSld>
-    <p:spTree>
-      <p:nvGrpSpPr>
-        <p:cNvPr id="1" name=""/>
-        <p:cNvGrpSpPr/>
-        <p:nvPr/>
-      </p:nvGrpSpPr>
-      <p:grpSpPr>
-        <a:xfrm>
-          <a:off x="0" y="0"/>
-          <a:ext cx="0" cy="0"/>
-          <a:chOff x="0" y="0"/>
-          <a:chExt cx="0" cy="0"/>
-        </a:xfrm>
-      </p:grpSpPr>
-      <p:sp>
-        <p:nvSpPr>
-          <p:cNvPr id="2" name="Title 1"/>
-          <p:cNvSpPr>
-            <a:spLocks noGrp="1"/>
-          </p:cNvSpPr>
-          <p:nvPr>
-            <p:ph type="title"/>
-          </p:nvPr>
-        </p:nvSpPr>
-        <p:spPr/>
-        <p:txBody>
-          <a:bodyPr/>
-          <a:lstStyle/>
-          <a:p>
-            <a:r>
-              <a:rPr lang="en-US" dirty="0" smtClean="0"/>
-              <a:t>Lab : </a:t>
-            </a:r>
-            <a:r>
-              <a:rPr lang="en-US" dirty="0" smtClean="0"/>
-              <a:t>RDD Basics (30 </a:t>
-            </a:r>
-            <a:r>
-              <a:rPr lang="en-US" dirty="0" err="1" smtClean="0"/>
-              <a:t>mins</a:t>
-            </a:r>
-            <a:r>
-              <a:rPr lang="en-US" dirty="0" smtClean="0"/>
-              <a:t>)</a:t>
-            </a:r>
-            <a:endParaRPr lang="en-US" dirty="0"/>
-          </a:p>
-        </p:txBody>
-      </p:sp>
-      <p:sp>
-        <p:nvSpPr>
-          <p:cNvPr id="3" name="Content Placeholder 2"/>
-          <p:cNvSpPr>
-            <a:spLocks noGrp="1"/>
-          </p:cNvSpPr>
-          <p:nvPr>
-            <p:ph idx="1"/>
-          </p:nvPr>
-        </p:nvSpPr>
-        <p:spPr/>
-        <p:txBody>
-          <a:bodyPr/>
-          <a:lstStyle/>
-          <a:p>
-            <a:r>
-              <a:rPr lang="en-US" dirty="0" smtClean="0"/>
-              <a:t>1.3-rdd / rdd1-scala.txt</a:t>
-            </a:r>
-            <a:br>
-              <a:rPr lang="en-US" dirty="0" smtClean="0"/>
-            </a:br>
-            <a:r>
-              <a:rPr lang="en-US" dirty="0" smtClean="0"/>
-              <a:t>	or</a:t>
-            </a:r>
-            <a:r>
-              <a:rPr lang="en-US" dirty="0"/>
-              <a:t/>
-            </a:r>
-            <a:br>
-              <a:rPr lang="en-US" dirty="0"/>
-            </a:br>
-            <a:r>
-              <a:rPr lang="en-US" dirty="0" smtClean="0"/>
-              <a:t>1.3-rdd / rdd1-python.txt</a:t>
-            </a:r>
-          </a:p>
-          <a:p>
-            <a:endParaRPr lang="en-US" dirty="0"/>
-          </a:p>
-        </p:txBody>
-      </p:sp>
-      <p:sp>
-        <p:nvSpPr>
-          <p:cNvPr id="4" name="Footer Placeholder 3"/>
-          <p:cNvSpPr>
-            <a:spLocks noGrp="1"/>
-          </p:cNvSpPr>
-          <p:nvPr>
-            <p:ph type="ftr" sz="quarter" idx="11"/>
-          </p:nvPr>
-        </p:nvSpPr>
-        <p:spPr/>
-        <p:txBody>
-          <a:bodyPr/>
-          <a:lstStyle/>
-          <a:p>
-            <a:r>
-              <a:rPr lang="en-US" smtClean="0"/>
-              <a:t>© Elephant Scale, 2014</a:t>
-            </a:r>
-            <a:endParaRPr lang="en-US" dirty="0"/>
-          </a:p>
-        </p:txBody>
-      </p:sp>
-    </p:spTree>
-    <p:extLst>
-      <p:ext uri="{BB962C8B-B14F-4D97-AF65-F5344CB8AC3E}">
-        <p14:creationId xmlns:p14="http://schemas.microsoft.com/office/powerpoint/2010/main" val="1330210324"/>
-      </p:ext>
-    </p:extLst>
-  </p:cSld>
-  <p:clrMapOvr>
-    <a:masterClrMapping/>
-  </p:clrMapOvr>
-</p:sld>
-</file>
-
-<file path=ppt/slides/slide28.xml><?xml version="1.0" encoding="utf-8"?>
-<p:sld xmlns:a="http://schemas.openxmlformats.org/drawingml/2006/main" xmlns:r="http://schemas.openxmlformats.org/officeDocument/2006/relationships" xmlns:p="http://schemas.openxmlformats.org/presentationml/2006/main">
-  <p:cSld>
-    <p:spTree>
-      <p:nvGrpSpPr>
-        <p:cNvPr id="1" name=""/>
-        <p:cNvGrpSpPr/>
-        <p:nvPr/>
-      </p:nvGrpSpPr>
-      <p:grpSpPr>
-        <a:xfrm>
-          <a:off x="0" y="0"/>
-          <a:ext cx="0" cy="0"/>
-          <a:chOff x="0" y="0"/>
-          <a:chExt cx="0" cy="0"/>
-        </a:xfrm>
-      </p:grpSpPr>
-      <p:sp>
-        <p:nvSpPr>
-          <p:cNvPr id="2" name="Title 1"/>
-          <p:cNvSpPr>
-            <a:spLocks noGrp="1"/>
-          </p:cNvSpPr>
-          <p:nvPr>
-            <p:ph type="title"/>
-          </p:nvPr>
-        </p:nvSpPr>
-        <p:spPr/>
-        <p:txBody>
-          <a:bodyPr/>
-          <a:lstStyle/>
-          <a:p>
-            <a:r>
-              <a:rPr lang="en-US" dirty="0" smtClean="0"/>
-              <a:t>Lab : RDD Caching ( 30 </a:t>
-            </a:r>
-            <a:r>
-              <a:rPr lang="en-US" dirty="0" err="1" smtClean="0"/>
-              <a:t>mins</a:t>
-            </a:r>
-            <a:r>
-              <a:rPr lang="en-US" dirty="0" smtClean="0"/>
-              <a:t>)</a:t>
-            </a:r>
-            <a:endParaRPr lang="en-US" dirty="0"/>
-          </a:p>
-        </p:txBody>
-      </p:sp>
-      <p:sp>
-        <p:nvSpPr>
-          <p:cNvPr id="3" name="Content Placeholder 2"/>
-          <p:cNvSpPr>
-            <a:spLocks noGrp="1"/>
-          </p:cNvSpPr>
-          <p:nvPr>
-            <p:ph idx="1"/>
-          </p:nvPr>
-        </p:nvSpPr>
-        <p:spPr/>
-        <p:txBody>
-          <a:bodyPr/>
-          <a:lstStyle/>
-          <a:p>
-            <a:r>
-              <a:rPr lang="en-US" dirty="0" smtClean="0"/>
-              <a:t>1.3-rdd / </a:t>
-            </a:r>
-            <a:r>
-              <a:rPr lang="en-US" dirty="0" err="1" smtClean="0"/>
-              <a:t>caching.txt</a:t>
-            </a:r>
-            <a:endParaRPr lang="en-US" dirty="0"/>
-          </a:p>
-        </p:txBody>
-      </p:sp>
-      <p:sp>
-        <p:nvSpPr>
-          <p:cNvPr id="4" name="Footer Placeholder 3"/>
-          <p:cNvSpPr>
-            <a:spLocks noGrp="1"/>
-          </p:cNvSpPr>
-          <p:nvPr>
-            <p:ph type="ftr" sz="quarter" idx="11"/>
-          </p:nvPr>
-        </p:nvSpPr>
-        <p:spPr/>
-        <p:txBody>
-          <a:bodyPr/>
-          <a:lstStyle/>
-          <a:p>
-            <a:r>
-              <a:rPr lang="en-US" smtClean="0"/>
-              <a:t>© Elephant Scale, 2014</a:t>
-            </a:r>
-            <a:endParaRPr lang="en-US" dirty="0"/>
-          </a:p>
-        </p:txBody>
-      </p:sp>
-    </p:spTree>
-    <p:extLst>
-      <p:ext uri="{BB962C8B-B14F-4D97-AF65-F5344CB8AC3E}">
-        <p14:creationId xmlns:p14="http://schemas.microsoft.com/office/powerpoint/2010/main" val="2689222281"/>
-      </p:ext>
-    </p:extLst>
-  </p:cSld>
-  <p:clrMapOvr>
-    <a:masterClrMapping/>
-  </p:clrMapOvr>
-</p:sld>
-</file>
-
-<file path=ppt/slides/slide29.xml><?xml version="1.0" encoding="utf-8"?>
-<p:sld xmlns:a="http://schemas.openxmlformats.org/drawingml/2006/main" xmlns:r="http://schemas.openxmlformats.org/officeDocument/2006/relationships" xmlns:p="http://schemas.openxmlformats.org/presentationml/2006/main">
-  <p:cSld>
-    <p:spTree>
-      <p:nvGrpSpPr>
-        <p:cNvPr id="1" name=""/>
-        <p:cNvGrpSpPr/>
-        <p:nvPr/>
-      </p:nvGrpSpPr>
-      <p:grpSpPr>
-        <a:xfrm>
-          <a:off x="0" y="0"/>
-          <a:ext cx="0" cy="0"/>
-          <a:chOff x="0" y="0"/>
-          <a:chExt cx="0" cy="0"/>
-        </a:xfrm>
-      </p:grpSpPr>
-      <p:sp>
-        <p:nvSpPr>
-          <p:cNvPr id="2" name="Title 1"/>
-          <p:cNvSpPr>
-            <a:spLocks noGrp="1"/>
-          </p:cNvSpPr>
-          <p:nvPr>
-            <p:ph type="title"/>
-          </p:nvPr>
-        </p:nvSpPr>
-        <p:spPr/>
-        <p:txBody>
-          <a:bodyPr/>
-          <a:lstStyle/>
-          <a:p>
-            <a:r>
-              <a:rPr lang="en-US" dirty="0" smtClean="0"/>
-              <a:t>Next : Map Reduce </a:t>
-            </a:r>
-            <a:endParaRPr lang="en-US" dirty="0"/>
-          </a:p>
-        </p:txBody>
-      </p:sp>
-      <p:sp>
-        <p:nvSpPr>
-          <p:cNvPr id="3" name="Content Placeholder 2"/>
-          <p:cNvSpPr>
-            <a:spLocks noGrp="1"/>
-          </p:cNvSpPr>
-          <p:nvPr>
-            <p:ph idx="1"/>
-          </p:nvPr>
-        </p:nvSpPr>
-        <p:spPr/>
-        <p:txBody>
-          <a:bodyPr/>
-          <a:lstStyle/>
-          <a:p>
-            <a:r>
-              <a:rPr lang="en-US" dirty="0" smtClean="0"/>
-              <a:t>Quick Map Reduce Primer</a:t>
-            </a:r>
-          </a:p>
-          <a:p>
-            <a:r>
-              <a:rPr lang="en-US" dirty="0" smtClean="0"/>
-              <a:t>MapReduce in Spark</a:t>
-            </a:r>
-            <a:endParaRPr lang="en-US" dirty="0"/>
-          </a:p>
-        </p:txBody>
-      </p:sp>
-      <p:sp>
-        <p:nvSpPr>
-          <p:cNvPr id="4" name="Footer Placeholder 3"/>
-          <p:cNvSpPr>
-            <a:spLocks noGrp="1"/>
-          </p:cNvSpPr>
-          <p:nvPr>
-            <p:ph type="ftr" sz="quarter" idx="11"/>
-          </p:nvPr>
-        </p:nvSpPr>
-        <p:spPr/>
-        <p:txBody>
-          <a:bodyPr/>
-          <a:lstStyle/>
-          <a:p>
-            <a:r>
-              <a:rPr lang="en-US" smtClean="0"/>
-              <a:t>© Elephant Scale, 2014</a:t>
-            </a:r>
-            <a:endParaRPr lang="en-US" dirty="0"/>
-          </a:p>
-        </p:txBody>
-      </p:sp>
-    </p:spTree>
-    <p:extLst>
-      <p:ext uri="{BB962C8B-B14F-4D97-AF65-F5344CB8AC3E}">
-        <p14:creationId xmlns:p14="http://schemas.microsoft.com/office/powerpoint/2010/main" val="239490569"/>
-      </p:ext>
-    </p:extLst>
-  </p:cSld>
-  <p:clrMapOvr>
-    <a:masterClrMapping/>
-  </p:clrMapOvr>
+  <p:timing>
+    <p:tnLst>
+      <p:par>
+        <p:cTn xmlns:p14="http://schemas.microsoft.com/office/powerpoint/2010/main" id="1" dur="indefinite" restart="never" nodeType="tmRoot"/>
+      </p:par>
+    </p:tnLst>
+  </p:timing>
 </p:sld>
 </file>
 
@@ -15354,7 +16493,15 @@
           <a:p>
             <a:r>
               <a:rPr lang="en-US" dirty="0" smtClean="0"/>
-              <a:t>Introducing MapReduce</a:t>
+              <a:t>Lab : RDD Basics (30 </a:t>
+            </a:r>
+            <a:r>
+              <a:rPr lang="en-US" dirty="0" err="1" smtClean="0"/>
+              <a:t>mins</a:t>
+            </a:r>
+            <a:r>
+              <a:rPr lang="en-US" dirty="0" smtClean="0"/>
+              <a:t>)</a:t>
             </a:r>
             <a:endParaRPr lang="en-US" dirty="0"/>
           </a:p>
@@ -15377,39 +16524,28 @@
           <a:p>
             <a:r>
               <a:rPr lang="en-US" dirty="0" smtClean="0"/>
-              <a:t>MapReduce is a programming ‘paradigm’ </a:t>
-            </a:r>
-          </a:p>
-          <a:p>
-            <a:r>
-              <a:rPr lang="en-US" dirty="0" smtClean="0"/>
-              <a:t>Popularized by Google MapReduce paper</a:t>
-            </a:r>
-          </a:p>
-          <a:p>
-            <a:r>
-              <a:rPr lang="en-US" dirty="0" smtClean="0"/>
-              <a:t>Basically provides distributed computing</a:t>
-            </a:r>
-          </a:p>
-          <a:p>
-            <a:r>
-              <a:rPr lang="en-US" dirty="0" smtClean="0"/>
-              <a:t>Hadoop uses MapReduce as it’s  processing / compute framework</a:t>
-            </a:r>
-          </a:p>
-          <a:p>
-            <a:r>
-              <a:rPr lang="en-US" dirty="0" smtClean="0"/>
-              <a:t>Map Reduce is a batch process </a:t>
-            </a:r>
-          </a:p>
-          <a:p>
-            <a:pPr lvl="1"/>
-            <a:r>
-              <a:rPr lang="en-US" dirty="0" smtClean="0"/>
-              <a:t>Not designed for real time queries</a:t>
-            </a:r>
+              <a:t>1.3-rdd / rdd1-scala.txt</a:t>
+            </a:r>
+            <a:br>
+              <a:rPr lang="en-US" dirty="0" smtClean="0"/>
+            </a:br>
+            <a:r>
+              <a:rPr lang="en-US" dirty="0" smtClean="0"/>
+              <a:t>	or</a:t>
+            </a:r>
+            <a:r>
+              <a:rPr lang="en-US" dirty="0"/>
+              <a:t/>
+            </a:r>
+            <a:br>
+              <a:rPr lang="en-US" dirty="0"/>
+            </a:br>
+            <a:r>
+              <a:rPr lang="en-US" dirty="0" smtClean="0"/>
+              <a:t>1.3-rdd / rdd1-python.txt</a:t>
+            </a:r>
+          </a:p>
+          <a:p>
             <a:endParaRPr lang="en-US" dirty="0"/>
           </a:p>
         </p:txBody>
@@ -15440,13 +16576,20 @@
     </p:spTree>
     <p:extLst>
       <p:ext uri="{BB962C8B-B14F-4D97-AF65-F5344CB8AC3E}">
-        <p14:creationId xmlns:p14="http://schemas.microsoft.com/office/powerpoint/2010/main" val="303121088"/>
+        <p14:creationId xmlns:p14="http://schemas.microsoft.com/office/powerpoint/2010/main" val="1330210324"/>
       </p:ext>
     </p:extLst>
   </p:cSld>
   <p:clrMapOvr>
     <a:masterClrMapping/>
   </p:clrMapOvr>
+  <p:timing>
+    <p:tnLst>
+      <p:par>
+        <p:cTn xmlns:p14="http://schemas.microsoft.com/office/powerpoint/2010/main" id="1" dur="indefinite" restart="never" nodeType="tmRoot"/>
+      </p:par>
+    </p:tnLst>
+  </p:timing>
 </p:sld>
 </file>
 
@@ -15479,6 +16622,359 @@
         </p:nvSpPr>
         <p:spPr/>
         <p:txBody>
+          <a:bodyPr/>
+          <a:lstStyle/>
+          <a:p>
+            <a:r>
+              <a:rPr lang="en-US" dirty="0" smtClean="0"/>
+              <a:t>Lab : RDD Caching ( 30 </a:t>
+            </a:r>
+            <a:r>
+              <a:rPr lang="en-US" dirty="0" err="1" smtClean="0"/>
+              <a:t>mins</a:t>
+            </a:r>
+            <a:r>
+              <a:rPr lang="en-US" dirty="0" smtClean="0"/>
+              <a:t>)</a:t>
+            </a:r>
+            <a:endParaRPr lang="en-US" dirty="0"/>
+          </a:p>
+        </p:txBody>
+      </p:sp>
+      <p:sp>
+        <p:nvSpPr>
+          <p:cNvPr id="3" name="Content Placeholder 2"/>
+          <p:cNvSpPr>
+            <a:spLocks noGrp="1"/>
+          </p:cNvSpPr>
+          <p:nvPr>
+            <p:ph idx="1"/>
+          </p:nvPr>
+        </p:nvSpPr>
+        <p:spPr/>
+        <p:txBody>
+          <a:bodyPr/>
+          <a:lstStyle/>
+          <a:p>
+            <a:r>
+              <a:rPr lang="en-US" dirty="0" smtClean="0"/>
+              <a:t>1.3-rdd / </a:t>
+            </a:r>
+            <a:r>
+              <a:rPr lang="en-US" dirty="0" err="1" smtClean="0"/>
+              <a:t>caching.txt</a:t>
+            </a:r>
+            <a:endParaRPr lang="en-US" dirty="0"/>
+          </a:p>
+        </p:txBody>
+      </p:sp>
+      <p:sp>
+        <p:nvSpPr>
+          <p:cNvPr id="4" name="Footer Placeholder 3"/>
+          <p:cNvSpPr>
+            <a:spLocks noGrp="1"/>
+          </p:cNvSpPr>
+          <p:nvPr>
+            <p:ph type="ftr" sz="quarter" idx="11"/>
+          </p:nvPr>
+        </p:nvSpPr>
+        <p:spPr/>
+        <p:txBody>
+          <a:bodyPr/>
+          <a:lstStyle/>
+          <a:p>
+            <a:r>
+              <a:rPr lang="en-US" smtClean="0"/>
+              <a:t>© Elephant Scale, 2014</a:t>
+            </a:r>
+            <a:endParaRPr lang="en-US" dirty="0"/>
+          </a:p>
+        </p:txBody>
+      </p:sp>
+    </p:spTree>
+    <p:extLst>
+      <p:ext uri="{BB962C8B-B14F-4D97-AF65-F5344CB8AC3E}">
+        <p14:creationId xmlns:p14="http://schemas.microsoft.com/office/powerpoint/2010/main" val="2689222281"/>
+      </p:ext>
+    </p:extLst>
+  </p:cSld>
+  <p:clrMapOvr>
+    <a:masterClrMapping/>
+  </p:clrMapOvr>
+  <p:timing>
+    <p:tnLst>
+      <p:par>
+        <p:cTn xmlns:p14="http://schemas.microsoft.com/office/powerpoint/2010/main" id="1" dur="indefinite" restart="never" nodeType="tmRoot"/>
+      </p:par>
+    </p:tnLst>
+  </p:timing>
+</p:sld>
+</file>
+
+<file path=ppt/slides/slide32.xml><?xml version="1.0" encoding="utf-8"?>
+<p:sld xmlns:a="http://schemas.openxmlformats.org/drawingml/2006/main" xmlns:r="http://schemas.openxmlformats.org/officeDocument/2006/relationships" xmlns:p="http://schemas.openxmlformats.org/presentationml/2006/main">
+  <p:cSld>
+    <p:spTree>
+      <p:nvGrpSpPr>
+        <p:cNvPr id="1" name=""/>
+        <p:cNvGrpSpPr/>
+        <p:nvPr/>
+      </p:nvGrpSpPr>
+      <p:grpSpPr>
+        <a:xfrm>
+          <a:off x="0" y="0"/>
+          <a:ext cx="0" cy="0"/>
+          <a:chOff x="0" y="0"/>
+          <a:chExt cx="0" cy="0"/>
+        </a:xfrm>
+      </p:grpSpPr>
+      <p:sp>
+        <p:nvSpPr>
+          <p:cNvPr id="2" name="Title 1"/>
+          <p:cNvSpPr>
+            <a:spLocks noGrp="1"/>
+          </p:cNvSpPr>
+          <p:nvPr>
+            <p:ph type="title"/>
+          </p:nvPr>
+        </p:nvSpPr>
+        <p:spPr/>
+        <p:txBody>
+          <a:bodyPr/>
+          <a:lstStyle/>
+          <a:p>
+            <a:r>
+              <a:rPr lang="en-US" dirty="0" smtClean="0"/>
+              <a:t>Next : Map Reduce </a:t>
+            </a:r>
+            <a:endParaRPr lang="en-US" dirty="0"/>
+          </a:p>
+        </p:txBody>
+      </p:sp>
+      <p:sp>
+        <p:nvSpPr>
+          <p:cNvPr id="3" name="Content Placeholder 2"/>
+          <p:cNvSpPr>
+            <a:spLocks noGrp="1"/>
+          </p:cNvSpPr>
+          <p:nvPr>
+            <p:ph idx="1"/>
+          </p:nvPr>
+        </p:nvSpPr>
+        <p:spPr/>
+        <p:txBody>
+          <a:bodyPr/>
+          <a:lstStyle/>
+          <a:p>
+            <a:r>
+              <a:rPr lang="en-US" dirty="0" smtClean="0"/>
+              <a:t>Quick Map Reduce Primer</a:t>
+            </a:r>
+          </a:p>
+          <a:p>
+            <a:r>
+              <a:rPr lang="en-US" dirty="0" smtClean="0"/>
+              <a:t>MapReduce in Spark</a:t>
+            </a:r>
+            <a:endParaRPr lang="en-US" dirty="0"/>
+          </a:p>
+        </p:txBody>
+      </p:sp>
+      <p:sp>
+        <p:nvSpPr>
+          <p:cNvPr id="4" name="Footer Placeholder 3"/>
+          <p:cNvSpPr>
+            <a:spLocks noGrp="1"/>
+          </p:cNvSpPr>
+          <p:nvPr>
+            <p:ph type="ftr" sz="quarter" idx="11"/>
+          </p:nvPr>
+        </p:nvSpPr>
+        <p:spPr/>
+        <p:txBody>
+          <a:bodyPr/>
+          <a:lstStyle/>
+          <a:p>
+            <a:r>
+              <a:rPr lang="en-US" smtClean="0"/>
+              <a:t>© Elephant Scale, 2014</a:t>
+            </a:r>
+            <a:endParaRPr lang="en-US" dirty="0"/>
+          </a:p>
+        </p:txBody>
+      </p:sp>
+    </p:spTree>
+    <p:extLst>
+      <p:ext uri="{BB962C8B-B14F-4D97-AF65-F5344CB8AC3E}">
+        <p14:creationId xmlns:p14="http://schemas.microsoft.com/office/powerpoint/2010/main" val="239490569"/>
+      </p:ext>
+    </p:extLst>
+  </p:cSld>
+  <p:clrMapOvr>
+    <a:masterClrMapping/>
+  </p:clrMapOvr>
+</p:sld>
+</file>
+
+<file path=ppt/slides/slide33.xml><?xml version="1.0" encoding="utf-8"?>
+<p:sld xmlns:a="http://schemas.openxmlformats.org/drawingml/2006/main" xmlns:r="http://schemas.openxmlformats.org/officeDocument/2006/relationships" xmlns:p="http://schemas.openxmlformats.org/presentationml/2006/main">
+  <p:cSld>
+    <p:spTree>
+      <p:nvGrpSpPr>
+        <p:cNvPr id="1" name=""/>
+        <p:cNvGrpSpPr/>
+        <p:nvPr/>
+      </p:nvGrpSpPr>
+      <p:grpSpPr>
+        <a:xfrm>
+          <a:off x="0" y="0"/>
+          <a:ext cx="0" cy="0"/>
+          <a:chOff x="0" y="0"/>
+          <a:chExt cx="0" cy="0"/>
+        </a:xfrm>
+      </p:grpSpPr>
+      <p:sp>
+        <p:nvSpPr>
+          <p:cNvPr id="2" name="Title 1"/>
+          <p:cNvSpPr>
+            <a:spLocks noGrp="1"/>
+          </p:cNvSpPr>
+          <p:nvPr>
+            <p:ph type="title"/>
+          </p:nvPr>
+        </p:nvSpPr>
+        <p:spPr/>
+        <p:txBody>
+          <a:bodyPr/>
+          <a:lstStyle/>
+          <a:p>
+            <a:r>
+              <a:rPr lang="en-US" dirty="0" smtClean="0"/>
+              <a:t>Introducing MapReduce</a:t>
+            </a:r>
+            <a:endParaRPr lang="en-US" dirty="0"/>
+          </a:p>
+        </p:txBody>
+      </p:sp>
+      <p:sp>
+        <p:nvSpPr>
+          <p:cNvPr id="3" name="Content Placeholder 2"/>
+          <p:cNvSpPr>
+            <a:spLocks noGrp="1"/>
+          </p:cNvSpPr>
+          <p:nvPr>
+            <p:ph idx="1"/>
+          </p:nvPr>
+        </p:nvSpPr>
+        <p:spPr/>
+        <p:txBody>
+          <a:bodyPr/>
+          <a:lstStyle/>
+          <a:p>
+            <a:r>
+              <a:rPr lang="en-US" dirty="0" smtClean="0"/>
+              <a:t>MapReduce is a programming ‘paradigm’ </a:t>
+            </a:r>
+          </a:p>
+          <a:p>
+            <a:r>
+              <a:rPr lang="en-US" dirty="0" smtClean="0"/>
+              <a:t>Popularized by Google MapReduce paper</a:t>
+            </a:r>
+          </a:p>
+          <a:p>
+            <a:r>
+              <a:rPr lang="en-US" dirty="0" smtClean="0"/>
+              <a:t>Basically provides distributed computing</a:t>
+            </a:r>
+          </a:p>
+          <a:p>
+            <a:r>
+              <a:rPr lang="en-US" dirty="0" smtClean="0"/>
+              <a:t>Hadoop uses MapReduce as it’s  processing / compute framework</a:t>
+            </a:r>
+          </a:p>
+          <a:p>
+            <a:r>
+              <a:rPr lang="en-US" dirty="0" smtClean="0"/>
+              <a:t>Map Reduce is a batch process </a:t>
+            </a:r>
+          </a:p>
+          <a:p>
+            <a:pPr lvl="1"/>
+            <a:r>
+              <a:rPr lang="en-US" dirty="0" smtClean="0"/>
+              <a:t>Not designed for real time queries</a:t>
+            </a:r>
+            <a:endParaRPr lang="en-US" dirty="0"/>
+          </a:p>
+        </p:txBody>
+      </p:sp>
+      <p:sp>
+        <p:nvSpPr>
+          <p:cNvPr id="4" name="Footer Placeholder 3"/>
+          <p:cNvSpPr>
+            <a:spLocks noGrp="1"/>
+          </p:cNvSpPr>
+          <p:nvPr>
+            <p:ph type="ftr" sz="quarter" idx="11"/>
+          </p:nvPr>
+        </p:nvSpPr>
+        <p:spPr/>
+        <p:txBody>
+          <a:bodyPr/>
+          <a:lstStyle/>
+          <a:p>
+            <a:r>
+              <a:rPr lang="en-US" smtClean="0"/>
+              <a:t>© Elephant Scale, 2014</a:t>
+            </a:r>
+            <a:endParaRPr lang="en-US" dirty="0"/>
+          </a:p>
+        </p:txBody>
+      </p:sp>
+    </p:spTree>
+    <p:extLst>
+      <p:ext uri="{BB962C8B-B14F-4D97-AF65-F5344CB8AC3E}">
+        <p14:creationId xmlns:p14="http://schemas.microsoft.com/office/powerpoint/2010/main" val="303121088"/>
+      </p:ext>
+    </p:extLst>
+  </p:cSld>
+  <p:clrMapOvr>
+    <a:masterClrMapping/>
+  </p:clrMapOvr>
+</p:sld>
+</file>
+
+<file path=ppt/slides/slide34.xml><?xml version="1.0" encoding="utf-8"?>
+<p:sld xmlns:a="http://schemas.openxmlformats.org/drawingml/2006/main" xmlns:r="http://schemas.openxmlformats.org/officeDocument/2006/relationships" xmlns:p="http://schemas.openxmlformats.org/presentationml/2006/main">
+  <p:cSld>
+    <p:spTree>
+      <p:nvGrpSpPr>
+        <p:cNvPr id="1" name=""/>
+        <p:cNvGrpSpPr/>
+        <p:nvPr/>
+      </p:nvGrpSpPr>
+      <p:grpSpPr>
+        <a:xfrm>
+          <a:off x="0" y="0"/>
+          <a:ext cx="0" cy="0"/>
+          <a:chOff x="0" y="0"/>
+          <a:chExt cx="0" cy="0"/>
+        </a:xfrm>
+      </p:grpSpPr>
+      <p:sp>
+        <p:nvSpPr>
+          <p:cNvPr id="2" name="Title 1"/>
+          <p:cNvSpPr>
+            <a:spLocks noGrp="1"/>
+          </p:cNvSpPr>
+          <p:nvPr>
+            <p:ph type="title"/>
+          </p:nvPr>
+        </p:nvSpPr>
+        <p:spPr/>
+        <p:txBody>
           <a:bodyPr>
             <a:normAutofit fontScale="90000"/>
           </a:bodyPr>
@@ -15486,19 +16982,7 @@
           <a:p>
             <a:r>
               <a:rPr lang="en-US" dirty="0" smtClean="0"/>
-              <a:t>Parallel Computing </a:t>
-            </a:r>
-            <a:r>
-              <a:rPr lang="en-US" dirty="0" smtClean="0"/>
-              <a:t>/ HPC - </a:t>
-            </a:r>
-            <a:r>
-              <a:rPr lang="en-US" dirty="0" smtClean="0"/>
-              <a:t>Before </a:t>
-            </a:r>
-            <a:r>
-              <a:rPr lang="en-US" dirty="0" smtClean="0"/>
-              <a:t>Hadoop Days</a:t>
+              <a:t>Parallel Computing / HPC - Before Hadoop Days</a:t>
             </a:r>
             <a:endParaRPr lang="en-US" dirty="0"/>
           </a:p>
@@ -15540,7 +17024,6 @@
               <a:rPr lang="en-US" dirty="0" smtClean="0"/>
               <a:t>OK for small / medium data,   Not for ‘Big Data’</a:t>
             </a:r>
-            <a:endParaRPr lang="en-US" dirty="0" smtClean="0"/>
           </a:p>
         </p:txBody>
       </p:sp>
@@ -15855,7 +17338,7 @@
 </p:sld>
 </file>
 
-<file path=ppt/slides/slide32.xml><?xml version="1.0" encoding="utf-8"?>
+<file path=ppt/slides/slide35.xml><?xml version="1.0" encoding="utf-8"?>
 <p:sld xmlns:a="http://schemas.openxmlformats.org/drawingml/2006/main" xmlns:r="http://schemas.openxmlformats.org/officeDocument/2006/relationships" xmlns:p="http://schemas.openxmlformats.org/presentationml/2006/main">
   <p:cSld>
     <p:spTree>
@@ -15889,11 +17372,7 @@
           <a:p>
             <a:r>
               <a:rPr lang="en-US" dirty="0" smtClean="0"/>
-              <a:t>Map </a:t>
-            </a:r>
-            <a:r>
-              <a:rPr lang="en-US" dirty="0" smtClean="0"/>
-              <a:t>Reduce Thinking</a:t>
+              <a:t>Map Reduce Thinking</a:t>
             </a:r>
             <a:endParaRPr lang="en-US" dirty="0"/>
           </a:p>
@@ -16290,7 +17769,7 @@
 </p:sld>
 </file>
 
-<file path=ppt/slides/slide33.xml><?xml version="1.0" encoding="utf-8"?>
+<file path=ppt/slides/slide36.xml><?xml version="1.0" encoding="utf-8"?>
 <p:sld xmlns:a="http://schemas.openxmlformats.org/drawingml/2006/main" xmlns:r="http://schemas.openxmlformats.org/officeDocument/2006/relationships" xmlns:p="http://schemas.openxmlformats.org/presentationml/2006/main">
   <p:cSld>
     <p:spTree>
@@ -16407,7 +17886,6 @@
               <a:rPr lang="en-US" dirty="0" smtClean="0"/>
               <a:t>MapReduce provides a nice / easy to use framework to write distributed code.</a:t>
             </a:r>
-            <a:endParaRPr lang="en-US" dirty="0" smtClean="0"/>
           </a:p>
         </p:txBody>
       </p:sp>
@@ -16454,7 +17932,7 @@
 </p:sld>
 </file>
 
-<file path=ppt/slides/slide34.xml><?xml version="1.0" encoding="utf-8"?>
+<file path=ppt/slides/slide37.xml><?xml version="1.0" encoding="utf-8"?>
 <p:sld xmlns:a="http://schemas.openxmlformats.org/drawingml/2006/main" xmlns:r="http://schemas.openxmlformats.org/officeDocument/2006/relationships" xmlns:p="http://schemas.openxmlformats.org/presentationml/2006/main">
   <p:cSld>
     <p:spTree>
@@ -16490,27 +17968,7 @@
           <a:p>
             <a:r>
               <a:rPr lang="en-US" dirty="0" smtClean="0"/>
-              <a:t>Thinking in </a:t>
-            </a:r>
-            <a:r>
-              <a:rPr lang="en-US" dirty="0" smtClean="0"/>
-              <a:t>Map </a:t>
-            </a:r>
-            <a:r>
-              <a:rPr lang="en-US" dirty="0" smtClean="0"/>
-              <a:t>Reduce </a:t>
-            </a:r>
-            <a:r>
-              <a:rPr lang="en-US" dirty="0" smtClean="0"/>
-              <a:t>: </a:t>
-            </a:r>
-            <a:r>
-              <a:rPr lang="en-US" dirty="0" smtClean="0"/>
-              <a:t>Vote </a:t>
-            </a:r>
-            <a:r>
-              <a:rPr lang="en-US" dirty="0" smtClean="0"/>
-              <a:t>Count</a:t>
+              <a:t>Thinking in Map Reduce : Vote Count</a:t>
             </a:r>
             <a:br>
               <a:rPr lang="en-US" dirty="0" smtClean="0"/>
@@ -16542,11 +18000,7 @@
           <a:p>
             <a:r>
               <a:rPr lang="en-US" dirty="0" smtClean="0"/>
-              <a:t>Imagine we want to do a </a:t>
-            </a:r>
-            <a:r>
-              <a:rPr lang="en-US" dirty="0" smtClean="0"/>
-              <a:t>poll</a:t>
+              <a:t>Imagine we want to do a poll</a:t>
             </a:r>
             <a:br>
               <a:rPr lang="en-US" dirty="0" smtClean="0"/>
@@ -16555,7 +18009,6 @@
               <a:rPr lang="en-US" dirty="0" smtClean="0"/>
               <a:t>Want to find how people in 20s,  30s and 40s voted</a:t>
             </a:r>
-            <a:endParaRPr lang="en-US" dirty="0" smtClean="0"/>
           </a:p>
           <a:p>
             <a:r>
@@ -16575,11 +18028,7 @@
             </a:r>
             <a:r>
               <a:rPr lang="en-US" dirty="0" smtClean="0"/>
-              <a:t> </a:t>
-            </a:r>
-            <a:r>
-              <a:rPr lang="en-US" dirty="0" smtClean="0"/>
-              <a:t>group</a:t>
+              <a:t> group</a:t>
             </a:r>
           </a:p>
           <a:p>
@@ -16590,26 +18039,17 @@
               <a:rPr lang="en-US" dirty="0" smtClean="0">
                 <a:sym typeface="Wingdings"/>
               </a:rPr>
-              <a:t> </a:t>
-            </a:r>
+              <a:t> mappers</a:t>
+            </a:r>
+          </a:p>
+          <a:p>
+            <a:pPr lvl="1"/>
             <a:r>
               <a:rPr lang="en-US" dirty="0" smtClean="0">
                 <a:sym typeface="Wingdings"/>
               </a:rPr>
-              <a:t>mappers</a:t>
-            </a:r>
-          </a:p>
-          <a:p>
-            <a:pPr lvl="1"/>
-            <a:r>
-              <a:rPr lang="en-US" dirty="0" smtClean="0">
-                <a:sym typeface="Wingdings"/>
-              </a:rPr>
               <a:t>Now process each group</a:t>
             </a:r>
-            <a:endParaRPr lang="en-US" dirty="0" smtClean="0">
-              <a:sym typeface="Wingdings"/>
-            </a:endParaRPr>
           </a:p>
           <a:p>
             <a:pPr marL="228600" lvl="1" indent="0">
@@ -16671,7 +18111,7 @@
 </p:sld>
 </file>
 
-<file path=ppt/slides/slide35.xml><?xml version="1.0" encoding="utf-8"?>
+<file path=ppt/slides/slide38.xml><?xml version="1.0" encoding="utf-8"?>
 <p:sld xmlns:a="http://schemas.openxmlformats.org/drawingml/2006/main" xmlns:r="http://schemas.openxmlformats.org/officeDocument/2006/relationships" xmlns:p="http://schemas.openxmlformats.org/presentationml/2006/main">
   <p:cSld>
     <p:spTree>
@@ -16707,11 +18147,7 @@
           <a:p>
             <a:r>
               <a:rPr lang="en-US" dirty="0" smtClean="0"/>
-              <a:t>Thinking in Map Reduce : Vote </a:t>
-            </a:r>
-            <a:r>
-              <a:rPr lang="en-US" dirty="0" smtClean="0"/>
-              <a:t>Count</a:t>
+              <a:t>Thinking in Map Reduce : Vote Count</a:t>
             </a:r>
             <a:endParaRPr lang="en-US" dirty="0"/>
           </a:p>
@@ -16826,7 +18262,7 @@
 </p:sld>
 </file>
 
-<file path=ppt/slides/slide36.xml><?xml version="1.0" encoding="utf-8"?>
+<file path=ppt/slides/slide39.xml><?xml version="1.0" encoding="utf-8"?>
 <p:sld xmlns:a="http://schemas.openxmlformats.org/drawingml/2006/main" xmlns:r="http://schemas.openxmlformats.org/officeDocument/2006/relationships" xmlns:p="http://schemas.openxmlformats.org/presentationml/2006/main">
   <p:cSld>
     <p:spTree>
@@ -16922,15 +18358,7 @@
           <a:p>
             <a:r>
               <a:rPr lang="en-US" dirty="0" smtClean="0"/>
-              <a:t>Input is split into </a:t>
-            </a:r>
-            <a:r>
-              <a:rPr lang="en-US" dirty="0" smtClean="0"/>
-              <a:t>chunks / partitions</a:t>
-            </a:r>
-            <a:r>
-              <a:rPr lang="en-US" dirty="0" smtClean="0"/>
-              <a:t> </a:t>
+              <a:t>Input is split into chunks / partitions </a:t>
             </a:r>
             <a:r>
               <a:rPr lang="en-US" dirty="0" smtClean="0">
@@ -16949,11 +18377,7 @@
           <a:p>
             <a:r>
               <a:rPr lang="en-US" dirty="0" smtClean="0"/>
-              <a:t>MR </a:t>
-            </a:r>
-            <a:r>
-              <a:rPr lang="en-US" dirty="0" smtClean="0"/>
-              <a:t>jobs have to be side-effects free</a:t>
+              <a:t>MR jobs have to be side-effects free</a:t>
             </a:r>
           </a:p>
           <a:p>
@@ -17008,7 +18432,217 @@
 </p:sld>
 </file>
 
-<file path=ppt/slides/slide37.xml><?xml version="1.0" encoding="utf-8"?>
+<file path=ppt/slides/slide4.xml><?xml version="1.0" encoding="utf-8"?>
+<p:sld xmlns:a="http://schemas.openxmlformats.org/drawingml/2006/main" xmlns:r="http://schemas.openxmlformats.org/officeDocument/2006/relationships" xmlns:p="http://schemas.openxmlformats.org/presentationml/2006/main">
+  <p:cSld>
+    <p:spTree>
+      <p:nvGrpSpPr>
+        <p:cNvPr id="1" name=""/>
+        <p:cNvGrpSpPr/>
+        <p:nvPr/>
+      </p:nvGrpSpPr>
+      <p:grpSpPr>
+        <a:xfrm>
+          <a:off x="0" y="0"/>
+          <a:ext cx="0" cy="0"/>
+          <a:chOff x="0" y="0"/>
+          <a:chExt cx="0" cy="0"/>
+        </a:xfrm>
+      </p:grpSpPr>
+      <p:sp>
+        <p:nvSpPr>
+          <p:cNvPr id="2" name="Title 1"/>
+          <p:cNvSpPr>
+            <a:spLocks noGrp="1"/>
+          </p:cNvSpPr>
+          <p:nvPr>
+            <p:ph type="title"/>
+          </p:nvPr>
+        </p:nvSpPr>
+        <p:spPr/>
+        <p:txBody>
+          <a:bodyPr/>
+          <a:lstStyle/>
+          <a:p>
+            <a:r>
+              <a:rPr lang="en-US" dirty="0" smtClean="0"/>
+              <a:t>Spark SQL</a:t>
+            </a:r>
+            <a:endParaRPr lang="en-US" dirty="0"/>
+          </a:p>
+        </p:txBody>
+      </p:sp>
+      <p:sp>
+        <p:nvSpPr>
+          <p:cNvPr id="3" name="Content Placeholder 2"/>
+          <p:cNvSpPr>
+            <a:spLocks noGrp="1"/>
+          </p:cNvSpPr>
+          <p:nvPr>
+            <p:ph idx="1"/>
+          </p:nvPr>
+        </p:nvSpPr>
+        <p:spPr/>
+        <p:txBody>
+          <a:bodyPr>
+            <a:normAutofit lnSpcReduction="10000"/>
+          </a:bodyPr>
+          <a:lstStyle/>
+          <a:p>
+            <a:pPr>
+              <a:defRPr/>
+            </a:pPr>
+            <a:r>
+              <a:rPr lang="en-US" dirty="0" err="1"/>
+              <a:t>Adhoc</a:t>
+            </a:r>
+            <a:r>
+              <a:rPr lang="en-US" dirty="0"/>
+              <a:t> / interactive analytics</a:t>
+            </a:r>
+          </a:p>
+          <a:p>
+            <a:pPr>
+              <a:defRPr/>
+            </a:pPr>
+            <a:r>
+              <a:rPr lang="en-US" dirty="0" smtClean="0"/>
+              <a:t>ETL workflow</a:t>
+            </a:r>
+          </a:p>
+          <a:p>
+            <a:pPr>
+              <a:defRPr/>
+            </a:pPr>
+            <a:r>
+              <a:rPr lang="en-US" dirty="0" smtClean="0"/>
+              <a:t>Reporting</a:t>
+            </a:r>
+          </a:p>
+          <a:p>
+            <a:pPr>
+              <a:defRPr/>
+            </a:pPr>
+            <a:r>
+              <a:rPr lang="en-US" dirty="0" smtClean="0"/>
+              <a:t>Supports </a:t>
+            </a:r>
+            <a:r>
+              <a:rPr lang="en-US" dirty="0" err="1" smtClean="0"/>
+              <a:t>HiveQL</a:t>
+            </a:r>
+            <a:r>
+              <a:rPr lang="en-US" dirty="0" smtClean="0"/>
+              <a:t> (Hive Query Language : A subset of SQL)</a:t>
+            </a:r>
+          </a:p>
+          <a:p>
+            <a:pPr>
+              <a:defRPr/>
+            </a:pPr>
+            <a:r>
+              <a:rPr lang="en-US" dirty="0" smtClean="0"/>
+              <a:t>Natively understands</a:t>
+            </a:r>
+          </a:p>
+          <a:p>
+            <a:pPr lvl="1">
+              <a:defRPr/>
+            </a:pPr>
+            <a:r>
+              <a:rPr lang="en-US" dirty="0" smtClean="0"/>
+              <a:t>CSV :  “mark, 40, M”</a:t>
+            </a:r>
+          </a:p>
+          <a:p>
+            <a:pPr lvl="1">
+              <a:defRPr/>
+            </a:pPr>
+            <a:r>
+              <a:rPr lang="en-US" dirty="0" smtClean="0"/>
+              <a:t>JSON : {“name”: “mark”, “age”: 40}</a:t>
+            </a:r>
+          </a:p>
+          <a:p>
+            <a:pPr lvl="1">
+              <a:defRPr/>
+            </a:pPr>
+            <a:r>
+              <a:rPr lang="en-US" dirty="0" smtClean="0"/>
+              <a:t>Parquet : on disk </a:t>
+            </a:r>
+            <a:r>
+              <a:rPr lang="en-US" dirty="0" smtClean="0">
+                <a:solidFill>
+                  <a:srgbClr val="3366FF"/>
+                </a:solidFill>
+              </a:rPr>
+              <a:t>columnar </a:t>
+            </a:r>
+            <a:r>
+              <a:rPr lang="en-US" dirty="0" smtClean="0"/>
+              <a:t>format, heavily compressed</a:t>
+            </a:r>
+          </a:p>
+          <a:p>
+            <a:pPr>
+              <a:defRPr/>
+            </a:pPr>
+            <a:r>
+              <a:rPr lang="en-US" dirty="0" smtClean="0"/>
+              <a:t>Replaces Shark (earlier SQL engine on Spark)</a:t>
+            </a:r>
+          </a:p>
+          <a:p>
+            <a:pPr marL="0" indent="0">
+              <a:buFont typeface="Wingdings" charset="0"/>
+              <a:buNone/>
+              <a:defRPr/>
+            </a:pPr>
+            <a:endParaRPr lang="en-US" dirty="0" smtClean="0"/>
+          </a:p>
+          <a:p>
+            <a:endParaRPr lang="en-US" dirty="0"/>
+          </a:p>
+        </p:txBody>
+      </p:sp>
+      <p:sp>
+        <p:nvSpPr>
+          <p:cNvPr id="4" name="Footer Placeholder 3"/>
+          <p:cNvSpPr>
+            <a:spLocks noGrp="1"/>
+          </p:cNvSpPr>
+          <p:nvPr>
+            <p:ph type="ftr" sz="quarter" idx="11"/>
+          </p:nvPr>
+        </p:nvSpPr>
+        <p:spPr/>
+        <p:txBody>
+          <a:bodyPr/>
+          <a:lstStyle/>
+          <a:p>
+            <a:r>
+              <a:rPr lang="en-US" smtClean="0"/>
+              <a:t>© Elephant Scale, 2014</a:t>
+            </a:r>
+            <a:endParaRPr lang="en-US" dirty="0"/>
+          </a:p>
+        </p:txBody>
+      </p:sp>
+    </p:spTree>
+    <p:extLst>
+      <p:ext uri="{BB962C8B-B14F-4D97-AF65-F5344CB8AC3E}">
+        <p14:creationId xmlns:p14="http://schemas.microsoft.com/office/powerpoint/2010/main" val="3774429828"/>
+      </p:ext>
+    </p:extLst>
+  </p:cSld>
+  <p:clrMapOvr>
+    <a:masterClrMapping/>
+  </p:clrMapOvr>
+</p:sld>
+</file>
+
+<file path=ppt/slides/slide40.xml><?xml version="1.0" encoding="utf-8"?>
 <p:sld xmlns:a="http://schemas.openxmlformats.org/drawingml/2006/main" xmlns:r="http://schemas.openxmlformats.org/officeDocument/2006/relationships" xmlns:p="http://schemas.openxmlformats.org/presentationml/2006/main">
   <p:cSld>
     <p:spTree>
@@ -17116,7 +18750,7 @@
 </p:sld>
 </file>
 
-<file path=ppt/slides/slide38.xml><?xml version="1.0" encoding="utf-8"?>
+<file path=ppt/slides/slide41.xml><?xml version="1.0" encoding="utf-8"?>
 <p:sld xmlns:a="http://schemas.openxmlformats.org/drawingml/2006/main" xmlns:r="http://schemas.openxmlformats.org/officeDocument/2006/relationships" xmlns:p="http://schemas.openxmlformats.org/presentationml/2006/main">
   <p:cSld>
     <p:spTree>
@@ -17294,7 +18928,7 @@
 </p:sld>
 </file>
 
-<file path=ppt/slides/slide39.xml><?xml version="1.0" encoding="utf-8"?>
+<file path=ppt/slides/slide42.xml><?xml version="1.0" encoding="utf-8"?>
 <p:sld xmlns:a="http://schemas.openxmlformats.org/drawingml/2006/main" xmlns:r="http://schemas.openxmlformats.org/officeDocument/2006/relationships" xmlns:p="http://schemas.openxmlformats.org/presentationml/2006/main">
   <p:cSld>
     <p:spTree>
@@ -17613,7 +19247,7 @@
 </p:sld>
 </file>
 
-<file path=ppt/slides/slide4.xml><?xml version="1.0" encoding="utf-8"?>
+<file path=ppt/slides/slide43.xml><?xml version="1.0" encoding="utf-8"?>
 <p:sld xmlns:a="http://schemas.openxmlformats.org/drawingml/2006/main" xmlns:r="http://schemas.openxmlformats.org/officeDocument/2006/relationships" xmlns:p="http://schemas.openxmlformats.org/presentationml/2006/main">
   <p:cSld>
     <p:spTree>
@@ -17647,221 +19281,7 @@
           <a:p>
             <a:r>
               <a:rPr lang="en-US" dirty="0" smtClean="0"/>
-              <a:t>Spark SQL</a:t>
-            </a:r>
-            <a:endParaRPr lang="en-US" dirty="0"/>
-          </a:p>
-        </p:txBody>
-      </p:sp>
-      <p:sp>
-        <p:nvSpPr>
-          <p:cNvPr id="3" name="Content Placeholder 2"/>
-          <p:cNvSpPr>
-            <a:spLocks noGrp="1"/>
-          </p:cNvSpPr>
-          <p:nvPr>
-            <p:ph idx="1"/>
-          </p:nvPr>
-        </p:nvSpPr>
-        <p:spPr/>
-        <p:txBody>
-          <a:bodyPr>
-            <a:normAutofit lnSpcReduction="10000"/>
-          </a:bodyPr>
-          <a:lstStyle/>
-          <a:p>
-            <a:pPr>
-              <a:defRPr/>
-            </a:pPr>
-            <a:r>
-              <a:rPr lang="en-US" dirty="0" err="1"/>
-              <a:t>Adhoc</a:t>
-            </a:r>
-            <a:r>
-              <a:rPr lang="en-US" dirty="0"/>
-              <a:t> / interactive analytics</a:t>
-            </a:r>
-          </a:p>
-          <a:p>
-            <a:pPr>
-              <a:defRPr/>
-            </a:pPr>
-            <a:r>
-              <a:rPr lang="en-US" dirty="0" smtClean="0"/>
-              <a:t>ETL workflow</a:t>
-            </a:r>
-          </a:p>
-          <a:p>
-            <a:pPr>
-              <a:defRPr/>
-            </a:pPr>
-            <a:r>
-              <a:rPr lang="en-US" dirty="0" smtClean="0"/>
-              <a:t>Reporting</a:t>
-            </a:r>
-          </a:p>
-          <a:p>
-            <a:pPr>
-              <a:defRPr/>
-            </a:pPr>
-            <a:r>
-              <a:rPr lang="en-US" dirty="0" smtClean="0"/>
-              <a:t>Supports </a:t>
-            </a:r>
-            <a:r>
-              <a:rPr lang="en-US" dirty="0" err="1" smtClean="0"/>
-              <a:t>HiveQL</a:t>
-            </a:r>
-            <a:r>
-              <a:rPr lang="en-US" dirty="0" smtClean="0"/>
-              <a:t> (Hive Query Language : A subset of SQL)</a:t>
-            </a:r>
-          </a:p>
-          <a:p>
-            <a:pPr>
-              <a:defRPr/>
-            </a:pPr>
-            <a:r>
-              <a:rPr lang="en-US" dirty="0" smtClean="0"/>
-              <a:t>Natively understands</a:t>
-            </a:r>
-          </a:p>
-          <a:p>
-            <a:pPr lvl="1">
-              <a:defRPr/>
-            </a:pPr>
-            <a:r>
-              <a:rPr lang="en-US" dirty="0" smtClean="0"/>
-              <a:t>CSV :  “mark, 40, M”</a:t>
-            </a:r>
-          </a:p>
-          <a:p>
-            <a:pPr lvl="1">
-              <a:defRPr/>
-            </a:pPr>
-            <a:r>
-              <a:rPr lang="en-US" dirty="0" smtClean="0"/>
-              <a:t>JSON : {“name”: “mark”, “age”: 40}</a:t>
-            </a:r>
-          </a:p>
-          <a:p>
-            <a:pPr lvl="1">
-              <a:defRPr/>
-            </a:pPr>
-            <a:r>
-              <a:rPr lang="en-US" dirty="0" smtClean="0"/>
-              <a:t>Parquet : on disk </a:t>
-            </a:r>
-            <a:r>
-              <a:rPr lang="en-US" dirty="0" smtClean="0">
-                <a:solidFill>
-                  <a:srgbClr val="3366FF"/>
-                </a:solidFill>
-              </a:rPr>
-              <a:t>columnar </a:t>
-            </a:r>
-            <a:r>
-              <a:rPr lang="en-US" dirty="0" smtClean="0"/>
-              <a:t>format, heavily compressed</a:t>
-            </a:r>
-          </a:p>
-          <a:p>
-            <a:pPr>
-              <a:defRPr/>
-            </a:pPr>
-            <a:r>
-              <a:rPr lang="en-US" dirty="0" smtClean="0"/>
-              <a:t>Replaces Shark (earlier SQL engine on Spark)</a:t>
-            </a:r>
-          </a:p>
-          <a:p>
-            <a:pPr marL="0" indent="0">
-              <a:buFont typeface="Wingdings" charset="0"/>
-              <a:buNone/>
-              <a:defRPr/>
-            </a:pPr>
-            <a:endParaRPr lang="en-US" dirty="0" smtClean="0"/>
-          </a:p>
-          <a:p>
-            <a:endParaRPr lang="en-US" dirty="0"/>
-          </a:p>
-        </p:txBody>
-      </p:sp>
-      <p:sp>
-        <p:nvSpPr>
-          <p:cNvPr id="4" name="Footer Placeholder 3"/>
-          <p:cNvSpPr>
-            <a:spLocks noGrp="1"/>
-          </p:cNvSpPr>
-          <p:nvPr>
-            <p:ph type="ftr" sz="quarter" idx="11"/>
-          </p:nvPr>
-        </p:nvSpPr>
-        <p:spPr/>
-        <p:txBody>
-          <a:bodyPr/>
-          <a:lstStyle/>
-          <a:p>
-            <a:r>
-              <a:rPr lang="en-US" smtClean="0"/>
-              <a:t>© Elephant Scale, 2014</a:t>
-            </a:r>
-            <a:endParaRPr lang="en-US" dirty="0"/>
-          </a:p>
-        </p:txBody>
-      </p:sp>
-    </p:spTree>
-    <p:extLst>
-      <p:ext uri="{BB962C8B-B14F-4D97-AF65-F5344CB8AC3E}">
-        <p14:creationId xmlns:p14="http://schemas.microsoft.com/office/powerpoint/2010/main" val="3774429828"/>
-      </p:ext>
-    </p:extLst>
-  </p:cSld>
-  <p:clrMapOvr>
-    <a:masterClrMapping/>
-  </p:clrMapOvr>
-</p:sld>
-</file>
-
-<file path=ppt/slides/slide40.xml><?xml version="1.0" encoding="utf-8"?>
-<p:sld xmlns:a="http://schemas.openxmlformats.org/drawingml/2006/main" xmlns:r="http://schemas.openxmlformats.org/officeDocument/2006/relationships" xmlns:p="http://schemas.openxmlformats.org/presentationml/2006/main">
-  <p:cSld>
-    <p:spTree>
-      <p:nvGrpSpPr>
-        <p:cNvPr id="1" name=""/>
-        <p:cNvGrpSpPr/>
-        <p:nvPr/>
-      </p:nvGrpSpPr>
-      <p:grpSpPr>
-        <a:xfrm>
-          <a:off x="0" y="0"/>
-          <a:ext cx="0" cy="0"/>
-          <a:chOff x="0" y="0"/>
-          <a:chExt cx="0" cy="0"/>
-        </a:xfrm>
-      </p:grpSpPr>
-      <p:sp>
-        <p:nvSpPr>
-          <p:cNvPr id="2" name="Title 1"/>
-          <p:cNvSpPr>
-            <a:spLocks noGrp="1"/>
-          </p:cNvSpPr>
-          <p:nvPr>
-            <p:ph type="title"/>
-          </p:nvPr>
-        </p:nvSpPr>
-        <p:spPr/>
-        <p:txBody>
-          <a:bodyPr/>
-          <a:lstStyle/>
-          <a:p>
-            <a:r>
-              <a:rPr lang="en-US" dirty="0" smtClean="0"/>
-              <a:t>MapReduce Functions </a:t>
-            </a:r>
-            <a:r>
-              <a:rPr lang="en-US" dirty="0" smtClean="0"/>
-              <a:t>: map / </a:t>
+              <a:t>MapReduce Functions : map / </a:t>
             </a:r>
             <a:r>
               <a:rPr lang="en-US" dirty="0" err="1" smtClean="0"/>
@@ -17888,11 +19308,7 @@
           <a:p>
             <a:r>
               <a:rPr lang="en-US" dirty="0" smtClean="0"/>
-              <a:t>One </a:t>
-            </a:r>
-            <a:r>
-              <a:rPr lang="en-US" dirty="0" smtClean="0"/>
-              <a:t>input </a:t>
+              <a:t>One input </a:t>
             </a:r>
             <a:r>
               <a:rPr lang="en-US" dirty="0" smtClean="0">
@@ -17918,13 +19334,7 @@
               <a:rPr lang="en-US" dirty="0" smtClean="0">
                 <a:sym typeface="Wingdings"/>
               </a:rPr>
-              <a:t>()  multiple elements  ( 1  N</a:t>
-            </a:r>
-            <a:r>
-              <a:rPr lang="en-US" dirty="0" smtClean="0">
-                <a:sym typeface="Wingdings"/>
-              </a:rPr>
-              <a:t>)</a:t>
+              <a:t>()  multiple elements  ( 1  N)</a:t>
             </a:r>
           </a:p>
           <a:p>
@@ -18062,11 +19472,6 @@
               </a:rPr>
               <a:t>”  25</a:t>
             </a:r>
-            <a:endParaRPr lang="en-US" dirty="0" smtClean="0">
-              <a:latin typeface="Andale Mono"/>
-              <a:cs typeface="Andale Mono"/>
-              <a:sym typeface="Wingdings"/>
-            </a:endParaRPr>
           </a:p>
         </p:txBody>
       </p:sp>
@@ -18166,7 +19571,7 @@
 </p:sld>
 </file>
 
-<file path=ppt/slides/slide41.xml><?xml version="1.0" encoding="utf-8"?>
+<file path=ppt/slides/slide44.xml><?xml version="1.0" encoding="utf-8"?>
 <p:sld xmlns:a="http://schemas.openxmlformats.org/drawingml/2006/main" xmlns:r="http://schemas.openxmlformats.org/officeDocument/2006/relationships" xmlns:p="http://schemas.openxmlformats.org/presentationml/2006/main">
   <p:cSld>
     <p:spTree>
@@ -18528,7 +19933,7 @@
 </p:sld>
 </file>
 
-<file path=ppt/slides/slide42.xml><?xml version="1.0" encoding="utf-8"?>
+<file path=ppt/slides/slide45.xml><?xml version="1.0" encoding="utf-8"?>
 <p:sld xmlns:a="http://schemas.openxmlformats.org/drawingml/2006/main" xmlns:r="http://schemas.openxmlformats.org/officeDocument/2006/relationships" xmlns:p="http://schemas.openxmlformats.org/presentationml/2006/main">
   <p:cSld>
     <p:spTree>
@@ -19158,7 +20563,7 @@
 </p:sld>
 </file>
 
-<file path=ppt/slides/slide43.xml><?xml version="1.0" encoding="utf-8"?>
+<file path=ppt/slides/slide46.xml><?xml version="1.0" encoding="utf-8"?>
 <p:sld xmlns:a="http://schemas.openxmlformats.org/drawingml/2006/main" xmlns:r="http://schemas.openxmlformats.org/officeDocument/2006/relationships" xmlns:p="http://schemas.openxmlformats.org/presentationml/2006/main">
   <p:cSld>
     <p:spTree>
@@ -19513,7 +20918,7 @@
 </p:sld>
 </file>
 
-<file path=ppt/slides/slide44.xml><?xml version="1.0" encoding="utf-8"?>
+<file path=ppt/slides/slide47.xml><?xml version="1.0" encoding="utf-8"?>
 <p:sld xmlns:a="http://schemas.openxmlformats.org/drawingml/2006/main" xmlns:r="http://schemas.openxmlformats.org/officeDocument/2006/relationships" xmlns:p="http://schemas.openxmlformats.org/presentationml/2006/main">
   <p:cSld>
     <p:spTree>
@@ -19711,31 +21116,20 @@
                 <a:latin typeface="Andale Mono"/>
                 <a:cs typeface="Andale Mono"/>
               </a:rPr>
-              <a:t>(_+_</a:t>
-            </a:r>
+              <a:t>(_+_)</a:t>
+            </a:r>
+          </a:p>
+          <a:p>
+            <a:pPr marL="0" indent="0">
+              <a:buNone/>
+            </a:pPr>
             <a:r>
               <a:rPr lang="en-US" dirty="0" smtClean="0">
                 <a:latin typeface="Andale Mono"/>
                 <a:cs typeface="Andale Mono"/>
               </a:rPr>
-              <a:t>)</a:t>
-            </a:r>
-          </a:p>
-          <a:p>
-            <a:pPr marL="0" indent="0">
-              <a:buNone/>
-            </a:pPr>
-            <a:r>
-              <a:rPr lang="en-US" dirty="0" smtClean="0">
-                <a:latin typeface="Andale Mono"/>
-                <a:cs typeface="Andale Mono"/>
-              </a:rPr>
               <a:t>// TODO  : paste output</a:t>
             </a:r>
-            <a:endParaRPr lang="en-US" dirty="0" smtClean="0">
-              <a:latin typeface="Andale Mono"/>
-              <a:cs typeface="Andale Mono"/>
-            </a:endParaRPr>
           </a:p>
         </p:txBody>
       </p:sp>
@@ -19775,7 +21169,7 @@
 </p:sld>
 </file>
 
-<file path=ppt/slides/slide45.xml><?xml version="1.0" encoding="utf-8"?>
+<file path=ppt/slides/slide48.xml><?xml version="1.0" encoding="utf-8"?>
 <p:sld xmlns:a="http://schemas.openxmlformats.org/drawingml/2006/main" xmlns:r="http://schemas.openxmlformats.org/officeDocument/2006/relationships" xmlns:p="http://schemas.openxmlformats.org/presentationml/2006/main">
   <p:cSld>
     <p:spTree>
@@ -19920,7 +21314,7 @@
 </p:sld>
 </file>
 
-<file path=ppt/slides/slide46.xml><?xml version="1.0" encoding="utf-8"?>
+<file path=ppt/slides/slide49.xml><?xml version="1.0" encoding="utf-8"?>
 <p:sld xmlns:a="http://schemas.openxmlformats.org/drawingml/2006/main" xmlns:r="http://schemas.openxmlformats.org/officeDocument/2006/relationships" xmlns:p="http://schemas.openxmlformats.org/presentationml/2006/main">
   <p:cSld>
     <p:spTree>
@@ -20026,7 +21420,610 @@
 </p:sld>
 </file>
 
-<file path=ppt/slides/slide47.xml><?xml version="1.0" encoding="utf-8"?>
+<file path=ppt/slides/slide5.xml><?xml version="1.0" encoding="utf-8"?>
+<p:sld xmlns:a="http://schemas.openxmlformats.org/drawingml/2006/main" xmlns:r="http://schemas.openxmlformats.org/officeDocument/2006/relationships" xmlns:p="http://schemas.openxmlformats.org/presentationml/2006/main">
+  <p:cSld>
+    <p:spTree>
+      <p:nvGrpSpPr>
+        <p:cNvPr id="1" name=""/>
+        <p:cNvGrpSpPr/>
+        <p:nvPr/>
+      </p:nvGrpSpPr>
+      <p:grpSpPr>
+        <a:xfrm>
+          <a:off x="0" y="0"/>
+          <a:ext cx="0" cy="0"/>
+          <a:chOff x="0" y="0"/>
+          <a:chExt cx="0" cy="0"/>
+        </a:xfrm>
+      </p:grpSpPr>
+      <p:sp>
+        <p:nvSpPr>
+          <p:cNvPr id="2" name="Title 1"/>
+          <p:cNvSpPr>
+            <a:spLocks noGrp="1"/>
+          </p:cNvSpPr>
+          <p:nvPr>
+            <p:ph type="title"/>
+          </p:nvPr>
+        </p:nvSpPr>
+        <p:spPr/>
+        <p:txBody>
+          <a:bodyPr/>
+          <a:lstStyle/>
+          <a:p>
+            <a:r>
+              <a:rPr lang="en-US" dirty="0" smtClean="0"/>
+              <a:t>Spark SQL : Quick Example</a:t>
+            </a:r>
+            <a:endParaRPr lang="en-US" dirty="0"/>
+          </a:p>
+        </p:txBody>
+      </p:sp>
+      <p:sp>
+        <p:nvSpPr>
+          <p:cNvPr id="3" name="Content Placeholder 2"/>
+          <p:cNvSpPr>
+            <a:spLocks noGrp="1"/>
+          </p:cNvSpPr>
+          <p:nvPr>
+            <p:ph idx="1"/>
+          </p:nvPr>
+        </p:nvSpPr>
+        <p:spPr/>
+        <p:txBody>
+          <a:bodyPr>
+            <a:normAutofit fontScale="92500" lnSpcReduction="20000"/>
+          </a:bodyPr>
+          <a:lstStyle/>
+          <a:p>
+            <a:pPr marL="0" indent="0">
+              <a:buFont typeface="Wingdings" charset="0"/>
+              <a:buNone/>
+              <a:defRPr/>
+            </a:pPr>
+            <a:r>
+              <a:rPr lang="pl-PL" dirty="0">
+                <a:solidFill>
+                  <a:srgbClr val="008000"/>
+                </a:solidFill>
+                <a:latin typeface="Andale Mono"/>
+                <a:cs typeface="Andale Mono"/>
+              </a:rPr>
+              <a:t>{"</a:t>
+            </a:r>
+            <a:r>
+              <a:rPr lang="pl-PL" dirty="0" err="1">
+                <a:solidFill>
+                  <a:srgbClr val="008000"/>
+                </a:solidFill>
+                <a:latin typeface="Andale Mono"/>
+                <a:cs typeface="Andale Mono"/>
+              </a:rPr>
+              <a:t>name</a:t>
+            </a:r>
+            <a:r>
+              <a:rPr lang="pl-PL" dirty="0">
+                <a:solidFill>
+                  <a:srgbClr val="008000"/>
+                </a:solidFill>
+                <a:latin typeface="Andale Mono"/>
+                <a:cs typeface="Andale Mono"/>
+              </a:rPr>
+              <a:t>":"</a:t>
+            </a:r>
+            <a:r>
+              <a:rPr lang="pl-PL" dirty="0" err="1">
+                <a:solidFill>
+                  <a:srgbClr val="008000"/>
+                </a:solidFill>
+                <a:latin typeface="Andale Mono"/>
+                <a:cs typeface="Andale Mono"/>
+              </a:rPr>
+              <a:t>mark</a:t>
+            </a:r>
+            <a:r>
+              <a:rPr lang="pl-PL" dirty="0">
+                <a:solidFill>
+                  <a:srgbClr val="008000"/>
+                </a:solidFill>
+                <a:latin typeface="Andale Mono"/>
+                <a:cs typeface="Andale Mono"/>
+              </a:rPr>
+              <a:t>", "age":50, "</a:t>
+            </a:r>
+            <a:r>
+              <a:rPr lang="pl-PL" dirty="0" err="1">
+                <a:solidFill>
+                  <a:srgbClr val="008000"/>
+                </a:solidFill>
+                <a:latin typeface="Andale Mono"/>
+                <a:cs typeface="Andale Mono"/>
+              </a:rPr>
+              <a:t>sex":"M</a:t>
+            </a:r>
+            <a:r>
+              <a:rPr lang="pl-PL" dirty="0">
+                <a:solidFill>
+                  <a:srgbClr val="008000"/>
+                </a:solidFill>
+                <a:latin typeface="Andale Mono"/>
+                <a:cs typeface="Andale Mono"/>
+              </a:rPr>
+              <a:t>"},</a:t>
+            </a:r>
+          </a:p>
+          <a:p>
+            <a:pPr marL="0" indent="0">
+              <a:buFont typeface="Wingdings" charset="0"/>
+              <a:buNone/>
+              <a:defRPr/>
+            </a:pPr>
+            <a:r>
+              <a:rPr lang="pl-PL" dirty="0">
+                <a:solidFill>
+                  <a:srgbClr val="008000"/>
+                </a:solidFill>
+                <a:latin typeface="Andale Mono"/>
+                <a:cs typeface="Andale Mono"/>
+              </a:rPr>
+              <a:t>{"</a:t>
+            </a:r>
+            <a:r>
+              <a:rPr lang="pl-PL" dirty="0" err="1">
+                <a:solidFill>
+                  <a:srgbClr val="008000"/>
+                </a:solidFill>
+                <a:latin typeface="Andale Mono"/>
+                <a:cs typeface="Andale Mono"/>
+              </a:rPr>
+              <a:t>name</a:t>
+            </a:r>
+            <a:r>
+              <a:rPr lang="pl-PL" dirty="0">
+                <a:solidFill>
+                  <a:srgbClr val="008000"/>
+                </a:solidFill>
+                <a:latin typeface="Andale Mono"/>
+                <a:cs typeface="Andale Mono"/>
+              </a:rPr>
+              <a:t>":"mary", "age":45, "</a:t>
+            </a:r>
+            <a:r>
+              <a:rPr lang="pl-PL" dirty="0" err="1">
+                <a:solidFill>
+                  <a:srgbClr val="008000"/>
+                </a:solidFill>
+                <a:latin typeface="Andale Mono"/>
+                <a:cs typeface="Andale Mono"/>
+              </a:rPr>
+              <a:t>sex":"F</a:t>
+            </a:r>
+            <a:r>
+              <a:rPr lang="pl-PL" dirty="0">
+                <a:solidFill>
+                  <a:srgbClr val="008000"/>
+                </a:solidFill>
+                <a:latin typeface="Andale Mono"/>
+                <a:cs typeface="Andale Mono"/>
+              </a:rPr>
+              <a:t>"},</a:t>
+            </a:r>
+          </a:p>
+          <a:p>
+            <a:pPr marL="0" indent="0">
+              <a:buFont typeface="Wingdings" charset="0"/>
+              <a:buNone/>
+              <a:defRPr/>
+            </a:pPr>
+            <a:r>
+              <a:rPr lang="pl-PL" dirty="0">
+                <a:solidFill>
+                  <a:srgbClr val="008000"/>
+                </a:solidFill>
+                <a:latin typeface="Andale Mono"/>
+                <a:cs typeface="Andale Mono"/>
+              </a:rPr>
+              <a:t>{"</a:t>
+            </a:r>
+            <a:r>
+              <a:rPr lang="pl-PL" dirty="0" err="1">
+                <a:solidFill>
+                  <a:srgbClr val="008000"/>
+                </a:solidFill>
+                <a:latin typeface="Andale Mono"/>
+                <a:cs typeface="Andale Mono"/>
+              </a:rPr>
+              <a:t>name</a:t>
+            </a:r>
+            <a:r>
+              <a:rPr lang="pl-PL" dirty="0">
+                <a:solidFill>
+                  <a:srgbClr val="008000"/>
+                </a:solidFill>
+                <a:latin typeface="Andale Mono"/>
+                <a:cs typeface="Andale Mono"/>
+              </a:rPr>
+              <a:t>":"</a:t>
+            </a:r>
+            <a:r>
+              <a:rPr lang="pl-PL" dirty="0" err="1">
+                <a:solidFill>
+                  <a:srgbClr val="008000"/>
+                </a:solidFill>
+                <a:latin typeface="Andale Mono"/>
+                <a:cs typeface="Andale Mono"/>
+              </a:rPr>
+              <a:t>brian</a:t>
+            </a:r>
+            <a:r>
+              <a:rPr lang="pl-PL" dirty="0">
+                <a:solidFill>
+                  <a:srgbClr val="008000"/>
+                </a:solidFill>
+                <a:latin typeface="Andale Mono"/>
+                <a:cs typeface="Andale Mono"/>
+              </a:rPr>
+              <a:t>", "age":15, "</a:t>
+            </a:r>
+            <a:r>
+              <a:rPr lang="pl-PL" dirty="0" err="1">
+                <a:solidFill>
+                  <a:srgbClr val="008000"/>
+                </a:solidFill>
+                <a:latin typeface="Andale Mono"/>
+                <a:cs typeface="Andale Mono"/>
+              </a:rPr>
+              <a:t>sex":"M</a:t>
+            </a:r>
+            <a:r>
+              <a:rPr lang="pl-PL" dirty="0">
+                <a:solidFill>
+                  <a:srgbClr val="008000"/>
+                </a:solidFill>
+                <a:latin typeface="Andale Mono"/>
+                <a:cs typeface="Andale Mono"/>
+              </a:rPr>
+              <a:t>"},</a:t>
+            </a:r>
+          </a:p>
+          <a:p>
+            <a:pPr marL="0" indent="0">
+              <a:buFont typeface="Wingdings" charset="0"/>
+              <a:buNone/>
+              <a:defRPr/>
+            </a:pPr>
+            <a:r>
+              <a:rPr lang="pl-PL" dirty="0">
+                <a:solidFill>
+                  <a:srgbClr val="008000"/>
+                </a:solidFill>
+                <a:latin typeface="Andale Mono"/>
+                <a:cs typeface="Andale Mono"/>
+              </a:rPr>
+              <a:t>{"</a:t>
+            </a:r>
+            <a:r>
+              <a:rPr lang="pl-PL" dirty="0" err="1">
+                <a:solidFill>
+                  <a:srgbClr val="008000"/>
+                </a:solidFill>
+                <a:latin typeface="Andale Mono"/>
+                <a:cs typeface="Andale Mono"/>
+              </a:rPr>
+              <a:t>name</a:t>
+            </a:r>
+            <a:r>
+              <a:rPr lang="pl-PL" dirty="0">
+                <a:solidFill>
+                  <a:srgbClr val="008000"/>
+                </a:solidFill>
+                <a:latin typeface="Andale Mono"/>
+                <a:cs typeface="Andale Mono"/>
+              </a:rPr>
+              <a:t>":"</a:t>
+            </a:r>
+            <a:r>
+              <a:rPr lang="pl-PL" dirty="0" err="1">
+                <a:solidFill>
+                  <a:srgbClr val="008000"/>
+                </a:solidFill>
+                <a:latin typeface="Andale Mono"/>
+                <a:cs typeface="Andale Mono"/>
+              </a:rPr>
+              <a:t>nancy</a:t>
+            </a:r>
+            <a:r>
+              <a:rPr lang="pl-PL" dirty="0">
+                <a:solidFill>
+                  <a:srgbClr val="008000"/>
+                </a:solidFill>
+                <a:latin typeface="Andale Mono"/>
+                <a:cs typeface="Andale Mono"/>
+              </a:rPr>
+              <a:t>", "age":17, "</a:t>
+            </a:r>
+            <a:r>
+              <a:rPr lang="pl-PL" dirty="0" err="1">
+                <a:solidFill>
+                  <a:srgbClr val="008000"/>
+                </a:solidFill>
+                <a:latin typeface="Andale Mono"/>
+                <a:cs typeface="Andale Mono"/>
+              </a:rPr>
+              <a:t>sex":"F</a:t>
+            </a:r>
+            <a:r>
+              <a:rPr lang="pl-PL" dirty="0">
+                <a:solidFill>
+                  <a:srgbClr val="008000"/>
+                </a:solidFill>
+                <a:latin typeface="Andale Mono"/>
+                <a:cs typeface="Andale Mono"/>
+              </a:rPr>
+              <a:t>"}</a:t>
+            </a:r>
+          </a:p>
+          <a:p>
+            <a:pPr marL="0" indent="0">
+              <a:buFont typeface="Wingdings" charset="0"/>
+              <a:buNone/>
+              <a:defRPr/>
+            </a:pPr>
+            <a:endParaRPr lang="pl-PL" dirty="0">
+              <a:latin typeface="Andale Mono"/>
+              <a:cs typeface="Andale Mono"/>
+            </a:endParaRPr>
+          </a:p>
+          <a:p>
+            <a:pPr marL="0" indent="0">
+              <a:buFont typeface="Wingdings" charset="0"/>
+              <a:buNone/>
+              <a:defRPr/>
+            </a:pPr>
+            <a:r>
+              <a:rPr lang="pl-PL" dirty="0">
+                <a:latin typeface="Andale Mono"/>
+                <a:cs typeface="Andale Mono"/>
+              </a:rPr>
+              <a:t>// … setup …</a:t>
+            </a:r>
+          </a:p>
+          <a:p>
+            <a:pPr marL="0" indent="0">
+              <a:buFont typeface="Wingdings" charset="0"/>
+              <a:buNone/>
+              <a:defRPr/>
+            </a:pPr>
+            <a:r>
+              <a:rPr lang="pl-PL" dirty="0" err="1">
+                <a:latin typeface="Andale Mono"/>
+                <a:cs typeface="Andale Mono"/>
+              </a:rPr>
+              <a:t>val</a:t>
+            </a:r>
+            <a:r>
+              <a:rPr lang="pl-PL" dirty="0">
+                <a:latin typeface="Andale Mono"/>
+                <a:cs typeface="Andale Mono"/>
+              </a:rPr>
+              <a:t> </a:t>
+            </a:r>
+            <a:r>
+              <a:rPr lang="pl-PL" dirty="0" err="1">
+                <a:latin typeface="Andale Mono"/>
+                <a:cs typeface="Andale Mono"/>
+              </a:rPr>
+              <a:t>teenagers</a:t>
+            </a:r>
+            <a:r>
+              <a:rPr lang="pl-PL" dirty="0">
+                <a:latin typeface="Andale Mono"/>
+                <a:cs typeface="Andale Mono"/>
+              </a:rPr>
+              <a:t> = </a:t>
+            </a:r>
+            <a:r>
+              <a:rPr lang="pl-PL" dirty="0" err="1">
+                <a:latin typeface="Andale Mono"/>
+                <a:cs typeface="Andale Mono"/>
+              </a:rPr>
+              <a:t>sqlContext.sql</a:t>
+            </a:r>
+            <a:r>
+              <a:rPr lang="pl-PL" dirty="0">
+                <a:latin typeface="Andale Mono"/>
+                <a:cs typeface="Andale Mono"/>
+              </a:rPr>
+              <a:t>("</a:t>
+            </a:r>
+            <a:r>
+              <a:rPr lang="pl-PL" dirty="0">
+                <a:solidFill>
+                  <a:srgbClr val="3366FF"/>
+                </a:solidFill>
+                <a:latin typeface="Andale Mono"/>
+                <a:cs typeface="Andale Mono"/>
+              </a:rPr>
+              <a:t>SELECT </a:t>
+            </a:r>
+            <a:r>
+              <a:rPr lang="pl-PL" dirty="0" err="1">
+                <a:solidFill>
+                  <a:srgbClr val="3366FF"/>
+                </a:solidFill>
+                <a:latin typeface="Andale Mono"/>
+                <a:cs typeface="Andale Mono"/>
+              </a:rPr>
+              <a:t>name</a:t>
+            </a:r>
+            <a:r>
+              <a:rPr lang="pl-PL" dirty="0">
+                <a:solidFill>
+                  <a:srgbClr val="3366FF"/>
+                </a:solidFill>
+                <a:latin typeface="Andale Mono"/>
+                <a:cs typeface="Andale Mono"/>
+              </a:rPr>
+              <a:t> FROM </a:t>
+            </a:r>
+            <a:r>
+              <a:rPr lang="pl-PL" dirty="0" err="1">
+                <a:solidFill>
+                  <a:srgbClr val="3366FF"/>
+                </a:solidFill>
+                <a:latin typeface="Andale Mono"/>
+                <a:cs typeface="Andale Mono"/>
+              </a:rPr>
+              <a:t>people</a:t>
+            </a:r>
+            <a:r>
+              <a:rPr lang="pl-PL" dirty="0">
+                <a:solidFill>
+                  <a:srgbClr val="3366FF"/>
+                </a:solidFill>
+                <a:latin typeface="Andale Mono"/>
+                <a:cs typeface="Andale Mono"/>
+              </a:rPr>
+              <a:t> WHERE </a:t>
+            </a:r>
+            <a:r>
+              <a:rPr lang="pl-PL" dirty="0" err="1">
+                <a:solidFill>
+                  <a:srgbClr val="3366FF"/>
+                </a:solidFill>
+                <a:latin typeface="Andale Mono"/>
+                <a:cs typeface="Andale Mono"/>
+              </a:rPr>
+              <a:t>age</a:t>
+            </a:r>
+            <a:r>
+              <a:rPr lang="pl-PL" dirty="0">
+                <a:solidFill>
+                  <a:srgbClr val="3366FF"/>
+                </a:solidFill>
+                <a:latin typeface="Andale Mono"/>
+                <a:cs typeface="Andale Mono"/>
+              </a:rPr>
+              <a:t> &gt;= 13 AND </a:t>
+            </a:r>
+            <a:r>
+              <a:rPr lang="pl-PL" dirty="0" err="1">
+                <a:solidFill>
+                  <a:srgbClr val="3366FF"/>
+                </a:solidFill>
+                <a:latin typeface="Andale Mono"/>
+                <a:cs typeface="Andale Mono"/>
+              </a:rPr>
+              <a:t>age</a:t>
+            </a:r>
+            <a:r>
+              <a:rPr lang="pl-PL" dirty="0">
+                <a:solidFill>
+                  <a:srgbClr val="3366FF"/>
+                </a:solidFill>
+                <a:latin typeface="Andale Mono"/>
+                <a:cs typeface="Andale Mono"/>
+              </a:rPr>
+              <a:t> &lt;= 19</a:t>
+            </a:r>
+            <a:r>
+              <a:rPr lang="pl-PL" dirty="0">
+                <a:latin typeface="Andale Mono"/>
+                <a:cs typeface="Andale Mono"/>
+              </a:rPr>
+              <a:t>")</a:t>
+            </a:r>
+          </a:p>
+          <a:p>
+            <a:pPr>
+              <a:buFont typeface="Wingdings" charset="0"/>
+              <a:buChar char="è"/>
+              <a:defRPr/>
+            </a:pPr>
+            <a:r>
+              <a:rPr lang="pl-PL" dirty="0">
+                <a:latin typeface="Andale Mono"/>
+                <a:cs typeface="Andale Mono"/>
+                <a:sym typeface="Wingdings"/>
+              </a:rPr>
+              <a:t>[</a:t>
+            </a:r>
+            <a:r>
+              <a:rPr lang="pl-PL" dirty="0" err="1">
+                <a:latin typeface="Andale Mono"/>
+                <a:cs typeface="Andale Mono"/>
+                <a:sym typeface="Wingdings"/>
+              </a:rPr>
+              <a:t>brian</a:t>
+            </a:r>
+            <a:r>
+              <a:rPr lang="pl-PL" dirty="0">
+                <a:latin typeface="Andale Mono"/>
+                <a:cs typeface="Andale Mono"/>
+                <a:sym typeface="Wingdings"/>
+              </a:rPr>
+              <a:t>, </a:t>
+            </a:r>
+            <a:r>
+              <a:rPr lang="pl-PL" dirty="0" err="1">
+                <a:latin typeface="Andale Mono"/>
+                <a:cs typeface="Andale Mono"/>
+                <a:sym typeface="Wingdings"/>
+              </a:rPr>
+              <a:t>nancy</a:t>
+            </a:r>
+            <a:r>
+              <a:rPr lang="pl-PL" dirty="0">
+                <a:latin typeface="Andale Mono"/>
+                <a:cs typeface="Andale Mono"/>
+                <a:sym typeface="Wingdings"/>
+              </a:rPr>
+              <a:t>]</a:t>
+            </a:r>
+          </a:p>
+          <a:p>
+            <a:endParaRPr lang="en-US" dirty="0"/>
+          </a:p>
+        </p:txBody>
+      </p:sp>
+      <p:sp>
+        <p:nvSpPr>
+          <p:cNvPr id="4" name="Footer Placeholder 3"/>
+          <p:cNvSpPr>
+            <a:spLocks noGrp="1"/>
+          </p:cNvSpPr>
+          <p:nvPr>
+            <p:ph type="ftr" sz="quarter" idx="11"/>
+          </p:nvPr>
+        </p:nvSpPr>
+        <p:spPr/>
+        <p:txBody>
+          <a:bodyPr/>
+          <a:lstStyle/>
+          <a:p>
+            <a:r>
+              <a:rPr lang="en-US" smtClean="0"/>
+              <a:t>© Elephant Scale, 2014</a:t>
+            </a:r>
+            <a:endParaRPr lang="en-US" dirty="0"/>
+          </a:p>
+        </p:txBody>
+      </p:sp>
+    </p:spTree>
+    <p:extLst>
+      <p:ext uri="{BB962C8B-B14F-4D97-AF65-F5344CB8AC3E}">
+        <p14:creationId xmlns:p14="http://schemas.microsoft.com/office/powerpoint/2010/main" val="1162198304"/>
+      </p:ext>
+    </p:extLst>
+  </p:cSld>
+  <p:clrMapOvr>
+    <a:masterClrMapping/>
+  </p:clrMapOvr>
+</p:sld>
+</file>
+
+<file path=ppt/slides/slide50.xml><?xml version="1.0" encoding="utf-8"?>
 <p:sld xmlns:a="http://schemas.openxmlformats.org/drawingml/2006/main" xmlns:r="http://schemas.openxmlformats.org/officeDocument/2006/relationships" xmlns:p="http://schemas.openxmlformats.org/presentationml/2006/main">
   <p:cSld>
     <p:spTree>
@@ -20203,926 +22200,6 @@
 </p:sld>
 </file>
 
-<file path=ppt/slides/slide48.xml><?xml version="1.0" encoding="utf-8"?>
-<p:sld xmlns:a="http://schemas.openxmlformats.org/drawingml/2006/main" xmlns:r="http://schemas.openxmlformats.org/officeDocument/2006/relationships" xmlns:p="http://schemas.openxmlformats.org/presentationml/2006/main">
-  <p:cSld>
-    <p:spTree>
-      <p:nvGrpSpPr>
-        <p:cNvPr id="1" name=""/>
-        <p:cNvGrpSpPr/>
-        <p:nvPr/>
-      </p:nvGrpSpPr>
-      <p:grpSpPr>
-        <a:xfrm>
-          <a:off x="0" y="0"/>
-          <a:ext cx="0" cy="0"/>
-          <a:chOff x="0" y="0"/>
-          <a:chExt cx="0" cy="0"/>
-        </a:xfrm>
-      </p:grpSpPr>
-      <p:sp>
-        <p:nvSpPr>
-          <p:cNvPr id="2" name="Title 1"/>
-          <p:cNvSpPr>
-            <a:spLocks noGrp="1"/>
-          </p:cNvSpPr>
-          <p:nvPr>
-            <p:ph type="title"/>
-          </p:nvPr>
-        </p:nvSpPr>
-        <p:spPr/>
-        <p:txBody>
-          <a:bodyPr/>
-          <a:lstStyle/>
-          <a:p>
-            <a:r>
-              <a:rPr lang="en-US" dirty="0" smtClean="0"/>
-              <a:t>Review Questions</a:t>
-            </a:r>
-            <a:endParaRPr lang="en-US" dirty="0"/>
-          </a:p>
-        </p:txBody>
-      </p:sp>
-      <p:sp>
-        <p:nvSpPr>
-          <p:cNvPr id="3" name="Content Placeholder 2"/>
-          <p:cNvSpPr>
-            <a:spLocks noGrp="1"/>
-          </p:cNvSpPr>
-          <p:nvPr>
-            <p:ph idx="1"/>
-          </p:nvPr>
-        </p:nvSpPr>
-        <p:spPr/>
-        <p:txBody>
-          <a:bodyPr/>
-          <a:lstStyle/>
-          <a:p>
-            <a:endParaRPr lang="en-US"/>
-          </a:p>
-        </p:txBody>
-      </p:sp>
-      <p:sp>
-        <p:nvSpPr>
-          <p:cNvPr id="4" name="Footer Placeholder 3"/>
-          <p:cNvSpPr>
-            <a:spLocks noGrp="1"/>
-          </p:cNvSpPr>
-          <p:nvPr>
-            <p:ph type="ftr" sz="quarter" idx="11"/>
-          </p:nvPr>
-        </p:nvSpPr>
-        <p:spPr/>
-        <p:txBody>
-          <a:bodyPr/>
-          <a:lstStyle/>
-          <a:p>
-            <a:r>
-              <a:rPr lang="en-US" smtClean="0"/>
-              <a:t>© Elephant Scale, 2014</a:t>
-            </a:r>
-            <a:endParaRPr lang="en-US" dirty="0"/>
-          </a:p>
-        </p:txBody>
-      </p:sp>
-    </p:spTree>
-    <p:extLst>
-      <p:ext uri="{BB962C8B-B14F-4D97-AF65-F5344CB8AC3E}">
-        <p14:creationId xmlns:p14="http://schemas.microsoft.com/office/powerpoint/2010/main" val="358190672"/>
-      </p:ext>
-    </p:extLst>
-  </p:cSld>
-  <p:clrMapOvr>
-    <a:masterClrMapping/>
-  </p:clrMapOvr>
-</p:sld>
-</file>
-
-<file path=ppt/slides/slide49.xml><?xml version="1.0" encoding="utf-8"?>
-<p:sld xmlns:a="http://schemas.openxmlformats.org/drawingml/2006/main" xmlns:r="http://schemas.openxmlformats.org/officeDocument/2006/relationships" xmlns:p="http://schemas.openxmlformats.org/presentationml/2006/main">
-  <p:cSld>
-    <p:spTree>
-      <p:nvGrpSpPr>
-        <p:cNvPr id="1" name=""/>
-        <p:cNvGrpSpPr/>
-        <p:nvPr/>
-      </p:nvGrpSpPr>
-      <p:grpSpPr>
-        <a:xfrm>
-          <a:off x="0" y="0"/>
-          <a:ext cx="0" cy="0"/>
-          <a:chOff x="0" y="0"/>
-          <a:chExt cx="0" cy="0"/>
-        </a:xfrm>
-      </p:grpSpPr>
-      <p:sp>
-        <p:nvSpPr>
-          <p:cNvPr id="2" name="Title 1"/>
-          <p:cNvSpPr>
-            <a:spLocks noGrp="1"/>
-          </p:cNvSpPr>
-          <p:nvPr>
-            <p:ph type="title"/>
-          </p:nvPr>
-        </p:nvSpPr>
-        <p:spPr/>
-        <p:txBody>
-          <a:bodyPr/>
-          <a:lstStyle/>
-          <a:p>
-            <a:r>
-              <a:rPr lang="en-US" dirty="0" smtClean="0"/>
-              <a:t>Lab : MapReduce Intro (15 </a:t>
-            </a:r>
-            <a:r>
-              <a:rPr lang="en-US" dirty="0" err="1" smtClean="0"/>
-              <a:t>mins</a:t>
-            </a:r>
-            <a:r>
-              <a:rPr lang="en-US" dirty="0" smtClean="0"/>
-              <a:t>)</a:t>
-            </a:r>
-            <a:endParaRPr lang="en-US" dirty="0"/>
-          </a:p>
-        </p:txBody>
-      </p:sp>
-      <p:sp>
-        <p:nvSpPr>
-          <p:cNvPr id="3" name="Content Placeholder 2"/>
-          <p:cNvSpPr>
-            <a:spLocks noGrp="1"/>
-          </p:cNvSpPr>
-          <p:nvPr>
-            <p:ph idx="1"/>
-          </p:nvPr>
-        </p:nvSpPr>
-        <p:spPr/>
-        <p:txBody>
-          <a:bodyPr/>
-          <a:lstStyle/>
-          <a:p>
-            <a:r>
-              <a:rPr lang="en-US" dirty="0" smtClean="0"/>
-              <a:t>1.4-mapreduce / </a:t>
-            </a:r>
-            <a:r>
-              <a:rPr lang="en-US" dirty="0" err="1" smtClean="0"/>
-              <a:t>README.txt</a:t>
-            </a:r>
-            <a:endParaRPr lang="en-US" dirty="0"/>
-          </a:p>
-        </p:txBody>
-      </p:sp>
-      <p:sp>
-        <p:nvSpPr>
-          <p:cNvPr id="4" name="Footer Placeholder 3"/>
-          <p:cNvSpPr>
-            <a:spLocks noGrp="1"/>
-          </p:cNvSpPr>
-          <p:nvPr>
-            <p:ph type="ftr" sz="quarter" idx="11"/>
-          </p:nvPr>
-        </p:nvSpPr>
-        <p:spPr/>
-        <p:txBody>
-          <a:bodyPr/>
-          <a:lstStyle/>
-          <a:p>
-            <a:r>
-              <a:rPr lang="en-US" smtClean="0"/>
-              <a:t>© Elephant Scale, 2014</a:t>
-            </a:r>
-            <a:endParaRPr lang="en-US" dirty="0"/>
-          </a:p>
-        </p:txBody>
-      </p:sp>
-    </p:spTree>
-    <p:extLst>
-      <p:ext uri="{BB962C8B-B14F-4D97-AF65-F5344CB8AC3E}">
-        <p14:creationId xmlns:p14="http://schemas.microsoft.com/office/powerpoint/2010/main" val="2914681554"/>
-      </p:ext>
-    </p:extLst>
-  </p:cSld>
-  <p:clrMapOvr>
-    <a:masterClrMapping/>
-  </p:clrMapOvr>
-</p:sld>
-</file>
-
-<file path=ppt/slides/slide5.xml><?xml version="1.0" encoding="utf-8"?>
-<p:sld xmlns:a="http://schemas.openxmlformats.org/drawingml/2006/main" xmlns:r="http://schemas.openxmlformats.org/officeDocument/2006/relationships" xmlns:p="http://schemas.openxmlformats.org/presentationml/2006/main">
-  <p:cSld>
-    <p:spTree>
-      <p:nvGrpSpPr>
-        <p:cNvPr id="1" name=""/>
-        <p:cNvGrpSpPr/>
-        <p:nvPr/>
-      </p:nvGrpSpPr>
-      <p:grpSpPr>
-        <a:xfrm>
-          <a:off x="0" y="0"/>
-          <a:ext cx="0" cy="0"/>
-          <a:chOff x="0" y="0"/>
-          <a:chExt cx="0" cy="0"/>
-        </a:xfrm>
-      </p:grpSpPr>
-      <p:sp>
-        <p:nvSpPr>
-          <p:cNvPr id="2" name="Title 1"/>
-          <p:cNvSpPr>
-            <a:spLocks noGrp="1"/>
-          </p:cNvSpPr>
-          <p:nvPr>
-            <p:ph type="title"/>
-          </p:nvPr>
-        </p:nvSpPr>
-        <p:spPr/>
-        <p:txBody>
-          <a:bodyPr/>
-          <a:lstStyle/>
-          <a:p>
-            <a:r>
-              <a:rPr lang="en-US" dirty="0" smtClean="0"/>
-              <a:t>Spark SQL : Quick Example</a:t>
-            </a:r>
-            <a:endParaRPr lang="en-US" dirty="0"/>
-          </a:p>
-        </p:txBody>
-      </p:sp>
-      <p:sp>
-        <p:nvSpPr>
-          <p:cNvPr id="3" name="Content Placeholder 2"/>
-          <p:cNvSpPr>
-            <a:spLocks noGrp="1"/>
-          </p:cNvSpPr>
-          <p:nvPr>
-            <p:ph idx="1"/>
-          </p:nvPr>
-        </p:nvSpPr>
-        <p:spPr/>
-        <p:txBody>
-          <a:bodyPr>
-            <a:normAutofit fontScale="92500" lnSpcReduction="20000"/>
-          </a:bodyPr>
-          <a:lstStyle/>
-          <a:p>
-            <a:pPr marL="0" indent="0">
-              <a:buFont typeface="Wingdings" charset="0"/>
-              <a:buNone/>
-              <a:defRPr/>
-            </a:pPr>
-            <a:r>
-              <a:rPr lang="pl-PL" dirty="0">
-                <a:solidFill>
-                  <a:srgbClr val="008000"/>
-                </a:solidFill>
-                <a:latin typeface="Andale Mono"/>
-                <a:cs typeface="Andale Mono"/>
-              </a:rPr>
-              <a:t>{"</a:t>
-            </a:r>
-            <a:r>
-              <a:rPr lang="pl-PL" dirty="0" err="1">
-                <a:solidFill>
-                  <a:srgbClr val="008000"/>
-                </a:solidFill>
-                <a:latin typeface="Andale Mono"/>
-                <a:cs typeface="Andale Mono"/>
-              </a:rPr>
-              <a:t>name</a:t>
-            </a:r>
-            <a:r>
-              <a:rPr lang="pl-PL" dirty="0">
-                <a:solidFill>
-                  <a:srgbClr val="008000"/>
-                </a:solidFill>
-                <a:latin typeface="Andale Mono"/>
-                <a:cs typeface="Andale Mono"/>
-              </a:rPr>
-              <a:t>":"</a:t>
-            </a:r>
-            <a:r>
-              <a:rPr lang="pl-PL" dirty="0" err="1">
-                <a:solidFill>
-                  <a:srgbClr val="008000"/>
-                </a:solidFill>
-                <a:latin typeface="Andale Mono"/>
-                <a:cs typeface="Andale Mono"/>
-              </a:rPr>
-              <a:t>mark</a:t>
-            </a:r>
-            <a:r>
-              <a:rPr lang="pl-PL" dirty="0">
-                <a:solidFill>
-                  <a:srgbClr val="008000"/>
-                </a:solidFill>
-                <a:latin typeface="Andale Mono"/>
-                <a:cs typeface="Andale Mono"/>
-              </a:rPr>
-              <a:t>", "age":50, "</a:t>
-            </a:r>
-            <a:r>
-              <a:rPr lang="pl-PL" dirty="0" err="1">
-                <a:solidFill>
-                  <a:srgbClr val="008000"/>
-                </a:solidFill>
-                <a:latin typeface="Andale Mono"/>
-                <a:cs typeface="Andale Mono"/>
-              </a:rPr>
-              <a:t>sex":"M</a:t>
-            </a:r>
-            <a:r>
-              <a:rPr lang="pl-PL" dirty="0">
-                <a:solidFill>
-                  <a:srgbClr val="008000"/>
-                </a:solidFill>
-                <a:latin typeface="Andale Mono"/>
-                <a:cs typeface="Andale Mono"/>
-              </a:rPr>
-              <a:t>"},</a:t>
-            </a:r>
-          </a:p>
-          <a:p>
-            <a:pPr marL="0" indent="0">
-              <a:buFont typeface="Wingdings" charset="0"/>
-              <a:buNone/>
-              <a:defRPr/>
-            </a:pPr>
-            <a:r>
-              <a:rPr lang="pl-PL" dirty="0">
-                <a:solidFill>
-                  <a:srgbClr val="008000"/>
-                </a:solidFill>
-                <a:latin typeface="Andale Mono"/>
-                <a:cs typeface="Andale Mono"/>
-              </a:rPr>
-              <a:t>{"</a:t>
-            </a:r>
-            <a:r>
-              <a:rPr lang="pl-PL" dirty="0" err="1">
-                <a:solidFill>
-                  <a:srgbClr val="008000"/>
-                </a:solidFill>
-                <a:latin typeface="Andale Mono"/>
-                <a:cs typeface="Andale Mono"/>
-              </a:rPr>
-              <a:t>name</a:t>
-            </a:r>
-            <a:r>
-              <a:rPr lang="pl-PL" dirty="0">
-                <a:solidFill>
-                  <a:srgbClr val="008000"/>
-                </a:solidFill>
-                <a:latin typeface="Andale Mono"/>
-                <a:cs typeface="Andale Mono"/>
-              </a:rPr>
-              <a:t>":"mary", "age":45, "</a:t>
-            </a:r>
-            <a:r>
-              <a:rPr lang="pl-PL" dirty="0" err="1">
-                <a:solidFill>
-                  <a:srgbClr val="008000"/>
-                </a:solidFill>
-                <a:latin typeface="Andale Mono"/>
-                <a:cs typeface="Andale Mono"/>
-              </a:rPr>
-              <a:t>sex":"F</a:t>
-            </a:r>
-            <a:r>
-              <a:rPr lang="pl-PL" dirty="0">
-                <a:solidFill>
-                  <a:srgbClr val="008000"/>
-                </a:solidFill>
-                <a:latin typeface="Andale Mono"/>
-                <a:cs typeface="Andale Mono"/>
-              </a:rPr>
-              <a:t>"},</a:t>
-            </a:r>
-          </a:p>
-          <a:p>
-            <a:pPr marL="0" indent="0">
-              <a:buFont typeface="Wingdings" charset="0"/>
-              <a:buNone/>
-              <a:defRPr/>
-            </a:pPr>
-            <a:r>
-              <a:rPr lang="pl-PL" dirty="0">
-                <a:solidFill>
-                  <a:srgbClr val="008000"/>
-                </a:solidFill>
-                <a:latin typeface="Andale Mono"/>
-                <a:cs typeface="Andale Mono"/>
-              </a:rPr>
-              <a:t>{"</a:t>
-            </a:r>
-            <a:r>
-              <a:rPr lang="pl-PL" dirty="0" err="1">
-                <a:solidFill>
-                  <a:srgbClr val="008000"/>
-                </a:solidFill>
-                <a:latin typeface="Andale Mono"/>
-                <a:cs typeface="Andale Mono"/>
-              </a:rPr>
-              <a:t>name</a:t>
-            </a:r>
-            <a:r>
-              <a:rPr lang="pl-PL" dirty="0">
-                <a:solidFill>
-                  <a:srgbClr val="008000"/>
-                </a:solidFill>
-                <a:latin typeface="Andale Mono"/>
-                <a:cs typeface="Andale Mono"/>
-              </a:rPr>
-              <a:t>":"</a:t>
-            </a:r>
-            <a:r>
-              <a:rPr lang="pl-PL" dirty="0" err="1">
-                <a:solidFill>
-                  <a:srgbClr val="008000"/>
-                </a:solidFill>
-                <a:latin typeface="Andale Mono"/>
-                <a:cs typeface="Andale Mono"/>
-              </a:rPr>
-              <a:t>brian</a:t>
-            </a:r>
-            <a:r>
-              <a:rPr lang="pl-PL" dirty="0">
-                <a:solidFill>
-                  <a:srgbClr val="008000"/>
-                </a:solidFill>
-                <a:latin typeface="Andale Mono"/>
-                <a:cs typeface="Andale Mono"/>
-              </a:rPr>
-              <a:t>", "age":15, "</a:t>
-            </a:r>
-            <a:r>
-              <a:rPr lang="pl-PL" dirty="0" err="1">
-                <a:solidFill>
-                  <a:srgbClr val="008000"/>
-                </a:solidFill>
-                <a:latin typeface="Andale Mono"/>
-                <a:cs typeface="Andale Mono"/>
-              </a:rPr>
-              <a:t>sex":"M</a:t>
-            </a:r>
-            <a:r>
-              <a:rPr lang="pl-PL" dirty="0">
-                <a:solidFill>
-                  <a:srgbClr val="008000"/>
-                </a:solidFill>
-                <a:latin typeface="Andale Mono"/>
-                <a:cs typeface="Andale Mono"/>
-              </a:rPr>
-              <a:t>"},</a:t>
-            </a:r>
-          </a:p>
-          <a:p>
-            <a:pPr marL="0" indent="0">
-              <a:buFont typeface="Wingdings" charset="0"/>
-              <a:buNone/>
-              <a:defRPr/>
-            </a:pPr>
-            <a:r>
-              <a:rPr lang="pl-PL" dirty="0">
-                <a:solidFill>
-                  <a:srgbClr val="008000"/>
-                </a:solidFill>
-                <a:latin typeface="Andale Mono"/>
-                <a:cs typeface="Andale Mono"/>
-              </a:rPr>
-              <a:t>{"</a:t>
-            </a:r>
-            <a:r>
-              <a:rPr lang="pl-PL" dirty="0" err="1">
-                <a:solidFill>
-                  <a:srgbClr val="008000"/>
-                </a:solidFill>
-                <a:latin typeface="Andale Mono"/>
-                <a:cs typeface="Andale Mono"/>
-              </a:rPr>
-              <a:t>name</a:t>
-            </a:r>
-            <a:r>
-              <a:rPr lang="pl-PL" dirty="0">
-                <a:solidFill>
-                  <a:srgbClr val="008000"/>
-                </a:solidFill>
-                <a:latin typeface="Andale Mono"/>
-                <a:cs typeface="Andale Mono"/>
-              </a:rPr>
-              <a:t>":"</a:t>
-            </a:r>
-            <a:r>
-              <a:rPr lang="pl-PL" dirty="0" err="1">
-                <a:solidFill>
-                  <a:srgbClr val="008000"/>
-                </a:solidFill>
-                <a:latin typeface="Andale Mono"/>
-                <a:cs typeface="Andale Mono"/>
-              </a:rPr>
-              <a:t>nancy</a:t>
-            </a:r>
-            <a:r>
-              <a:rPr lang="pl-PL" dirty="0">
-                <a:solidFill>
-                  <a:srgbClr val="008000"/>
-                </a:solidFill>
-                <a:latin typeface="Andale Mono"/>
-                <a:cs typeface="Andale Mono"/>
-              </a:rPr>
-              <a:t>", "age":17, "</a:t>
-            </a:r>
-            <a:r>
-              <a:rPr lang="pl-PL" dirty="0" err="1">
-                <a:solidFill>
-                  <a:srgbClr val="008000"/>
-                </a:solidFill>
-                <a:latin typeface="Andale Mono"/>
-                <a:cs typeface="Andale Mono"/>
-              </a:rPr>
-              <a:t>sex":"F</a:t>
-            </a:r>
-            <a:r>
-              <a:rPr lang="pl-PL" dirty="0">
-                <a:solidFill>
-                  <a:srgbClr val="008000"/>
-                </a:solidFill>
-                <a:latin typeface="Andale Mono"/>
-                <a:cs typeface="Andale Mono"/>
-              </a:rPr>
-              <a:t>"}</a:t>
-            </a:r>
-          </a:p>
-          <a:p>
-            <a:pPr marL="0" indent="0">
-              <a:buFont typeface="Wingdings" charset="0"/>
-              <a:buNone/>
-              <a:defRPr/>
-            </a:pPr>
-            <a:endParaRPr lang="pl-PL" dirty="0">
-              <a:latin typeface="Andale Mono"/>
-              <a:cs typeface="Andale Mono"/>
-            </a:endParaRPr>
-          </a:p>
-          <a:p>
-            <a:pPr marL="0" indent="0">
-              <a:buFont typeface="Wingdings" charset="0"/>
-              <a:buNone/>
-              <a:defRPr/>
-            </a:pPr>
-            <a:r>
-              <a:rPr lang="pl-PL" dirty="0">
-                <a:latin typeface="Andale Mono"/>
-                <a:cs typeface="Andale Mono"/>
-              </a:rPr>
-              <a:t>// … setup …</a:t>
-            </a:r>
-          </a:p>
-          <a:p>
-            <a:pPr marL="0" indent="0">
-              <a:buFont typeface="Wingdings" charset="0"/>
-              <a:buNone/>
-              <a:defRPr/>
-            </a:pPr>
-            <a:r>
-              <a:rPr lang="pl-PL" dirty="0" err="1">
-                <a:latin typeface="Andale Mono"/>
-                <a:cs typeface="Andale Mono"/>
-              </a:rPr>
-              <a:t>val</a:t>
-            </a:r>
-            <a:r>
-              <a:rPr lang="pl-PL" dirty="0">
-                <a:latin typeface="Andale Mono"/>
-                <a:cs typeface="Andale Mono"/>
-              </a:rPr>
-              <a:t> </a:t>
-            </a:r>
-            <a:r>
-              <a:rPr lang="pl-PL" dirty="0" err="1">
-                <a:latin typeface="Andale Mono"/>
-                <a:cs typeface="Andale Mono"/>
-              </a:rPr>
-              <a:t>teenagers</a:t>
-            </a:r>
-            <a:r>
-              <a:rPr lang="pl-PL" dirty="0">
-                <a:latin typeface="Andale Mono"/>
-                <a:cs typeface="Andale Mono"/>
-              </a:rPr>
-              <a:t> = </a:t>
-            </a:r>
-            <a:r>
-              <a:rPr lang="pl-PL" dirty="0" err="1">
-                <a:latin typeface="Andale Mono"/>
-                <a:cs typeface="Andale Mono"/>
-              </a:rPr>
-              <a:t>sqlContext.sql</a:t>
-            </a:r>
-            <a:r>
-              <a:rPr lang="pl-PL" dirty="0">
-                <a:latin typeface="Andale Mono"/>
-                <a:cs typeface="Andale Mono"/>
-              </a:rPr>
-              <a:t>("</a:t>
-            </a:r>
-            <a:r>
-              <a:rPr lang="pl-PL" dirty="0">
-                <a:solidFill>
-                  <a:srgbClr val="3366FF"/>
-                </a:solidFill>
-                <a:latin typeface="Andale Mono"/>
-                <a:cs typeface="Andale Mono"/>
-              </a:rPr>
-              <a:t>SELECT </a:t>
-            </a:r>
-            <a:r>
-              <a:rPr lang="pl-PL" dirty="0" err="1">
-                <a:solidFill>
-                  <a:srgbClr val="3366FF"/>
-                </a:solidFill>
-                <a:latin typeface="Andale Mono"/>
-                <a:cs typeface="Andale Mono"/>
-              </a:rPr>
-              <a:t>name</a:t>
-            </a:r>
-            <a:r>
-              <a:rPr lang="pl-PL" dirty="0">
-                <a:solidFill>
-                  <a:srgbClr val="3366FF"/>
-                </a:solidFill>
-                <a:latin typeface="Andale Mono"/>
-                <a:cs typeface="Andale Mono"/>
-              </a:rPr>
-              <a:t> FROM </a:t>
-            </a:r>
-            <a:r>
-              <a:rPr lang="pl-PL" dirty="0" err="1">
-                <a:solidFill>
-                  <a:srgbClr val="3366FF"/>
-                </a:solidFill>
-                <a:latin typeface="Andale Mono"/>
-                <a:cs typeface="Andale Mono"/>
-              </a:rPr>
-              <a:t>people</a:t>
-            </a:r>
-            <a:r>
-              <a:rPr lang="pl-PL" dirty="0">
-                <a:solidFill>
-                  <a:srgbClr val="3366FF"/>
-                </a:solidFill>
-                <a:latin typeface="Andale Mono"/>
-                <a:cs typeface="Andale Mono"/>
-              </a:rPr>
-              <a:t> WHERE </a:t>
-            </a:r>
-            <a:r>
-              <a:rPr lang="pl-PL" dirty="0" err="1">
-                <a:solidFill>
-                  <a:srgbClr val="3366FF"/>
-                </a:solidFill>
-                <a:latin typeface="Andale Mono"/>
-                <a:cs typeface="Andale Mono"/>
-              </a:rPr>
-              <a:t>age</a:t>
-            </a:r>
-            <a:r>
-              <a:rPr lang="pl-PL" dirty="0">
-                <a:solidFill>
-                  <a:srgbClr val="3366FF"/>
-                </a:solidFill>
-                <a:latin typeface="Andale Mono"/>
-                <a:cs typeface="Andale Mono"/>
-              </a:rPr>
-              <a:t> &gt;= 13 AND </a:t>
-            </a:r>
-            <a:r>
-              <a:rPr lang="pl-PL" dirty="0" err="1">
-                <a:solidFill>
-                  <a:srgbClr val="3366FF"/>
-                </a:solidFill>
-                <a:latin typeface="Andale Mono"/>
-                <a:cs typeface="Andale Mono"/>
-              </a:rPr>
-              <a:t>age</a:t>
-            </a:r>
-            <a:r>
-              <a:rPr lang="pl-PL" dirty="0">
-                <a:solidFill>
-                  <a:srgbClr val="3366FF"/>
-                </a:solidFill>
-                <a:latin typeface="Andale Mono"/>
-                <a:cs typeface="Andale Mono"/>
-              </a:rPr>
-              <a:t> &lt;= 19</a:t>
-            </a:r>
-            <a:r>
-              <a:rPr lang="pl-PL" dirty="0">
-                <a:latin typeface="Andale Mono"/>
-                <a:cs typeface="Andale Mono"/>
-              </a:rPr>
-              <a:t>")</a:t>
-            </a:r>
-          </a:p>
-          <a:p>
-            <a:pPr>
-              <a:buFont typeface="Wingdings" charset="0"/>
-              <a:buChar char="è"/>
-              <a:defRPr/>
-            </a:pPr>
-            <a:r>
-              <a:rPr lang="pl-PL" dirty="0">
-                <a:latin typeface="Andale Mono"/>
-                <a:cs typeface="Andale Mono"/>
-                <a:sym typeface="Wingdings"/>
-              </a:rPr>
-              <a:t>[</a:t>
-            </a:r>
-            <a:r>
-              <a:rPr lang="pl-PL" dirty="0" err="1">
-                <a:latin typeface="Andale Mono"/>
-                <a:cs typeface="Andale Mono"/>
-                <a:sym typeface="Wingdings"/>
-              </a:rPr>
-              <a:t>brian</a:t>
-            </a:r>
-            <a:r>
-              <a:rPr lang="pl-PL" dirty="0">
-                <a:latin typeface="Andale Mono"/>
-                <a:cs typeface="Andale Mono"/>
-                <a:sym typeface="Wingdings"/>
-              </a:rPr>
-              <a:t>, </a:t>
-            </a:r>
-            <a:r>
-              <a:rPr lang="pl-PL" dirty="0" err="1">
-                <a:latin typeface="Andale Mono"/>
-                <a:cs typeface="Andale Mono"/>
-                <a:sym typeface="Wingdings"/>
-              </a:rPr>
-              <a:t>nancy</a:t>
-            </a:r>
-            <a:r>
-              <a:rPr lang="pl-PL" dirty="0">
-                <a:latin typeface="Andale Mono"/>
-                <a:cs typeface="Andale Mono"/>
-                <a:sym typeface="Wingdings"/>
-              </a:rPr>
-              <a:t>]</a:t>
-            </a:r>
-          </a:p>
-          <a:p>
-            <a:endParaRPr lang="en-US" dirty="0"/>
-          </a:p>
-        </p:txBody>
-      </p:sp>
-      <p:sp>
-        <p:nvSpPr>
-          <p:cNvPr id="4" name="Footer Placeholder 3"/>
-          <p:cNvSpPr>
-            <a:spLocks noGrp="1"/>
-          </p:cNvSpPr>
-          <p:nvPr>
-            <p:ph type="ftr" sz="quarter" idx="11"/>
-          </p:nvPr>
-        </p:nvSpPr>
-        <p:spPr/>
-        <p:txBody>
-          <a:bodyPr/>
-          <a:lstStyle/>
-          <a:p>
-            <a:r>
-              <a:rPr lang="en-US" smtClean="0"/>
-              <a:t>© Elephant Scale, 2014</a:t>
-            </a:r>
-            <a:endParaRPr lang="en-US" dirty="0"/>
-          </a:p>
-        </p:txBody>
-      </p:sp>
-    </p:spTree>
-    <p:extLst>
-      <p:ext uri="{BB962C8B-B14F-4D97-AF65-F5344CB8AC3E}">
-        <p14:creationId xmlns:p14="http://schemas.microsoft.com/office/powerpoint/2010/main" val="1162198304"/>
-      </p:ext>
-    </p:extLst>
-  </p:cSld>
-  <p:clrMapOvr>
-    <a:masterClrMapping/>
-  </p:clrMapOvr>
-</p:sld>
-</file>
-
-<file path=ppt/slides/slide50.xml><?xml version="1.0" encoding="utf-8"?>
-<p:sld xmlns:a="http://schemas.openxmlformats.org/drawingml/2006/main" xmlns:r="http://schemas.openxmlformats.org/officeDocument/2006/relationships" xmlns:p="http://schemas.openxmlformats.org/presentationml/2006/main">
-  <p:cSld>
-    <p:spTree>
-      <p:nvGrpSpPr>
-        <p:cNvPr id="1" name=""/>
-        <p:cNvGrpSpPr/>
-        <p:nvPr/>
-      </p:nvGrpSpPr>
-      <p:grpSpPr>
-        <a:xfrm>
-          <a:off x="0" y="0"/>
-          <a:ext cx="0" cy="0"/>
-          <a:chOff x="0" y="0"/>
-          <a:chExt cx="0" cy="0"/>
-        </a:xfrm>
-      </p:grpSpPr>
-      <p:sp>
-        <p:nvSpPr>
-          <p:cNvPr id="2" name="Title 1"/>
-          <p:cNvSpPr>
-            <a:spLocks noGrp="1"/>
-          </p:cNvSpPr>
-          <p:nvPr>
-            <p:ph type="title"/>
-          </p:nvPr>
-        </p:nvSpPr>
-        <p:spPr/>
-        <p:txBody>
-          <a:bodyPr/>
-          <a:lstStyle/>
-          <a:p>
-            <a:r>
-              <a:rPr lang="en-US" dirty="0" smtClean="0"/>
-              <a:t>Lab : Clickstream Analysis (1.5 </a:t>
-            </a:r>
-            <a:r>
-              <a:rPr lang="en-US" dirty="0" err="1" smtClean="0"/>
-              <a:t>hrs</a:t>
-            </a:r>
-            <a:r>
-              <a:rPr lang="en-US" dirty="0" smtClean="0"/>
-              <a:t>)</a:t>
-            </a:r>
-            <a:endParaRPr lang="en-US" dirty="0"/>
-          </a:p>
-        </p:txBody>
-      </p:sp>
-      <p:sp>
-        <p:nvSpPr>
-          <p:cNvPr id="3" name="Content Placeholder 2"/>
-          <p:cNvSpPr>
-            <a:spLocks noGrp="1"/>
-          </p:cNvSpPr>
-          <p:nvPr>
-            <p:ph idx="1"/>
-          </p:nvPr>
-        </p:nvSpPr>
-        <p:spPr/>
-        <p:txBody>
-          <a:bodyPr/>
-          <a:lstStyle/>
-          <a:p>
-            <a:r>
-              <a:rPr lang="en-US" dirty="0" smtClean="0"/>
-              <a:t>1.4-mapreduce/</a:t>
-            </a:r>
-            <a:r>
-              <a:rPr lang="en-US" dirty="0" err="1" smtClean="0"/>
-              <a:t>clickstream.txt</a:t>
-            </a:r>
-            <a:endParaRPr lang="en-US" dirty="0"/>
-          </a:p>
-        </p:txBody>
-      </p:sp>
-      <p:sp>
-        <p:nvSpPr>
-          <p:cNvPr id="4" name="Footer Placeholder 3"/>
-          <p:cNvSpPr>
-            <a:spLocks noGrp="1"/>
-          </p:cNvSpPr>
-          <p:nvPr>
-            <p:ph type="ftr" sz="quarter" idx="11"/>
-          </p:nvPr>
-        </p:nvSpPr>
-        <p:spPr/>
-        <p:txBody>
-          <a:bodyPr/>
-          <a:lstStyle/>
-          <a:p>
-            <a:r>
-              <a:rPr lang="en-US" smtClean="0"/>
-              <a:t>© Elephant Scale, 2014</a:t>
-            </a:r>
-            <a:endParaRPr lang="en-US" dirty="0"/>
-          </a:p>
-        </p:txBody>
-      </p:sp>
-    </p:spTree>
-    <p:extLst>
-      <p:ext uri="{BB962C8B-B14F-4D97-AF65-F5344CB8AC3E}">
-        <p14:creationId xmlns:p14="http://schemas.microsoft.com/office/powerpoint/2010/main" val="2868729591"/>
-      </p:ext>
-    </p:extLst>
-  </p:cSld>
-  <p:clrMapOvr>
-    <a:masterClrMapping/>
-  </p:clrMapOvr>
-</p:sld>
-</file>
-
 <file path=ppt/slides/slide51.xml><?xml version="1.0" encoding="utf-8"?>
 <p:sld xmlns:a="http://schemas.openxmlformats.org/drawingml/2006/main" xmlns:r="http://schemas.openxmlformats.org/officeDocument/2006/relationships" xmlns:p="http://schemas.openxmlformats.org/presentationml/2006/main">
   <p:cSld>
@@ -21157,6 +22234,323 @@
           <a:p>
             <a:r>
               <a:rPr lang="en-US" dirty="0" smtClean="0"/>
+              <a:t>Review Questions</a:t>
+            </a:r>
+            <a:endParaRPr lang="en-US" dirty="0"/>
+          </a:p>
+        </p:txBody>
+      </p:sp>
+      <p:sp>
+        <p:nvSpPr>
+          <p:cNvPr id="3" name="Content Placeholder 2"/>
+          <p:cNvSpPr>
+            <a:spLocks noGrp="1"/>
+          </p:cNvSpPr>
+          <p:nvPr>
+            <p:ph idx="1"/>
+          </p:nvPr>
+        </p:nvSpPr>
+        <p:spPr/>
+        <p:txBody>
+          <a:bodyPr/>
+          <a:lstStyle/>
+          <a:p>
+            <a:endParaRPr lang="en-US"/>
+          </a:p>
+        </p:txBody>
+      </p:sp>
+      <p:sp>
+        <p:nvSpPr>
+          <p:cNvPr id="4" name="Footer Placeholder 3"/>
+          <p:cNvSpPr>
+            <a:spLocks noGrp="1"/>
+          </p:cNvSpPr>
+          <p:nvPr>
+            <p:ph type="ftr" sz="quarter" idx="11"/>
+          </p:nvPr>
+        </p:nvSpPr>
+        <p:spPr/>
+        <p:txBody>
+          <a:bodyPr/>
+          <a:lstStyle/>
+          <a:p>
+            <a:r>
+              <a:rPr lang="en-US" smtClean="0"/>
+              <a:t>© Elephant Scale, 2014</a:t>
+            </a:r>
+            <a:endParaRPr lang="en-US" dirty="0"/>
+          </a:p>
+        </p:txBody>
+      </p:sp>
+    </p:spTree>
+    <p:extLst>
+      <p:ext uri="{BB962C8B-B14F-4D97-AF65-F5344CB8AC3E}">
+        <p14:creationId xmlns:p14="http://schemas.microsoft.com/office/powerpoint/2010/main" val="358190672"/>
+      </p:ext>
+    </p:extLst>
+  </p:cSld>
+  <p:clrMapOvr>
+    <a:masterClrMapping/>
+  </p:clrMapOvr>
+</p:sld>
+</file>
+
+<file path=ppt/slides/slide52.xml><?xml version="1.0" encoding="utf-8"?>
+<p:sld xmlns:a="http://schemas.openxmlformats.org/drawingml/2006/main" xmlns:r="http://schemas.openxmlformats.org/officeDocument/2006/relationships" xmlns:p="http://schemas.openxmlformats.org/presentationml/2006/main">
+  <p:cSld>
+    <p:spTree>
+      <p:nvGrpSpPr>
+        <p:cNvPr id="1" name=""/>
+        <p:cNvGrpSpPr/>
+        <p:nvPr/>
+      </p:nvGrpSpPr>
+      <p:grpSpPr>
+        <a:xfrm>
+          <a:off x="0" y="0"/>
+          <a:ext cx="0" cy="0"/>
+          <a:chOff x="0" y="0"/>
+          <a:chExt cx="0" cy="0"/>
+        </a:xfrm>
+      </p:grpSpPr>
+      <p:sp>
+        <p:nvSpPr>
+          <p:cNvPr id="2" name="Title 1"/>
+          <p:cNvSpPr>
+            <a:spLocks noGrp="1"/>
+          </p:cNvSpPr>
+          <p:nvPr>
+            <p:ph type="title"/>
+          </p:nvPr>
+        </p:nvSpPr>
+        <p:spPr/>
+        <p:txBody>
+          <a:bodyPr/>
+          <a:lstStyle/>
+          <a:p>
+            <a:r>
+              <a:rPr lang="en-US" dirty="0" smtClean="0"/>
+              <a:t>Lab : MapReduce Intro (15 </a:t>
+            </a:r>
+            <a:r>
+              <a:rPr lang="en-US" dirty="0" err="1" smtClean="0"/>
+              <a:t>mins</a:t>
+            </a:r>
+            <a:r>
+              <a:rPr lang="en-US" dirty="0" smtClean="0"/>
+              <a:t>)</a:t>
+            </a:r>
+            <a:endParaRPr lang="en-US" dirty="0"/>
+          </a:p>
+        </p:txBody>
+      </p:sp>
+      <p:sp>
+        <p:nvSpPr>
+          <p:cNvPr id="3" name="Content Placeholder 2"/>
+          <p:cNvSpPr>
+            <a:spLocks noGrp="1"/>
+          </p:cNvSpPr>
+          <p:nvPr>
+            <p:ph idx="1"/>
+          </p:nvPr>
+        </p:nvSpPr>
+        <p:spPr/>
+        <p:txBody>
+          <a:bodyPr/>
+          <a:lstStyle/>
+          <a:p>
+            <a:r>
+              <a:rPr lang="en-US" dirty="0" smtClean="0"/>
+              <a:t>1.4-mapreduce / </a:t>
+            </a:r>
+            <a:r>
+              <a:rPr lang="en-US" dirty="0" err="1" smtClean="0"/>
+              <a:t>README.txt</a:t>
+            </a:r>
+            <a:endParaRPr lang="en-US" dirty="0"/>
+          </a:p>
+        </p:txBody>
+      </p:sp>
+      <p:sp>
+        <p:nvSpPr>
+          <p:cNvPr id="4" name="Footer Placeholder 3"/>
+          <p:cNvSpPr>
+            <a:spLocks noGrp="1"/>
+          </p:cNvSpPr>
+          <p:nvPr>
+            <p:ph type="ftr" sz="quarter" idx="11"/>
+          </p:nvPr>
+        </p:nvSpPr>
+        <p:spPr/>
+        <p:txBody>
+          <a:bodyPr/>
+          <a:lstStyle/>
+          <a:p>
+            <a:r>
+              <a:rPr lang="en-US" smtClean="0"/>
+              <a:t>© Elephant Scale, 2014</a:t>
+            </a:r>
+            <a:endParaRPr lang="en-US" dirty="0"/>
+          </a:p>
+        </p:txBody>
+      </p:sp>
+    </p:spTree>
+    <p:extLst>
+      <p:ext uri="{BB962C8B-B14F-4D97-AF65-F5344CB8AC3E}">
+        <p14:creationId xmlns:p14="http://schemas.microsoft.com/office/powerpoint/2010/main" val="2914681554"/>
+      </p:ext>
+    </p:extLst>
+  </p:cSld>
+  <p:clrMapOvr>
+    <a:masterClrMapping/>
+  </p:clrMapOvr>
+</p:sld>
+</file>
+
+<file path=ppt/slides/slide53.xml><?xml version="1.0" encoding="utf-8"?>
+<p:sld xmlns:a="http://schemas.openxmlformats.org/drawingml/2006/main" xmlns:r="http://schemas.openxmlformats.org/officeDocument/2006/relationships" xmlns:p="http://schemas.openxmlformats.org/presentationml/2006/main">
+  <p:cSld>
+    <p:spTree>
+      <p:nvGrpSpPr>
+        <p:cNvPr id="1" name=""/>
+        <p:cNvGrpSpPr/>
+        <p:nvPr/>
+      </p:nvGrpSpPr>
+      <p:grpSpPr>
+        <a:xfrm>
+          <a:off x="0" y="0"/>
+          <a:ext cx="0" cy="0"/>
+          <a:chOff x="0" y="0"/>
+          <a:chExt cx="0" cy="0"/>
+        </a:xfrm>
+      </p:grpSpPr>
+      <p:sp>
+        <p:nvSpPr>
+          <p:cNvPr id="2" name="Title 1"/>
+          <p:cNvSpPr>
+            <a:spLocks noGrp="1"/>
+          </p:cNvSpPr>
+          <p:nvPr>
+            <p:ph type="title"/>
+          </p:nvPr>
+        </p:nvSpPr>
+        <p:spPr/>
+        <p:txBody>
+          <a:bodyPr/>
+          <a:lstStyle/>
+          <a:p>
+            <a:r>
+              <a:rPr lang="en-US" dirty="0" smtClean="0"/>
+              <a:t>Lab : Clickstream Analysis (1.5 </a:t>
+            </a:r>
+            <a:r>
+              <a:rPr lang="en-US" dirty="0" err="1" smtClean="0"/>
+              <a:t>hrs</a:t>
+            </a:r>
+            <a:r>
+              <a:rPr lang="en-US" dirty="0" smtClean="0"/>
+              <a:t>)</a:t>
+            </a:r>
+            <a:endParaRPr lang="en-US" dirty="0"/>
+          </a:p>
+        </p:txBody>
+      </p:sp>
+      <p:sp>
+        <p:nvSpPr>
+          <p:cNvPr id="3" name="Content Placeholder 2"/>
+          <p:cNvSpPr>
+            <a:spLocks noGrp="1"/>
+          </p:cNvSpPr>
+          <p:nvPr>
+            <p:ph idx="1"/>
+          </p:nvPr>
+        </p:nvSpPr>
+        <p:spPr/>
+        <p:txBody>
+          <a:bodyPr/>
+          <a:lstStyle/>
+          <a:p>
+            <a:r>
+              <a:rPr lang="en-US" dirty="0" smtClean="0"/>
+              <a:t>1.4-mapreduce/</a:t>
+            </a:r>
+            <a:r>
+              <a:rPr lang="en-US" dirty="0" err="1" smtClean="0"/>
+              <a:t>clickstream.txt</a:t>
+            </a:r>
+            <a:endParaRPr lang="en-US" dirty="0"/>
+          </a:p>
+        </p:txBody>
+      </p:sp>
+      <p:sp>
+        <p:nvSpPr>
+          <p:cNvPr id="4" name="Footer Placeholder 3"/>
+          <p:cNvSpPr>
+            <a:spLocks noGrp="1"/>
+          </p:cNvSpPr>
+          <p:nvPr>
+            <p:ph type="ftr" sz="quarter" idx="11"/>
+          </p:nvPr>
+        </p:nvSpPr>
+        <p:spPr/>
+        <p:txBody>
+          <a:bodyPr/>
+          <a:lstStyle/>
+          <a:p>
+            <a:r>
+              <a:rPr lang="en-US" smtClean="0"/>
+              <a:t>© Elephant Scale, 2014</a:t>
+            </a:r>
+            <a:endParaRPr lang="en-US" dirty="0"/>
+          </a:p>
+        </p:txBody>
+      </p:sp>
+    </p:spTree>
+    <p:extLst>
+      <p:ext uri="{BB962C8B-B14F-4D97-AF65-F5344CB8AC3E}">
+        <p14:creationId xmlns:p14="http://schemas.microsoft.com/office/powerpoint/2010/main" val="2868729591"/>
+      </p:ext>
+    </p:extLst>
+  </p:cSld>
+  <p:clrMapOvr>
+    <a:masterClrMapping/>
+  </p:clrMapOvr>
+</p:sld>
+</file>
+
+<file path=ppt/slides/slide54.xml><?xml version="1.0" encoding="utf-8"?>
+<p:sld xmlns:a="http://schemas.openxmlformats.org/drawingml/2006/main" xmlns:r="http://schemas.openxmlformats.org/officeDocument/2006/relationships" xmlns:p="http://schemas.openxmlformats.org/presentationml/2006/main">
+  <p:cSld>
+    <p:spTree>
+      <p:nvGrpSpPr>
+        <p:cNvPr id="1" name=""/>
+        <p:cNvGrpSpPr/>
+        <p:nvPr/>
+      </p:nvGrpSpPr>
+      <p:grpSpPr>
+        <a:xfrm>
+          <a:off x="0" y="0"/>
+          <a:ext cx="0" cy="0"/>
+          <a:chOff x="0" y="0"/>
+          <a:chExt cx="0" cy="0"/>
+        </a:xfrm>
+      </p:grpSpPr>
+      <p:sp>
+        <p:nvSpPr>
+          <p:cNvPr id="2" name="Title 1"/>
+          <p:cNvSpPr>
+            <a:spLocks noGrp="1"/>
+          </p:cNvSpPr>
+          <p:nvPr>
+            <p:ph type="title"/>
+          </p:nvPr>
+        </p:nvSpPr>
+        <p:spPr/>
+        <p:txBody>
+          <a:bodyPr/>
+          <a:lstStyle/>
+          <a:p>
+            <a:r>
+              <a:rPr lang="en-US" dirty="0" smtClean="0"/>
               <a:t>Thanks! &amp; Questions !</a:t>
             </a:r>
             <a:endParaRPr lang="en-US" dirty="0"/>
@@ -21218,7 +22612,7 @@
 </p:sld>
 </file>
 
-<file path=ppt/slides/slide52.xml><?xml version="1.0" encoding="utf-8"?>
+<file path=ppt/slides/slide55.xml><?xml version="1.0" encoding="utf-8"?>
 <p:sld xmlns:a="http://schemas.openxmlformats.org/drawingml/2006/main" xmlns:r="http://schemas.openxmlformats.org/officeDocument/2006/relationships" xmlns:p="http://schemas.openxmlformats.org/presentationml/2006/main">
   <p:cSld>
     <p:spTree>
